--- a/pres.pptx [Repaired].pptx
+++ b/pres.pptx [Repaired].pptx
@@ -141,6 +141,22 @@
       </a:defRPr>
     </a:lvl9pPr>
   </p:defaultTextStyle>
+  <p:extLst>
+    <p:ext uri="{EFAFB233-063F-42B5-8137-9DF3F51BA10A}">
+      <p15:sldGuideLst xmlns:p15="http://schemas.microsoft.com/office/powerpoint/2012/main">
+        <p15:guide id="1" orient="horz" pos="2160">
+          <p15:clr>
+            <a:srgbClr val="A4A3A4"/>
+          </p15:clr>
+        </p15:guide>
+        <p15:guide id="2" pos="2880">
+          <p15:clr>
+            <a:srgbClr val="A4A3A4"/>
+          </p15:clr>
+        </p15:guide>
+      </p15:sldGuideLst>
+    </p:ext>
+  </p:extLst>
 </p:presentation>
 </file>
 
@@ -2720,7 +2736,7 @@
           <a:p>
             <a:fld id="{BE2FDB20-DAD4-4104-830F-594634127219}" type="datetimeFigureOut">
               <a:rPr lang="en-US" smtClean="0"/>
-              <a:t>12/5/2016</a:t>
+              <a:t>12/6/2016</a:t>
             </a:fld>
             <a:endParaRPr lang="en-US"/>
           </a:p>
@@ -4210,7 +4226,7 @@
                       <m:sSupPr>
                         <m:ctrlPr>
                           <a:rPr lang="pt-BR" sz="1600" b="0" i="1" smtClean="0">
-                            <a:latin typeface="Cambria Math"/>
+                            <a:latin typeface="Cambria Math" panose="02040503050406030204" pitchFamily="18" charset="0"/>
                             <a:ea typeface="Cambria Math"/>
                           </a:rPr>
                         </m:ctrlPr>
@@ -4260,8 +4276,8 @@
                         <m:begChr m:val="{"/>
                         <m:endChr m:val="}"/>
                         <m:ctrlPr>
-                          <a:rPr lang="pt-BR" sz="1600" b="0" i="0" smtClean="0">
-                            <a:latin typeface="Cambria Math"/>
+                          <a:rPr lang="pt-BR" sz="1600" b="0" i="1" smtClean="0">
+                            <a:latin typeface="Cambria Math" panose="02040503050406030204" pitchFamily="18" charset="0"/>
                             <a:ea typeface="Cambria Math"/>
                           </a:rPr>
                         </m:ctrlPr>
@@ -4271,7 +4287,7 @@
                           <m:sSubPr>
                             <m:ctrlPr>
                               <a:rPr lang="pt-BR" sz="1600" b="0" i="1" smtClean="0">
-                                <a:latin typeface="Cambria Math"/>
+                                <a:latin typeface="Cambria Math" panose="02040503050406030204" pitchFamily="18" charset="0"/>
                                 <a:ea typeface="Cambria Math"/>
                               </a:rPr>
                             </m:ctrlPr>
@@ -4306,7 +4322,7 @@
                           <m:sSubPr>
                             <m:ctrlPr>
                               <a:rPr lang="pt-BR" sz="1600" b="0" i="1" smtClean="0">
-                                <a:latin typeface="Cambria Math"/>
+                                <a:latin typeface="Cambria Math" panose="02040503050406030204" pitchFamily="18" charset="0"/>
                                 <a:ea typeface="Cambria Math"/>
                               </a:rPr>
                             </m:ctrlPr>
@@ -4341,7 +4357,7 @@
                           <m:sSubPr>
                             <m:ctrlPr>
                               <a:rPr lang="pt-BR" sz="1600" b="0" i="1" smtClean="0">
-                                <a:latin typeface="Cambria Math"/>
+                                <a:latin typeface="Cambria Math" panose="02040503050406030204" pitchFamily="18" charset="0"/>
                                 <a:ea typeface="Cambria Math"/>
                               </a:rPr>
                             </m:ctrlPr>
@@ -4407,7 +4423,7 @@
                       <m:sSupPr>
                         <m:ctrlPr>
                           <a:rPr lang="pt-BR" sz="1600" i="1">
-                            <a:latin typeface="Cambria Math"/>
+                            <a:latin typeface="Cambria Math" panose="02040503050406030204" pitchFamily="18" charset="0"/>
                             <a:ea typeface="Cambria Math"/>
                           </a:rPr>
                         </m:ctrlPr>
@@ -4458,7 +4474,7 @@
                         <m:endChr m:val="}"/>
                         <m:ctrlPr>
                           <a:rPr lang="pt-BR" sz="1600" b="0" i="1" smtClean="0">
-                            <a:latin typeface="Cambria Math"/>
+                            <a:latin typeface="Cambria Math" panose="02040503050406030204" pitchFamily="18" charset="0"/>
                             <a:ea typeface="Cambria Math"/>
                           </a:rPr>
                         </m:ctrlPr>
@@ -4468,7 +4484,7 @@
                           <m:sSubPr>
                             <m:ctrlPr>
                               <a:rPr lang="pt-BR" sz="1600" b="0" i="1" smtClean="0">
-                                <a:latin typeface="Cambria Math"/>
+                                <a:latin typeface="Cambria Math" panose="02040503050406030204" pitchFamily="18" charset="0"/>
                                 <a:ea typeface="Cambria Math"/>
                               </a:rPr>
                             </m:ctrlPr>
@@ -4503,7 +4519,7 @@
                           <m:sSubPr>
                             <m:ctrlPr>
                               <a:rPr lang="pt-BR" sz="1600" b="0" i="1" smtClean="0">
-                                <a:latin typeface="Cambria Math"/>
+                                <a:latin typeface="Cambria Math" panose="02040503050406030204" pitchFamily="18" charset="0"/>
                                 <a:ea typeface="Cambria Math"/>
                               </a:rPr>
                             </m:ctrlPr>
@@ -4538,7 +4554,7 @@
                           <m:sSubPr>
                             <m:ctrlPr>
                               <a:rPr lang="pt-BR" sz="1600" b="0" i="1" smtClean="0">
-                                <a:latin typeface="Cambria Math"/>
+                                <a:latin typeface="Cambria Math" panose="02040503050406030204" pitchFamily="18" charset="0"/>
                                 <a:ea typeface="Cambria Math"/>
                               </a:rPr>
                             </m:ctrlPr>
@@ -4566,7 +4582,359 @@
                     </m:d>
                   </m:oMath>
                 </a14:m>
+                <a:endParaRPr lang="pt-BR" dirty="0" smtClean="0"/>
+              </a:p>
+              <a:p>
+                <a:pPr marL="742950" lvl="1" indent="-285750">
+                  <a:buFont typeface="Arial" panose="020B0604020202020204" pitchFamily="34" charset="0"/>
+                  <a:buChar char="•"/>
+                </a:pPr>
                 <a:endParaRPr lang="pt-BR" dirty="0"/>
+              </a:p>
+              <a:p>
+                <a:pPr marL="742950" lvl="1" indent="-285750">
+                  <a:buFont typeface="Arial" panose="020B0604020202020204" pitchFamily="34" charset="0"/>
+                  <a:buChar char="•"/>
+                </a:pPr>
+                <a14:m>
+                  <m:oMath xmlns:m="http://schemas.openxmlformats.org/officeDocument/2006/math">
+                    <m:r>
+                      <a:rPr lang="pt-BR" sz="1600" i="1" smtClean="0">
+                        <a:latin typeface="Cambria Math"/>
+                      </a:rPr>
+                      <m:t>𝑠</m:t>
+                    </m:r>
+                    <m:d>
+                      <m:dPr>
+                        <m:ctrlPr>
+                          <a:rPr lang="pt-BR" sz="1600" i="1">
+                            <a:latin typeface="Cambria Math" panose="02040503050406030204" pitchFamily="18" charset="0"/>
+                          </a:rPr>
+                        </m:ctrlPr>
+                      </m:dPr>
+                      <m:e>
+                        <m:sSub>
+                          <m:sSubPr>
+                            <m:ctrlPr>
+                              <a:rPr lang="pt-BR" sz="1600" i="1">
+                                <a:latin typeface="Cambria Math" panose="02040503050406030204" pitchFamily="18" charset="0"/>
+                              </a:rPr>
+                            </m:ctrlPr>
+                          </m:sSubPr>
+                          <m:e>
+                            <m:r>
+                              <a:rPr lang="pt-BR" sz="1600" i="1">
+                                <a:latin typeface="Cambria Math"/>
+                              </a:rPr>
+                              <m:t>𝑦</m:t>
+                            </m:r>
+                          </m:e>
+                          <m:sub>
+                            <m:r>
+                              <a:rPr lang="pt-BR" sz="1600" i="1">
+                                <a:latin typeface="Cambria Math"/>
+                              </a:rPr>
+                              <m:t>𝑗</m:t>
+                            </m:r>
+                          </m:sub>
+                        </m:sSub>
+                      </m:e>
+                    </m:d>
+                    <m:r>
+                      <a:rPr lang="pt-BR" sz="1600" i="1">
+                        <a:latin typeface="Cambria Math"/>
+                      </a:rPr>
+                      <m:t>=</m:t>
+                    </m:r>
+                    <m:sSub>
+                      <m:sSubPr>
+                        <m:ctrlPr>
+                          <a:rPr lang="pt-BR" sz="1600" i="1">
+                            <a:latin typeface="Cambria Math" panose="02040503050406030204" pitchFamily="18" charset="0"/>
+                          </a:rPr>
+                        </m:ctrlPr>
+                      </m:sSubPr>
+                      <m:e>
+                        <m:r>
+                          <a:rPr lang="pt-BR" sz="1600" i="1">
+                            <a:latin typeface="Cambria Math"/>
+                          </a:rPr>
+                          <m:t>𝑥</m:t>
+                        </m:r>
+                      </m:e>
+                      <m:sub>
+                        <m:r>
+                          <a:rPr lang="pt-BR" sz="1600" i="1">
+                            <a:latin typeface="Cambria Math"/>
+                          </a:rPr>
+                          <m:t>𝑗</m:t>
+                        </m:r>
+                      </m:sub>
+                    </m:sSub>
+                  </m:oMath>
+                </a14:m>
+                <a:r>
+                  <a:rPr lang="pt-BR" sz="1600" dirty="0" smtClean="0"/>
+                  <a:t> ?</a:t>
+                </a:r>
+              </a:p>
+              <a:p>
+                <a:pPr marL="742950" lvl="1" indent="-285750">
+                  <a:buFont typeface="Arial" panose="020B0604020202020204" pitchFamily="34" charset="0"/>
+                  <a:buChar char="•"/>
+                </a:pPr>
+                <a:endParaRPr lang="pt-BR" sz="1600" dirty="0"/>
+              </a:p>
+              <a:p>
+                <a:pPr marL="742950" lvl="1" indent="-285750">
+                  <a:buFont typeface="Arial" panose="020B0604020202020204" pitchFamily="34" charset="0"/>
+                  <a:buChar char="•"/>
+                </a:pPr>
+                <a:r>
+                  <a:rPr lang="pt-BR" sz="1600" dirty="0">
+                    <a:ea typeface="Cambria Math"/>
+                  </a:rPr>
+                  <a:t>Dado um ponto </a:t>
+                </a:r>
+                <a14:m>
+                  <m:oMath xmlns:m="http://schemas.openxmlformats.org/officeDocument/2006/math">
+                    <m:r>
+                      <a:rPr lang="pt-BR" sz="1600" i="1">
+                        <a:latin typeface="Cambria Math"/>
+                        <a:ea typeface="Cambria Math"/>
+                      </a:rPr>
+                      <m:t>𝑝</m:t>
+                    </m:r>
+                    <m:r>
+                      <a:rPr lang="pt-BR" sz="1600" i="1">
+                        <a:latin typeface="Cambria Math"/>
+                        <a:ea typeface="Cambria Math"/>
+                      </a:rPr>
+                      <m:t>∈</m:t>
+                    </m:r>
+                    <m:sSup>
+                      <m:sSupPr>
+                        <m:ctrlPr>
+                          <a:rPr lang="pt-BR" sz="1600" i="1">
+                            <a:latin typeface="Cambria Math" panose="02040503050406030204" pitchFamily="18" charset="0"/>
+                            <a:ea typeface="Cambria Math"/>
+                          </a:rPr>
+                        </m:ctrlPr>
+                      </m:sSupPr>
+                      <m:e>
+                        <m:r>
+                          <a:rPr lang="pt-BR" sz="1600" i="1">
+                            <a:latin typeface="Cambria Math"/>
+                            <a:ea typeface="Cambria Math"/>
+                          </a:rPr>
+                          <m:t>ℝ</m:t>
+                        </m:r>
+                      </m:e>
+                      <m:sup>
+                        <m:r>
+                          <a:rPr lang="pt-BR" sz="1600" i="1">
+                            <a:latin typeface="Cambria Math"/>
+                            <a:ea typeface="Cambria Math"/>
+                          </a:rPr>
+                          <m:t>2</m:t>
+                        </m:r>
+                      </m:sup>
+                    </m:sSup>
+                  </m:oMath>
+                </a14:m>
+                <a:endParaRPr lang="pt-BR" sz="1600" dirty="0">
+                  <a:ea typeface="Cambria Math"/>
+                </a:endParaRPr>
+              </a:p>
+              <a:p>
+                <a:pPr marL="1200150" lvl="2" indent="-285750">
+                  <a:buFont typeface="Arial" panose="020B0604020202020204" pitchFamily="34" charset="0"/>
+                  <a:buChar char="•"/>
+                </a:pPr>
+                <a14:m>
+                  <m:oMath xmlns:m="http://schemas.openxmlformats.org/officeDocument/2006/math">
+                    <m:r>
+                      <a:rPr lang="pt-BR" sz="1600" i="1">
+                        <a:latin typeface="Cambria Math"/>
+                      </a:rPr>
+                      <m:t>𝑞</m:t>
+                    </m:r>
+                    <m:r>
+                      <a:rPr lang="pt-BR" sz="1600" i="1">
+                        <a:latin typeface="Cambria Math"/>
+                        <a:ea typeface="Cambria Math"/>
+                      </a:rPr>
+                      <m:t>∈</m:t>
+                    </m:r>
+                    <m:sSup>
+                      <m:sSupPr>
+                        <m:ctrlPr>
+                          <a:rPr lang="pt-BR" sz="1600" i="1">
+                            <a:latin typeface="Cambria Math" panose="02040503050406030204" pitchFamily="18" charset="0"/>
+                            <a:ea typeface="Cambria Math"/>
+                          </a:rPr>
+                        </m:ctrlPr>
+                      </m:sSupPr>
+                      <m:e>
+                        <m:r>
+                          <a:rPr lang="pt-BR" sz="1600" i="1">
+                            <a:latin typeface="Cambria Math"/>
+                            <a:ea typeface="Cambria Math"/>
+                          </a:rPr>
+                          <m:t>ℝ</m:t>
+                        </m:r>
+                      </m:e>
+                      <m:sup>
+                        <m:r>
+                          <a:rPr lang="pt-BR" sz="1600" i="1">
+                            <a:latin typeface="Cambria Math"/>
+                            <a:ea typeface="Cambria Math"/>
+                          </a:rPr>
+                          <m:t>𝑚</m:t>
+                        </m:r>
+                      </m:sup>
+                    </m:sSup>
+                    <m:r>
+                      <a:rPr lang="pt-BR" sz="1600" i="1">
+                        <a:latin typeface="Cambria Math"/>
+                        <a:ea typeface="Cambria Math"/>
+                      </a:rPr>
+                      <m:t>?</m:t>
+                    </m:r>
+                  </m:oMath>
+                </a14:m>
+                <a:endParaRPr lang="pt-BR" sz="1600" dirty="0"/>
+              </a:p>
+              <a:p>
+                <a:pPr marL="1200150" lvl="2" indent="-285750">
+                  <a:buFont typeface="Arial" panose="020B0604020202020204" pitchFamily="34" charset="0"/>
+                  <a:buChar char="•"/>
+                </a:pPr>
+                <a14:m>
+                  <m:oMath xmlns:m="http://schemas.openxmlformats.org/officeDocument/2006/math">
+                    <m:r>
+                      <a:rPr lang="pt-BR" sz="1600" i="1">
+                        <a:latin typeface="Cambria Math"/>
+                      </a:rPr>
+                      <m:t>𝑠</m:t>
+                    </m:r>
+                    <m:d>
+                      <m:dPr>
+                        <m:ctrlPr>
+                          <a:rPr lang="pt-BR" sz="1600" i="1">
+                            <a:latin typeface="Cambria Math" panose="02040503050406030204" pitchFamily="18" charset="0"/>
+                          </a:rPr>
+                        </m:ctrlPr>
+                      </m:dPr>
+                      <m:e>
+                        <m:r>
+                          <a:rPr lang="pt-BR" sz="1600" i="1">
+                            <a:latin typeface="Cambria Math" panose="02040503050406030204" pitchFamily="18" charset="0"/>
+                          </a:rPr>
+                          <m:t>𝑝</m:t>
+                        </m:r>
+                      </m:e>
+                    </m:d>
+                    <m:r>
+                      <a:rPr lang="pt-BR" sz="1600" i="1">
+                        <a:latin typeface="Cambria Math"/>
+                      </a:rPr>
+                      <m:t>=</m:t>
+                    </m:r>
+                    <m:r>
+                      <a:rPr lang="pt-BR" sz="1600" i="1">
+                        <a:latin typeface="Cambria Math" panose="02040503050406030204" pitchFamily="18" charset="0"/>
+                      </a:rPr>
+                      <m:t>𝑞</m:t>
+                    </m:r>
+                  </m:oMath>
+                </a14:m>
+                <a:endParaRPr lang="pt-BR" sz="1600" dirty="0"/>
+              </a:p>
+              <a:p>
+                <a:pPr lvl="1"/>
+                <a:endParaRPr lang="pt-BR" sz="1600" dirty="0"/>
+              </a:p>
+              <a:p>
+                <a:pPr marL="742950" lvl="1" indent="-285750">
+                  <a:buFont typeface="Arial" panose="020B0604020202020204" pitchFamily="34" charset="0"/>
+                  <a:buChar char="•"/>
+                </a:pPr>
+                <a14:m>
+                  <m:oMath xmlns:m="http://schemas.openxmlformats.org/officeDocument/2006/math">
+                    <m:r>
+                      <a:rPr lang="pt-BR" sz="1600" i="1" smtClean="0">
+                        <a:latin typeface="Cambria Math"/>
+                      </a:rPr>
+                      <m:t>𝑠</m:t>
+                    </m:r>
+                    <m:r>
+                      <a:rPr lang="pt-BR" sz="1600" i="1" smtClean="0">
+                        <a:latin typeface="Cambria Math"/>
+                      </a:rPr>
+                      <m:t>:</m:t>
+                    </m:r>
+                    <m:sSup>
+                      <m:sSupPr>
+                        <m:ctrlPr>
+                          <a:rPr lang="pt-BR" sz="1600" i="1">
+                            <a:latin typeface="Cambria Math" panose="02040503050406030204" pitchFamily="18" charset="0"/>
+                          </a:rPr>
+                        </m:ctrlPr>
+                      </m:sSupPr>
+                      <m:e>
+                        <m:r>
+                          <a:rPr lang="pt-BR" sz="1600" i="1">
+                            <a:latin typeface="Cambria Math"/>
+                            <a:ea typeface="Cambria Math"/>
+                          </a:rPr>
+                          <m:t>ℝ</m:t>
+                        </m:r>
+                      </m:e>
+                      <m:sup>
+                        <m:r>
+                          <a:rPr lang="pt-BR" sz="1600" i="1">
+                            <a:latin typeface="Cambria Math"/>
+                          </a:rPr>
+                          <m:t>2</m:t>
+                        </m:r>
+                      </m:sup>
+                    </m:sSup>
+                    <m:r>
+                      <a:rPr lang="pt-BR" sz="1600" i="1">
+                        <a:latin typeface="Cambria Math"/>
+                      </a:rPr>
+                      <m:t>→</m:t>
+                    </m:r>
+                    <m:sSup>
+                      <m:sSupPr>
+                        <m:ctrlPr>
+                          <a:rPr lang="pt-BR" sz="1600" i="1">
+                            <a:latin typeface="Cambria Math" panose="02040503050406030204" pitchFamily="18" charset="0"/>
+                          </a:rPr>
+                        </m:ctrlPr>
+                      </m:sSupPr>
+                      <m:e>
+                        <m:r>
+                          <a:rPr lang="pt-BR" sz="1600" i="1">
+                            <a:latin typeface="Cambria Math"/>
+                            <a:ea typeface="Cambria Math"/>
+                          </a:rPr>
+                          <m:t>ℝ</m:t>
+                        </m:r>
+                      </m:e>
+                      <m:sup>
+                        <m:r>
+                          <a:rPr lang="pt-BR" sz="1600" i="1">
+                            <a:latin typeface="Cambria Math"/>
+                          </a:rPr>
+                          <m:t>𝑚</m:t>
+                        </m:r>
+                      </m:sup>
+                    </m:sSup>
+                  </m:oMath>
+                </a14:m>
+                <a:endParaRPr lang="pt-BR" sz="1600" dirty="0"/>
               </a:p>
               <a:p>
                 <a:pPr marL="285750" indent="-285750">
@@ -4595,10 +4963,10 @@
               <a:prstGeom prst="rect">
                 <a:avLst/>
               </a:prstGeom>
-              <a:blipFill rotWithShape="1">
+              <a:blipFill rotWithShape="0">
                 <a:blip r:embed="rId2"/>
                 <a:stretch>
-                  <a:fillRect l="-222" t="-404"/>
+                  <a:fillRect l="-296" t="-404"/>
                 </a:stretch>
               </a:blipFill>
               <a:ln>
@@ -4610,7 +4978,7 @@
               <a:lstStyle/>
               <a:p>
                 <a:r>
-                  <a:rPr lang="pt-BR">
+                  <a:rPr lang="en-US">
                     <a:noFill/>
                   </a:rPr>
                   <a:t> </a:t>
@@ -4743,8 +5111,8 @@
           </a:p>
         </p:txBody>
       </p:sp>
-      <mc:AlternateContent xmlns:mc="http://schemas.openxmlformats.org/markup-compatibility/2006">
-        <mc:Choice xmlns:a14="http://schemas.microsoft.com/office/drawing/2010/main" Requires="a14">
+      <mc:AlternateContent xmlns:mc="http://schemas.openxmlformats.org/markup-compatibility/2006" xmlns:a14="http://schemas.microsoft.com/office/drawing/2010/main">
+        <mc:Choice Requires="a14">
           <p:sp>
             <p:nvSpPr>
               <p:cNvPr id="7" name="TextBox 6"/>
@@ -4786,8 +5154,8 @@
                         <m:begChr m:val="["/>
                         <m:endChr m:val="]"/>
                         <m:ctrlPr>
-                          <a:rPr lang="pt-BR" sz="1600" b="0" i="0" smtClean="0">
-                            <a:latin typeface="Cambria Math"/>
+                          <a:rPr lang="pt-BR" sz="1600" b="0" i="1" smtClean="0">
+                            <a:latin typeface="Cambria Math" panose="02040503050406030204" pitchFamily="18" charset="0"/>
                           </a:rPr>
                         </m:ctrlPr>
                       </m:dPr>
@@ -4796,7 +5164,7 @@
                           <m:sSupPr>
                             <m:ctrlPr>
                               <a:rPr lang="pt-BR" sz="1600" b="0" i="1" smtClean="0">
-                                <a:latin typeface="Cambria Math"/>
+                                <a:latin typeface="Cambria Math" panose="02040503050406030204" pitchFamily="18" charset="0"/>
                               </a:rPr>
                             </m:ctrlPr>
                           </m:sSupPr>
@@ -4827,7 +5195,7 @@
             </p:txBody>
           </p:sp>
         </mc:Choice>
-        <mc:Fallback>
+        <mc:Fallback xmlns="">
           <p:sp>
             <p:nvSpPr>
               <p:cNvPr id="7" name="TextBox 6"/>
@@ -4866,8 +5234,8 @@
           </p:sp>
         </mc:Fallback>
       </mc:AlternateContent>
-      <mc:AlternateContent xmlns:mc="http://schemas.openxmlformats.org/markup-compatibility/2006">
-        <mc:Choice xmlns:a14="http://schemas.microsoft.com/office/drawing/2010/main" Requires="a14">
+      <mc:AlternateContent xmlns:mc="http://schemas.openxmlformats.org/markup-compatibility/2006" xmlns:a14="http://schemas.microsoft.com/office/drawing/2010/main">
+        <mc:Choice Requires="a14">
           <p:sp>
             <p:nvSpPr>
               <p:cNvPr id="8" name="TextBox 7"/>
@@ -4901,8 +5269,8 @@
                         <m:begChr m:val="["/>
                         <m:endChr m:val="]"/>
                         <m:ctrlPr>
-                          <a:rPr lang="pt-BR" sz="1600" b="0" i="0" smtClean="0">
-                            <a:latin typeface="Cambria Math"/>
+                          <a:rPr lang="pt-BR" sz="1600" b="0" i="1" smtClean="0">
+                            <a:latin typeface="Cambria Math" panose="02040503050406030204" pitchFamily="18" charset="0"/>
                           </a:rPr>
                         </m:ctrlPr>
                       </m:dPr>
@@ -4911,7 +5279,7 @@
                           <m:sSupPr>
                             <m:ctrlPr>
                               <a:rPr lang="pt-BR" sz="1600" b="0" i="1" smtClean="0">
-                                <a:latin typeface="Cambria Math"/>
+                                <a:latin typeface="Cambria Math" panose="02040503050406030204" pitchFamily="18" charset="0"/>
                               </a:rPr>
                             </m:ctrlPr>
                           </m:sSupPr>
@@ -4942,7 +5310,7 @@
             </p:txBody>
           </p:sp>
         </mc:Choice>
-        <mc:Fallback>
+        <mc:Fallback xmlns="">
           <p:sp>
             <p:nvSpPr>
               <p:cNvPr id="8" name="TextBox 7"/>
@@ -5128,665 +5496,74 @@
               <a:bodyPr/>
               <a:lstStyle/>
               <a:p>
-                <a:pPr marL="285750" indent="-285750">
+                <a:pPr marL="342900" indent="-342900">
                   <a:buFont typeface="Arial" panose="020B0604020202020204" pitchFamily="34" charset="0"/>
                   <a:buChar char="•"/>
                 </a:pPr>
                 <a:r>
-                  <a:rPr lang="pt-BR" sz="1600" dirty="0" smtClean="0"/>
-                  <a:t>Problema:</a:t>
+                  <a:rPr lang="pt-BR" sz="1200" dirty="0" smtClean="0">
+                    <a:latin typeface="Calibri" panose="020F0502020204030204" pitchFamily="34" charset="0"/>
+                  </a:rPr>
+                  <a:t>Elisa Amorim, Emilio Vital Brazil, Jesús Mena-Chalco, Luiz Velho, Luis Gustavo Nonato, Faramarz Samavati, and Mario Costa Sousa. 2015. Facing the high-dimensions</a:t>
+                </a:r>
+                <a:r>
+                  <a:rPr lang="en-US" sz="1200" dirty="0">
+                    <a:latin typeface="Calibri" panose="020F0502020204030204" pitchFamily="34" charset="0"/>
+                  </a:rPr>
+                  <a:t>: Inverse projection with radial basis functions</a:t>
+                </a:r>
+                <a:r>
+                  <a:rPr lang="pt-BR" sz="1200" dirty="0">
+                    <a:latin typeface="Calibri" panose="020F0502020204030204" pitchFamily="34" charset="0"/>
+                  </a:rPr>
+                  <a:t>. </a:t>
+                </a:r>
+                <a:r>
+                  <a:rPr lang="pt-BR" sz="1200" i="1" dirty="0">
+                    <a:latin typeface="Calibri" panose="020F0502020204030204" pitchFamily="34" charset="0"/>
+                  </a:rPr>
+                  <a:t>Comput. Graph.</a:t>
+                </a:r>
+                <a:r>
+                  <a:rPr lang="pt-BR" sz="1200" dirty="0">
+                    <a:latin typeface="Calibri" panose="020F0502020204030204" pitchFamily="34" charset="0"/>
+                  </a:rPr>
+                  <a:t> 48, C (May 2015), 35-47. DOI=http://</a:t>
+                </a:r>
+                <a:r>
+                  <a:rPr lang="pt-BR" sz="1200" dirty="0" smtClean="0">
+                    <a:latin typeface="Calibri" panose="020F0502020204030204" pitchFamily="34" charset="0"/>
+                  </a:rPr>
+                  <a:t>dx.doi.org/10.1016/j.cag.2015.02.009</a:t>
                 </a:r>
               </a:p>
               <a:p>
-                <a:pPr marL="742950" lvl="1" indent="-285750">
+                <a:pPr marL="342900" indent="-342900">
                   <a:buFont typeface="Arial" panose="020B0604020202020204" pitchFamily="34" charset="0"/>
                   <a:buChar char="•"/>
                 </a:pPr>
-                <a:endParaRPr lang="pt-BR" sz="1600" b="0" i="1" dirty="0" smtClean="0">
-                  <a:latin typeface="Cambria Math"/>
-                  <a:ea typeface="Cambria Math"/>
+                <a:endParaRPr lang="pt-BR" sz="1200" dirty="0" smtClean="0">
+                  <a:latin typeface="Calibri" panose="020F0502020204030204" pitchFamily="34" charset="0"/>
                 </a:endParaRPr>
               </a:p>
               <a:p>
-                <a:pPr marL="742950" lvl="1" indent="-285750">
+                <a:pPr marL="342900" indent="-342900">
+                  <a:buFont typeface="Arial" panose="020B0604020202020204" pitchFamily="34" charset="0"/>
+                  <a:buChar char="•"/>
+                </a:pPr>
+                <a:endParaRPr lang="pt-BR" sz="1400" dirty="0">
+                  <a:latin typeface="Calibri" panose="020F0502020204030204" pitchFamily="34" charset="0"/>
+                </a:endParaRPr>
+              </a:p>
+              <a:p>
+                <a:pPr marL="342900" indent="-342900">
                   <a:buFont typeface="Arial" panose="020B0604020202020204" pitchFamily="34" charset="0"/>
                   <a:buChar char="•"/>
                 </a:pPr>
                 <a14:m>
                   <m:oMath xmlns:m="http://schemas.openxmlformats.org/officeDocument/2006/math">
                     <m:r>
-                      <a:rPr lang="pt-BR" sz="1600" b="0" i="1" smtClean="0">
-                        <a:latin typeface="Cambria Math"/>
-                        <a:ea typeface="Cambria Math"/>
-                      </a:rPr>
-                      <m:t>𝒳</m:t>
-                    </m:r>
-                    <m:r>
-                      <a:rPr lang="pt-BR" sz="1600" b="0" i="1" smtClean="0">
-                        <a:latin typeface="Cambria Math"/>
-                        <a:ea typeface="Cambria Math"/>
-                      </a:rPr>
-                      <m:t>⊂</m:t>
-                    </m:r>
-                    <m:sSup>
-                      <m:sSupPr>
-                        <m:ctrlPr>
-                          <a:rPr lang="pt-BR" sz="1600" b="0" i="1" smtClean="0">
-                            <a:latin typeface="Cambria Math"/>
-                            <a:ea typeface="Cambria Math"/>
-                          </a:rPr>
-                        </m:ctrlPr>
-                      </m:sSupPr>
-                      <m:e>
-                        <m:r>
-                          <a:rPr lang="pt-BR" sz="1600" i="1">
-                            <a:latin typeface="Cambria Math"/>
-                            <a:ea typeface="Cambria Math"/>
-                          </a:rPr>
-                          <m:t>ℝ</m:t>
-                        </m:r>
-                      </m:e>
-                      <m:sup>
-                        <m:r>
-                          <a:rPr lang="pt-BR" sz="1600" b="0" i="1" smtClean="0">
-                            <a:latin typeface="Cambria Math"/>
-                            <a:ea typeface="Cambria Math"/>
-                          </a:rPr>
-                          <m:t>𝑚</m:t>
-                        </m:r>
-                      </m:sup>
-                    </m:sSup>
-                    <m:r>
-                      <a:rPr lang="pt-BR" sz="1600" i="1">
-                        <a:latin typeface="Cambria Math"/>
-                        <a:ea typeface="Cambria Math"/>
-                      </a:rPr>
-                      <m:t>,</m:t>
-                    </m:r>
-                    <m:r>
-                      <a:rPr lang="pt-BR" sz="1600" i="1">
-                        <a:latin typeface="Cambria Math"/>
-                        <a:ea typeface="Cambria Math"/>
-                      </a:rPr>
-                      <m:t>𝒳</m:t>
-                    </m:r>
-                    <m:r>
-                      <a:rPr lang="pt-BR" sz="1600" b="0" i="0" smtClean="0">
-                        <a:latin typeface="Cambria Math"/>
-                        <a:ea typeface="Cambria Math"/>
-                      </a:rPr>
-                      <m:t>=</m:t>
-                    </m:r>
-                    <m:d>
-                      <m:dPr>
-                        <m:begChr m:val="{"/>
-                        <m:endChr m:val="}"/>
-                        <m:ctrlPr>
-                          <a:rPr lang="pt-BR" sz="1600" b="0" i="0" smtClean="0">
-                            <a:latin typeface="Cambria Math"/>
-                            <a:ea typeface="Cambria Math"/>
-                          </a:rPr>
-                        </m:ctrlPr>
-                      </m:dPr>
-                      <m:e>
-                        <m:sSub>
-                          <m:sSubPr>
-                            <m:ctrlPr>
-                              <a:rPr lang="pt-BR" sz="1600" b="0" i="1" smtClean="0">
-                                <a:latin typeface="Cambria Math"/>
-                                <a:ea typeface="Cambria Math"/>
-                              </a:rPr>
-                            </m:ctrlPr>
-                          </m:sSubPr>
-                          <m:e>
-                            <m:r>
-                              <a:rPr lang="pt-BR" sz="1600" b="0" i="1" smtClean="0">
-                                <a:latin typeface="Cambria Math"/>
-                                <a:ea typeface="Cambria Math"/>
-                              </a:rPr>
-                              <m:t>𝑥</m:t>
-                            </m:r>
-                          </m:e>
-                          <m:sub>
-                            <m:r>
-                              <a:rPr lang="pt-BR" sz="1600" b="0" i="1" smtClean="0">
-                                <a:latin typeface="Cambria Math"/>
-                                <a:ea typeface="Cambria Math"/>
-                              </a:rPr>
-                              <m:t>1</m:t>
-                            </m:r>
-                          </m:sub>
-                        </m:sSub>
-                        <m:r>
-                          <a:rPr lang="pt-BR" sz="1600" b="0" i="1" smtClean="0">
-                            <a:latin typeface="Cambria Math"/>
-                            <a:ea typeface="Cambria Math"/>
-                          </a:rPr>
-                          <m:t>,</m:t>
-                        </m:r>
-                        <m:sSub>
-                          <m:sSubPr>
-                            <m:ctrlPr>
-                              <a:rPr lang="pt-BR" sz="1600" b="0" i="1" smtClean="0">
-                                <a:latin typeface="Cambria Math"/>
-                                <a:ea typeface="Cambria Math"/>
-                              </a:rPr>
-                            </m:ctrlPr>
-                          </m:sSubPr>
-                          <m:e>
-                            <m:r>
-                              <a:rPr lang="pt-BR" sz="1600" b="0" i="1" smtClean="0">
-                                <a:latin typeface="Cambria Math"/>
-                                <a:ea typeface="Cambria Math"/>
-                              </a:rPr>
-                              <m:t>𝑥</m:t>
-                            </m:r>
-                          </m:e>
-                          <m:sub>
-                            <m:r>
-                              <a:rPr lang="pt-BR" sz="1600" b="0" i="1" smtClean="0">
-                                <a:latin typeface="Cambria Math"/>
-                                <a:ea typeface="Cambria Math"/>
-                              </a:rPr>
-                              <m:t>2</m:t>
-                            </m:r>
-                          </m:sub>
-                        </m:sSub>
-                        <m:r>
-                          <a:rPr lang="pt-BR" sz="1600" b="0" i="1" smtClean="0">
-                            <a:latin typeface="Cambria Math"/>
-                            <a:ea typeface="Cambria Math"/>
-                          </a:rPr>
-                          <m:t>,…,</m:t>
-                        </m:r>
-                        <m:sSub>
-                          <m:sSubPr>
-                            <m:ctrlPr>
-                              <a:rPr lang="pt-BR" sz="1600" b="0" i="1" smtClean="0">
-                                <a:latin typeface="Cambria Math"/>
-                                <a:ea typeface="Cambria Math"/>
-                              </a:rPr>
-                            </m:ctrlPr>
-                          </m:sSubPr>
-                          <m:e>
-                            <m:r>
-                              <a:rPr lang="pt-BR" sz="1600" b="0" i="1" smtClean="0">
-                                <a:latin typeface="Cambria Math"/>
-                                <a:ea typeface="Cambria Math"/>
-                              </a:rPr>
-                              <m:t>𝑥</m:t>
-                            </m:r>
-                          </m:e>
-                          <m:sub>
-                            <m:r>
-                              <a:rPr lang="pt-BR" sz="1600" b="0" i="1" smtClean="0">
-                                <a:latin typeface="Cambria Math"/>
-                                <a:ea typeface="Cambria Math"/>
-                              </a:rPr>
-                              <m:t>𝑛</m:t>
-                            </m:r>
-                          </m:sub>
-                        </m:sSub>
-                      </m:e>
-                    </m:d>
-                  </m:oMath>
-                </a14:m>
-                <a:endParaRPr lang="pt-BR" sz="1600" b="0" dirty="0" smtClean="0">
-                  <a:ea typeface="Cambria Math"/>
-                </a:endParaRPr>
-              </a:p>
-              <a:p>
-                <a:pPr marL="742950" lvl="1" indent="-285750">
-                  <a:buFont typeface="Arial" panose="020B0604020202020204" pitchFamily="34" charset="0"/>
-                  <a:buChar char="•"/>
-                </a:pPr>
-                <a:endParaRPr lang="pt-BR" sz="1600" b="0" dirty="0" smtClean="0">
-                  <a:ea typeface="Cambria Math"/>
-                </a:endParaRPr>
-              </a:p>
-              <a:p>
-                <a:pPr marL="742950" lvl="1" indent="-285750">
-                  <a:buFont typeface="Arial" panose="020B0604020202020204" pitchFamily="34" charset="0"/>
-                  <a:buChar char="•"/>
-                </a:pPr>
-                <a14:m>
-                  <m:oMath xmlns:m="http://schemas.openxmlformats.org/officeDocument/2006/math">
-                    <m:r>
-                      <a:rPr lang="pt-BR" sz="1600" b="0" i="1" smtClean="0">
-                        <a:latin typeface="Cambria Math"/>
-                        <a:ea typeface="Cambria Math"/>
-                      </a:rPr>
-                      <m:t>𝒴</m:t>
-                    </m:r>
-                    <m:r>
-                      <a:rPr lang="pt-BR" sz="1600" i="1">
-                        <a:latin typeface="Cambria Math"/>
-                        <a:ea typeface="Cambria Math"/>
-                      </a:rPr>
-                      <m:t>⊂</m:t>
-                    </m:r>
-                    <m:sSup>
-                      <m:sSupPr>
-                        <m:ctrlPr>
-                          <a:rPr lang="pt-BR" sz="1600" i="1">
-                            <a:latin typeface="Cambria Math"/>
-                            <a:ea typeface="Cambria Math"/>
-                          </a:rPr>
-                        </m:ctrlPr>
-                      </m:sSupPr>
-                      <m:e>
-                        <m:r>
-                          <a:rPr lang="pt-BR" sz="1600" i="1">
-                            <a:latin typeface="Cambria Math"/>
-                            <a:ea typeface="Cambria Math"/>
-                          </a:rPr>
-                          <m:t>ℝ</m:t>
-                        </m:r>
-                      </m:e>
-                      <m:sup>
-                        <m:r>
-                          <a:rPr lang="pt-BR" sz="1600" b="0" i="1" smtClean="0">
-                            <a:latin typeface="Cambria Math"/>
-                            <a:ea typeface="Cambria Math"/>
-                          </a:rPr>
-                          <m:t>2</m:t>
-                        </m:r>
-                      </m:sup>
-                    </m:sSup>
-                    <m:r>
-                      <a:rPr lang="pt-BR" sz="1600" b="0" i="1" smtClean="0">
-                        <a:latin typeface="Cambria Math"/>
-                        <a:ea typeface="Cambria Math"/>
-                      </a:rPr>
-                      <m:t>,</m:t>
-                    </m:r>
-                    <m:r>
-                      <a:rPr lang="pt-BR" sz="1600" i="1">
-                        <a:latin typeface="Cambria Math"/>
-                        <a:ea typeface="Cambria Math"/>
-                      </a:rPr>
-                      <m:t>𝒴</m:t>
-                    </m:r>
-                    <m:r>
-                      <a:rPr lang="pt-BR" sz="1600" b="0" i="1" smtClean="0">
-                        <a:latin typeface="Cambria Math"/>
-                        <a:ea typeface="Cambria Math"/>
-                      </a:rPr>
-                      <m:t>=</m:t>
-                    </m:r>
-                    <m:d>
-                      <m:dPr>
-                        <m:begChr m:val="{"/>
-                        <m:endChr m:val="}"/>
-                        <m:ctrlPr>
-                          <a:rPr lang="pt-BR" sz="1600" b="0" i="1" smtClean="0">
-                            <a:latin typeface="Cambria Math"/>
-                            <a:ea typeface="Cambria Math"/>
-                          </a:rPr>
-                        </m:ctrlPr>
-                      </m:dPr>
-                      <m:e>
-                        <m:sSub>
-                          <m:sSubPr>
-                            <m:ctrlPr>
-                              <a:rPr lang="pt-BR" sz="1600" b="0" i="1" smtClean="0">
-                                <a:latin typeface="Cambria Math"/>
-                                <a:ea typeface="Cambria Math"/>
-                              </a:rPr>
-                            </m:ctrlPr>
-                          </m:sSubPr>
-                          <m:e>
-                            <m:r>
-                              <a:rPr lang="pt-BR" sz="1600" b="0" i="1" smtClean="0">
-                                <a:latin typeface="Cambria Math"/>
-                                <a:ea typeface="Cambria Math"/>
-                              </a:rPr>
-                              <m:t>𝑦</m:t>
-                            </m:r>
-                          </m:e>
-                          <m:sub>
-                            <m:r>
-                              <a:rPr lang="pt-BR" sz="1600" b="0" i="1" smtClean="0">
-                                <a:latin typeface="Cambria Math"/>
-                                <a:ea typeface="Cambria Math"/>
-                              </a:rPr>
-                              <m:t>1</m:t>
-                            </m:r>
-                          </m:sub>
-                        </m:sSub>
-                        <m:r>
-                          <a:rPr lang="pt-BR" sz="1600" b="0" i="1" smtClean="0">
-                            <a:latin typeface="Cambria Math"/>
-                            <a:ea typeface="Cambria Math"/>
-                          </a:rPr>
-                          <m:t>,</m:t>
-                        </m:r>
-                        <m:sSub>
-                          <m:sSubPr>
-                            <m:ctrlPr>
-                              <a:rPr lang="pt-BR" sz="1600" b="0" i="1" smtClean="0">
-                                <a:latin typeface="Cambria Math"/>
-                                <a:ea typeface="Cambria Math"/>
-                              </a:rPr>
-                            </m:ctrlPr>
-                          </m:sSubPr>
-                          <m:e>
-                            <m:r>
-                              <a:rPr lang="pt-BR" sz="1600" b="0" i="1" smtClean="0">
-                                <a:latin typeface="Cambria Math"/>
-                                <a:ea typeface="Cambria Math"/>
-                              </a:rPr>
-                              <m:t>𝑦</m:t>
-                            </m:r>
-                          </m:e>
-                          <m:sub>
-                            <m:r>
-                              <a:rPr lang="pt-BR" sz="1600" b="0" i="1" smtClean="0">
-                                <a:latin typeface="Cambria Math"/>
-                                <a:ea typeface="Cambria Math"/>
-                              </a:rPr>
-                              <m:t>2</m:t>
-                            </m:r>
-                          </m:sub>
-                        </m:sSub>
-                        <m:r>
-                          <a:rPr lang="pt-BR" sz="1600" b="0" i="1" smtClean="0">
-                            <a:latin typeface="Cambria Math"/>
-                            <a:ea typeface="Cambria Math"/>
-                          </a:rPr>
-                          <m:t>,…,</m:t>
-                        </m:r>
-                        <m:sSub>
-                          <m:sSubPr>
-                            <m:ctrlPr>
-                              <a:rPr lang="pt-BR" sz="1600" b="0" i="1" smtClean="0">
-                                <a:latin typeface="Cambria Math"/>
-                                <a:ea typeface="Cambria Math"/>
-                              </a:rPr>
-                            </m:ctrlPr>
-                          </m:sSubPr>
-                          <m:e>
-                            <m:r>
-                              <a:rPr lang="pt-BR" sz="1600" b="0" i="1" smtClean="0">
-                                <a:latin typeface="Cambria Math"/>
-                                <a:ea typeface="Cambria Math"/>
-                              </a:rPr>
-                              <m:t>𝑦</m:t>
-                            </m:r>
-                          </m:e>
-                          <m:sub>
-                            <m:r>
-                              <a:rPr lang="pt-BR" sz="1600" b="0" i="1" smtClean="0">
-                                <a:latin typeface="Cambria Math"/>
-                                <a:ea typeface="Cambria Math"/>
-                              </a:rPr>
-                              <m:t>𝑛</m:t>
-                            </m:r>
-                          </m:sub>
-                        </m:sSub>
-                      </m:e>
-                    </m:d>
-                  </m:oMath>
-                </a14:m>
-                <a:endParaRPr lang="pt-BR" sz="1600" dirty="0" smtClean="0">
-                  <a:ea typeface="Cambria Math"/>
-                </a:endParaRPr>
-              </a:p>
-              <a:p>
-                <a:pPr marL="742950" lvl="1" indent="-285750">
-                  <a:buFont typeface="Arial" panose="020B0604020202020204" pitchFamily="34" charset="0"/>
-                  <a:buChar char="•"/>
-                </a:pPr>
-                <a:endParaRPr lang="pt-BR" sz="1600" dirty="0" smtClean="0">
-                  <a:ea typeface="Cambria Math"/>
-                </a:endParaRPr>
-              </a:p>
-              <a:p>
-                <a:pPr marL="742950" lvl="1" indent="-285750">
-                  <a:buFont typeface="Arial" panose="020B0604020202020204" pitchFamily="34" charset="0"/>
-                  <a:buChar char="•"/>
-                </a:pPr>
-                <a:endParaRPr lang="pt-BR" sz="1600" dirty="0" smtClean="0">
-                  <a:ea typeface="Cambria Math"/>
-                </a:endParaRPr>
-              </a:p>
-              <a:p>
-                <a:pPr marL="742950" lvl="1" indent="-285750">
-                  <a:buFont typeface="Arial" panose="020B0604020202020204" pitchFamily="34" charset="0"/>
-                  <a:buChar char="•"/>
-                </a:pPr>
-                <a:r>
-                  <a:rPr lang="pt-BR" sz="1600" dirty="0" smtClean="0">
-                    <a:ea typeface="Cambria Math"/>
-                  </a:rPr>
-                  <a:t>Dado um ponto </a:t>
-                </a:r>
-                <a14:m>
-                  <m:oMath xmlns:m="http://schemas.openxmlformats.org/officeDocument/2006/math">
-                    <m:r>
-                      <a:rPr lang="pt-BR" sz="1600" b="0" i="1" smtClean="0">
-                        <a:latin typeface="Cambria Math"/>
-                        <a:ea typeface="Cambria Math"/>
-                      </a:rPr>
-                      <m:t>𝑝</m:t>
-                    </m:r>
-                    <m:r>
-                      <a:rPr lang="pt-BR" sz="1600" b="0" i="1" smtClean="0">
-                        <a:latin typeface="Cambria Math"/>
-                        <a:ea typeface="Cambria Math"/>
-                      </a:rPr>
-                      <m:t>∈</m:t>
-                    </m:r>
-                    <m:sSup>
-                      <m:sSupPr>
-                        <m:ctrlPr>
-                          <a:rPr lang="pt-BR" sz="1600" b="0" i="1" smtClean="0">
-                            <a:latin typeface="Cambria Math"/>
-                            <a:ea typeface="Cambria Math"/>
-                          </a:rPr>
-                        </m:ctrlPr>
-                      </m:sSupPr>
-                      <m:e>
-                        <m:r>
-                          <a:rPr lang="pt-BR" sz="1600" i="1">
-                            <a:latin typeface="Cambria Math"/>
-                            <a:ea typeface="Cambria Math"/>
-                          </a:rPr>
-                          <m:t>ℝ</m:t>
-                        </m:r>
-                      </m:e>
-                      <m:sup>
-                        <m:r>
-                          <a:rPr lang="pt-BR" sz="1600" b="0" i="1" smtClean="0">
-                            <a:latin typeface="Cambria Math"/>
-                            <a:ea typeface="Cambria Math"/>
-                          </a:rPr>
-                          <m:t>2</m:t>
-                        </m:r>
-                      </m:sup>
-                    </m:sSup>
-                  </m:oMath>
-                </a14:m>
-                <a:endParaRPr lang="pt-BR" sz="1600" dirty="0" smtClean="0">
-                  <a:ea typeface="Cambria Math"/>
-                </a:endParaRPr>
-              </a:p>
-              <a:p>
-                <a:pPr marL="742950" lvl="1" indent="-285750">
-                  <a:buFont typeface="Arial" panose="020B0604020202020204" pitchFamily="34" charset="0"/>
-                  <a:buChar char="•"/>
-                </a:pPr>
-                <a:endParaRPr lang="pt-BR" sz="1600" dirty="0" smtClean="0">
-                  <a:ea typeface="Cambria Math"/>
-                </a:endParaRPr>
-              </a:p>
-              <a:p>
-                <a:pPr marL="742950" lvl="1" indent="-285750">
-                  <a:buFont typeface="Arial" panose="020B0604020202020204" pitchFamily="34" charset="0"/>
-                  <a:buChar char="•"/>
-                </a:pPr>
-                <a:r>
-                  <a:rPr lang="pt-BR" sz="1600" b="0" dirty="0" smtClean="0"/>
-                  <a:t>Qual o ponto </a:t>
-                </a:r>
-                <a14:m>
-                  <m:oMath xmlns:m="http://schemas.openxmlformats.org/officeDocument/2006/math">
-                    <m:r>
-                      <a:rPr lang="pt-BR" sz="1600" b="0" i="1" smtClean="0">
-                        <a:latin typeface="Cambria Math"/>
-                      </a:rPr>
-                      <m:t>𝑞</m:t>
-                    </m:r>
-                    <m:r>
-                      <a:rPr lang="pt-BR" sz="1600" i="1">
-                        <a:latin typeface="Cambria Math"/>
-                        <a:ea typeface="Cambria Math"/>
-                      </a:rPr>
-                      <m:t>∈</m:t>
-                    </m:r>
-                    <m:sSup>
-                      <m:sSupPr>
-                        <m:ctrlPr>
-                          <a:rPr lang="pt-BR" sz="1600" b="0" i="1" smtClean="0">
-                            <a:latin typeface="Cambria Math"/>
-                            <a:ea typeface="Cambria Math"/>
-                          </a:rPr>
-                        </m:ctrlPr>
-                      </m:sSupPr>
-                      <m:e>
-                        <m:r>
-                          <a:rPr lang="pt-BR" sz="1600" i="1">
-                            <a:latin typeface="Cambria Math"/>
-                            <a:ea typeface="Cambria Math"/>
-                          </a:rPr>
-                          <m:t>ℝ</m:t>
-                        </m:r>
-                      </m:e>
-                      <m:sup>
-                        <m:r>
-                          <a:rPr lang="pt-BR" sz="1600" b="0" i="1" smtClean="0">
-                            <a:latin typeface="Cambria Math"/>
-                            <a:ea typeface="Cambria Math"/>
-                          </a:rPr>
-                          <m:t>𝑚</m:t>
-                        </m:r>
-                      </m:sup>
-                    </m:sSup>
-                    <m:r>
-                      <a:rPr lang="pt-BR" sz="1600" b="0" i="1" smtClean="0">
-                        <a:latin typeface="Cambria Math"/>
-                        <a:ea typeface="Cambria Math"/>
-                      </a:rPr>
-                      <m:t>?</m:t>
-                    </m:r>
-                  </m:oMath>
-                </a14:m>
-                <a:endParaRPr lang="pt-BR" sz="1600" dirty="0" smtClean="0"/>
-              </a:p>
-              <a:p>
-                <a:pPr marL="742950" lvl="1" indent="-285750">
-                  <a:buFont typeface="Arial" panose="020B0604020202020204" pitchFamily="34" charset="0"/>
-                  <a:buChar char="•"/>
-                </a:pPr>
-                <a:endParaRPr lang="pt-BR" sz="1600" dirty="0"/>
-              </a:p>
-              <a:p>
-                <a:pPr marL="742950" lvl="1" indent="-285750">
-                  <a:buFont typeface="Arial" panose="020B0604020202020204" pitchFamily="34" charset="0"/>
-                  <a:buChar char="•"/>
-                </a:pPr>
-                <a14:m>
-                  <m:oMath xmlns:m="http://schemas.openxmlformats.org/officeDocument/2006/math">
-                    <m:r>
-                      <a:rPr lang="pt-BR" sz="1600" b="0" i="1" smtClean="0">
-                        <a:latin typeface="Cambria Math"/>
-                      </a:rPr>
-                      <m:t>𝑠</m:t>
-                    </m:r>
-                    <m:r>
-                      <a:rPr lang="pt-BR" sz="1600" b="0" i="1" smtClean="0">
-                        <a:latin typeface="Cambria Math"/>
-                      </a:rPr>
-                      <m:t>:</m:t>
-                    </m:r>
-                    <m:sSup>
-                      <m:sSupPr>
-                        <m:ctrlPr>
-                          <a:rPr lang="pt-BR" sz="1600" b="0" i="1" smtClean="0">
-                            <a:latin typeface="Cambria Math"/>
-                          </a:rPr>
-                        </m:ctrlPr>
-                      </m:sSupPr>
-                      <m:e>
-                        <m:r>
-                          <a:rPr lang="pt-BR" sz="1600" i="1">
-                            <a:latin typeface="Cambria Math"/>
-                            <a:ea typeface="Cambria Math"/>
-                          </a:rPr>
-                          <m:t>ℝ</m:t>
-                        </m:r>
-                      </m:e>
-                      <m:sup>
-                        <m:r>
-                          <a:rPr lang="pt-BR" sz="1600" b="0" i="1" smtClean="0">
-                            <a:latin typeface="Cambria Math"/>
-                          </a:rPr>
-                          <m:t>2</m:t>
-                        </m:r>
-                      </m:sup>
-                    </m:sSup>
-                    <m:r>
-                      <a:rPr lang="pt-BR" sz="1600" b="0" i="1" smtClean="0">
-                        <a:latin typeface="Cambria Math"/>
-                      </a:rPr>
-                      <m:t>→</m:t>
-                    </m:r>
-                    <m:sSup>
-                      <m:sSupPr>
-                        <m:ctrlPr>
-                          <a:rPr lang="pt-BR" sz="1600" b="0" i="1" smtClean="0">
-                            <a:latin typeface="Cambria Math"/>
-                          </a:rPr>
-                        </m:ctrlPr>
-                      </m:sSupPr>
-                      <m:e>
-                        <m:r>
-                          <a:rPr lang="pt-BR" sz="1600" i="1">
-                            <a:latin typeface="Cambria Math"/>
-                            <a:ea typeface="Cambria Math"/>
-                          </a:rPr>
-                          <m:t>ℝ</m:t>
-                        </m:r>
-                      </m:e>
-                      <m:sup>
-                        <m:r>
-                          <a:rPr lang="pt-BR" sz="1600" b="0" i="1" smtClean="0">
-                            <a:latin typeface="Cambria Math"/>
-                          </a:rPr>
-                          <m:t>𝑚</m:t>
-                        </m:r>
-                      </m:sup>
-                    </m:sSup>
-                  </m:oMath>
-                </a14:m>
-                <a:endParaRPr lang="pt-BR" sz="1600" dirty="0" smtClean="0"/>
-              </a:p>
-              <a:p>
-                <a:pPr marL="742950" lvl="1" indent="-285750">
-                  <a:buFont typeface="Arial" panose="020B0604020202020204" pitchFamily="34" charset="0"/>
-                  <a:buChar char="•"/>
-                </a:pPr>
-                <a:endParaRPr lang="pt-BR" sz="1600" dirty="0"/>
-              </a:p>
-              <a:p>
-                <a:pPr marL="742950" lvl="1" indent="-285750">
-                  <a:buFont typeface="Arial" panose="020B0604020202020204" pitchFamily="34" charset="0"/>
-                  <a:buChar char="•"/>
-                </a:pPr>
-                <a14:m>
-                  <m:oMath xmlns:m="http://schemas.openxmlformats.org/officeDocument/2006/math">
-                    <m:r>
-                      <a:rPr lang="pt-BR" sz="1600" i="1">
+                      <a:rPr lang="pt-BR" sz="1400" i="1">
                         <a:latin typeface="Cambria Math"/>
                       </a:rPr>
                       <m:t>𝑠</m:t>
@@ -5794,87 +5571,713 @@
                     <m:d>
                       <m:dPr>
                         <m:ctrlPr>
-                          <a:rPr lang="pt-BR" sz="1600" i="1">
-                            <a:latin typeface="Cambria Math"/>
+                          <a:rPr lang="pt-BR" sz="1400" i="1">
+                            <a:latin typeface="Cambria Math" panose="02040503050406030204" pitchFamily="18" charset="0"/>
                           </a:rPr>
                         </m:ctrlPr>
                       </m:dPr>
                       <m:e>
+                        <m:r>
+                          <a:rPr lang="pt-BR" sz="1400" b="0" i="1" smtClean="0">
+                            <a:latin typeface="Cambria Math" panose="02040503050406030204" pitchFamily="18" charset="0"/>
+                          </a:rPr>
+                          <m:t>𝑥</m:t>
+                        </m:r>
+                      </m:e>
+                    </m:d>
+                  </m:oMath>
+                </a14:m>
+                <a:r>
+                  <a:rPr lang="pt-BR" sz="1400" dirty="0" smtClean="0">
+                    <a:latin typeface="Calibri" panose="020F0502020204030204" pitchFamily="34" charset="0"/>
+                  </a:rPr>
+                  <a:t> é formada por combinações lineares de funções </a:t>
+                </a:r>
+              </a:p>
+              <a:p>
+                <a:r>
+                  <a:rPr lang="pt-BR" sz="1400" dirty="0" smtClean="0">
+                    <a:latin typeface="Calibri" panose="020F0502020204030204" pitchFamily="34" charset="0"/>
+                  </a:rPr>
+                  <a:t>radiais simétricas:</a:t>
+                </a:r>
+              </a:p>
+              <a:p>
+                <a:pPr marL="628650" lvl="1" indent="-171450">
+                  <a:buFont typeface="Arial" panose="020B0604020202020204" pitchFamily="34" charset="0"/>
+                  <a:buChar char="•"/>
+                </a:pPr>
+                <a14:m>
+                  <m:oMath xmlns:m="http://schemas.openxmlformats.org/officeDocument/2006/math">
+                    <m:r>
+                      <a:rPr lang="pt-BR" sz="1200" i="1">
+                        <a:latin typeface="Cambria Math"/>
+                        <a:ea typeface="Cambria Math"/>
+                      </a:rPr>
+                      <m:t>𝜙</m:t>
+                    </m:r>
+                    <m:d>
+                      <m:dPr>
+                        <m:ctrlPr>
+                          <a:rPr lang="pt-BR" sz="1200" i="1">
+                            <a:latin typeface="Cambria Math" panose="02040503050406030204" pitchFamily="18" charset="0"/>
+                            <a:ea typeface="Cambria Math"/>
+                          </a:rPr>
+                        </m:ctrlPr>
+                      </m:dPr>
+                      <m:e>
+                        <m:d>
+                          <m:dPr>
+                            <m:begChr m:val="‖"/>
+                            <m:endChr m:val="‖"/>
+                            <m:ctrlPr>
+                              <a:rPr lang="pt-BR" sz="1200" i="1">
+                                <a:latin typeface="Cambria Math" panose="02040503050406030204" pitchFamily="18" charset="0"/>
+                                <a:ea typeface="Cambria Math"/>
+                              </a:rPr>
+                            </m:ctrlPr>
+                          </m:dPr>
+                          <m:e>
+                            <m:r>
+                              <a:rPr lang="pt-BR" sz="1200" b="0" i="1" smtClean="0">
+                                <a:latin typeface="Cambria Math" panose="02040503050406030204" pitchFamily="18" charset="0"/>
+                                <a:ea typeface="Cambria Math"/>
+                              </a:rPr>
+                              <m:t> . </m:t>
+                            </m:r>
+                          </m:e>
+                        </m:d>
+                      </m:e>
+                    </m:d>
+                  </m:oMath>
+                </a14:m>
+                <a:endParaRPr lang="pt-BR" sz="1200" dirty="0" smtClean="0">
+                  <a:latin typeface="Calibri" panose="020F0502020204030204" pitchFamily="34" charset="0"/>
+                </a:endParaRPr>
+              </a:p>
+              <a:p>
+                <a:pPr marL="628650" lvl="1" indent="-171450">
+                  <a:buFont typeface="Arial" panose="020B0604020202020204" pitchFamily="34" charset="0"/>
+                  <a:buChar char="•"/>
+                </a:pPr>
+                <a14:m>
+                  <m:oMath xmlns:m="http://schemas.openxmlformats.org/officeDocument/2006/math">
+                    <m:r>
+                      <a:rPr lang="pt-BR" sz="1200" b="0" i="1" smtClean="0">
+                        <a:latin typeface="Cambria Math" panose="02040503050406030204" pitchFamily="18" charset="0"/>
+                        <a:ea typeface="Cambria Math"/>
+                      </a:rPr>
+                      <m:t>𝐺𝑎𝑢𝑠𝑠𝑖𝑎𝑛</m:t>
+                    </m:r>
+                    <m:r>
+                      <a:rPr lang="pt-BR" sz="1200" b="0" i="1" smtClean="0">
+                        <a:latin typeface="Cambria Math" panose="02040503050406030204" pitchFamily="18" charset="0"/>
+                        <a:ea typeface="Cambria Math"/>
+                      </a:rPr>
+                      <m:t>:</m:t>
+                    </m:r>
+                  </m:oMath>
+                </a14:m>
+                <a:endParaRPr lang="pt-BR" sz="1200" b="0" i="1" dirty="0" smtClean="0">
+                  <a:latin typeface="Cambria Math" panose="02040503050406030204" pitchFamily="18" charset="0"/>
+                  <a:ea typeface="Cambria Math"/>
+                </a:endParaRPr>
+              </a:p>
+              <a:p>
+                <a:pPr marL="1085850" lvl="2" indent="-171450">
+                  <a:buFont typeface="Arial" panose="020B0604020202020204" pitchFamily="34" charset="0"/>
+                  <a:buChar char="•"/>
+                </a:pPr>
+                <a14:m>
+                  <m:oMath xmlns:m="http://schemas.openxmlformats.org/officeDocument/2006/math">
+                    <m:r>
+                      <a:rPr lang="pt-BR" sz="1200" i="1">
+                        <a:latin typeface="Cambria Math"/>
+                        <a:ea typeface="Cambria Math"/>
+                      </a:rPr>
+                      <m:t>𝜙</m:t>
+                    </m:r>
+                    <m:d>
+                      <m:dPr>
+                        <m:ctrlPr>
+                          <a:rPr lang="pt-BR" sz="1200" i="1">
+                            <a:latin typeface="Cambria Math" panose="02040503050406030204" pitchFamily="18" charset="0"/>
+                            <a:ea typeface="Cambria Math"/>
+                          </a:rPr>
+                        </m:ctrlPr>
+                      </m:dPr>
+                      <m:e>
+                        <m:r>
+                          <a:rPr lang="pt-BR" sz="1200" b="0" i="1" smtClean="0">
+                            <a:latin typeface="Cambria Math" panose="02040503050406030204" pitchFamily="18" charset="0"/>
+                            <a:ea typeface="Cambria Math"/>
+                          </a:rPr>
+                          <m:t>𝑟</m:t>
+                        </m:r>
+                      </m:e>
+                    </m:d>
+                    <m:r>
+                      <a:rPr lang="pt-BR" sz="1200" b="0" i="1" smtClean="0">
+                        <a:latin typeface="Cambria Math" panose="02040503050406030204" pitchFamily="18" charset="0"/>
+                        <a:ea typeface="Cambria Math"/>
+                      </a:rPr>
+                      <m:t>=</m:t>
+                    </m:r>
+                    <m:sSup>
+                      <m:sSupPr>
+                        <m:ctrlPr>
+                          <a:rPr lang="pt-BR" sz="1200" b="0" i="1" smtClean="0">
+                            <a:latin typeface="Cambria Math" panose="02040503050406030204" pitchFamily="18" charset="0"/>
+                            <a:ea typeface="Cambria Math"/>
+                          </a:rPr>
+                        </m:ctrlPr>
+                      </m:sSupPr>
+                      <m:e>
+                        <m:r>
+                          <a:rPr lang="pt-BR" sz="1200" b="0" i="1" smtClean="0">
+                            <a:latin typeface="Cambria Math" panose="02040503050406030204" pitchFamily="18" charset="0"/>
+                            <a:ea typeface="Cambria Math"/>
+                          </a:rPr>
+                          <m:t>𝑒</m:t>
+                        </m:r>
+                      </m:e>
+                      <m:sup>
+                        <m:r>
+                          <a:rPr lang="pt-BR" sz="1200" b="0" i="1" smtClean="0">
+                            <a:latin typeface="Cambria Math" panose="02040503050406030204" pitchFamily="18" charset="0"/>
+                            <a:ea typeface="Cambria Math"/>
+                          </a:rPr>
+                          <m:t>−</m:t>
+                        </m:r>
+                        <m:d>
+                          <m:dPr>
+                            <m:ctrlPr>
+                              <a:rPr lang="pt-BR" sz="1200" b="0" i="1" smtClean="0">
+                                <a:latin typeface="Cambria Math" panose="02040503050406030204" pitchFamily="18" charset="0"/>
+                                <a:ea typeface="Cambria Math"/>
+                              </a:rPr>
+                            </m:ctrlPr>
+                          </m:dPr>
+                          <m:e>
+                            <m:r>
+                              <a:rPr lang="pt-BR" sz="1200" b="0" i="1" smtClean="0">
+                                <a:latin typeface="Cambria Math" panose="02040503050406030204" pitchFamily="18" charset="0"/>
+                                <a:ea typeface="Cambria Math" panose="02040503050406030204" pitchFamily="18" charset="0"/>
+                              </a:rPr>
+                              <m:t>𝜀</m:t>
+                            </m:r>
+                            <m:r>
+                              <a:rPr lang="pt-BR" sz="1200" b="0" i="1" smtClean="0">
+                                <a:latin typeface="Cambria Math" panose="02040503050406030204" pitchFamily="18" charset="0"/>
+                                <a:ea typeface="Cambria Math" panose="02040503050406030204" pitchFamily="18" charset="0"/>
+                              </a:rPr>
+                              <m:t>𝑟</m:t>
+                            </m:r>
+                          </m:e>
+                        </m:d>
+                        <m:r>
+                          <a:rPr lang="pt-BR" sz="1200" b="0" i="1" smtClean="0">
+                            <a:latin typeface="Cambria Math" panose="02040503050406030204" pitchFamily="18" charset="0"/>
+                            <a:ea typeface="Cambria Math"/>
+                          </a:rPr>
+                          <m:t>²</m:t>
+                        </m:r>
+                      </m:sup>
+                    </m:sSup>
+                  </m:oMath>
+                </a14:m>
+                <a:endParaRPr lang="pt-BR" sz="1200" dirty="0" smtClean="0">
+                  <a:latin typeface="Calibri" panose="020F0502020204030204" pitchFamily="34" charset="0"/>
+                </a:endParaRPr>
+              </a:p>
+              <a:p>
+                <a:pPr marL="628650" lvl="1" indent="-171450">
+                  <a:buFont typeface="Arial" panose="020B0604020202020204" pitchFamily="34" charset="0"/>
+                  <a:buChar char="•"/>
+                </a:pPr>
+                <a14:m>
+                  <m:oMath xmlns:m="http://schemas.openxmlformats.org/officeDocument/2006/math">
+                    <m:r>
+                      <a:rPr lang="pt-BR" sz="1200" b="0" i="1" smtClean="0">
+                        <a:latin typeface="Cambria Math" panose="02040503050406030204" pitchFamily="18" charset="0"/>
+                        <a:ea typeface="Cambria Math"/>
+                      </a:rPr>
+                      <m:t>𝑀𝑢𝑙𝑡𝑖𝑞𝑢𝑎𝑑𝑟𝑖𝑐</m:t>
+                    </m:r>
+                    <m:r>
+                      <a:rPr lang="pt-BR" sz="1200" i="1">
+                        <a:latin typeface="Cambria Math" panose="02040503050406030204" pitchFamily="18" charset="0"/>
+                        <a:ea typeface="Cambria Math"/>
+                      </a:rPr>
+                      <m:t>:</m:t>
+                    </m:r>
+                  </m:oMath>
+                </a14:m>
+                <a:endParaRPr lang="pt-BR" sz="1200" i="1" dirty="0">
+                  <a:latin typeface="Cambria Math" panose="02040503050406030204" pitchFamily="18" charset="0"/>
+                  <a:ea typeface="Cambria Math"/>
+                </a:endParaRPr>
+              </a:p>
+              <a:p>
+                <a:pPr marL="1085850" lvl="2" indent="-171450">
+                  <a:buFont typeface="Arial" panose="020B0604020202020204" pitchFamily="34" charset="0"/>
+                  <a:buChar char="•"/>
+                </a:pPr>
+                <a14:m>
+                  <m:oMath xmlns:m="http://schemas.openxmlformats.org/officeDocument/2006/math">
+                    <m:r>
+                      <a:rPr lang="pt-BR" sz="1200" i="1">
+                        <a:latin typeface="Cambria Math"/>
+                        <a:ea typeface="Cambria Math"/>
+                      </a:rPr>
+                      <m:t>𝜙</m:t>
+                    </m:r>
+                    <m:d>
+                      <m:dPr>
+                        <m:ctrlPr>
+                          <a:rPr lang="pt-BR" sz="1200" i="1">
+                            <a:latin typeface="Cambria Math" panose="02040503050406030204" pitchFamily="18" charset="0"/>
+                            <a:ea typeface="Cambria Math"/>
+                          </a:rPr>
+                        </m:ctrlPr>
+                      </m:dPr>
+                      <m:e>
+                        <m:r>
+                          <a:rPr lang="pt-BR" sz="1200" i="1">
+                            <a:latin typeface="Cambria Math" panose="02040503050406030204" pitchFamily="18" charset="0"/>
+                            <a:ea typeface="Cambria Math"/>
+                          </a:rPr>
+                          <m:t>𝑟</m:t>
+                        </m:r>
+                      </m:e>
+                    </m:d>
+                    <m:r>
+                      <a:rPr lang="pt-BR" sz="1200" i="1">
+                        <a:latin typeface="Cambria Math" panose="02040503050406030204" pitchFamily="18" charset="0"/>
+                        <a:ea typeface="Cambria Math"/>
+                      </a:rPr>
+                      <m:t>=</m:t>
+                    </m:r>
+                    <m:rad>
+                      <m:radPr>
+                        <m:degHide m:val="on"/>
+                        <m:ctrlPr>
+                          <a:rPr lang="pt-BR" sz="1200" i="1" smtClean="0">
+                            <a:latin typeface="Cambria Math" panose="02040503050406030204" pitchFamily="18" charset="0"/>
+                            <a:ea typeface="Cambria Math"/>
+                          </a:rPr>
+                        </m:ctrlPr>
+                      </m:radPr>
+                      <m:deg/>
+                      <m:e>
+                        <m:sSup>
+                          <m:sSupPr>
+                            <m:ctrlPr>
+                              <a:rPr lang="pt-BR" sz="1200" b="0" i="1" smtClean="0">
+                                <a:latin typeface="Cambria Math" panose="02040503050406030204" pitchFamily="18" charset="0"/>
+                                <a:ea typeface="Cambria Math"/>
+                              </a:rPr>
+                            </m:ctrlPr>
+                          </m:sSupPr>
+                          <m:e>
+                            <m:r>
+                              <a:rPr lang="pt-BR" sz="1200" b="0" i="1" smtClean="0">
+                                <a:latin typeface="Cambria Math" panose="02040503050406030204" pitchFamily="18" charset="0"/>
+                                <a:ea typeface="Cambria Math"/>
+                              </a:rPr>
+                              <m:t>𝑐</m:t>
+                            </m:r>
+                          </m:e>
+                          <m:sup>
+                            <m:r>
+                              <a:rPr lang="pt-BR" sz="1200" b="0" i="1" smtClean="0">
+                                <a:latin typeface="Cambria Math" panose="02040503050406030204" pitchFamily="18" charset="0"/>
+                                <a:ea typeface="Cambria Math"/>
+                              </a:rPr>
+                              <m:t>2</m:t>
+                            </m:r>
+                          </m:sup>
+                        </m:sSup>
+                        <m:r>
+                          <a:rPr lang="pt-BR" sz="1200" b="0" i="1" smtClean="0">
+                            <a:latin typeface="Cambria Math" panose="02040503050406030204" pitchFamily="18" charset="0"/>
+                            <a:ea typeface="Cambria Math"/>
+                          </a:rPr>
+                          <m:t>+</m:t>
+                        </m:r>
+                        <m:r>
+                          <a:rPr lang="pt-BR" sz="1200" i="1">
+                            <a:latin typeface="Cambria Math" panose="02040503050406030204" pitchFamily="18" charset="0"/>
+                            <a:ea typeface="Cambria Math" panose="02040503050406030204" pitchFamily="18" charset="0"/>
+                          </a:rPr>
+                          <m:t>𝜀</m:t>
+                        </m:r>
+                        <m:r>
+                          <a:rPr lang="pt-BR" sz="1200" i="1">
+                            <a:latin typeface="Cambria Math" panose="02040503050406030204" pitchFamily="18" charset="0"/>
+                            <a:ea typeface="Cambria Math" panose="02040503050406030204" pitchFamily="18" charset="0"/>
+                          </a:rPr>
+                          <m:t>𝑟</m:t>
+                        </m:r>
+                        <m:r>
+                          <a:rPr lang="pt-BR" sz="1200" b="0" i="1" smtClean="0">
+                            <a:latin typeface="Cambria Math" panose="02040503050406030204" pitchFamily="18" charset="0"/>
+                            <a:ea typeface="Cambria Math" panose="02040503050406030204" pitchFamily="18" charset="0"/>
+                          </a:rPr>
+                          <m:t>²</m:t>
+                        </m:r>
+                      </m:e>
+                    </m:rad>
+                  </m:oMath>
+                </a14:m>
+                <a:endParaRPr lang="pt-BR" sz="1200" dirty="0">
+                  <a:latin typeface="Calibri" panose="020F0502020204030204" pitchFamily="34" charset="0"/>
+                </a:endParaRPr>
+              </a:p>
+              <a:p>
+                <a:pPr lvl="1"/>
+                <a:endParaRPr lang="pt-BR" sz="1400" dirty="0">
+                  <a:latin typeface="Calibri" panose="020F0502020204030204" pitchFamily="34" charset="0"/>
+                </a:endParaRPr>
+              </a:p>
+              <a:p>
+                <a:pPr lvl="1"/>
+                <a:endParaRPr lang="pt-BR" sz="1400" dirty="0">
+                  <a:latin typeface="Calibri" panose="020F0502020204030204" pitchFamily="34" charset="0"/>
+                </a:endParaRPr>
+              </a:p>
+              <a:p>
+                <a:pPr marL="171450" indent="-171450">
+                  <a:buFont typeface="Arial" panose="020B0604020202020204" pitchFamily="34" charset="0"/>
+                  <a:buChar char="•"/>
+                </a:pPr>
+                <a:r>
+                  <a:rPr lang="pt-BR" sz="1400" dirty="0" smtClean="0">
+                    <a:latin typeface="Calibri" panose="020F0502020204030204" pitchFamily="34" charset="0"/>
+                  </a:rPr>
+                  <a:t>Depende apenas da distância euclidiana de um ponto em </a:t>
+                </a:r>
+              </a:p>
+              <a:p>
+                <a:r>
+                  <a:rPr lang="pt-BR" sz="1400" dirty="0" smtClean="0">
+                    <a:latin typeface="Calibri" panose="020F0502020204030204" pitchFamily="34" charset="0"/>
+                  </a:rPr>
+                  <a:t>relação à </a:t>
+                </a:r>
+                <a:r>
+                  <a:rPr lang="pt-BR" sz="1400" dirty="0" smtClean="0">
+                    <a:latin typeface="Calibri" panose="020F0502020204030204" pitchFamily="34" charset="0"/>
+                  </a:rPr>
+                  <a:t>origem</a:t>
+                </a:r>
+              </a:p>
+              <a:p>
+                <a:endParaRPr lang="pt-BR" sz="1400" dirty="0">
+                  <a:latin typeface="Calibri" panose="020F0502020204030204" pitchFamily="34" charset="0"/>
+                </a:endParaRPr>
+              </a:p>
+              <a:p>
+                <a:endParaRPr lang="pt-BR" sz="1400" dirty="0" smtClean="0">
+                  <a:latin typeface="Calibri" panose="020F0502020204030204" pitchFamily="34" charset="0"/>
+                </a:endParaRPr>
+              </a:p>
+              <a:p>
+                <a:pPr marL="171450" indent="-171450">
+                  <a:buFont typeface="Arial" panose="020B0604020202020204" pitchFamily="34" charset="0"/>
+                  <a:buChar char="•"/>
+                </a:pPr>
+                <a:r>
+                  <a:rPr lang="pt-BR" sz="1400" dirty="0" smtClean="0">
+                    <a:latin typeface="Calibri" panose="020F0502020204030204" pitchFamily="34" charset="0"/>
+                  </a:rPr>
+                  <a:t>Função de interpolação</a:t>
+                </a:r>
+              </a:p>
+              <a:p>
+                <a:pPr marL="628650" lvl="1" indent="-171450">
+                  <a:buFont typeface="Arial" panose="020B0604020202020204" pitchFamily="34" charset="0"/>
+                  <a:buChar char="•"/>
+                </a:pPr>
+                <a14:m>
+                  <m:oMath xmlns:m="http://schemas.openxmlformats.org/officeDocument/2006/math">
+                    <m:r>
+                      <a:rPr lang="pt-BR" sz="1200" i="1">
+                        <a:latin typeface="Cambria Math" panose="02040503050406030204" pitchFamily="18" charset="0"/>
+                        <a:ea typeface="Cambria Math" panose="02040503050406030204" pitchFamily="18" charset="0"/>
+                      </a:rPr>
+                      <m:t>𝑠</m:t>
+                    </m:r>
+                    <m:d>
+                      <m:dPr>
+                        <m:ctrlPr>
+                          <a:rPr lang="pt-BR" sz="1200" i="1">
+                            <a:latin typeface="Cambria Math" panose="02040503050406030204" pitchFamily="18" charset="0"/>
+                            <a:ea typeface="Cambria Math" panose="02040503050406030204" pitchFamily="18" charset="0"/>
+                          </a:rPr>
+                        </m:ctrlPr>
+                      </m:dPr>
+                      <m:e>
+                        <m:r>
+                          <a:rPr lang="pt-BR" sz="1200" i="1">
+                            <a:latin typeface="Cambria Math" panose="02040503050406030204" pitchFamily="18" charset="0"/>
+                            <a:ea typeface="Cambria Math" panose="02040503050406030204" pitchFamily="18" charset="0"/>
+                          </a:rPr>
+                          <m:t>𝑥</m:t>
+                        </m:r>
+                      </m:e>
+                    </m:d>
+                    <m:r>
+                      <a:rPr lang="pt-BR" sz="1200" i="1">
+                        <a:latin typeface="Cambria Math" panose="02040503050406030204" pitchFamily="18" charset="0"/>
+                        <a:ea typeface="Cambria Math" panose="02040503050406030204" pitchFamily="18" charset="0"/>
+                      </a:rPr>
+                      <m:t>=</m:t>
+                    </m:r>
+                    <m:nary>
+                      <m:naryPr>
+                        <m:chr m:val="∑"/>
+                        <m:ctrlPr>
+                          <a:rPr lang="pt-BR" sz="1200" i="1">
+                            <a:latin typeface="Cambria Math" panose="02040503050406030204" pitchFamily="18" charset="0"/>
+                            <a:ea typeface="Cambria Math" panose="02040503050406030204" pitchFamily="18" charset="0"/>
+                          </a:rPr>
+                        </m:ctrlPr>
+                      </m:naryPr>
+                      <m:sub>
+                        <m:r>
+                          <m:rPr>
+                            <m:brk m:alnAt="23"/>
+                          </m:rPr>
+                          <a:rPr lang="pt-BR" sz="1200" i="1">
+                            <a:latin typeface="Cambria Math" panose="02040503050406030204" pitchFamily="18" charset="0"/>
+                            <a:ea typeface="Cambria Math" panose="02040503050406030204" pitchFamily="18" charset="0"/>
+                          </a:rPr>
+                          <m:t>𝑖</m:t>
+                        </m:r>
+                        <m:r>
+                          <a:rPr lang="pt-BR" sz="1200" i="1">
+                            <a:latin typeface="Cambria Math" panose="02040503050406030204" pitchFamily="18" charset="0"/>
+                            <a:ea typeface="Cambria Math" panose="02040503050406030204" pitchFamily="18" charset="0"/>
+                          </a:rPr>
+                          <m:t>=1</m:t>
+                        </m:r>
+                      </m:sub>
+                      <m:sup>
+                        <m:r>
+                          <a:rPr lang="pt-BR" sz="1200" i="1">
+                            <a:latin typeface="Cambria Math" panose="02040503050406030204" pitchFamily="18" charset="0"/>
+                            <a:ea typeface="Cambria Math" panose="02040503050406030204" pitchFamily="18" charset="0"/>
+                          </a:rPr>
+                          <m:t>𝑛</m:t>
+                        </m:r>
+                      </m:sup>
+                      <m:e>
                         <m:sSub>
                           <m:sSubPr>
                             <m:ctrlPr>
-                              <a:rPr lang="pt-BR" sz="1600" i="1">
-                                <a:latin typeface="Cambria Math"/>
+                              <a:rPr lang="pt-BR" sz="1200" i="1">
+                                <a:latin typeface="Cambria Math" panose="02040503050406030204" pitchFamily="18" charset="0"/>
+                                <a:ea typeface="Cambria Math" panose="02040503050406030204" pitchFamily="18" charset="0"/>
                               </a:rPr>
                             </m:ctrlPr>
                           </m:sSubPr>
                           <m:e>
                             <m:r>
-                              <a:rPr lang="pt-BR" sz="1600" i="1">
-                                <a:latin typeface="Cambria Math"/>
+                              <a:rPr lang="pt-BR" sz="1200" i="1">
+                                <a:latin typeface="Cambria Math" panose="02040503050406030204" pitchFamily="18" charset="0"/>
+                                <a:ea typeface="Cambria Math" panose="02040503050406030204" pitchFamily="18" charset="0"/>
                               </a:rPr>
-                              <m:t>𝑦</m:t>
+                              <m:t>𝜆</m:t>
                             </m:r>
                           </m:e>
                           <m:sub>
                             <m:r>
-                              <a:rPr lang="pt-BR" sz="1600" b="0" i="1" smtClean="0">
-                                <a:latin typeface="Cambria Math"/>
+                              <a:rPr lang="pt-BR" sz="1200" i="1">
+                                <a:latin typeface="Cambria Math" panose="02040503050406030204" pitchFamily="18" charset="0"/>
+                                <a:ea typeface="Cambria Math" panose="02040503050406030204" pitchFamily="18" charset="0"/>
                               </a:rPr>
-                              <m:t>𝑗</m:t>
+                              <m:t>𝑖</m:t>
                             </m:r>
                           </m:sub>
                         </m:sSub>
-                      </m:e>
-                    </m:d>
-                    <m:r>
-                      <a:rPr lang="pt-BR" sz="1600" i="1">
-                        <a:latin typeface="Cambria Math"/>
-                      </a:rPr>
-                      <m:t>=</m:t>
-                    </m:r>
-                    <m:sSub>
-                      <m:sSubPr>
-                        <m:ctrlPr>
-                          <a:rPr lang="pt-BR" sz="1600" i="1">
-                            <a:latin typeface="Cambria Math"/>
+                        <m:r>
+                          <a:rPr lang="pt-BR" sz="1200" i="1">
+                            <a:latin typeface="Cambria Math" panose="02040503050406030204" pitchFamily="18" charset="0"/>
+                            <a:ea typeface="Cambria Math" panose="02040503050406030204" pitchFamily="18" charset="0"/>
                           </a:rPr>
-                        </m:ctrlPr>
-                      </m:sSubPr>
-                      <m:e>
+                          <m:t>𝜙</m:t>
+                        </m:r>
+                        <m:d>
+                          <m:dPr>
+                            <m:ctrlPr>
+                              <a:rPr lang="pt-BR" sz="1200" i="1">
+                                <a:latin typeface="Cambria Math" panose="02040503050406030204" pitchFamily="18" charset="0"/>
+                                <a:ea typeface="Cambria Math" panose="02040503050406030204" pitchFamily="18" charset="0"/>
+                              </a:rPr>
+                            </m:ctrlPr>
+                          </m:dPr>
+                          <m:e>
+                            <m:d>
+                              <m:dPr>
+                                <m:begChr m:val="‖"/>
+                                <m:endChr m:val="‖"/>
+                                <m:ctrlPr>
+                                  <a:rPr lang="pt-BR" sz="1200" i="1">
+                                    <a:latin typeface="Cambria Math" panose="02040503050406030204" pitchFamily="18" charset="0"/>
+                                    <a:ea typeface="Cambria Math" panose="02040503050406030204" pitchFamily="18" charset="0"/>
+                                  </a:rPr>
+                                </m:ctrlPr>
+                              </m:dPr>
+                              <m:e>
+                                <m:sSub>
+                                  <m:sSubPr>
+                                    <m:ctrlPr>
+                                      <a:rPr lang="pt-BR" sz="1200" i="1">
+                                        <a:latin typeface="Cambria Math" panose="02040503050406030204" pitchFamily="18" charset="0"/>
+                                        <a:ea typeface="Cambria Math" panose="02040503050406030204" pitchFamily="18" charset="0"/>
+                                      </a:rPr>
+                                    </m:ctrlPr>
+                                  </m:sSubPr>
+                                  <m:e>
+                                    <m:r>
+                                      <m:rPr>
+                                        <m:sty m:val="p"/>
+                                      </m:rPr>
+                                      <a:rPr lang="el-GR" sz="1200" i="1" smtClean="0">
+                                        <a:latin typeface="Cambria Math" panose="02040503050406030204" pitchFamily="18" charset="0"/>
+                                        <a:ea typeface="Cambria Math" panose="02040503050406030204" pitchFamily="18" charset="0"/>
+                                      </a:rPr>
+                                      <m:t>Υ</m:t>
+                                    </m:r>
+                                  </m:e>
+                                  <m:sub>
+                                    <m:r>
+                                      <a:rPr lang="pt-BR" sz="1200" i="1">
+                                        <a:latin typeface="Cambria Math" panose="02040503050406030204" pitchFamily="18" charset="0"/>
+                                        <a:ea typeface="Cambria Math" panose="02040503050406030204" pitchFamily="18" charset="0"/>
+                                      </a:rPr>
+                                      <m:t>𝑖</m:t>
+                                    </m:r>
+                                  </m:sub>
+                                </m:sSub>
+                                <m:r>
+                                  <a:rPr lang="pt-BR" sz="1200" i="1">
+                                    <a:latin typeface="Cambria Math" panose="02040503050406030204" pitchFamily="18" charset="0"/>
+                                    <a:ea typeface="Cambria Math" panose="02040503050406030204" pitchFamily="18" charset="0"/>
+                                  </a:rPr>
+                                  <m:t>−</m:t>
+                                </m:r>
+                                <m:r>
+                                  <a:rPr lang="pt-BR" sz="1200" i="1">
+                                    <a:latin typeface="Cambria Math" panose="02040503050406030204" pitchFamily="18" charset="0"/>
+                                    <a:ea typeface="Cambria Math" panose="02040503050406030204" pitchFamily="18" charset="0"/>
+                                  </a:rPr>
+                                  <m:t>𝑥</m:t>
+                                </m:r>
+                              </m:e>
+                            </m:d>
+                          </m:e>
+                        </m:d>
                         <m:r>
-                          <a:rPr lang="pt-BR" sz="1600" i="1">
-                            <a:latin typeface="Cambria Math"/>
+                          <a:rPr lang="pt-BR" sz="1200" i="1">
+                            <a:latin typeface="Cambria Math" panose="02040503050406030204" pitchFamily="18" charset="0"/>
+                            <a:ea typeface="Cambria Math" panose="02040503050406030204" pitchFamily="18" charset="0"/>
                           </a:rPr>
-                          <m:t>𝑥</m:t>
+                          <m:t> </m:t>
                         </m:r>
                       </m:e>
-                      <m:sub>
-                        <m:r>
-                          <a:rPr lang="pt-BR" sz="1600" b="0" i="1" smtClean="0">
-                            <a:latin typeface="Cambria Math"/>
-                          </a:rPr>
-                          <m:t>𝑗</m:t>
-                        </m:r>
-                      </m:sub>
-                    </m:sSub>
+                    </m:nary>
                   </m:oMath>
                 </a14:m>
-                <a:endParaRPr lang="pt-BR" sz="1600" dirty="0" smtClean="0"/>
+                <a:endParaRPr lang="pt-BR" sz="1200" dirty="0" smtClean="0">
+                  <a:latin typeface="Cambria Math" panose="02040503050406030204" pitchFamily="18" charset="0"/>
+                  <a:ea typeface="Cambria Math" panose="02040503050406030204" pitchFamily="18" charset="0"/>
+                </a:endParaRPr>
               </a:p>
               <a:p>
-                <a:pPr marL="285750" indent="-285750">
+                <a:pPr marL="628650" lvl="1" indent="-171450">
                   <a:buFont typeface="Arial" panose="020B0604020202020204" pitchFamily="34" charset="0"/>
                   <a:buChar char="•"/>
                 </a:pPr>
-                <a:endParaRPr lang="pt-BR" dirty="0"/>
+                <a14:m>
+                  <m:oMath xmlns:m="http://schemas.openxmlformats.org/officeDocument/2006/math">
+                    <m:r>
+                      <a:rPr lang="pt-BR" sz="1200" i="1">
+                        <a:latin typeface="Cambria Math" panose="02040503050406030204" pitchFamily="18" charset="0"/>
+                        <a:ea typeface="Cambria Math" panose="02040503050406030204" pitchFamily="18" charset="0"/>
+                      </a:rPr>
+                      <m:t>𝑠</m:t>
+                    </m:r>
+                    <m:r>
+                      <a:rPr lang="pt-BR" sz="1200" b="0" i="1" smtClean="0">
+                        <a:latin typeface="Cambria Math" panose="02040503050406030204" pitchFamily="18" charset="0"/>
+                        <a:ea typeface="Cambria Math" panose="02040503050406030204" pitchFamily="18" charset="0"/>
+                      </a:rPr>
+                      <m:t>:</m:t>
+                    </m:r>
+                    <m:sSup>
+                      <m:sSupPr>
+                        <m:ctrlPr>
+                          <a:rPr lang="pt-BR" sz="1200" i="1">
+                            <a:latin typeface="Cambria Math" panose="02040503050406030204" pitchFamily="18" charset="0"/>
+                            <a:ea typeface="Cambria Math" panose="02040503050406030204" pitchFamily="18" charset="0"/>
+                          </a:rPr>
+                        </m:ctrlPr>
+                      </m:sSupPr>
+                      <m:e>
+                        <m:r>
+                          <a:rPr lang="pt-BR" sz="1200" i="1">
+                            <a:latin typeface="Cambria Math" panose="02040503050406030204" pitchFamily="18" charset="0"/>
+                            <a:ea typeface="Cambria Math" panose="02040503050406030204" pitchFamily="18" charset="0"/>
+                          </a:rPr>
+                          <m:t>ℝ</m:t>
+                        </m:r>
+                      </m:e>
+                      <m:sup>
+                        <m:r>
+                          <a:rPr lang="pt-BR" sz="1200" b="0" i="1" smtClean="0">
+                            <a:latin typeface="Cambria Math" panose="02040503050406030204" pitchFamily="18" charset="0"/>
+                            <a:ea typeface="Cambria Math" panose="02040503050406030204" pitchFamily="18" charset="0"/>
+                          </a:rPr>
+                          <m:t>𝐿</m:t>
+                        </m:r>
+                      </m:sup>
+                    </m:sSup>
+                    <m:r>
+                      <a:rPr lang="pt-BR" sz="1200" i="1">
+                        <a:latin typeface="Cambria Math" panose="02040503050406030204" pitchFamily="18" charset="0"/>
+                        <a:ea typeface="Cambria Math" panose="02040503050406030204" pitchFamily="18" charset="0"/>
+                      </a:rPr>
+                      <m:t>→</m:t>
+                    </m:r>
+                    <m:r>
+                      <a:rPr lang="pt-BR" sz="1200" i="1">
+                        <a:latin typeface="Cambria Math" panose="02040503050406030204" pitchFamily="18" charset="0"/>
+                        <a:ea typeface="Cambria Math" panose="02040503050406030204" pitchFamily="18" charset="0"/>
+                      </a:rPr>
+                      <m:t>ℝ</m:t>
+                    </m:r>
+                  </m:oMath>
+                </a14:m>
+                <a:endParaRPr lang="pt-BR" sz="1200" dirty="0" smtClean="0">
+                  <a:latin typeface="Cambria Math" panose="02040503050406030204" pitchFamily="18" charset="0"/>
+                  <a:ea typeface="Cambria Math" panose="02040503050406030204" pitchFamily="18" charset="0"/>
+                </a:endParaRPr>
               </a:p>
               <a:p>
-                <a:pPr marL="285750" indent="-285750">
-                  <a:buFont typeface="Arial" panose="020B0604020202020204" pitchFamily="34" charset="0"/>
-                  <a:buChar char="•"/>
+                <a:endParaRPr lang="pt-BR" sz="1200" dirty="0" smtClean="0">
+                  <a:latin typeface="Calibri" panose="020F0502020204030204" pitchFamily="34" charset="0"/>
+                </a:endParaRPr>
+              </a:p>
+              <a:p>
+                <a:pPr marL="342900" indent="-342900">
+                  <a:buFont typeface="+mj-lt"/>
+                  <a:buAutoNum type="arabicPeriod"/>
                 </a:pPr>
-                <a:endParaRPr dirty="0"/>
+                <a:endParaRPr lang="pt-BR" sz="1200" dirty="0">
+                  <a:latin typeface="Calibri" panose="020F0502020204030204" pitchFamily="34" charset="0"/>
+                </a:endParaRPr>
               </a:p>
             </p:txBody>
           </p:sp>
@@ -5896,10 +6299,10 @@
               <a:prstGeom prst="rect">
                 <a:avLst/>
               </a:prstGeom>
-              <a:blipFill rotWithShape="1">
+              <a:blipFill rotWithShape="0">
                 <a:blip r:embed="rId2"/>
                 <a:stretch>
-                  <a:fillRect l="-222" t="-404"/>
+                  <a:fillRect l="-222" t="-135" b="-809"/>
                 </a:stretch>
               </a:blipFill>
               <a:ln>
@@ -5911,7 +6314,7 @@
               <a:lstStyle/>
               <a:p>
                 <a:r>
-                  <a:rPr lang="pt-BR">
+                  <a:rPr lang="en-US">
                     <a:noFill/>
                   </a:rPr>
                   <a:t> </a:t>
@@ -5975,6 +6378,210 @@
           </a:extLst>
         </p:spPr>
       </p:pic>
+      <mc:AlternateContent xmlns:mc="http://schemas.openxmlformats.org/markup-compatibility/2006">
+        <mc:Choice xmlns:a14="http://schemas.microsoft.com/office/drawing/2010/main" Requires="a14">
+          <p:sp>
+            <p:nvSpPr>
+              <p:cNvPr id="10" name="Rectangle 9"/>
+              <p:cNvSpPr/>
+              <p:nvPr/>
+            </p:nvSpPr>
+            <p:spPr>
+              <a:xfrm>
+                <a:off x="8156212" y="2178869"/>
+                <a:ext cx="589841" cy="369332"/>
+              </a:xfrm>
+              <a:prstGeom prst="rect">
+                <a:avLst/>
+              </a:prstGeom>
+            </p:spPr>
+            <p:txBody>
+              <a:bodyPr wrap="none">
+                <a:spAutoFit/>
+              </a:bodyPr>
+              <a:lstStyle/>
+              <a:p>
+                <a14:m>
+                  <m:oMathPara xmlns:m="http://schemas.openxmlformats.org/officeDocument/2006/math">
+                    <m:oMathParaPr>
+                      <m:jc m:val="centerGroup"/>
+                    </m:oMathParaPr>
+                    <m:oMath xmlns:m="http://schemas.openxmlformats.org/officeDocument/2006/math">
+                      <m:sSup>
+                        <m:sSupPr>
+                          <m:ctrlPr>
+                            <a:rPr lang="pt-BR" i="1">
+                              <a:latin typeface="Cambria Math" panose="02040503050406030204" pitchFamily="18" charset="0"/>
+                            </a:rPr>
+                          </m:ctrlPr>
+                        </m:sSupPr>
+                        <m:e>
+                          <m:r>
+                            <a:rPr lang="pt-BR" i="1">
+                              <a:latin typeface="Cambria Math"/>
+                              <a:ea typeface="Cambria Math"/>
+                            </a:rPr>
+                            <m:t>ℝ</m:t>
+                          </m:r>
+                        </m:e>
+                        <m:sup>
+                          <m:r>
+                            <a:rPr lang="pt-BR" i="1">
+                              <a:latin typeface="Cambria Math"/>
+                            </a:rPr>
+                            <m:t>𝑚</m:t>
+                          </m:r>
+                        </m:sup>
+                      </m:sSup>
+                    </m:oMath>
+                  </m:oMathPara>
+                </a14:m>
+                <a:endParaRPr lang="en-US" dirty="0"/>
+              </a:p>
+            </p:txBody>
+          </p:sp>
+        </mc:Choice>
+        <mc:Fallback>
+          <p:sp>
+            <p:nvSpPr>
+              <p:cNvPr id="10" name="Rectangle 9"/>
+              <p:cNvSpPr>
+                <a:spLocks noRot="1" noChangeAspect="1" noMove="1" noResize="1" noEditPoints="1" noAdjustHandles="1" noChangeArrowheads="1" noChangeShapeType="1" noTextEdit="1"/>
+              </p:cNvSpPr>
+              <p:nvPr/>
+            </p:nvSpPr>
+            <p:spPr>
+              <a:xfrm>
+                <a:off x="8156212" y="2178869"/>
+                <a:ext cx="589841" cy="369332"/>
+              </a:xfrm>
+              <a:prstGeom prst="rect">
+                <a:avLst/>
+              </a:prstGeom>
+              <a:blipFill rotWithShape="0">
+                <a:blip r:embed="rId4"/>
+                <a:stretch>
+                  <a:fillRect/>
+                </a:stretch>
+              </a:blipFill>
+            </p:spPr>
+            <p:txBody>
+              <a:bodyPr/>
+              <a:lstStyle/>
+              <a:p>
+                <a:r>
+                  <a:rPr lang="en-US">
+                    <a:noFill/>
+                  </a:rPr>
+                  <a:t> </a:t>
+                </a:r>
+              </a:p>
+            </p:txBody>
+          </p:sp>
+        </mc:Fallback>
+      </mc:AlternateContent>
+      <mc:AlternateContent xmlns:mc="http://schemas.openxmlformats.org/markup-compatibility/2006">
+        <mc:Choice xmlns:a14="http://schemas.microsoft.com/office/drawing/2010/main" Requires="a14">
+          <p:sp>
+            <p:nvSpPr>
+              <p:cNvPr id="11" name="Rectangle 10"/>
+              <p:cNvSpPr/>
+              <p:nvPr/>
+            </p:nvSpPr>
+            <p:spPr>
+              <a:xfrm>
+                <a:off x="7892390" y="4776149"/>
+                <a:ext cx="527644" cy="369332"/>
+              </a:xfrm>
+              <a:prstGeom prst="rect">
+                <a:avLst/>
+              </a:prstGeom>
+            </p:spPr>
+            <p:txBody>
+              <a:bodyPr wrap="none">
+                <a:spAutoFit/>
+              </a:bodyPr>
+              <a:lstStyle/>
+              <a:p>
+                <a14:m>
+                  <m:oMathPara xmlns:m="http://schemas.openxmlformats.org/officeDocument/2006/math">
+                    <m:oMathParaPr>
+                      <m:jc m:val="centerGroup"/>
+                    </m:oMathParaPr>
+                    <m:oMath xmlns:m="http://schemas.openxmlformats.org/officeDocument/2006/math">
+                      <m:sSup>
+                        <m:sSupPr>
+                          <m:ctrlPr>
+                            <a:rPr lang="pt-BR" i="1">
+                              <a:latin typeface="Cambria Math" panose="02040503050406030204" pitchFamily="18" charset="0"/>
+                            </a:rPr>
+                          </m:ctrlPr>
+                        </m:sSupPr>
+                        <m:e>
+                          <m:r>
+                            <a:rPr lang="pt-BR" i="1">
+                              <a:latin typeface="Cambria Math"/>
+                              <a:ea typeface="Cambria Math"/>
+                            </a:rPr>
+                            <m:t>ℝ</m:t>
+                          </m:r>
+                        </m:e>
+                        <m:sup>
+                          <m:r>
+                            <a:rPr lang="pt-BR" i="1">
+                              <a:latin typeface="Cambria Math"/>
+                            </a:rPr>
+                            <m:t>2</m:t>
+                          </m:r>
+                        </m:sup>
+                      </m:sSup>
+                    </m:oMath>
+                  </m:oMathPara>
+                </a14:m>
+                <a:endParaRPr lang="en-US" dirty="0"/>
+              </a:p>
+            </p:txBody>
+          </p:sp>
+        </mc:Choice>
+        <mc:Fallback>
+          <p:sp>
+            <p:nvSpPr>
+              <p:cNvPr id="11" name="Rectangle 10"/>
+              <p:cNvSpPr>
+                <a:spLocks noRot="1" noChangeAspect="1" noMove="1" noResize="1" noEditPoints="1" noAdjustHandles="1" noChangeArrowheads="1" noChangeShapeType="1" noTextEdit="1"/>
+              </p:cNvSpPr>
+              <p:nvPr/>
+            </p:nvSpPr>
+            <p:spPr>
+              <a:xfrm>
+                <a:off x="7892390" y="4776149"/>
+                <a:ext cx="527644" cy="369332"/>
+              </a:xfrm>
+              <a:prstGeom prst="rect">
+                <a:avLst/>
+              </a:prstGeom>
+              <a:blipFill rotWithShape="0">
+                <a:blip r:embed="rId5"/>
+                <a:stretch>
+                  <a:fillRect/>
+                </a:stretch>
+              </a:blipFill>
+            </p:spPr>
+            <p:txBody>
+              <a:bodyPr/>
+              <a:lstStyle/>
+              <a:p>
+                <a:r>
+                  <a:rPr lang="en-US">
+                    <a:noFill/>
+                  </a:rPr>
+                  <a:t> </a:t>
+                </a:r>
+              </a:p>
+            </p:txBody>
+          </p:sp>
+        </mc:Fallback>
+      </mc:AlternateContent>
     </p:spTree>
     <p:extLst>
       <p:ext uri="{BB962C8B-B14F-4D97-AF65-F5344CB8AC3E}">
@@ -6032,6 +6639,1431 @@
           <a:chExt cx="0" cy="0"/>
         </a:xfrm>
       </p:grpSpPr>
+      <p:sp>
+        <p:nvSpPr>
+          <p:cNvPr id="99" name="TextShape 1"/>
+          <p:cNvSpPr txBox="1"/>
+          <p:nvPr/>
+        </p:nvSpPr>
+        <p:spPr>
+          <a:xfrm>
+            <a:off x="457200" y="274680"/>
+            <a:ext cx="8229240" cy="1142640"/>
+          </a:xfrm>
+          <a:prstGeom prst="rect">
+            <a:avLst/>
+          </a:prstGeom>
+          <a:noFill/>
+          <a:ln>
+            <a:noFill/>
+          </a:ln>
+        </p:spPr>
+        <p:txBody>
+          <a:bodyPr anchor="ctr"/>
+          <a:lstStyle/>
+          <a:p>
+            <a:pPr algn="just"/>
+            <a:r>
+              <a:rPr lang="en-US" sz="2400" b="1" spc="-1" dirty="0" err="1" smtClean="0">
+                <a:solidFill>
+                  <a:srgbClr val="000000"/>
+                </a:solidFill>
+                <a:uFill>
+                  <a:solidFill>
+                    <a:srgbClr val="FFFFFF"/>
+                  </a:solidFill>
+                </a:uFill>
+                <a:latin typeface="Calibri"/>
+              </a:rPr>
+              <a:t>Projeção</a:t>
+            </a:r>
+            <a:r>
+              <a:rPr lang="en-US" sz="2400" b="1" spc="-1" dirty="0" smtClean="0">
+                <a:solidFill>
+                  <a:srgbClr val="000000"/>
+                </a:solidFill>
+                <a:uFill>
+                  <a:solidFill>
+                    <a:srgbClr val="FFFFFF"/>
+                  </a:solidFill>
+                </a:uFill>
+                <a:latin typeface="Calibri"/>
+              </a:rPr>
+              <a:t> </a:t>
+            </a:r>
+            <a:r>
+              <a:rPr lang="en-US" sz="2400" b="1" spc="-1" dirty="0" err="1" smtClean="0">
+                <a:solidFill>
+                  <a:srgbClr val="000000"/>
+                </a:solidFill>
+                <a:uFill>
+                  <a:solidFill>
+                    <a:srgbClr val="FFFFFF"/>
+                  </a:solidFill>
+                </a:uFill>
+                <a:latin typeface="Calibri"/>
+              </a:rPr>
+              <a:t>Inversa</a:t>
+            </a:r>
+            <a:endParaRPr lang="en-US" sz="2400" b="1" dirty="0"/>
+          </a:p>
+        </p:txBody>
+      </p:sp>
+      <mc:AlternateContent xmlns:mc="http://schemas.openxmlformats.org/markup-compatibility/2006" xmlns:a14="http://schemas.microsoft.com/office/drawing/2010/main">
+        <mc:Choice Requires="a14">
+          <p:sp>
+            <p:nvSpPr>
+              <p:cNvPr id="100" name="TextShape 2"/>
+              <p:cNvSpPr txBox="1"/>
+              <p:nvPr/>
+            </p:nvSpPr>
+            <p:spPr>
+              <a:xfrm>
+                <a:off x="457200" y="1600200"/>
+                <a:ext cx="8229240" cy="4525560"/>
+              </a:xfrm>
+              <a:prstGeom prst="rect">
+                <a:avLst/>
+              </a:prstGeom>
+              <a:noFill/>
+              <a:ln>
+                <a:noFill/>
+              </a:ln>
+            </p:spPr>
+            <p:txBody>
+              <a:bodyPr/>
+              <a:lstStyle/>
+              <a:p>
+                <a:pPr marL="285750" indent="-285750">
+                  <a:buFont typeface="Arial" panose="020B0604020202020204" pitchFamily="34" charset="0"/>
+                  <a:buChar char="•"/>
+                </a:pPr>
+                <a14:m>
+                  <m:oMath xmlns:m="http://schemas.openxmlformats.org/officeDocument/2006/math">
+                    <m:r>
+                      <a:rPr lang="pt-BR" sz="1600" i="1" smtClean="0">
+                        <a:latin typeface="Cambria Math"/>
+                      </a:rPr>
+                      <m:t>𝑠</m:t>
+                    </m:r>
+                    <m:d>
+                      <m:dPr>
+                        <m:ctrlPr>
+                          <a:rPr lang="pt-BR" sz="1600" b="0" i="1" smtClean="0">
+                            <a:latin typeface="Cambria Math" panose="02040503050406030204" pitchFamily="18" charset="0"/>
+                          </a:rPr>
+                        </m:ctrlPr>
+                      </m:dPr>
+                      <m:e>
+                        <m:r>
+                          <a:rPr lang="pt-BR" sz="1600" b="0" i="1" smtClean="0">
+                            <a:latin typeface="Cambria Math"/>
+                          </a:rPr>
+                          <m:t>𝑝</m:t>
+                        </m:r>
+                      </m:e>
+                    </m:d>
+                    <m:r>
+                      <a:rPr lang="pt-BR" sz="1600" b="0" i="1" smtClean="0">
+                        <a:latin typeface="Cambria Math"/>
+                      </a:rPr>
+                      <m:t>=</m:t>
+                    </m:r>
+                    <m:d>
+                      <m:dPr>
+                        <m:ctrlPr>
+                          <a:rPr lang="pt-BR" sz="1600" b="0" i="1" smtClean="0">
+                            <a:latin typeface="Cambria Math" panose="02040503050406030204" pitchFamily="18" charset="0"/>
+                          </a:rPr>
+                        </m:ctrlPr>
+                      </m:dPr>
+                      <m:e>
+                        <m:sSub>
+                          <m:sSubPr>
+                            <m:ctrlPr>
+                              <a:rPr lang="pt-BR" sz="1600" b="0" i="1" smtClean="0">
+                                <a:latin typeface="Cambria Math" panose="02040503050406030204" pitchFamily="18" charset="0"/>
+                              </a:rPr>
+                            </m:ctrlPr>
+                          </m:sSubPr>
+                          <m:e>
+                            <m:r>
+                              <a:rPr lang="pt-BR" sz="1600" b="0" i="1" smtClean="0">
+                                <a:latin typeface="Cambria Math"/>
+                              </a:rPr>
+                              <m:t>𝑠</m:t>
+                            </m:r>
+                          </m:e>
+                          <m:sub>
+                            <m:r>
+                              <a:rPr lang="pt-BR" sz="1600" b="0" i="1" smtClean="0">
+                                <a:latin typeface="Cambria Math"/>
+                              </a:rPr>
+                              <m:t>1</m:t>
+                            </m:r>
+                          </m:sub>
+                        </m:sSub>
+                        <m:d>
+                          <m:dPr>
+                            <m:ctrlPr>
+                              <a:rPr lang="pt-BR" sz="1600" b="0" i="1" smtClean="0">
+                                <a:latin typeface="Cambria Math" panose="02040503050406030204" pitchFamily="18" charset="0"/>
+                              </a:rPr>
+                            </m:ctrlPr>
+                          </m:dPr>
+                          <m:e>
+                            <m:r>
+                              <a:rPr lang="pt-BR" sz="1600" b="0" i="1" smtClean="0">
+                                <a:latin typeface="Cambria Math"/>
+                              </a:rPr>
+                              <m:t>𝑝</m:t>
+                            </m:r>
+                          </m:e>
+                        </m:d>
+                        <m:r>
+                          <a:rPr lang="pt-BR" sz="1600" b="0" i="1" smtClean="0">
+                            <a:latin typeface="Cambria Math"/>
+                          </a:rPr>
+                          <m:t>,…,</m:t>
+                        </m:r>
+                        <m:sSub>
+                          <m:sSubPr>
+                            <m:ctrlPr>
+                              <a:rPr lang="pt-BR" sz="1600" b="0" i="1" smtClean="0">
+                                <a:latin typeface="Cambria Math" panose="02040503050406030204" pitchFamily="18" charset="0"/>
+                              </a:rPr>
+                            </m:ctrlPr>
+                          </m:sSubPr>
+                          <m:e>
+                            <m:r>
+                              <a:rPr lang="pt-BR" sz="1600" b="0" i="1" smtClean="0">
+                                <a:latin typeface="Cambria Math"/>
+                              </a:rPr>
+                              <m:t>𝑠</m:t>
+                            </m:r>
+                          </m:e>
+                          <m:sub>
+                            <m:r>
+                              <a:rPr lang="pt-BR" sz="1600" b="0" i="1" smtClean="0">
+                                <a:latin typeface="Cambria Math"/>
+                              </a:rPr>
+                              <m:t>𝑚</m:t>
+                            </m:r>
+                          </m:sub>
+                        </m:sSub>
+                        <m:d>
+                          <m:dPr>
+                            <m:ctrlPr>
+                              <a:rPr lang="pt-BR" sz="1600" b="0" i="1" smtClean="0">
+                                <a:latin typeface="Cambria Math" panose="02040503050406030204" pitchFamily="18" charset="0"/>
+                              </a:rPr>
+                            </m:ctrlPr>
+                          </m:dPr>
+                          <m:e>
+                            <m:r>
+                              <a:rPr lang="pt-BR" sz="1600" b="0" i="1" smtClean="0">
+                                <a:latin typeface="Cambria Math"/>
+                              </a:rPr>
+                              <m:t>𝑝</m:t>
+                            </m:r>
+                          </m:e>
+                        </m:d>
+                      </m:e>
+                    </m:d>
+                  </m:oMath>
+                </a14:m>
+                <a:endParaRPr lang="pt-BR" sz="1600" b="0" i="1" dirty="0" smtClean="0">
+                  <a:latin typeface="Cambria Math"/>
+                </a:endParaRPr>
+              </a:p>
+              <a:p>
+                <a:pPr marL="285750" indent="-285750">
+                  <a:buFont typeface="Arial" panose="020B0604020202020204" pitchFamily="34" charset="0"/>
+                  <a:buChar char="•"/>
+                </a:pPr>
+                <a:endParaRPr lang="pt-BR" sz="1600" b="0" i="1" dirty="0" smtClean="0">
+                  <a:latin typeface="Cambria Math"/>
+                </a:endParaRPr>
+              </a:p>
+              <a:p>
+                <a:pPr marL="285750" indent="-285750">
+                  <a:buFont typeface="Arial" panose="020B0604020202020204" pitchFamily="34" charset="0"/>
+                  <a:buChar char="•"/>
+                </a:pPr>
+                <a:endParaRPr lang="pt-BR" sz="1600" b="0" i="1" dirty="0" smtClean="0">
+                  <a:latin typeface="Cambria Math"/>
+                </a:endParaRPr>
+              </a:p>
+              <a:p>
+                <a:pPr marL="285750" indent="-285750">
+                  <a:buFont typeface="Arial" panose="020B0604020202020204" pitchFamily="34" charset="0"/>
+                  <a:buChar char="•"/>
+                </a:pPr>
+                <a14:m>
+                  <m:oMath xmlns:m="http://schemas.openxmlformats.org/officeDocument/2006/math">
+                    <m:sSub>
+                      <m:sSubPr>
+                        <m:ctrlPr>
+                          <a:rPr lang="pt-BR" sz="1600" b="0" i="1" smtClean="0">
+                            <a:latin typeface="Cambria Math" panose="02040503050406030204" pitchFamily="18" charset="0"/>
+                          </a:rPr>
+                        </m:ctrlPr>
+                      </m:sSubPr>
+                      <m:e>
+                        <m:r>
+                          <a:rPr lang="pt-BR" sz="1600" b="0" i="1" smtClean="0">
+                            <a:latin typeface="Cambria Math"/>
+                          </a:rPr>
+                          <m:t>𝑠</m:t>
+                        </m:r>
+                      </m:e>
+                      <m:sub>
+                        <m:r>
+                          <a:rPr lang="pt-BR" sz="1600" b="0" i="1" smtClean="0">
+                            <a:latin typeface="Cambria Math"/>
+                          </a:rPr>
+                          <m:t>𝑘</m:t>
+                        </m:r>
+                      </m:sub>
+                    </m:sSub>
+                    <m:d>
+                      <m:dPr>
+                        <m:ctrlPr>
+                          <a:rPr lang="pt-BR" sz="1600" b="0" i="1" smtClean="0">
+                            <a:latin typeface="Cambria Math" panose="02040503050406030204" pitchFamily="18" charset="0"/>
+                          </a:rPr>
+                        </m:ctrlPr>
+                      </m:dPr>
+                      <m:e>
+                        <m:r>
+                          <a:rPr lang="pt-BR" sz="1600" b="0" i="1" smtClean="0">
+                            <a:latin typeface="Cambria Math"/>
+                          </a:rPr>
+                          <m:t>𝑝</m:t>
+                        </m:r>
+                      </m:e>
+                    </m:d>
+                    <m:r>
+                      <a:rPr lang="pt-BR" sz="1600" b="0" i="1" smtClean="0">
+                        <a:latin typeface="Cambria Math"/>
+                      </a:rPr>
+                      <m:t>=</m:t>
+                    </m:r>
+                    <m:nary>
+                      <m:naryPr>
+                        <m:chr m:val="∑"/>
+                        <m:ctrlPr>
+                          <a:rPr lang="pt-BR" sz="1600" b="0" i="1" smtClean="0">
+                            <a:latin typeface="Cambria Math" panose="02040503050406030204" pitchFamily="18" charset="0"/>
+                          </a:rPr>
+                        </m:ctrlPr>
+                      </m:naryPr>
+                      <m:sub>
+                        <m:r>
+                          <m:rPr>
+                            <m:brk m:alnAt="23"/>
+                          </m:rPr>
+                          <a:rPr lang="pt-BR" sz="1600" b="0" i="1" smtClean="0">
+                            <a:latin typeface="Cambria Math"/>
+                          </a:rPr>
+                          <m:t>𝑖</m:t>
+                        </m:r>
+                        <m:r>
+                          <a:rPr lang="pt-BR" sz="1600" b="0" i="1" smtClean="0">
+                            <a:latin typeface="Cambria Math"/>
+                          </a:rPr>
+                          <m:t>=1</m:t>
+                        </m:r>
+                      </m:sub>
+                      <m:sup>
+                        <m:r>
+                          <a:rPr lang="pt-BR" sz="1600" b="0" i="1" smtClean="0">
+                            <a:latin typeface="Cambria Math"/>
+                          </a:rPr>
+                          <m:t>𝑛</m:t>
+                        </m:r>
+                      </m:sup>
+                      <m:e>
+                        <m:sSub>
+                          <m:sSubPr>
+                            <m:ctrlPr>
+                              <a:rPr lang="pt-BR" sz="1600" b="0" i="1" smtClean="0">
+                                <a:latin typeface="Cambria Math" panose="02040503050406030204" pitchFamily="18" charset="0"/>
+                                <a:ea typeface="Cambria Math"/>
+                              </a:rPr>
+                            </m:ctrlPr>
+                          </m:sSubPr>
+                          <m:e>
+                            <m:r>
+                              <a:rPr lang="pt-BR" sz="1600" b="0" i="1" smtClean="0">
+                                <a:latin typeface="Cambria Math"/>
+                                <a:ea typeface="Cambria Math"/>
+                              </a:rPr>
+                              <m:t>𝜆</m:t>
+                            </m:r>
+                          </m:e>
+                          <m:sub>
+                            <m:r>
+                              <a:rPr lang="pt-BR" sz="1600" b="0" i="1" smtClean="0">
+                                <a:latin typeface="Cambria Math"/>
+                                <a:ea typeface="Cambria Math"/>
+                              </a:rPr>
+                              <m:t>𝑘𝑖</m:t>
+                            </m:r>
+                          </m:sub>
+                        </m:sSub>
+                        <m:r>
+                          <a:rPr lang="pt-BR" sz="1600" b="0" i="1" smtClean="0">
+                            <a:latin typeface="Cambria Math"/>
+                            <a:ea typeface="Cambria Math"/>
+                          </a:rPr>
+                          <m:t>𝜙</m:t>
+                        </m:r>
+                        <m:d>
+                          <m:dPr>
+                            <m:ctrlPr>
+                              <a:rPr lang="pt-BR" sz="1600" b="0" i="1" smtClean="0">
+                                <a:latin typeface="Cambria Math" panose="02040503050406030204" pitchFamily="18" charset="0"/>
+                                <a:ea typeface="Cambria Math"/>
+                              </a:rPr>
+                            </m:ctrlPr>
+                          </m:dPr>
+                          <m:e>
+                            <m:d>
+                              <m:dPr>
+                                <m:begChr m:val="‖"/>
+                                <m:endChr m:val="‖"/>
+                                <m:ctrlPr>
+                                  <a:rPr lang="pt-BR" sz="1600" b="0" i="1" smtClean="0">
+                                    <a:latin typeface="Cambria Math" panose="02040503050406030204" pitchFamily="18" charset="0"/>
+                                    <a:ea typeface="Cambria Math"/>
+                                  </a:rPr>
+                                </m:ctrlPr>
+                              </m:dPr>
+                              <m:e>
+                                <m:sSub>
+                                  <m:sSubPr>
+                                    <m:ctrlPr>
+                                      <a:rPr lang="pt-BR" sz="1600" b="0" i="1" smtClean="0">
+                                        <a:latin typeface="Cambria Math" panose="02040503050406030204" pitchFamily="18" charset="0"/>
+                                        <a:ea typeface="Cambria Math"/>
+                                      </a:rPr>
+                                    </m:ctrlPr>
+                                  </m:sSubPr>
+                                  <m:e>
+                                    <m:r>
+                                      <a:rPr lang="pt-BR" sz="1600" b="0" i="1" smtClean="0">
+                                        <a:latin typeface="Cambria Math"/>
+                                        <a:ea typeface="Cambria Math"/>
+                                      </a:rPr>
+                                      <m:t>𝑦</m:t>
+                                    </m:r>
+                                  </m:e>
+                                  <m:sub>
+                                    <m:r>
+                                      <a:rPr lang="pt-BR" sz="1600" b="0" i="1" smtClean="0">
+                                        <a:latin typeface="Cambria Math"/>
+                                        <a:ea typeface="Cambria Math"/>
+                                      </a:rPr>
+                                      <m:t>𝑖</m:t>
+                                    </m:r>
+                                  </m:sub>
+                                </m:sSub>
+                                <m:r>
+                                  <a:rPr lang="pt-BR" sz="1600" b="0" i="1" smtClean="0">
+                                    <a:latin typeface="Cambria Math"/>
+                                    <a:ea typeface="Cambria Math"/>
+                                  </a:rPr>
+                                  <m:t>−</m:t>
+                                </m:r>
+                                <m:r>
+                                  <a:rPr lang="pt-BR" sz="1600" b="0" i="1" smtClean="0">
+                                    <a:latin typeface="Cambria Math"/>
+                                    <a:ea typeface="Cambria Math"/>
+                                  </a:rPr>
+                                  <m:t>𝑝</m:t>
+                                </m:r>
+                              </m:e>
+                            </m:d>
+                          </m:e>
+                        </m:d>
+                        <m:r>
+                          <a:rPr lang="pt-BR" sz="1600" b="0" i="1" smtClean="0">
+                            <a:latin typeface="Cambria Math"/>
+                            <a:ea typeface="Cambria Math"/>
+                          </a:rPr>
+                          <m:t> </m:t>
+                        </m:r>
+                      </m:e>
+                    </m:nary>
+                    <m:r>
+                      <a:rPr lang="pt-BR" sz="1600" b="0" i="1" smtClean="0">
+                        <a:latin typeface="Cambria Math"/>
+                      </a:rPr>
+                      <m:t>,     </m:t>
+                    </m:r>
+                    <m:r>
+                      <a:rPr lang="pt-BR" sz="1600" i="1">
+                        <a:latin typeface="Cambria Math"/>
+                        <a:ea typeface="Cambria Math"/>
+                      </a:rPr>
+                      <m:t>𝜙</m:t>
+                    </m:r>
+                    <m:r>
+                      <a:rPr lang="pt-BR" sz="1600" i="1">
+                        <a:latin typeface="Cambria Math"/>
+                        <a:ea typeface="Cambria Math"/>
+                      </a:rPr>
+                      <m:t>:</m:t>
+                    </m:r>
+                    <m:sSup>
+                      <m:sSupPr>
+                        <m:ctrlPr>
+                          <a:rPr lang="pt-BR" sz="1600" i="1">
+                            <a:latin typeface="Cambria Math" panose="02040503050406030204" pitchFamily="18" charset="0"/>
+                            <a:ea typeface="Cambria Math"/>
+                          </a:rPr>
+                        </m:ctrlPr>
+                      </m:sSupPr>
+                      <m:e>
+                        <m:r>
+                          <a:rPr lang="pt-BR" sz="1600" i="1">
+                            <a:latin typeface="Cambria Math"/>
+                            <a:ea typeface="Cambria Math"/>
+                          </a:rPr>
+                          <m:t>ℝ</m:t>
+                        </m:r>
+                      </m:e>
+                      <m:sup>
+                        <m:r>
+                          <a:rPr lang="pt-BR" sz="1600" i="1">
+                            <a:latin typeface="Cambria Math"/>
+                            <a:ea typeface="Cambria Math"/>
+                          </a:rPr>
+                          <m:t>+</m:t>
+                        </m:r>
+                      </m:sup>
+                    </m:sSup>
+                    <m:r>
+                      <a:rPr lang="pt-BR" sz="1600" i="1">
+                        <a:latin typeface="Cambria Math"/>
+                        <a:ea typeface="Cambria Math"/>
+                      </a:rPr>
+                      <m:t>→</m:t>
+                    </m:r>
+                    <m:r>
+                      <a:rPr lang="pt-BR" sz="1600" i="1">
+                        <a:latin typeface="Cambria Math"/>
+                        <a:ea typeface="Cambria Math"/>
+                      </a:rPr>
+                      <m:t>ℝ</m:t>
+                    </m:r>
+                  </m:oMath>
+                </a14:m>
+                <a:endParaRPr lang="pt-BR" sz="1600" dirty="0"/>
+              </a:p>
+              <a:p>
+                <a:pPr marL="285750" indent="-285750">
+                  <a:buFont typeface="Arial" panose="020B0604020202020204" pitchFamily="34" charset="0"/>
+                  <a:buChar char="•"/>
+                </a:pPr>
+                <a:endParaRPr lang="pt-BR" sz="1600" dirty="0" smtClean="0"/>
+              </a:p>
+              <a:p>
+                <a:pPr marL="285750" indent="-285750">
+                  <a:buFont typeface="Arial" panose="020B0604020202020204" pitchFamily="34" charset="0"/>
+                  <a:buChar char="•"/>
+                </a:pPr>
+                <a:endParaRPr lang="pt-BR" sz="1600" dirty="0" smtClean="0"/>
+              </a:p>
+              <a:p>
+                <a:pPr marL="285750" indent="-285750">
+                  <a:buFont typeface="Arial" panose="020B0604020202020204" pitchFamily="34" charset="0"/>
+                  <a:buChar char="•"/>
+                </a:pPr>
+                <a14:m>
+                  <m:oMath xmlns:m="http://schemas.openxmlformats.org/officeDocument/2006/math">
+                    <m:sSub>
+                      <m:sSubPr>
+                        <m:ctrlPr>
+                          <a:rPr lang="pt-BR" sz="1600" i="1">
+                            <a:latin typeface="Cambria Math" panose="02040503050406030204" pitchFamily="18" charset="0"/>
+                          </a:rPr>
+                        </m:ctrlPr>
+                      </m:sSubPr>
+                      <m:e>
+                        <m:r>
+                          <a:rPr lang="pt-BR" sz="1600" i="1">
+                            <a:latin typeface="Cambria Math"/>
+                          </a:rPr>
+                          <m:t>𝑠</m:t>
+                        </m:r>
+                      </m:e>
+                      <m:sub>
+                        <m:r>
+                          <a:rPr lang="pt-BR" sz="1600" i="1">
+                            <a:latin typeface="Cambria Math"/>
+                          </a:rPr>
+                          <m:t>𝑘</m:t>
+                        </m:r>
+                      </m:sub>
+                    </m:sSub>
+                    <m:d>
+                      <m:dPr>
+                        <m:ctrlPr>
+                          <a:rPr lang="pt-BR" sz="1600" i="1">
+                            <a:latin typeface="Cambria Math" panose="02040503050406030204" pitchFamily="18" charset="0"/>
+                          </a:rPr>
+                        </m:ctrlPr>
+                      </m:dPr>
+                      <m:e>
+                        <m:sSub>
+                          <m:sSubPr>
+                            <m:ctrlPr>
+                              <a:rPr lang="pt-BR" sz="1600" b="0" i="1" smtClean="0">
+                                <a:latin typeface="Cambria Math" panose="02040503050406030204" pitchFamily="18" charset="0"/>
+                              </a:rPr>
+                            </m:ctrlPr>
+                          </m:sSubPr>
+                          <m:e>
+                            <m:r>
+                              <a:rPr lang="pt-BR" sz="1600" b="0" i="1" smtClean="0">
+                                <a:latin typeface="Cambria Math"/>
+                              </a:rPr>
+                              <m:t>𝑦</m:t>
+                            </m:r>
+                          </m:e>
+                          <m:sub>
+                            <m:r>
+                              <a:rPr lang="pt-BR" sz="1600" b="0" i="1" smtClean="0">
+                                <a:latin typeface="Cambria Math"/>
+                              </a:rPr>
+                              <m:t>𝑗</m:t>
+                            </m:r>
+                          </m:sub>
+                        </m:sSub>
+                      </m:e>
+                    </m:d>
+                    <m:r>
+                      <a:rPr lang="pt-BR" sz="1600" b="0" i="1" smtClean="0">
+                        <a:latin typeface="Cambria Math"/>
+                      </a:rPr>
+                      <m:t>=</m:t>
+                    </m:r>
+                    <m:sSub>
+                      <m:sSubPr>
+                        <m:ctrlPr>
+                          <a:rPr lang="pt-BR" sz="1600" b="0" i="1" smtClean="0">
+                            <a:latin typeface="Cambria Math" panose="02040503050406030204" pitchFamily="18" charset="0"/>
+                          </a:rPr>
+                        </m:ctrlPr>
+                      </m:sSubPr>
+                      <m:e>
+                        <m:r>
+                          <a:rPr lang="pt-BR" sz="1600" b="0" i="1" smtClean="0">
+                            <a:latin typeface="Cambria Math"/>
+                          </a:rPr>
+                          <m:t>𝑥</m:t>
+                        </m:r>
+                      </m:e>
+                      <m:sub>
+                        <m:r>
+                          <a:rPr lang="pt-BR" sz="1600" b="0" i="1" smtClean="0">
+                            <a:latin typeface="Cambria Math"/>
+                          </a:rPr>
+                          <m:t>𝑗𝑘</m:t>
+                        </m:r>
+                      </m:sub>
+                    </m:sSub>
+                  </m:oMath>
+                </a14:m>
+                <a:endParaRPr lang="pt-BR" sz="1600" dirty="0" smtClean="0"/>
+              </a:p>
+              <a:p>
+                <a:pPr marL="285750" indent="-285750">
+                  <a:buFont typeface="Arial" panose="020B0604020202020204" pitchFamily="34" charset="0"/>
+                  <a:buChar char="•"/>
+                </a:pPr>
+                <a:endParaRPr lang="pt-BR" sz="1600" dirty="0" smtClean="0"/>
+              </a:p>
+              <a:p>
+                <a:pPr marL="285750" indent="-285750">
+                  <a:buFont typeface="Arial" panose="020B0604020202020204" pitchFamily="34" charset="0"/>
+                  <a:buChar char="•"/>
+                </a:pPr>
+                <a:endParaRPr lang="pt-BR" sz="1600" dirty="0"/>
+              </a:p>
+              <a:p>
+                <a:pPr marL="285750" indent="-285750">
+                  <a:buFont typeface="Arial" panose="020B0604020202020204" pitchFamily="34" charset="0"/>
+                  <a:buChar char="•"/>
+                </a:pPr>
+                <a14:m>
+                  <m:oMath xmlns:m="http://schemas.openxmlformats.org/officeDocument/2006/math">
+                    <m:sSub>
+                      <m:sSubPr>
+                        <m:ctrlPr>
+                          <a:rPr lang="pt-BR" sz="1600" i="1">
+                            <a:latin typeface="Cambria Math" panose="02040503050406030204" pitchFamily="18" charset="0"/>
+                          </a:rPr>
+                        </m:ctrlPr>
+                      </m:sSubPr>
+                      <m:e>
+                        <m:r>
+                          <a:rPr lang="pt-BR" sz="1600" i="1">
+                            <a:latin typeface="Cambria Math"/>
+                          </a:rPr>
+                          <m:t>𝑠</m:t>
+                        </m:r>
+                      </m:e>
+                      <m:sub>
+                        <m:r>
+                          <a:rPr lang="pt-BR" sz="1600" i="1">
+                            <a:latin typeface="Cambria Math"/>
+                          </a:rPr>
+                          <m:t>𝑘</m:t>
+                        </m:r>
+                      </m:sub>
+                    </m:sSub>
+                    <m:d>
+                      <m:dPr>
+                        <m:ctrlPr>
+                          <a:rPr lang="pt-BR" sz="1600" i="1">
+                            <a:latin typeface="Cambria Math" panose="02040503050406030204" pitchFamily="18" charset="0"/>
+                          </a:rPr>
+                        </m:ctrlPr>
+                      </m:dPr>
+                      <m:e>
+                        <m:sSub>
+                          <m:sSubPr>
+                            <m:ctrlPr>
+                              <a:rPr lang="pt-BR" sz="1600" i="1">
+                                <a:latin typeface="Cambria Math" panose="02040503050406030204" pitchFamily="18" charset="0"/>
+                              </a:rPr>
+                            </m:ctrlPr>
+                          </m:sSubPr>
+                          <m:e>
+                            <m:r>
+                              <a:rPr lang="pt-BR" sz="1600" i="1">
+                                <a:latin typeface="Cambria Math"/>
+                              </a:rPr>
+                              <m:t>𝑦</m:t>
+                            </m:r>
+                          </m:e>
+                          <m:sub>
+                            <m:r>
+                              <a:rPr lang="pt-BR" sz="1600" b="0" i="1" smtClean="0">
+                                <a:latin typeface="Cambria Math"/>
+                              </a:rPr>
+                              <m:t>𝑗</m:t>
+                            </m:r>
+                          </m:sub>
+                        </m:sSub>
+                      </m:e>
+                    </m:d>
+                    <m:r>
+                      <a:rPr lang="pt-BR" sz="1600" i="1">
+                        <a:latin typeface="Cambria Math"/>
+                      </a:rPr>
+                      <m:t>=</m:t>
+                    </m:r>
+                    <m:nary>
+                      <m:naryPr>
+                        <m:chr m:val="∑"/>
+                        <m:ctrlPr>
+                          <a:rPr lang="pt-BR" sz="1600" i="1">
+                            <a:latin typeface="Cambria Math" panose="02040503050406030204" pitchFamily="18" charset="0"/>
+                          </a:rPr>
+                        </m:ctrlPr>
+                      </m:naryPr>
+                      <m:sub>
+                        <m:r>
+                          <m:rPr>
+                            <m:brk m:alnAt="23"/>
+                          </m:rPr>
+                          <a:rPr lang="pt-BR" sz="1600" i="1">
+                            <a:latin typeface="Cambria Math"/>
+                          </a:rPr>
+                          <m:t>𝑖</m:t>
+                        </m:r>
+                        <m:r>
+                          <a:rPr lang="pt-BR" sz="1600" i="1">
+                            <a:latin typeface="Cambria Math"/>
+                          </a:rPr>
+                          <m:t>=1</m:t>
+                        </m:r>
+                      </m:sub>
+                      <m:sup>
+                        <m:r>
+                          <a:rPr lang="pt-BR" sz="1600" i="1">
+                            <a:latin typeface="Cambria Math"/>
+                          </a:rPr>
+                          <m:t>𝑛</m:t>
+                        </m:r>
+                      </m:sup>
+                      <m:e>
+                        <m:sSub>
+                          <m:sSubPr>
+                            <m:ctrlPr>
+                              <a:rPr lang="pt-BR" sz="1600" i="1">
+                                <a:latin typeface="Cambria Math" panose="02040503050406030204" pitchFamily="18" charset="0"/>
+                                <a:ea typeface="Cambria Math"/>
+                              </a:rPr>
+                            </m:ctrlPr>
+                          </m:sSubPr>
+                          <m:e>
+                            <m:r>
+                              <a:rPr lang="pt-BR" sz="1600" i="1">
+                                <a:latin typeface="Cambria Math"/>
+                                <a:ea typeface="Cambria Math"/>
+                              </a:rPr>
+                              <m:t>𝜆</m:t>
+                            </m:r>
+                          </m:e>
+                          <m:sub>
+                            <m:r>
+                              <a:rPr lang="pt-BR" sz="1600" i="1">
+                                <a:latin typeface="Cambria Math"/>
+                                <a:ea typeface="Cambria Math"/>
+                              </a:rPr>
+                              <m:t>𝑘𝑖</m:t>
+                            </m:r>
+                          </m:sub>
+                        </m:sSub>
+                        <m:r>
+                          <a:rPr lang="pt-BR" sz="1600" i="1">
+                            <a:latin typeface="Cambria Math"/>
+                            <a:ea typeface="Cambria Math"/>
+                          </a:rPr>
+                          <m:t>𝜙</m:t>
+                        </m:r>
+                        <m:d>
+                          <m:dPr>
+                            <m:ctrlPr>
+                              <a:rPr lang="pt-BR" sz="1600" i="1">
+                                <a:latin typeface="Cambria Math" panose="02040503050406030204" pitchFamily="18" charset="0"/>
+                                <a:ea typeface="Cambria Math"/>
+                              </a:rPr>
+                            </m:ctrlPr>
+                          </m:dPr>
+                          <m:e>
+                            <m:d>
+                              <m:dPr>
+                                <m:begChr m:val="‖"/>
+                                <m:endChr m:val="‖"/>
+                                <m:ctrlPr>
+                                  <a:rPr lang="pt-BR" sz="1600" i="1">
+                                    <a:latin typeface="Cambria Math" panose="02040503050406030204" pitchFamily="18" charset="0"/>
+                                    <a:ea typeface="Cambria Math"/>
+                                  </a:rPr>
+                                </m:ctrlPr>
+                              </m:dPr>
+                              <m:e>
+                                <m:sSub>
+                                  <m:sSubPr>
+                                    <m:ctrlPr>
+                                      <a:rPr lang="pt-BR" sz="1600" i="1">
+                                        <a:latin typeface="Cambria Math" panose="02040503050406030204" pitchFamily="18" charset="0"/>
+                                        <a:ea typeface="Cambria Math"/>
+                                      </a:rPr>
+                                    </m:ctrlPr>
+                                  </m:sSubPr>
+                                  <m:e>
+                                    <m:r>
+                                      <a:rPr lang="pt-BR" sz="1600" i="1">
+                                        <a:latin typeface="Cambria Math"/>
+                                        <a:ea typeface="Cambria Math"/>
+                                      </a:rPr>
+                                      <m:t>𝑦</m:t>
+                                    </m:r>
+                                  </m:e>
+                                  <m:sub>
+                                    <m:r>
+                                      <a:rPr lang="pt-BR" sz="1600" i="1">
+                                        <a:latin typeface="Cambria Math"/>
+                                        <a:ea typeface="Cambria Math"/>
+                                      </a:rPr>
+                                      <m:t>𝑖</m:t>
+                                    </m:r>
+                                  </m:sub>
+                                </m:sSub>
+                                <m:r>
+                                  <a:rPr lang="pt-BR" sz="1600" i="1">
+                                    <a:latin typeface="Cambria Math"/>
+                                    <a:ea typeface="Cambria Math"/>
+                                  </a:rPr>
+                                  <m:t>−</m:t>
+                                </m:r>
+                                <m:sSub>
+                                  <m:sSubPr>
+                                    <m:ctrlPr>
+                                      <a:rPr lang="pt-BR" sz="1600" b="0" i="1" smtClean="0">
+                                        <a:latin typeface="Cambria Math" panose="02040503050406030204" pitchFamily="18" charset="0"/>
+                                        <a:ea typeface="Cambria Math"/>
+                                      </a:rPr>
+                                    </m:ctrlPr>
+                                  </m:sSubPr>
+                                  <m:e>
+                                    <m:r>
+                                      <a:rPr lang="pt-BR" sz="1600" b="0" i="1" smtClean="0">
+                                        <a:latin typeface="Cambria Math"/>
+                                        <a:ea typeface="Cambria Math"/>
+                                      </a:rPr>
+                                      <m:t>𝑦</m:t>
+                                    </m:r>
+                                  </m:e>
+                                  <m:sub>
+                                    <m:r>
+                                      <a:rPr lang="pt-BR" sz="1600" b="0" i="1" smtClean="0">
+                                        <a:latin typeface="Cambria Math"/>
+                                        <a:ea typeface="Cambria Math"/>
+                                      </a:rPr>
+                                      <m:t>𝑗</m:t>
+                                    </m:r>
+                                  </m:sub>
+                                </m:sSub>
+                              </m:e>
+                            </m:d>
+                          </m:e>
+                        </m:d>
+                        <m:r>
+                          <a:rPr lang="pt-BR" sz="1600" b="0" i="1" smtClean="0">
+                            <a:latin typeface="Cambria Math"/>
+                            <a:ea typeface="Cambria Math"/>
+                          </a:rPr>
+                          <m:t>=</m:t>
+                        </m:r>
+                      </m:e>
+                    </m:nary>
+                    <m:sSub>
+                      <m:sSubPr>
+                        <m:ctrlPr>
+                          <a:rPr lang="pt-BR" sz="1600" b="0" i="1" smtClean="0">
+                            <a:latin typeface="Cambria Math" panose="02040503050406030204" pitchFamily="18" charset="0"/>
+                            <a:ea typeface="Cambria Math"/>
+                          </a:rPr>
+                        </m:ctrlPr>
+                      </m:sSubPr>
+                      <m:e>
+                        <m:r>
+                          <a:rPr lang="pt-BR" sz="1600" b="0" i="1" smtClean="0">
+                            <a:latin typeface="Cambria Math"/>
+                            <a:ea typeface="Cambria Math"/>
+                          </a:rPr>
+                          <m:t>𝑥</m:t>
+                        </m:r>
+                      </m:e>
+                      <m:sub>
+                        <m:r>
+                          <a:rPr lang="pt-BR" sz="1600" b="0" i="1" smtClean="0">
+                            <a:latin typeface="Cambria Math"/>
+                            <a:ea typeface="Cambria Math"/>
+                          </a:rPr>
+                          <m:t>𝑗𝑘</m:t>
+                        </m:r>
+                      </m:sub>
+                    </m:sSub>
+                  </m:oMath>
+                </a14:m>
+                <a:endParaRPr lang="pt-BR" sz="1600" b="0" dirty="0" smtClean="0"/>
+              </a:p>
+              <a:p>
+                <a:pPr marL="285750" indent="-285750">
+                  <a:buFont typeface="Arial" panose="020B0604020202020204" pitchFamily="34" charset="0"/>
+                  <a:buChar char="•"/>
+                </a:pPr>
+                <a:endParaRPr lang="pt-BR" sz="1600" i="1" dirty="0" smtClean="0">
+                  <a:latin typeface="Cambria Math"/>
+                  <a:ea typeface="Cambria Math"/>
+                </a:endParaRPr>
+              </a:p>
+              <a:p>
+                <a:pPr marL="285750" indent="-285750">
+                  <a:buFont typeface="Arial" panose="020B0604020202020204" pitchFamily="34" charset="0"/>
+                  <a:buChar char="•"/>
+                </a:pPr>
+                <a:endParaRPr lang="pt-BR" sz="1600" i="1" dirty="0" smtClean="0">
+                  <a:latin typeface="Cambria Math"/>
+                  <a:ea typeface="Cambria Math"/>
+                </a:endParaRPr>
+              </a:p>
+              <a:p>
+                <a:pPr marL="285750" indent="-285750">
+                  <a:buFont typeface="Arial" panose="020B0604020202020204" pitchFamily="34" charset="0"/>
+                  <a:buChar char="•"/>
+                </a:pPr>
+                <a14:m>
+                  <m:oMath xmlns:m="http://schemas.openxmlformats.org/officeDocument/2006/math">
+                    <m:sSub>
+                      <m:sSubPr>
+                        <m:ctrlPr>
+                          <a:rPr lang="pt-BR" sz="1600" i="1">
+                            <a:latin typeface="Cambria Math" panose="02040503050406030204" pitchFamily="18" charset="0"/>
+                            <a:ea typeface="Cambria Math"/>
+                          </a:rPr>
+                        </m:ctrlPr>
+                      </m:sSubPr>
+                      <m:e>
+                        <m:r>
+                          <a:rPr lang="pt-BR" sz="1600" i="1">
+                            <a:latin typeface="Cambria Math"/>
+                            <a:ea typeface="Cambria Math"/>
+                          </a:rPr>
+                          <m:t>𝜆</m:t>
+                        </m:r>
+                      </m:e>
+                      <m:sub>
+                        <m:r>
+                          <a:rPr lang="pt-BR" sz="1600" i="1">
+                            <a:latin typeface="Cambria Math"/>
+                            <a:ea typeface="Cambria Math"/>
+                          </a:rPr>
+                          <m:t>𝑘</m:t>
+                        </m:r>
+                      </m:sub>
+                    </m:sSub>
+                    <m:r>
+                      <a:rPr lang="pt-BR" sz="1600" b="0" i="1" smtClean="0">
+                        <a:latin typeface="Cambria Math"/>
+                        <a:ea typeface="Cambria Math"/>
+                      </a:rPr>
+                      <m:t>?</m:t>
+                    </m:r>
+                  </m:oMath>
+                </a14:m>
+                <a:endParaRPr lang="pt-BR" sz="1600" dirty="0" smtClean="0"/>
+              </a:p>
+              <a:p>
+                <a:pPr marL="285750" indent="-285750">
+                  <a:buFont typeface="Arial" panose="020B0604020202020204" pitchFamily="34" charset="0"/>
+                  <a:buChar char="•"/>
+                </a:pPr>
+                <a:endParaRPr lang="pt-BR" sz="1600" dirty="0"/>
+              </a:p>
+              <a:p>
+                <a:pPr marL="285750" indent="-285750">
+                  <a:buFont typeface="Arial" panose="020B0604020202020204" pitchFamily="34" charset="0"/>
+                  <a:buChar char="•"/>
+                </a:pPr>
+                <a:r>
+                  <a:rPr lang="pt-BR" sz="1400" dirty="0" smtClean="0"/>
+                  <a:t>Solução de um sistema linear!</a:t>
+                </a:r>
+              </a:p>
+            </p:txBody>
+          </p:sp>
+        </mc:Choice>
+        <mc:Fallback xmlns="">
+          <p:sp>
+            <p:nvSpPr>
+              <p:cNvPr id="100" name="TextShape 2"/>
+              <p:cNvSpPr txBox="1">
+                <a:spLocks noRot="1" noChangeAspect="1" noMove="1" noResize="1" noEditPoints="1" noAdjustHandles="1" noChangeArrowheads="1" noChangeShapeType="1" noTextEdit="1"/>
+              </p:cNvSpPr>
+              <p:nvPr/>
+            </p:nvSpPr>
+            <p:spPr>
+              <a:xfrm>
+                <a:off x="457200" y="1600200"/>
+                <a:ext cx="8229240" cy="4525560"/>
+              </a:xfrm>
+              <a:prstGeom prst="rect">
+                <a:avLst/>
+              </a:prstGeom>
+              <a:blipFill rotWithShape="1">
+                <a:blip r:embed="rId2"/>
+                <a:stretch>
+                  <a:fillRect l="-222"/>
+                </a:stretch>
+              </a:blipFill>
+              <a:ln>
+                <a:noFill/>
+              </a:ln>
+            </p:spPr>
+            <p:txBody>
+              <a:bodyPr/>
+              <a:lstStyle/>
+              <a:p>
+                <a:r>
+                  <a:rPr lang="pt-BR">
+                    <a:noFill/>
+                  </a:rPr>
+                  <a:t> </a:t>
+                </a:r>
+              </a:p>
+            </p:txBody>
+          </p:sp>
+        </mc:Fallback>
+      </mc:AlternateContent>
+      <p:pic>
+        <p:nvPicPr>
+          <p:cNvPr id="2051" name="Picture 3"/>
+          <p:cNvPicPr>
+            <a:picLocks noChangeAspect="1" noChangeArrowheads="1"/>
+          </p:cNvPicPr>
+          <p:nvPr/>
+        </p:nvPicPr>
+        <p:blipFill>
+          <a:blip r:embed="rId3">
+            <a:extLst>
+              <a:ext uri="{28A0092B-C50C-407E-A947-70E740481C1C}">
+                <a14:useLocalDpi xmlns:a14="http://schemas.microsoft.com/office/drawing/2010/main" val="0"/>
+              </a:ext>
+            </a:extLst>
+          </a:blip>
+          <a:srcRect/>
+          <a:stretch>
+            <a:fillRect/>
+          </a:stretch>
+        </p:blipFill>
+        <p:spPr bwMode="auto">
+          <a:xfrm>
+            <a:off x="5104270" y="2178869"/>
+            <a:ext cx="3641783" cy="3368222"/>
+          </a:xfrm>
+          <a:prstGeom prst="rect">
+            <a:avLst/>
+          </a:prstGeom>
+          <a:noFill/>
+          <a:ln>
+            <a:noFill/>
+          </a:ln>
+          <a:extLst>
+            <a:ext uri="{909E8E84-426E-40DD-AFC4-6F175D3DCCD1}">
+              <a14:hiddenFill xmlns:a14="http://schemas.microsoft.com/office/drawing/2010/main">
+                <a:solidFill>
+                  <a:schemeClr val="accent1"/>
+                </a:solidFill>
+              </a14:hiddenFill>
+            </a:ext>
+            <a:ext uri="{91240B29-F687-4F45-9708-019B960494DF}">
+              <a14:hiddenLine xmlns:a14="http://schemas.microsoft.com/office/drawing/2010/main" w="9525">
+                <a:solidFill>
+                  <a:schemeClr val="tx1"/>
+                </a:solidFill>
+                <a:miter lim="800000"/>
+                <a:headEnd/>
+                <a:tailEnd/>
+              </a14:hiddenLine>
+            </a:ext>
+          </a:extLst>
+        </p:spPr>
+      </p:pic>
+      <mc:AlternateContent xmlns:mc="http://schemas.openxmlformats.org/markup-compatibility/2006">
+        <mc:Choice xmlns:a14="http://schemas.microsoft.com/office/drawing/2010/main" Requires="a14">
+          <p:sp>
+            <p:nvSpPr>
+              <p:cNvPr id="2" name="Rectangle 1"/>
+              <p:cNvSpPr/>
+              <p:nvPr/>
+            </p:nvSpPr>
+            <p:spPr>
+              <a:xfrm>
+                <a:off x="8156212" y="2178869"/>
+                <a:ext cx="589841" cy="369332"/>
+              </a:xfrm>
+              <a:prstGeom prst="rect">
+                <a:avLst/>
+              </a:prstGeom>
+            </p:spPr>
+            <p:txBody>
+              <a:bodyPr wrap="none">
+                <a:spAutoFit/>
+              </a:bodyPr>
+              <a:lstStyle/>
+              <a:p>
+                <a14:m>
+                  <m:oMathPara xmlns:m="http://schemas.openxmlformats.org/officeDocument/2006/math">
+                    <m:oMathParaPr>
+                      <m:jc m:val="centerGroup"/>
+                    </m:oMathParaPr>
+                    <m:oMath xmlns:m="http://schemas.openxmlformats.org/officeDocument/2006/math">
+                      <m:sSup>
+                        <m:sSupPr>
+                          <m:ctrlPr>
+                            <a:rPr lang="pt-BR" i="1">
+                              <a:latin typeface="Cambria Math" panose="02040503050406030204" pitchFamily="18" charset="0"/>
+                            </a:rPr>
+                          </m:ctrlPr>
+                        </m:sSupPr>
+                        <m:e>
+                          <m:r>
+                            <a:rPr lang="pt-BR" i="1">
+                              <a:latin typeface="Cambria Math"/>
+                              <a:ea typeface="Cambria Math"/>
+                            </a:rPr>
+                            <m:t>ℝ</m:t>
+                          </m:r>
+                        </m:e>
+                        <m:sup>
+                          <m:r>
+                            <a:rPr lang="pt-BR" i="1">
+                              <a:latin typeface="Cambria Math"/>
+                            </a:rPr>
+                            <m:t>𝑚</m:t>
+                          </m:r>
+                        </m:sup>
+                      </m:sSup>
+                    </m:oMath>
+                  </m:oMathPara>
+                </a14:m>
+                <a:endParaRPr lang="en-US" dirty="0"/>
+              </a:p>
+            </p:txBody>
+          </p:sp>
+        </mc:Choice>
+        <mc:Fallback>
+          <p:sp>
+            <p:nvSpPr>
+              <p:cNvPr id="2" name="Rectangle 1"/>
+              <p:cNvSpPr>
+                <a:spLocks noRot="1" noChangeAspect="1" noMove="1" noResize="1" noEditPoints="1" noAdjustHandles="1" noChangeArrowheads="1" noChangeShapeType="1" noTextEdit="1"/>
+              </p:cNvSpPr>
+              <p:nvPr/>
+            </p:nvSpPr>
+            <p:spPr>
+              <a:xfrm>
+                <a:off x="8156212" y="2178869"/>
+                <a:ext cx="589841" cy="369332"/>
+              </a:xfrm>
+              <a:prstGeom prst="rect">
+                <a:avLst/>
+              </a:prstGeom>
+              <a:blipFill rotWithShape="0">
+                <a:blip r:embed="rId2"/>
+                <a:stretch>
+                  <a:fillRect/>
+                </a:stretch>
+              </a:blipFill>
+            </p:spPr>
+            <p:txBody>
+              <a:bodyPr/>
+              <a:lstStyle/>
+              <a:p>
+                <a:r>
+                  <a:rPr lang="en-US">
+                    <a:noFill/>
+                  </a:rPr>
+                  <a:t> </a:t>
+                </a:r>
+              </a:p>
+            </p:txBody>
+          </p:sp>
+        </mc:Fallback>
+      </mc:AlternateContent>
+      <mc:AlternateContent xmlns:mc="http://schemas.openxmlformats.org/markup-compatibility/2006">
+        <mc:Choice xmlns:a14="http://schemas.microsoft.com/office/drawing/2010/main" Requires="a14">
+          <p:sp>
+            <p:nvSpPr>
+              <p:cNvPr id="3" name="Rectangle 2"/>
+              <p:cNvSpPr/>
+              <p:nvPr/>
+            </p:nvSpPr>
+            <p:spPr>
+              <a:xfrm>
+                <a:off x="7892390" y="4776149"/>
+                <a:ext cx="527644" cy="369332"/>
+              </a:xfrm>
+              <a:prstGeom prst="rect">
+                <a:avLst/>
+              </a:prstGeom>
+            </p:spPr>
+            <p:txBody>
+              <a:bodyPr wrap="none">
+                <a:spAutoFit/>
+              </a:bodyPr>
+              <a:lstStyle/>
+              <a:p>
+                <a14:m>
+                  <m:oMathPara xmlns:m="http://schemas.openxmlformats.org/officeDocument/2006/math">
+                    <m:oMathParaPr>
+                      <m:jc m:val="centerGroup"/>
+                    </m:oMathParaPr>
+                    <m:oMath xmlns:m="http://schemas.openxmlformats.org/officeDocument/2006/math">
+                      <m:sSup>
+                        <m:sSupPr>
+                          <m:ctrlPr>
+                            <a:rPr lang="pt-BR" i="1">
+                              <a:latin typeface="Cambria Math" panose="02040503050406030204" pitchFamily="18" charset="0"/>
+                            </a:rPr>
+                          </m:ctrlPr>
+                        </m:sSupPr>
+                        <m:e>
+                          <m:r>
+                            <a:rPr lang="pt-BR" i="1">
+                              <a:latin typeface="Cambria Math"/>
+                              <a:ea typeface="Cambria Math"/>
+                            </a:rPr>
+                            <m:t>ℝ</m:t>
+                          </m:r>
+                        </m:e>
+                        <m:sup>
+                          <m:r>
+                            <a:rPr lang="pt-BR" i="1">
+                              <a:latin typeface="Cambria Math"/>
+                            </a:rPr>
+                            <m:t>2</m:t>
+                          </m:r>
+                        </m:sup>
+                      </m:sSup>
+                    </m:oMath>
+                  </m:oMathPara>
+                </a14:m>
+                <a:endParaRPr lang="en-US" dirty="0"/>
+              </a:p>
+            </p:txBody>
+          </p:sp>
+        </mc:Choice>
+        <mc:Fallback>
+          <p:sp>
+            <p:nvSpPr>
+              <p:cNvPr id="3" name="Rectangle 2"/>
+              <p:cNvSpPr>
+                <a:spLocks noRot="1" noChangeAspect="1" noMove="1" noResize="1" noEditPoints="1" noAdjustHandles="1" noChangeArrowheads="1" noChangeShapeType="1" noTextEdit="1"/>
+              </p:cNvSpPr>
+              <p:nvPr/>
+            </p:nvSpPr>
+            <p:spPr>
+              <a:xfrm>
+                <a:off x="7892390" y="4776149"/>
+                <a:ext cx="527644" cy="369332"/>
+              </a:xfrm>
+              <a:prstGeom prst="rect">
+                <a:avLst/>
+              </a:prstGeom>
+              <a:blipFill rotWithShape="0">
+                <a:blip r:embed="rId4"/>
+                <a:stretch>
+                  <a:fillRect/>
+                </a:stretch>
+              </a:blipFill>
+            </p:spPr>
+            <p:txBody>
+              <a:bodyPr/>
+              <a:lstStyle/>
+              <a:p>
+                <a:r>
+                  <a:rPr lang="en-US">
+                    <a:noFill/>
+                  </a:rPr>
+                  <a:t> </a:t>
+                </a:r>
+              </a:p>
+            </p:txBody>
+          </p:sp>
+        </mc:Fallback>
+      </mc:AlternateContent>
+    </p:spTree>
+    <p:extLst>
+      <p:ext uri="{BB962C8B-B14F-4D97-AF65-F5344CB8AC3E}">
+        <p14:creationId xmlns:p14="http://schemas.microsoft.com/office/powerpoint/2010/main" val="2849969000"/>
+      </p:ext>
+    </p:extLst>
+  </p:cSld>
+  <p:clrMapOvr>
+    <a:masterClrMapping/>
+  </p:clrMapOvr>
+  <p:timing>
+    <p:tnLst>
+      <p:par>
+        <p:cTn id="1" dur="indefinite" restart="never" nodeType="tmRoot">
+          <p:childTnLst>
+            <p:seq>
+              <p:cTn id="2" nodeType="mainSeq"/>
+              <p:prevCondLst>
+                <p:cond evt="onPrev" delay="0">
+                  <p:tgtEl>
+                    <p:sldTgt/>
+                  </p:tgtEl>
+                </p:cond>
+              </p:prevCondLst>
+              <p:nextCondLst>
+                <p:cond evt="onNext" delay="0">
+                  <p:tgtEl>
+                    <p:sldTgt/>
+                  </p:tgtEl>
+                </p:cond>
+              </p:nextCondLst>
+            </p:seq>
+          </p:childTnLst>
+        </p:cTn>
+      </p:par>
+    </p:tnLst>
+  </p:timing>
+</p:sld>
+</file>
+
+<file path=ppt/slides/slide13.xml><?xml version="1.0" encoding="utf-8"?>
+<p:sld xmlns:a="http://schemas.openxmlformats.org/drawingml/2006/main" xmlns:r="http://schemas.openxmlformats.org/officeDocument/2006/relationships" xmlns:p="http://schemas.openxmlformats.org/presentationml/2006/main">
+  <p:cSld>
+    <p:spTree>
+      <p:nvGrpSpPr>
+        <p:cNvPr id="1" name=""/>
+        <p:cNvGrpSpPr/>
+        <p:nvPr/>
+      </p:nvGrpSpPr>
+      <p:grpSpPr>
+        <a:xfrm>
+          <a:off x="0" y="0"/>
+          <a:ext cx="0" cy="0"/>
+          <a:chOff x="0" y="0"/>
+          <a:chExt cx="0" cy="0"/>
+        </a:xfrm>
+      </p:grpSpPr>
+      <p:pic>
+        <p:nvPicPr>
+          <p:cNvPr id="7" name="Picture 3"/>
+          <p:cNvPicPr>
+            <a:picLocks noChangeAspect="1" noChangeArrowheads="1"/>
+          </p:cNvPicPr>
+          <p:nvPr/>
+        </p:nvPicPr>
+        <p:blipFill>
+          <a:blip r:embed="rId2">
+            <a:extLst>
+              <a:ext uri="{28A0092B-C50C-407E-A947-70E740481C1C}">
+                <a14:useLocalDpi xmlns:a14="http://schemas.microsoft.com/office/drawing/2010/main" val="0"/>
+              </a:ext>
+            </a:extLst>
+          </a:blip>
+          <a:srcRect/>
+          <a:stretch>
+            <a:fillRect/>
+          </a:stretch>
+        </p:blipFill>
+        <p:spPr bwMode="auto">
+          <a:xfrm>
+            <a:off x="5104270" y="2178869"/>
+            <a:ext cx="3641783" cy="3368222"/>
+          </a:xfrm>
+          <a:prstGeom prst="rect">
+            <a:avLst/>
+          </a:prstGeom>
+          <a:noFill/>
+          <a:ln>
+            <a:noFill/>
+          </a:ln>
+          <a:extLst>
+            <a:ext uri="{909E8E84-426E-40DD-AFC4-6F175D3DCCD1}">
+              <a14:hiddenFill xmlns:a14="http://schemas.microsoft.com/office/drawing/2010/main">
+                <a:solidFill>
+                  <a:schemeClr val="accent1"/>
+                </a:solidFill>
+              </a14:hiddenFill>
+            </a:ext>
+            <a:ext uri="{91240B29-F687-4F45-9708-019B960494DF}">
+              <a14:hiddenLine xmlns:a14="http://schemas.microsoft.com/office/drawing/2010/main" w="9525">
+                <a:solidFill>
+                  <a:schemeClr val="tx1"/>
+                </a:solidFill>
+                <a:miter lim="800000"/>
+                <a:headEnd/>
+                <a:tailEnd/>
+              </a14:hiddenLine>
+            </a:ext>
+          </a:extLst>
+        </p:spPr>
+      </p:pic>
       <p:sp>
         <p:nvSpPr>
           <p:cNvPr id="99" name="TextShape 1"/>
@@ -6134,39 +8166,169 @@
                 <a14:m>
                   <m:oMath xmlns:m="http://schemas.openxmlformats.org/officeDocument/2006/math">
                     <m:r>
-                      <a:rPr lang="pt-BR" sz="1600" i="1" smtClean="0">
+                      <m:rPr>
+                        <m:sty m:val="p"/>
+                      </m:rPr>
+                      <a:rPr lang="el-GR" sz="1600" i="1" smtClean="0">
+                        <a:latin typeface="Cambria Math" panose="02040503050406030204" pitchFamily="18" charset="0"/>
+                        <a:ea typeface="Cambria Math" panose="02040503050406030204" pitchFamily="18" charset="0"/>
+                      </a:rPr>
+                      <m:t>Φ</m:t>
+                    </m:r>
+                    <m:sSub>
+                      <m:sSubPr>
+                        <m:ctrlPr>
+                          <a:rPr lang="pt-BR" sz="1600" i="1">
+                            <a:latin typeface="Cambria Math" panose="02040503050406030204" pitchFamily="18" charset="0"/>
+                            <a:ea typeface="Cambria Math"/>
+                          </a:rPr>
+                        </m:ctrlPr>
+                      </m:sSubPr>
+                      <m:e>
+                        <m:r>
+                          <a:rPr lang="pt-BR" sz="1600" i="1">
+                            <a:latin typeface="Cambria Math"/>
+                            <a:ea typeface="Cambria Math"/>
+                          </a:rPr>
+                          <m:t>𝜆</m:t>
+                        </m:r>
+                      </m:e>
+                      <m:sub>
+                        <m:r>
+                          <a:rPr lang="pt-BR" sz="1600" i="1">
+                            <a:latin typeface="Cambria Math"/>
+                            <a:ea typeface="Cambria Math"/>
+                          </a:rPr>
+                          <m:t>𝑘</m:t>
+                        </m:r>
+                      </m:sub>
+                    </m:sSub>
+                    <m:r>
+                      <a:rPr lang="pt-BR" sz="1600" i="1">
                         <a:latin typeface="Cambria Math"/>
+                        <a:ea typeface="Cambria Math"/>
                       </a:rPr>
-                      <m:t>𝑠</m:t>
+                      <m:t>=</m:t>
                     </m:r>
+                    <m:sSub>
+                      <m:sSubPr>
+                        <m:ctrlPr>
+                          <a:rPr lang="pt-BR" sz="1600" i="1">
+                            <a:latin typeface="Cambria Math" panose="02040503050406030204" pitchFamily="18" charset="0"/>
+                            <a:ea typeface="Cambria Math"/>
+                          </a:rPr>
+                        </m:ctrlPr>
+                      </m:sSubPr>
+                      <m:e>
+                        <m:r>
+                          <a:rPr lang="pt-BR" sz="1600" i="1">
+                            <a:latin typeface="Cambria Math"/>
+                            <a:ea typeface="Cambria Math"/>
+                          </a:rPr>
+                          <m:t>𝑏</m:t>
+                        </m:r>
+                      </m:e>
+                      <m:sub>
+                        <m:r>
+                          <a:rPr lang="pt-BR" sz="1600" i="1">
+                            <a:latin typeface="Cambria Math"/>
+                            <a:ea typeface="Cambria Math"/>
+                          </a:rPr>
+                          <m:t>𝑘</m:t>
+                        </m:r>
+                      </m:sub>
+                    </m:sSub>
+                  </m:oMath>
+                </a14:m>
+                <a:r>
+                  <a:rPr lang="pt-BR" sz="1600" dirty="0"/>
+                  <a:t>,</a:t>
+                </a:r>
+                <a:r>
+                  <a:rPr lang="pt-BR" sz="1600" dirty="0" smtClean="0"/>
+                  <a:t>       </a:t>
+                </a:r>
+                <a14:m>
+                  <m:oMath xmlns:m="http://schemas.openxmlformats.org/officeDocument/2006/math">
+                    <m:r>
+                      <m:rPr>
+                        <m:sty m:val="p"/>
+                      </m:rPr>
+                      <a:rPr lang="el-GR" sz="1600" i="1">
+                        <a:latin typeface="Cambria Math" panose="02040503050406030204" pitchFamily="18" charset="0"/>
+                        <a:ea typeface="Cambria Math" panose="02040503050406030204" pitchFamily="18" charset="0"/>
+                      </a:rPr>
+                      <m:t>Φ</m:t>
+                    </m:r>
+                    <m:sSub>
+                      <m:sSubPr>
+                        <m:ctrlPr>
+                          <a:rPr lang="pt-BR" sz="1600" i="1">
+                            <a:latin typeface="Cambria Math" panose="02040503050406030204" pitchFamily="18" charset="0"/>
+                            <a:ea typeface="Cambria Math"/>
+                          </a:rPr>
+                        </m:ctrlPr>
+                      </m:sSubPr>
+                      <m:e>
+                        <m:r>
+                          <a:rPr lang="pt-BR" sz="1600" i="1">
+                            <a:latin typeface="Cambria Math"/>
+                            <a:ea typeface="Cambria Math"/>
+                          </a:rPr>
+                          <m:t>𝜆</m:t>
+                        </m:r>
+                      </m:e>
+                      <m:sub>
+                        <m:r>
+                          <a:rPr lang="pt-BR" sz="1600" i="1">
+                            <a:latin typeface="Cambria Math"/>
+                            <a:ea typeface="Cambria Math"/>
+                          </a:rPr>
+                          <m:t>𝑘</m:t>
+                        </m:r>
+                      </m:sub>
+                    </m:sSub>
+                    <m:r>
+                      <a:rPr lang="pt-BR" sz="1600" i="1">
+                        <a:latin typeface="Cambria Math"/>
+                        <a:ea typeface="Cambria Math"/>
+                      </a:rPr>
+                      <m:t>→</m:t>
+                    </m:r>
+                    <m:sSub>
+                      <m:sSubPr>
+                        <m:ctrlPr>
+                          <a:rPr lang="pt-BR" sz="1600" i="1">
+                            <a:latin typeface="Cambria Math" panose="02040503050406030204" pitchFamily="18" charset="0"/>
+                            <a:ea typeface="Cambria Math"/>
+                          </a:rPr>
+                        </m:ctrlPr>
+                      </m:sSubPr>
+                      <m:e>
+                        <m:r>
+                          <a:rPr lang="pt-BR" sz="1600" i="1">
+                            <a:latin typeface="Cambria Math"/>
+                            <a:ea typeface="Cambria Math"/>
+                          </a:rPr>
+                          <m:t>𝑠</m:t>
+                        </m:r>
+                      </m:e>
+                      <m:sub>
+                        <m:r>
+                          <a:rPr lang="pt-BR" sz="1600" i="1">
+                            <a:latin typeface="Cambria Math"/>
+                            <a:ea typeface="Cambria Math"/>
+                          </a:rPr>
+                          <m:t>𝑘</m:t>
+                        </m:r>
+                      </m:sub>
+                    </m:sSub>
                     <m:d>
                       <m:dPr>
                         <m:ctrlPr>
-                          <a:rPr lang="pt-BR" sz="1600" b="0" i="1" smtClean="0">
-                            <a:latin typeface="Cambria Math"/>
-                          </a:rPr>
-                        </m:ctrlPr>
-                      </m:dPr>
-                      <m:e>
-                        <m:r>
-                          <a:rPr lang="pt-BR" sz="1600" b="0" i="1" smtClean="0">
-                            <a:latin typeface="Cambria Math"/>
-                          </a:rPr>
-                          <m:t>𝑝</m:t>
-                        </m:r>
-                      </m:e>
-                    </m:d>
-                    <m:r>
-                      <a:rPr lang="pt-BR" sz="1600" b="0" i="1" smtClean="0">
-                        <a:latin typeface="Cambria Math"/>
-                      </a:rPr>
-                      <m:t>=</m:t>
-                    </m:r>
-                    <m:d>
-                      <m:dPr>
-                        <m:ctrlPr>
-                          <a:rPr lang="pt-BR" sz="1600" b="0" i="1" smtClean="0">
-                            <a:latin typeface="Cambria Math"/>
+                          <a:rPr lang="pt-BR" sz="1600" i="1">
+                            <a:latin typeface="Cambria Math" panose="02040503050406030204" pitchFamily="18" charset="0"/>
+                            <a:ea typeface="Cambria Math"/>
                           </a:rPr>
                         </m:ctrlPr>
                       </m:dPr>
@@ -6174,117 +8336,126 @@
                         <m:sSub>
                           <m:sSubPr>
                             <m:ctrlPr>
-                              <a:rPr lang="pt-BR" sz="1600" b="0" i="1" smtClean="0">
-                                <a:latin typeface="Cambria Math"/>
+                              <a:rPr lang="pt-BR" sz="1600" i="1">
+                                <a:latin typeface="Cambria Math" panose="02040503050406030204" pitchFamily="18" charset="0"/>
+                                <a:ea typeface="Cambria Math"/>
                               </a:rPr>
                             </m:ctrlPr>
                           </m:sSubPr>
                           <m:e>
                             <m:r>
-                              <a:rPr lang="pt-BR" sz="1600" b="0" i="1" smtClean="0">
+                              <a:rPr lang="pt-BR" sz="1600" i="1">
                                 <a:latin typeface="Cambria Math"/>
+                                <a:ea typeface="Cambria Math"/>
                               </a:rPr>
-                              <m:t>𝑠</m:t>
+                              <m:t>𝑦</m:t>
                             </m:r>
                           </m:e>
                           <m:sub>
                             <m:r>
-                              <a:rPr lang="pt-BR" sz="1600" b="0" i="1" smtClean="0">
+                              <a:rPr lang="pt-BR" sz="1600" i="1">
                                 <a:latin typeface="Cambria Math"/>
+                                <a:ea typeface="Cambria Math"/>
                               </a:rPr>
                               <m:t>1</m:t>
                             </m:r>
                           </m:sub>
                         </m:sSub>
-                        <m:d>
-                          <m:dPr>
-                            <m:ctrlPr>
-                              <a:rPr lang="pt-BR" sz="1600" b="0" i="1" smtClean="0">
-                                <a:latin typeface="Cambria Math"/>
-                              </a:rPr>
-                            </m:ctrlPr>
-                          </m:dPr>
-                          <m:e>
-                            <m:r>
-                              <a:rPr lang="pt-BR" sz="1600" b="0" i="1" smtClean="0">
-                                <a:latin typeface="Cambria Math"/>
-                              </a:rPr>
-                              <m:t>𝑝</m:t>
-                            </m:r>
-                          </m:e>
-                        </m:d>
+                      </m:e>
+                    </m:d>
+                    <m:r>
+                      <a:rPr lang="pt-BR" sz="1600" i="1">
+                        <a:latin typeface="Cambria Math"/>
+                        <a:ea typeface="Cambria Math"/>
+                      </a:rPr>
+                      <m:t>, </m:t>
+                    </m:r>
+                    <m:sSub>
+                      <m:sSubPr>
+                        <m:ctrlPr>
+                          <a:rPr lang="pt-BR" sz="1600" i="1">
+                            <a:latin typeface="Cambria Math" panose="02040503050406030204" pitchFamily="18" charset="0"/>
+                            <a:ea typeface="Cambria Math"/>
+                          </a:rPr>
+                        </m:ctrlPr>
+                      </m:sSubPr>
+                      <m:e>
                         <m:r>
-                          <a:rPr lang="pt-BR" sz="1600" b="0" i="1" smtClean="0">
+                          <a:rPr lang="pt-BR" sz="1600" i="1">
                             <a:latin typeface="Cambria Math"/>
+                            <a:ea typeface="Cambria Math"/>
                           </a:rPr>
-                          <m:t>,…,</m:t>
+                          <m:t>𝑠</m:t>
                         </m:r>
+                      </m:e>
+                      <m:sub>
+                        <m:r>
+                          <a:rPr lang="pt-BR" sz="1600" i="1">
+                            <a:latin typeface="Cambria Math"/>
+                            <a:ea typeface="Cambria Math"/>
+                          </a:rPr>
+                          <m:t>𝑘</m:t>
+                        </m:r>
+                      </m:sub>
+                    </m:sSub>
+                    <m:d>
+                      <m:dPr>
+                        <m:ctrlPr>
+                          <a:rPr lang="pt-BR" sz="1600" i="1">
+                            <a:latin typeface="Cambria Math" panose="02040503050406030204" pitchFamily="18" charset="0"/>
+                            <a:ea typeface="Cambria Math"/>
+                          </a:rPr>
+                        </m:ctrlPr>
+                      </m:dPr>
+                      <m:e>
                         <m:sSub>
                           <m:sSubPr>
                             <m:ctrlPr>
-                              <a:rPr lang="pt-BR" sz="1600" b="0" i="1" smtClean="0">
-                                <a:latin typeface="Cambria Math"/>
+                              <a:rPr lang="pt-BR" sz="1600" i="1">
+                                <a:latin typeface="Cambria Math" panose="02040503050406030204" pitchFamily="18" charset="0"/>
+                                <a:ea typeface="Cambria Math"/>
                               </a:rPr>
                             </m:ctrlPr>
                           </m:sSubPr>
                           <m:e>
                             <m:r>
-                              <a:rPr lang="pt-BR" sz="1600" b="0" i="1" smtClean="0">
+                              <a:rPr lang="pt-BR" sz="1600" i="1">
                                 <a:latin typeface="Cambria Math"/>
+                                <a:ea typeface="Cambria Math"/>
                               </a:rPr>
-                              <m:t>𝑠</m:t>
+                              <m:t>𝑦</m:t>
                             </m:r>
                           </m:e>
                           <m:sub>
                             <m:r>
-                              <a:rPr lang="pt-BR" sz="1600" b="0" i="1" smtClean="0">
+                              <a:rPr lang="pt-BR" sz="1600" i="1">
                                 <a:latin typeface="Cambria Math"/>
+                                <a:ea typeface="Cambria Math"/>
                               </a:rPr>
-                              <m:t>𝑚</m:t>
+                              <m:t>2</m:t>
                             </m:r>
                           </m:sub>
                         </m:sSub>
-                        <m:d>
-                          <m:dPr>
-                            <m:ctrlPr>
-                              <a:rPr lang="pt-BR" sz="1600" b="0" i="1" smtClean="0">
-                                <a:latin typeface="Cambria Math"/>
-                              </a:rPr>
-                            </m:ctrlPr>
-                          </m:dPr>
-                          <m:e>
-                            <m:r>
-                              <a:rPr lang="pt-BR" sz="1600" b="0" i="1" smtClean="0">
-                                <a:latin typeface="Cambria Math"/>
-                              </a:rPr>
-                              <m:t>𝑝</m:t>
-                            </m:r>
-                          </m:e>
-                        </m:d>
                       </m:e>
                     </m:d>
+                    <m:r>
+                      <a:rPr lang="pt-BR" sz="1600" i="1">
+                        <a:latin typeface="Cambria Math"/>
+                        <a:ea typeface="Cambria Math"/>
+                      </a:rPr>
+                      <m:t>…</m:t>
+                    </m:r>
                   </m:oMath>
                 </a14:m>
-                <a:endParaRPr lang="pt-BR" sz="1600" b="0" i="1" dirty="0" smtClean="0">
-                  <a:latin typeface="Cambria Math"/>
-                </a:endParaRPr>
+                <a:endParaRPr lang="pt-BR" sz="1600" dirty="0"/>
               </a:p>
               <a:p>
                 <a:pPr marL="285750" indent="-285750">
                   <a:buFont typeface="Arial" panose="020B0604020202020204" pitchFamily="34" charset="0"/>
                   <a:buChar char="•"/>
                 </a:pPr>
-                <a:endParaRPr lang="pt-BR" sz="1600" b="0" i="1" dirty="0" smtClean="0">
-                  <a:latin typeface="Cambria Math"/>
-                </a:endParaRPr>
-              </a:p>
-              <a:p>
-                <a:pPr marL="285750" indent="-285750">
-                  <a:buFont typeface="Arial" panose="020B0604020202020204" pitchFamily="34" charset="0"/>
-                  <a:buChar char="•"/>
-                </a:pPr>
-                <a:endParaRPr lang="pt-BR" sz="1600" b="0" i="1" dirty="0" smtClean="0">
-                  <a:latin typeface="Cambria Math"/>
+                <a:endParaRPr lang="pt-BR" sz="1600" i="1" dirty="0" smtClean="0">
+                  <a:latin typeface="Cambria Math" panose="02040503050406030204" pitchFamily="18" charset="0"/>
                 </a:endParaRPr>
               </a:p>
               <a:p>
@@ -6297,290 +8468,8 @@
                     <m:sSub>
                       <m:sSubPr>
                         <m:ctrlPr>
-                          <a:rPr lang="pt-BR" sz="1600" b="0" i="1" smtClean="0">
-                            <a:latin typeface="Cambria Math"/>
-                          </a:rPr>
-                        </m:ctrlPr>
-                      </m:sSubPr>
-                      <m:e>
-                        <m:r>
-                          <a:rPr lang="pt-BR" sz="1600" b="0" i="1" smtClean="0">
-                            <a:latin typeface="Cambria Math"/>
-                          </a:rPr>
-                          <m:t>𝑠</m:t>
-                        </m:r>
-                      </m:e>
-                      <m:sub>
-                        <m:r>
-                          <a:rPr lang="pt-BR" sz="1600" b="0" i="1" smtClean="0">
-                            <a:latin typeface="Cambria Math"/>
-                          </a:rPr>
-                          <m:t>𝑘</m:t>
-                        </m:r>
-                      </m:sub>
-                    </m:sSub>
-                    <m:d>
-                      <m:dPr>
-                        <m:ctrlPr>
-                          <a:rPr lang="pt-BR" sz="1600" b="0" i="1" smtClean="0">
-                            <a:latin typeface="Cambria Math"/>
-                          </a:rPr>
-                        </m:ctrlPr>
-                      </m:dPr>
-                      <m:e>
-                        <m:r>
-                          <a:rPr lang="pt-BR" sz="1600" b="0" i="1" smtClean="0">
-                            <a:latin typeface="Cambria Math"/>
-                          </a:rPr>
-                          <m:t>𝑝</m:t>
-                        </m:r>
-                      </m:e>
-                    </m:d>
-                    <m:r>
-                      <a:rPr lang="pt-BR" sz="1600" b="0" i="1" smtClean="0">
-                        <a:latin typeface="Cambria Math"/>
-                      </a:rPr>
-                      <m:t>=</m:t>
-                    </m:r>
-                    <m:nary>
-                      <m:naryPr>
-                        <m:chr m:val="∑"/>
-                        <m:ctrlPr>
-                          <a:rPr lang="pt-BR" sz="1600" b="0" i="1" smtClean="0">
-                            <a:latin typeface="Cambria Math"/>
-                          </a:rPr>
-                        </m:ctrlPr>
-                      </m:naryPr>
-                      <m:sub>
-                        <m:r>
-                          <m:rPr>
-                            <m:brk m:alnAt="23"/>
-                          </m:rPr>
-                          <a:rPr lang="pt-BR" sz="1600" b="0" i="1" smtClean="0">
-                            <a:latin typeface="Cambria Math"/>
-                          </a:rPr>
-                          <m:t>𝑖</m:t>
-                        </m:r>
-                        <m:r>
-                          <a:rPr lang="pt-BR" sz="1600" b="0" i="1" smtClean="0">
-                            <a:latin typeface="Cambria Math"/>
-                          </a:rPr>
-                          <m:t>=1</m:t>
-                        </m:r>
-                      </m:sub>
-                      <m:sup>
-                        <m:r>
-                          <a:rPr lang="pt-BR" sz="1600" b="0" i="1" smtClean="0">
-                            <a:latin typeface="Cambria Math"/>
-                          </a:rPr>
-                          <m:t>𝑛</m:t>
-                        </m:r>
-                      </m:sup>
-                      <m:e>
-                        <m:sSub>
-                          <m:sSubPr>
-                            <m:ctrlPr>
-                              <a:rPr lang="pt-BR" sz="1600" b="0" i="1" smtClean="0">
-                                <a:latin typeface="Cambria Math"/>
-                                <a:ea typeface="Cambria Math"/>
-                              </a:rPr>
-                            </m:ctrlPr>
-                          </m:sSubPr>
-                          <m:e>
-                            <m:r>
-                              <a:rPr lang="pt-BR" sz="1600" b="0" i="1" smtClean="0">
-                                <a:latin typeface="Cambria Math"/>
-                                <a:ea typeface="Cambria Math"/>
-                              </a:rPr>
-                              <m:t>𝜆</m:t>
-                            </m:r>
-                          </m:e>
-                          <m:sub>
-                            <m:r>
-                              <a:rPr lang="pt-BR" sz="1600" b="0" i="1" smtClean="0">
-                                <a:latin typeface="Cambria Math"/>
-                                <a:ea typeface="Cambria Math"/>
-                              </a:rPr>
-                              <m:t>𝑘𝑖</m:t>
-                            </m:r>
-                          </m:sub>
-                        </m:sSub>
-                        <m:r>
-                          <a:rPr lang="pt-BR" sz="1600" b="0" i="1" smtClean="0">
-                            <a:latin typeface="Cambria Math"/>
-                            <a:ea typeface="Cambria Math"/>
-                          </a:rPr>
-                          <m:t>𝜙</m:t>
-                        </m:r>
-                        <m:d>
-                          <m:dPr>
-                            <m:ctrlPr>
-                              <a:rPr lang="pt-BR" sz="1600" b="0" i="1" smtClean="0">
-                                <a:latin typeface="Cambria Math"/>
-                                <a:ea typeface="Cambria Math"/>
-                              </a:rPr>
-                            </m:ctrlPr>
-                          </m:dPr>
-                          <m:e>
-                            <m:d>
-                              <m:dPr>
-                                <m:begChr m:val="‖"/>
-                                <m:endChr m:val="‖"/>
-                                <m:ctrlPr>
-                                  <a:rPr lang="pt-BR" sz="1600" b="0" i="1" smtClean="0">
-                                    <a:latin typeface="Cambria Math"/>
-                                    <a:ea typeface="Cambria Math"/>
-                                  </a:rPr>
-                                </m:ctrlPr>
-                              </m:dPr>
-                              <m:e>
-                                <m:sSub>
-                                  <m:sSubPr>
-                                    <m:ctrlPr>
-                                      <a:rPr lang="pt-BR" sz="1600" b="0" i="1" smtClean="0">
-                                        <a:latin typeface="Cambria Math"/>
-                                        <a:ea typeface="Cambria Math"/>
-                                      </a:rPr>
-                                    </m:ctrlPr>
-                                  </m:sSubPr>
-                                  <m:e>
-                                    <m:r>
-                                      <a:rPr lang="pt-BR" sz="1600" b="0" i="1" smtClean="0">
-                                        <a:latin typeface="Cambria Math"/>
-                                        <a:ea typeface="Cambria Math"/>
-                                      </a:rPr>
-                                      <m:t>𝑦</m:t>
-                                    </m:r>
-                                  </m:e>
-                                  <m:sub>
-                                    <m:r>
-                                      <a:rPr lang="pt-BR" sz="1600" b="0" i="1" smtClean="0">
-                                        <a:latin typeface="Cambria Math"/>
-                                        <a:ea typeface="Cambria Math"/>
-                                      </a:rPr>
-                                      <m:t>𝑖</m:t>
-                                    </m:r>
-                                  </m:sub>
-                                </m:sSub>
-                                <m:r>
-                                  <a:rPr lang="pt-BR" sz="1600" b="0" i="1" smtClean="0">
-                                    <a:latin typeface="Cambria Math"/>
-                                    <a:ea typeface="Cambria Math"/>
-                                  </a:rPr>
-                                  <m:t>−</m:t>
-                                </m:r>
-                                <m:r>
-                                  <a:rPr lang="pt-BR" sz="1600" b="0" i="1" smtClean="0">
-                                    <a:latin typeface="Cambria Math"/>
-                                    <a:ea typeface="Cambria Math"/>
-                                  </a:rPr>
-                                  <m:t>𝑝</m:t>
-                                </m:r>
-                              </m:e>
-                            </m:d>
-                          </m:e>
-                        </m:d>
-                        <m:r>
-                          <a:rPr lang="pt-BR" sz="1600" b="0" i="1" smtClean="0">
-                            <a:latin typeface="Cambria Math"/>
-                            <a:ea typeface="Cambria Math"/>
-                          </a:rPr>
-                          <m:t> </m:t>
-                        </m:r>
-                      </m:e>
-                    </m:nary>
-                    <m:r>
-                      <a:rPr lang="pt-BR" sz="1600" b="0" i="1" smtClean="0">
-                        <a:latin typeface="Cambria Math"/>
-                      </a:rPr>
-                      <m:t>,     </m:t>
-                    </m:r>
-                    <m:r>
-                      <a:rPr lang="pt-BR" sz="1600" i="1">
-                        <a:latin typeface="Cambria Math"/>
-                        <a:ea typeface="Cambria Math"/>
-                      </a:rPr>
-                      <m:t>𝜙</m:t>
-                    </m:r>
-                    <m:r>
-                      <a:rPr lang="pt-BR" sz="1600" i="1">
-                        <a:latin typeface="Cambria Math"/>
-                        <a:ea typeface="Cambria Math"/>
-                      </a:rPr>
-                      <m:t>:</m:t>
-                    </m:r>
-                    <m:sSup>
-                      <m:sSupPr>
-                        <m:ctrlPr>
-                          <a:rPr lang="pt-BR" sz="1600" i="1">
-                            <a:latin typeface="Cambria Math"/>
-                            <a:ea typeface="Cambria Math"/>
-                          </a:rPr>
-                        </m:ctrlPr>
-                      </m:sSupPr>
-                      <m:e>
-                        <m:r>
-                          <a:rPr lang="pt-BR" sz="1600" i="1">
-                            <a:latin typeface="Cambria Math"/>
-                            <a:ea typeface="Cambria Math"/>
-                          </a:rPr>
-                          <m:t>ℝ</m:t>
-                        </m:r>
-                      </m:e>
-                      <m:sup>
-                        <m:r>
-                          <a:rPr lang="pt-BR" sz="1600" i="1">
-                            <a:latin typeface="Cambria Math"/>
-                            <a:ea typeface="Cambria Math"/>
-                          </a:rPr>
-                          <m:t>+</m:t>
-                        </m:r>
-                      </m:sup>
-                    </m:sSup>
-                    <m:r>
-                      <a:rPr lang="pt-BR" sz="1600" i="1">
-                        <a:latin typeface="Cambria Math"/>
-                        <a:ea typeface="Cambria Math"/>
-                      </a:rPr>
-                      <m:t>→</m:t>
-                    </m:r>
-                    <m:r>
-                      <a:rPr lang="pt-BR" sz="1600" i="1">
-                        <a:latin typeface="Cambria Math"/>
-                        <a:ea typeface="Cambria Math"/>
-                      </a:rPr>
-                      <m:t>ℝ</m:t>
-                    </m:r>
-                  </m:oMath>
-                </a14:m>
-                <a:endParaRPr lang="pt-BR" sz="1600" dirty="0"/>
-              </a:p>
-              <a:p>
-                <a:pPr marL="285750" indent="-285750">
-                  <a:buFont typeface="Arial" panose="020B0604020202020204" pitchFamily="34" charset="0"/>
-                  <a:buChar char="•"/>
-                </a:pPr>
-                <a:endParaRPr lang="pt-BR" sz="1600" dirty="0" smtClean="0"/>
-              </a:p>
-              <a:p>
-                <a:pPr marL="285750" indent="-285750">
-                  <a:buFont typeface="Arial" panose="020B0604020202020204" pitchFamily="34" charset="0"/>
-                  <a:buChar char="•"/>
-                </a:pPr>
-                <a:endParaRPr lang="pt-BR" sz="1600" dirty="0" smtClean="0"/>
-              </a:p>
-              <a:p>
-                <a:pPr marL="285750" indent="-285750">
-                  <a:buFont typeface="Arial" panose="020B0604020202020204" pitchFamily="34" charset="0"/>
-                  <a:buChar char="•"/>
-                </a:pPr>
-                <a14:m>
-                  <m:oMath xmlns:m="http://schemas.openxmlformats.org/officeDocument/2006/math">
-                    <m:sSub>
-                      <m:sSubPr>
-                        <m:ctrlPr>
-                          <a:rPr lang="pt-BR" sz="1600" i="1">
-                            <a:latin typeface="Cambria Math"/>
+                          <a:rPr lang="pt-BR" sz="1600" i="1" smtClean="0">
+                            <a:latin typeface="Cambria Math" panose="02040503050406030204" pitchFamily="18" charset="0"/>
                           </a:rPr>
                         </m:ctrlPr>
                       </m:sSubPr>
@@ -6605,124 +8494,7 @@
                       <m:dPr>
                         <m:ctrlPr>
                           <a:rPr lang="pt-BR" sz="1600" i="1">
-                            <a:latin typeface="Cambria Math"/>
-                          </a:rPr>
-                        </m:ctrlPr>
-                      </m:dPr>
-                      <m:e>
-                        <m:sSub>
-                          <m:sSubPr>
-                            <m:ctrlPr>
-                              <a:rPr lang="pt-BR" sz="1600" b="0" i="1" smtClean="0">
-                                <a:latin typeface="Cambria Math"/>
-                              </a:rPr>
-                            </m:ctrlPr>
-                          </m:sSubPr>
-                          <m:e>
-                            <m:r>
-                              <a:rPr lang="pt-BR" sz="1600" b="0" i="1" smtClean="0">
-                                <a:latin typeface="Cambria Math"/>
-                              </a:rPr>
-                              <m:t>𝑦</m:t>
-                            </m:r>
-                          </m:e>
-                          <m:sub>
-                            <m:r>
-                              <a:rPr lang="pt-BR" sz="1600" b="0" i="1" smtClean="0">
-                                <a:latin typeface="Cambria Math"/>
-                              </a:rPr>
-                              <m:t>𝑗</m:t>
-                            </m:r>
-                          </m:sub>
-                        </m:sSub>
-                      </m:e>
-                    </m:d>
-                    <m:r>
-                      <a:rPr lang="pt-BR" sz="1600" b="0" i="1" smtClean="0">
-                        <a:latin typeface="Cambria Math"/>
-                      </a:rPr>
-                      <m:t>=</m:t>
-                    </m:r>
-                    <m:sSub>
-                      <m:sSubPr>
-                        <m:ctrlPr>
-                          <a:rPr lang="pt-BR" sz="1600" b="0" i="1" smtClean="0">
-                            <a:latin typeface="Cambria Math"/>
-                          </a:rPr>
-                        </m:ctrlPr>
-                      </m:sSubPr>
-                      <m:e>
-                        <m:r>
-                          <a:rPr lang="pt-BR" sz="1600" b="0" i="1" smtClean="0">
-                            <a:latin typeface="Cambria Math"/>
-                          </a:rPr>
-                          <m:t>𝑥</m:t>
-                        </m:r>
-                      </m:e>
-                      <m:sub>
-                        <m:r>
-                          <a:rPr lang="pt-BR" sz="1600" b="0" i="1" smtClean="0">
-                            <a:latin typeface="Cambria Math"/>
-                          </a:rPr>
-                          <m:t>𝑗𝑘</m:t>
-                        </m:r>
-                      </m:sub>
-                    </m:sSub>
-                  </m:oMath>
-                </a14:m>
-                <a:endParaRPr lang="pt-BR" sz="1600" dirty="0" smtClean="0"/>
-              </a:p>
-              <a:p>
-                <a:pPr marL="285750" indent="-285750">
-                  <a:buFont typeface="Arial" panose="020B0604020202020204" pitchFamily="34" charset="0"/>
-                  <a:buChar char="•"/>
-                </a:pPr>
-                <a:endParaRPr lang="pt-BR" sz="1600" dirty="0" smtClean="0"/>
-              </a:p>
-              <a:p>
-                <a:pPr marL="285750" indent="-285750">
-                  <a:buFont typeface="Arial" panose="020B0604020202020204" pitchFamily="34" charset="0"/>
-                  <a:buChar char="•"/>
-                </a:pPr>
-                <a:endParaRPr lang="pt-BR" sz="1600" dirty="0"/>
-              </a:p>
-              <a:p>
-                <a:pPr marL="285750" indent="-285750">
-                  <a:buFont typeface="Arial" panose="020B0604020202020204" pitchFamily="34" charset="0"/>
-                  <a:buChar char="•"/>
-                </a:pPr>
-                <a14:m>
-                  <m:oMath xmlns:m="http://schemas.openxmlformats.org/officeDocument/2006/math">
-                    <m:sSub>
-                      <m:sSubPr>
-                        <m:ctrlPr>
-                          <a:rPr lang="pt-BR" sz="1600" i="1">
-                            <a:latin typeface="Cambria Math"/>
-                          </a:rPr>
-                        </m:ctrlPr>
-                      </m:sSubPr>
-                      <m:e>
-                        <m:r>
-                          <a:rPr lang="pt-BR" sz="1600" i="1">
-                            <a:latin typeface="Cambria Math"/>
-                          </a:rPr>
-                          <m:t>𝑠</m:t>
-                        </m:r>
-                      </m:e>
-                      <m:sub>
-                        <m:r>
-                          <a:rPr lang="pt-BR" sz="1600" i="1">
-                            <a:latin typeface="Cambria Math"/>
-                          </a:rPr>
-                          <m:t>𝑘</m:t>
-                        </m:r>
-                      </m:sub>
-                    </m:sSub>
-                    <m:d>
-                      <m:dPr>
-                        <m:ctrlPr>
-                          <a:rPr lang="pt-BR" sz="1600" i="1">
-                            <a:latin typeface="Cambria Math"/>
+                            <a:latin typeface="Cambria Math" panose="02040503050406030204" pitchFamily="18" charset="0"/>
                           </a:rPr>
                         </m:ctrlPr>
                       </m:dPr>
@@ -6731,7 +8503,7 @@
                           <m:sSubPr>
                             <m:ctrlPr>
                               <a:rPr lang="pt-BR" sz="1600" i="1">
-                                <a:latin typeface="Cambria Math"/>
+                                <a:latin typeface="Cambria Math" panose="02040503050406030204" pitchFamily="18" charset="0"/>
                               </a:rPr>
                             </m:ctrlPr>
                           </m:sSubPr>
@@ -6745,7 +8517,7 @@
                           </m:e>
                           <m:sub>
                             <m:r>
-                              <a:rPr lang="pt-BR" sz="1600" b="0" i="1" smtClean="0">
+                              <a:rPr lang="pt-BR" sz="1600" i="1">
                                 <a:latin typeface="Cambria Math"/>
                               </a:rPr>
                               <m:t>𝑗</m:t>
@@ -6765,7 +8537,7 @@
                         <m:chr m:val="∑"/>
                         <m:ctrlPr>
                           <a:rPr lang="pt-BR" sz="1600" i="1">
-                            <a:latin typeface="Cambria Math"/>
+                            <a:latin typeface="Cambria Math" panose="02040503050406030204" pitchFamily="18" charset="0"/>
                           </a:rPr>
                         </m:ctrlPr>
                       </m:naryPr>
@@ -6799,7 +8571,7 @@
                           <m:sSubPr>
                             <m:ctrlPr>
                               <a:rPr lang="pt-BR" sz="1600" i="1">
-                                <a:latin typeface="Cambria Math"/>
+                                <a:latin typeface="Cambria Math" panose="02040503050406030204" pitchFamily="18" charset="0"/>
                                 <a:ea typeface="Cambria Math"/>
                               </a:rPr>
                             </m:ctrlPr>
@@ -6834,7 +8606,7 @@
                           <m:dPr>
                             <m:ctrlPr>
                               <a:rPr lang="pt-BR" sz="1600" i="1">
-                                <a:latin typeface="Cambria Math"/>
+                                <a:latin typeface="Cambria Math" panose="02040503050406030204" pitchFamily="18" charset="0"/>
                                 <a:ea typeface="Cambria Math"/>
                               </a:rPr>
                             </m:ctrlPr>
@@ -6846,7 +8618,7 @@
                                 <m:endChr m:val="‖"/>
                                 <m:ctrlPr>
                                   <a:rPr lang="pt-BR" sz="1600" i="1">
-                                    <a:latin typeface="Cambria Math"/>
+                                    <a:latin typeface="Cambria Math" panose="02040503050406030204" pitchFamily="18" charset="0"/>
                                     <a:ea typeface="Cambria Math"/>
                                   </a:rPr>
                                 </m:ctrlPr>
@@ -6856,614 +8628,7 @@
                                   <m:sSubPr>
                                     <m:ctrlPr>
                                       <a:rPr lang="pt-BR" sz="1600" i="1">
-                                        <a:latin typeface="Cambria Math"/>
-                                        <a:ea typeface="Cambria Math"/>
-                                      </a:rPr>
-                                    </m:ctrlPr>
-                                  </m:sSubPr>
-                                  <m:e>
-                                    <m:r>
-                                      <a:rPr lang="pt-BR" sz="1600" i="1">
-                                        <a:latin typeface="Cambria Math"/>
-                                        <a:ea typeface="Cambria Math"/>
-                                      </a:rPr>
-                                      <m:t>𝑦</m:t>
-                                    </m:r>
-                                  </m:e>
-                                  <m:sub>
-                                    <m:r>
-                                      <a:rPr lang="pt-BR" sz="1600" i="1">
-                                        <a:latin typeface="Cambria Math"/>
-                                        <a:ea typeface="Cambria Math"/>
-                                      </a:rPr>
-                                      <m:t>𝑖</m:t>
-                                    </m:r>
-                                  </m:sub>
-                                </m:sSub>
-                                <m:r>
-                                  <a:rPr lang="pt-BR" sz="1600" i="1">
-                                    <a:latin typeface="Cambria Math"/>
-                                    <a:ea typeface="Cambria Math"/>
-                                  </a:rPr>
-                                  <m:t>−</m:t>
-                                </m:r>
-                                <m:sSub>
-                                  <m:sSubPr>
-                                    <m:ctrlPr>
-                                      <a:rPr lang="pt-BR" sz="1600" b="0" i="1" smtClean="0">
-                                        <a:latin typeface="Cambria Math"/>
-                                        <a:ea typeface="Cambria Math"/>
-                                      </a:rPr>
-                                    </m:ctrlPr>
-                                  </m:sSubPr>
-                                  <m:e>
-                                    <m:r>
-                                      <a:rPr lang="pt-BR" sz="1600" b="0" i="1" smtClean="0">
-                                        <a:latin typeface="Cambria Math"/>
-                                        <a:ea typeface="Cambria Math"/>
-                                      </a:rPr>
-                                      <m:t>𝑦</m:t>
-                                    </m:r>
-                                  </m:e>
-                                  <m:sub>
-                                    <m:r>
-                                      <a:rPr lang="pt-BR" sz="1600" b="0" i="1" smtClean="0">
-                                        <a:latin typeface="Cambria Math"/>
-                                        <a:ea typeface="Cambria Math"/>
-                                      </a:rPr>
-                                      <m:t>𝑗</m:t>
-                                    </m:r>
-                                  </m:sub>
-                                </m:sSub>
-                              </m:e>
-                            </m:d>
-                          </m:e>
-                        </m:d>
-                        <m:r>
-                          <a:rPr lang="pt-BR" sz="1600" b="0" i="1" smtClean="0">
-                            <a:latin typeface="Cambria Math"/>
-                            <a:ea typeface="Cambria Math"/>
-                          </a:rPr>
-                          <m:t>=</m:t>
-                        </m:r>
-                      </m:e>
-                    </m:nary>
-                    <m:sSub>
-                      <m:sSubPr>
-                        <m:ctrlPr>
-                          <a:rPr lang="pt-BR" sz="1600" b="0" i="1" smtClean="0">
-                            <a:latin typeface="Cambria Math"/>
-                            <a:ea typeface="Cambria Math"/>
-                          </a:rPr>
-                        </m:ctrlPr>
-                      </m:sSubPr>
-                      <m:e>
-                        <m:r>
-                          <a:rPr lang="pt-BR" sz="1600" b="0" i="1" smtClean="0">
-                            <a:latin typeface="Cambria Math"/>
-                            <a:ea typeface="Cambria Math"/>
-                          </a:rPr>
-                          <m:t>𝑥</m:t>
-                        </m:r>
-                      </m:e>
-                      <m:sub>
-                        <m:r>
-                          <a:rPr lang="pt-BR" sz="1600" b="0" i="1" smtClean="0">
-                            <a:latin typeface="Cambria Math"/>
-                            <a:ea typeface="Cambria Math"/>
-                          </a:rPr>
-                          <m:t>𝑗𝑘</m:t>
-                        </m:r>
-                      </m:sub>
-                    </m:sSub>
-                  </m:oMath>
-                </a14:m>
-                <a:endParaRPr lang="pt-BR" sz="1600" b="0" dirty="0" smtClean="0"/>
-              </a:p>
-              <a:p>
-                <a:pPr marL="285750" indent="-285750">
-                  <a:buFont typeface="Arial" panose="020B0604020202020204" pitchFamily="34" charset="0"/>
-                  <a:buChar char="•"/>
-                </a:pPr>
-                <a:endParaRPr lang="pt-BR" sz="1600" i="1" dirty="0" smtClean="0">
-                  <a:latin typeface="Cambria Math"/>
-                  <a:ea typeface="Cambria Math"/>
-                </a:endParaRPr>
-              </a:p>
-              <a:p>
-                <a:pPr marL="285750" indent="-285750">
-                  <a:buFont typeface="Arial" panose="020B0604020202020204" pitchFamily="34" charset="0"/>
-                  <a:buChar char="•"/>
-                </a:pPr>
-                <a:endParaRPr lang="pt-BR" sz="1600" i="1" dirty="0" smtClean="0">
-                  <a:latin typeface="Cambria Math"/>
-                  <a:ea typeface="Cambria Math"/>
-                </a:endParaRPr>
-              </a:p>
-              <a:p>
-                <a:pPr marL="285750" indent="-285750">
-                  <a:buFont typeface="Arial" panose="020B0604020202020204" pitchFamily="34" charset="0"/>
-                  <a:buChar char="•"/>
-                </a:pPr>
-                <a14:m>
-                  <m:oMath xmlns:m="http://schemas.openxmlformats.org/officeDocument/2006/math">
-                    <m:sSub>
-                      <m:sSubPr>
-                        <m:ctrlPr>
-                          <a:rPr lang="pt-BR" sz="1600" i="1">
-                            <a:latin typeface="Cambria Math"/>
-                            <a:ea typeface="Cambria Math"/>
-                          </a:rPr>
-                        </m:ctrlPr>
-                      </m:sSubPr>
-                      <m:e>
-                        <m:r>
-                          <a:rPr lang="pt-BR" sz="1600" i="1">
-                            <a:latin typeface="Cambria Math"/>
-                            <a:ea typeface="Cambria Math"/>
-                          </a:rPr>
-                          <m:t>𝜆</m:t>
-                        </m:r>
-                      </m:e>
-                      <m:sub>
-                        <m:r>
-                          <a:rPr lang="pt-BR" sz="1600" i="1">
-                            <a:latin typeface="Cambria Math"/>
-                            <a:ea typeface="Cambria Math"/>
-                          </a:rPr>
-                          <m:t>𝑘</m:t>
-                        </m:r>
-                      </m:sub>
-                    </m:sSub>
-                    <m:r>
-                      <a:rPr lang="pt-BR" sz="1600" b="0" i="1" smtClean="0">
-                        <a:latin typeface="Cambria Math"/>
-                        <a:ea typeface="Cambria Math"/>
-                      </a:rPr>
-                      <m:t>?</m:t>
-                    </m:r>
-                  </m:oMath>
-                </a14:m>
-                <a:endParaRPr lang="pt-BR" sz="1600" dirty="0" smtClean="0"/>
-              </a:p>
-              <a:p>
-                <a:pPr marL="285750" indent="-285750">
-                  <a:buFont typeface="Arial" panose="020B0604020202020204" pitchFamily="34" charset="0"/>
-                  <a:buChar char="•"/>
-                </a:pPr>
-                <a:endParaRPr lang="pt-BR" sz="1600" dirty="0"/>
-              </a:p>
-              <a:p>
-                <a:pPr marL="285750" indent="-285750">
-                  <a:buFont typeface="Arial" panose="020B0604020202020204" pitchFamily="34" charset="0"/>
-                  <a:buChar char="•"/>
-                </a:pPr>
-                <a:r>
-                  <a:rPr lang="pt-BR" sz="1400" dirty="0" smtClean="0"/>
-                  <a:t>Solução de um sistema linear!</a:t>
-                </a:r>
-              </a:p>
-            </p:txBody>
-          </p:sp>
-        </mc:Choice>
-        <mc:Fallback>
-          <p:sp>
-            <p:nvSpPr>
-              <p:cNvPr id="100" name="TextShape 2"/>
-              <p:cNvSpPr txBox="1">
-                <a:spLocks noRot="1" noChangeAspect="1" noMove="1" noResize="1" noEditPoints="1" noAdjustHandles="1" noChangeArrowheads="1" noChangeShapeType="1" noTextEdit="1"/>
-              </p:cNvSpPr>
-              <p:nvPr/>
-            </p:nvSpPr>
-            <p:spPr>
-              <a:xfrm>
-                <a:off x="457200" y="1600200"/>
-                <a:ext cx="8229240" cy="4525560"/>
-              </a:xfrm>
-              <a:prstGeom prst="rect">
-                <a:avLst/>
-              </a:prstGeom>
-              <a:blipFill rotWithShape="1">
-                <a:blip r:embed="rId2"/>
-                <a:stretch>
-                  <a:fillRect l="-222"/>
-                </a:stretch>
-              </a:blipFill>
-              <a:ln>
-                <a:noFill/>
-              </a:ln>
-            </p:spPr>
-            <p:txBody>
-              <a:bodyPr/>
-              <a:lstStyle/>
-              <a:p>
-                <a:r>
-                  <a:rPr lang="pt-BR">
-                    <a:noFill/>
-                  </a:rPr>
-                  <a:t> </a:t>
-                </a:r>
-              </a:p>
-            </p:txBody>
-          </p:sp>
-        </mc:Fallback>
-      </mc:AlternateContent>
-      <p:pic>
-        <p:nvPicPr>
-          <p:cNvPr id="2051" name="Picture 3"/>
-          <p:cNvPicPr>
-            <a:picLocks noChangeAspect="1" noChangeArrowheads="1"/>
-          </p:cNvPicPr>
-          <p:nvPr/>
-        </p:nvPicPr>
-        <p:blipFill>
-          <a:blip r:embed="rId3">
-            <a:extLst>
-              <a:ext uri="{28A0092B-C50C-407E-A947-70E740481C1C}">
-                <a14:useLocalDpi xmlns:a14="http://schemas.microsoft.com/office/drawing/2010/main" val="0"/>
-              </a:ext>
-            </a:extLst>
-          </a:blip>
-          <a:srcRect/>
-          <a:stretch>
-            <a:fillRect/>
-          </a:stretch>
-        </p:blipFill>
-        <p:spPr bwMode="auto">
-          <a:xfrm>
-            <a:off x="5104270" y="2178869"/>
-            <a:ext cx="3641783" cy="3368222"/>
-          </a:xfrm>
-          <a:prstGeom prst="rect">
-            <a:avLst/>
-          </a:prstGeom>
-          <a:noFill/>
-          <a:ln>
-            <a:noFill/>
-          </a:ln>
-          <a:extLst>
-            <a:ext uri="{909E8E84-426E-40DD-AFC4-6F175D3DCCD1}">
-              <a14:hiddenFill xmlns:a14="http://schemas.microsoft.com/office/drawing/2010/main">
-                <a:solidFill>
-                  <a:schemeClr val="accent1"/>
-                </a:solidFill>
-              </a14:hiddenFill>
-            </a:ext>
-            <a:ext uri="{91240B29-F687-4F45-9708-019B960494DF}">
-              <a14:hiddenLine xmlns:a14="http://schemas.microsoft.com/office/drawing/2010/main" w="9525">
-                <a:solidFill>
-                  <a:schemeClr val="tx1"/>
-                </a:solidFill>
-                <a:miter lim="800000"/>
-                <a:headEnd/>
-                <a:tailEnd/>
-              </a14:hiddenLine>
-            </a:ext>
-          </a:extLst>
-        </p:spPr>
-      </p:pic>
-    </p:spTree>
-    <p:extLst>
-      <p:ext uri="{BB962C8B-B14F-4D97-AF65-F5344CB8AC3E}">
-        <p14:creationId xmlns:p14="http://schemas.microsoft.com/office/powerpoint/2010/main" val="2849969000"/>
-      </p:ext>
-    </p:extLst>
-  </p:cSld>
-  <p:clrMapOvr>
-    <a:masterClrMapping/>
-  </p:clrMapOvr>
-  <p:timing>
-    <p:tnLst>
-      <p:par>
-        <p:cTn id="1" dur="indefinite" restart="never" nodeType="tmRoot">
-          <p:childTnLst>
-            <p:seq>
-              <p:cTn id="2" nodeType="mainSeq"/>
-              <p:prevCondLst>
-                <p:cond evt="onPrev" delay="0">
-                  <p:tgtEl>
-                    <p:sldTgt/>
-                  </p:tgtEl>
-                </p:cond>
-              </p:prevCondLst>
-              <p:nextCondLst>
-                <p:cond evt="onNext" delay="0">
-                  <p:tgtEl>
-                    <p:sldTgt/>
-                  </p:tgtEl>
-                </p:cond>
-              </p:nextCondLst>
-            </p:seq>
-          </p:childTnLst>
-        </p:cTn>
-      </p:par>
-    </p:tnLst>
-  </p:timing>
-</p:sld>
-</file>
-
-<file path=ppt/slides/slide13.xml><?xml version="1.0" encoding="utf-8"?>
-<p:sld xmlns:a="http://schemas.openxmlformats.org/drawingml/2006/main" xmlns:r="http://schemas.openxmlformats.org/officeDocument/2006/relationships" xmlns:p="http://schemas.openxmlformats.org/presentationml/2006/main">
-  <p:cSld>
-    <p:spTree>
-      <p:nvGrpSpPr>
-        <p:cNvPr id="1" name=""/>
-        <p:cNvGrpSpPr/>
-        <p:nvPr/>
-      </p:nvGrpSpPr>
-      <p:grpSpPr>
-        <a:xfrm>
-          <a:off x="0" y="0"/>
-          <a:ext cx="0" cy="0"/>
-          <a:chOff x="0" y="0"/>
-          <a:chExt cx="0" cy="0"/>
-        </a:xfrm>
-      </p:grpSpPr>
-      <p:sp>
-        <p:nvSpPr>
-          <p:cNvPr id="99" name="TextShape 1"/>
-          <p:cNvSpPr txBox="1"/>
-          <p:nvPr/>
-        </p:nvSpPr>
-        <p:spPr>
-          <a:xfrm>
-            <a:off x="457200" y="274680"/>
-            <a:ext cx="8229240" cy="1142640"/>
-          </a:xfrm>
-          <a:prstGeom prst="rect">
-            <a:avLst/>
-          </a:prstGeom>
-          <a:noFill/>
-          <a:ln>
-            <a:noFill/>
-          </a:ln>
-        </p:spPr>
-        <p:txBody>
-          <a:bodyPr anchor="ctr"/>
-          <a:lstStyle/>
-          <a:p>
-            <a:pPr algn="just"/>
-            <a:r>
-              <a:rPr lang="en-US" sz="2400" b="1" spc="-1" dirty="0" err="1" smtClean="0">
-                <a:solidFill>
-                  <a:srgbClr val="000000"/>
-                </a:solidFill>
-                <a:uFill>
-                  <a:solidFill>
-                    <a:srgbClr val="FFFFFF"/>
-                  </a:solidFill>
-                </a:uFill>
-                <a:latin typeface="Calibri"/>
-              </a:rPr>
-              <a:t>Projeção</a:t>
-            </a:r>
-            <a:r>
-              <a:rPr lang="en-US" sz="2400" b="1" spc="-1" dirty="0" smtClean="0">
-                <a:solidFill>
-                  <a:srgbClr val="000000"/>
-                </a:solidFill>
-                <a:uFill>
-                  <a:solidFill>
-                    <a:srgbClr val="FFFFFF"/>
-                  </a:solidFill>
-                </a:uFill>
-                <a:latin typeface="Calibri"/>
-              </a:rPr>
-              <a:t> </a:t>
-            </a:r>
-            <a:r>
-              <a:rPr lang="en-US" sz="2400" b="1" spc="-1" dirty="0" err="1" smtClean="0">
-                <a:solidFill>
-                  <a:srgbClr val="000000"/>
-                </a:solidFill>
-                <a:uFill>
-                  <a:solidFill>
-                    <a:srgbClr val="FFFFFF"/>
-                  </a:solidFill>
-                </a:uFill>
-                <a:latin typeface="Calibri"/>
-              </a:rPr>
-              <a:t>Inversa</a:t>
-            </a:r>
-            <a:endParaRPr lang="en-US" sz="2400" b="1" dirty="0"/>
-          </a:p>
-        </p:txBody>
-      </p:sp>
-      <mc:AlternateContent xmlns:mc="http://schemas.openxmlformats.org/markup-compatibility/2006">
-        <mc:Choice xmlns:a14="http://schemas.microsoft.com/office/drawing/2010/main" Requires="a14">
-          <p:sp>
-            <p:nvSpPr>
-              <p:cNvPr id="100" name="TextShape 2"/>
-              <p:cNvSpPr txBox="1"/>
-              <p:nvPr/>
-            </p:nvSpPr>
-            <p:spPr>
-              <a:xfrm>
-                <a:off x="457200" y="1600200"/>
-                <a:ext cx="8229240" cy="4525560"/>
-              </a:xfrm>
-              <a:prstGeom prst="rect">
-                <a:avLst/>
-              </a:prstGeom>
-              <a:noFill/>
-              <a:ln>
-                <a:noFill/>
-              </a:ln>
-            </p:spPr>
-            <p:txBody>
-              <a:bodyPr/>
-              <a:lstStyle/>
-              <a:p>
-                <a:pPr marL="285750" indent="-285750">
-                  <a:buFont typeface="Arial" panose="020B0604020202020204" pitchFamily="34" charset="0"/>
-                  <a:buChar char="•"/>
-                </a:pPr>
-                <a14:m>
-                  <m:oMath xmlns:m="http://schemas.openxmlformats.org/officeDocument/2006/math">
-                    <m:sSub>
-                      <m:sSubPr>
-                        <m:ctrlPr>
-                          <a:rPr lang="pt-BR" sz="1600" i="1">
-                            <a:latin typeface="Cambria Math"/>
-                          </a:rPr>
-                        </m:ctrlPr>
-                      </m:sSubPr>
-                      <m:e>
-                        <m:r>
-                          <a:rPr lang="pt-BR" sz="1600" i="1">
-                            <a:latin typeface="Cambria Math"/>
-                          </a:rPr>
-                          <m:t>𝑠</m:t>
-                        </m:r>
-                      </m:e>
-                      <m:sub>
-                        <m:r>
-                          <a:rPr lang="pt-BR" sz="1600" i="1">
-                            <a:latin typeface="Cambria Math"/>
-                          </a:rPr>
-                          <m:t>𝑘</m:t>
-                        </m:r>
-                      </m:sub>
-                    </m:sSub>
-                    <m:d>
-                      <m:dPr>
-                        <m:ctrlPr>
-                          <a:rPr lang="pt-BR" sz="1600" i="1">
-                            <a:latin typeface="Cambria Math"/>
-                          </a:rPr>
-                        </m:ctrlPr>
-                      </m:dPr>
-                      <m:e>
-                        <m:sSub>
-                          <m:sSubPr>
-                            <m:ctrlPr>
-                              <a:rPr lang="pt-BR" sz="1600" i="1">
-                                <a:latin typeface="Cambria Math"/>
-                              </a:rPr>
-                            </m:ctrlPr>
-                          </m:sSubPr>
-                          <m:e>
-                            <m:r>
-                              <a:rPr lang="pt-BR" sz="1600" i="1">
-                                <a:latin typeface="Cambria Math"/>
-                              </a:rPr>
-                              <m:t>𝑦</m:t>
-                            </m:r>
-                          </m:e>
-                          <m:sub>
-                            <m:r>
-                              <a:rPr lang="pt-BR" sz="1600" i="1">
-                                <a:latin typeface="Cambria Math"/>
-                              </a:rPr>
-                              <m:t>𝑗</m:t>
-                            </m:r>
-                          </m:sub>
-                        </m:sSub>
-                      </m:e>
-                    </m:d>
-                    <m:r>
-                      <a:rPr lang="pt-BR" sz="1600" i="1">
-                        <a:latin typeface="Cambria Math"/>
-                      </a:rPr>
-                      <m:t>=</m:t>
-                    </m:r>
-                    <m:nary>
-                      <m:naryPr>
-                        <m:chr m:val="∑"/>
-                        <m:ctrlPr>
-                          <a:rPr lang="pt-BR" sz="1600" i="1">
-                            <a:latin typeface="Cambria Math"/>
-                          </a:rPr>
-                        </m:ctrlPr>
-                      </m:naryPr>
-                      <m:sub>
-                        <m:r>
-                          <m:rPr>
-                            <m:brk m:alnAt="23"/>
-                          </m:rPr>
-                          <a:rPr lang="pt-BR" sz="1600" i="1">
-                            <a:latin typeface="Cambria Math"/>
-                          </a:rPr>
-                          <m:t>𝑖</m:t>
-                        </m:r>
-                        <m:r>
-                          <a:rPr lang="pt-BR" sz="1600" i="1">
-                            <a:latin typeface="Cambria Math"/>
-                          </a:rPr>
-                          <m:t>=1</m:t>
-                        </m:r>
-                      </m:sub>
-                      <m:sup>
-                        <m:r>
-                          <a:rPr lang="pt-BR" sz="1600" i="1">
-                            <a:latin typeface="Cambria Math"/>
-                          </a:rPr>
-                          <m:t>𝑛</m:t>
-                        </m:r>
-                      </m:sup>
-                      <m:e>
-                        <m:sSub>
-                          <m:sSubPr>
-                            <m:ctrlPr>
-                              <a:rPr lang="pt-BR" sz="1600" i="1">
-                                <a:latin typeface="Cambria Math"/>
-                                <a:ea typeface="Cambria Math"/>
-                              </a:rPr>
-                            </m:ctrlPr>
-                          </m:sSubPr>
-                          <m:e>
-                            <m:r>
-                              <a:rPr lang="pt-BR" sz="1600" i="1">
-                                <a:latin typeface="Cambria Math"/>
-                                <a:ea typeface="Cambria Math"/>
-                              </a:rPr>
-                              <m:t>𝜆</m:t>
-                            </m:r>
-                          </m:e>
-                          <m:sub>
-                            <m:r>
-                              <a:rPr lang="pt-BR" sz="1600" i="1">
-                                <a:latin typeface="Cambria Math"/>
-                                <a:ea typeface="Cambria Math"/>
-                              </a:rPr>
-                              <m:t>𝑘𝑖</m:t>
-                            </m:r>
-                          </m:sub>
-                        </m:sSub>
-                        <m:r>
-                          <a:rPr lang="pt-BR" sz="1600" i="1">
-                            <a:latin typeface="Cambria Math"/>
-                            <a:ea typeface="Cambria Math"/>
-                          </a:rPr>
-                          <m:t>𝜙</m:t>
-                        </m:r>
-                        <m:d>
-                          <m:dPr>
-                            <m:ctrlPr>
-                              <a:rPr lang="pt-BR" sz="1600" i="1">
-                                <a:latin typeface="Cambria Math"/>
-                                <a:ea typeface="Cambria Math"/>
-                              </a:rPr>
-                            </m:ctrlPr>
-                          </m:dPr>
-                          <m:e>
-                            <m:d>
-                              <m:dPr>
-                                <m:begChr m:val="‖"/>
-                                <m:endChr m:val="‖"/>
-                                <m:ctrlPr>
-                                  <a:rPr lang="pt-BR" sz="1600" i="1">
-                                    <a:latin typeface="Cambria Math"/>
-                                    <a:ea typeface="Cambria Math"/>
-                                  </a:rPr>
-                                </m:ctrlPr>
-                              </m:dPr>
-                              <m:e>
-                                <m:sSub>
-                                  <m:sSubPr>
-                                    <m:ctrlPr>
-                                      <a:rPr lang="pt-BR" sz="1600" i="1">
-                                        <a:latin typeface="Cambria Math"/>
+                                        <a:latin typeface="Cambria Math" panose="02040503050406030204" pitchFamily="18" charset="0"/>
                                         <a:ea typeface="Cambria Math"/>
                                       </a:rPr>
                                     </m:ctrlPr>
@@ -7498,7 +8663,7 @@
                                   <m:sSubPr>
                                     <m:ctrlPr>
                                       <a:rPr lang="pt-BR" sz="1600" i="1">
-                                        <a:latin typeface="Cambria Math"/>
+                                        <a:latin typeface="Cambria Math" panose="02040503050406030204" pitchFamily="18" charset="0"/>
                                         <a:ea typeface="Cambria Math"/>
                                       </a:rPr>
                                     </m:ctrlPr>
@@ -7539,7 +8704,7 @@
                       <m:sSubPr>
                         <m:ctrlPr>
                           <a:rPr lang="pt-BR" sz="1600" i="1">
-                            <a:latin typeface="Cambria Math"/>
+                            <a:latin typeface="Cambria Math" panose="02040503050406030204" pitchFamily="18" charset="0"/>
                             <a:ea typeface="Cambria Math"/>
                           </a:rPr>
                         </m:ctrlPr>
@@ -7587,310 +8752,25 @@
                 </a:pPr>
                 <a14:m>
                   <m:oMath xmlns:m="http://schemas.openxmlformats.org/officeDocument/2006/math">
-                    <m:r>
-                      <a:rPr lang="pt-BR" sz="1600" i="1" smtClean="0">
-                        <a:latin typeface="Cambria Math"/>
-                        <a:ea typeface="Cambria Math"/>
-                      </a:rPr>
-                      <m:t>𝜙</m:t>
-                    </m:r>
                     <m:sSub>
                       <m:sSubPr>
                         <m:ctrlPr>
                           <a:rPr lang="pt-BR" sz="1600" i="1">
-                            <a:latin typeface="Cambria Math"/>
+                            <a:latin typeface="Cambria Math" panose="02040503050406030204" pitchFamily="18" charset="0"/>
                             <a:ea typeface="Cambria Math"/>
                           </a:rPr>
                         </m:ctrlPr>
                       </m:sSubPr>
                       <m:e>
                         <m:r>
-                          <a:rPr lang="pt-BR" sz="1600" i="1">
-                            <a:latin typeface="Cambria Math"/>
-                            <a:ea typeface="Cambria Math"/>
+                          <m:rPr>
+                            <m:sty m:val="p"/>
+                          </m:rPr>
+                          <a:rPr lang="el-GR" sz="1600" i="1">
+                            <a:latin typeface="Cambria Math" panose="02040503050406030204" pitchFamily="18" charset="0"/>
+                            <a:ea typeface="Cambria Math" panose="02040503050406030204" pitchFamily="18" charset="0"/>
                           </a:rPr>
-                          <m:t>𝜆</m:t>
-                        </m:r>
-                      </m:e>
-                      <m:sub>
-                        <m:r>
-                          <a:rPr lang="pt-BR" sz="1600" i="1">
-                            <a:latin typeface="Cambria Math"/>
-                            <a:ea typeface="Cambria Math"/>
-                          </a:rPr>
-                          <m:t>𝑘</m:t>
-                        </m:r>
-                      </m:sub>
-                    </m:sSub>
-                    <m:r>
-                      <a:rPr lang="pt-BR" sz="1600" i="1">
-                        <a:latin typeface="Cambria Math"/>
-                        <a:ea typeface="Cambria Math"/>
-                      </a:rPr>
-                      <m:t>=</m:t>
-                    </m:r>
-                    <m:sSub>
-                      <m:sSubPr>
-                        <m:ctrlPr>
-                          <a:rPr lang="pt-BR" sz="1600" i="1">
-                            <a:latin typeface="Cambria Math"/>
-                            <a:ea typeface="Cambria Math"/>
-                          </a:rPr>
-                        </m:ctrlPr>
-                      </m:sSubPr>
-                      <m:e>
-                        <m:r>
-                          <a:rPr lang="pt-BR" sz="1600" i="1">
-                            <a:latin typeface="Cambria Math"/>
-                            <a:ea typeface="Cambria Math"/>
-                          </a:rPr>
-                          <m:t>𝑏</m:t>
-                        </m:r>
-                      </m:e>
-                      <m:sub>
-                        <m:r>
-                          <a:rPr lang="pt-BR" sz="1600" i="1">
-                            <a:latin typeface="Cambria Math"/>
-                            <a:ea typeface="Cambria Math"/>
-                          </a:rPr>
-                          <m:t>𝑘</m:t>
-                        </m:r>
-                      </m:sub>
-                    </m:sSub>
-                  </m:oMath>
-                </a14:m>
-                <a:r>
-                  <a:rPr lang="pt-BR" sz="1600" dirty="0" smtClean="0"/>
-                  <a:t>,   </a:t>
-                </a:r>
-                <a14:m>
-                  <m:oMath xmlns:m="http://schemas.openxmlformats.org/officeDocument/2006/math">
-                    <m:r>
-                      <a:rPr lang="pt-BR" sz="1600" i="1">
-                        <a:latin typeface="Cambria Math"/>
-                        <a:ea typeface="Cambria Math"/>
-                      </a:rPr>
-                      <m:t>𝜙</m:t>
-                    </m:r>
-                    <m:sSub>
-                      <m:sSubPr>
-                        <m:ctrlPr>
-                          <a:rPr lang="pt-BR" sz="1600" i="1">
-                            <a:latin typeface="Cambria Math"/>
-                            <a:ea typeface="Cambria Math"/>
-                          </a:rPr>
-                        </m:ctrlPr>
-                      </m:sSubPr>
-                      <m:e>
-                        <m:r>
-                          <a:rPr lang="pt-BR" sz="1600" i="1">
-                            <a:latin typeface="Cambria Math"/>
-                            <a:ea typeface="Cambria Math"/>
-                          </a:rPr>
-                          <m:t>𝜆</m:t>
-                        </m:r>
-                      </m:e>
-                      <m:sub>
-                        <m:r>
-                          <a:rPr lang="pt-BR" sz="1600" i="1">
-                            <a:latin typeface="Cambria Math"/>
-                            <a:ea typeface="Cambria Math"/>
-                          </a:rPr>
-                          <m:t>𝑘</m:t>
-                        </m:r>
-                      </m:sub>
-                    </m:sSub>
-                    <m:r>
-                      <a:rPr lang="pt-BR" sz="1600" b="0" i="1" smtClean="0">
-                        <a:latin typeface="Cambria Math"/>
-                        <a:ea typeface="Cambria Math"/>
-                      </a:rPr>
-                      <m:t>→</m:t>
-                    </m:r>
-                    <m:sSub>
-                      <m:sSubPr>
-                        <m:ctrlPr>
-                          <a:rPr lang="pt-BR" sz="1600" b="0" i="1" smtClean="0">
-                            <a:latin typeface="Cambria Math"/>
-                            <a:ea typeface="Cambria Math"/>
-                          </a:rPr>
-                        </m:ctrlPr>
-                      </m:sSubPr>
-                      <m:e>
-                        <m:r>
-                          <a:rPr lang="pt-BR" sz="1600" b="0" i="1" smtClean="0">
-                            <a:latin typeface="Cambria Math"/>
-                            <a:ea typeface="Cambria Math"/>
-                          </a:rPr>
-                          <m:t>𝑠</m:t>
-                        </m:r>
-                      </m:e>
-                      <m:sub>
-                        <m:r>
-                          <a:rPr lang="pt-BR" sz="1600" b="0" i="1" smtClean="0">
-                            <a:latin typeface="Cambria Math"/>
-                            <a:ea typeface="Cambria Math"/>
-                          </a:rPr>
-                          <m:t>𝑘</m:t>
-                        </m:r>
-                      </m:sub>
-                    </m:sSub>
-                    <m:d>
-                      <m:dPr>
-                        <m:ctrlPr>
-                          <a:rPr lang="pt-BR" sz="1600" b="0" i="1" smtClean="0">
-                            <a:latin typeface="Cambria Math"/>
-                            <a:ea typeface="Cambria Math"/>
-                          </a:rPr>
-                        </m:ctrlPr>
-                      </m:dPr>
-                      <m:e>
-                        <m:sSub>
-                          <m:sSubPr>
-                            <m:ctrlPr>
-                              <a:rPr lang="pt-BR" sz="1600" b="0" i="1" smtClean="0">
-                                <a:latin typeface="Cambria Math"/>
-                                <a:ea typeface="Cambria Math"/>
-                              </a:rPr>
-                            </m:ctrlPr>
-                          </m:sSubPr>
-                          <m:e>
-                            <m:r>
-                              <a:rPr lang="pt-BR" sz="1600" b="0" i="1" smtClean="0">
-                                <a:latin typeface="Cambria Math"/>
-                                <a:ea typeface="Cambria Math"/>
-                              </a:rPr>
-                              <m:t>𝑦</m:t>
-                            </m:r>
-                          </m:e>
-                          <m:sub>
-                            <m:r>
-                              <a:rPr lang="pt-BR" sz="1600" b="0" i="1" smtClean="0">
-                                <a:latin typeface="Cambria Math"/>
-                                <a:ea typeface="Cambria Math"/>
-                              </a:rPr>
-                              <m:t>1</m:t>
-                            </m:r>
-                          </m:sub>
-                        </m:sSub>
-                      </m:e>
-                    </m:d>
-                    <m:r>
-                      <a:rPr lang="pt-BR" sz="1600" b="0" i="1" smtClean="0">
-                        <a:latin typeface="Cambria Math"/>
-                        <a:ea typeface="Cambria Math"/>
-                      </a:rPr>
-                      <m:t>, </m:t>
-                    </m:r>
-                    <m:sSub>
-                      <m:sSubPr>
-                        <m:ctrlPr>
-                          <a:rPr lang="pt-BR" sz="1600" b="0" i="1" smtClean="0">
-                            <a:latin typeface="Cambria Math"/>
-                            <a:ea typeface="Cambria Math"/>
-                          </a:rPr>
-                        </m:ctrlPr>
-                      </m:sSubPr>
-                      <m:e>
-                        <m:r>
-                          <a:rPr lang="pt-BR" sz="1600" b="0" i="1" smtClean="0">
-                            <a:latin typeface="Cambria Math"/>
-                            <a:ea typeface="Cambria Math"/>
-                          </a:rPr>
-                          <m:t>𝑠</m:t>
-                        </m:r>
-                      </m:e>
-                      <m:sub>
-                        <m:r>
-                          <a:rPr lang="pt-BR" sz="1600" b="0" i="1" smtClean="0">
-                            <a:latin typeface="Cambria Math"/>
-                            <a:ea typeface="Cambria Math"/>
-                          </a:rPr>
-                          <m:t>𝑘</m:t>
-                        </m:r>
-                      </m:sub>
-                    </m:sSub>
-                    <m:d>
-                      <m:dPr>
-                        <m:ctrlPr>
-                          <a:rPr lang="pt-BR" sz="1600" b="0" i="1" smtClean="0">
-                            <a:latin typeface="Cambria Math"/>
-                            <a:ea typeface="Cambria Math"/>
-                          </a:rPr>
-                        </m:ctrlPr>
-                      </m:dPr>
-                      <m:e>
-                        <m:sSub>
-                          <m:sSubPr>
-                            <m:ctrlPr>
-                              <a:rPr lang="pt-BR" sz="1600" b="0" i="1" smtClean="0">
-                                <a:latin typeface="Cambria Math"/>
-                                <a:ea typeface="Cambria Math"/>
-                              </a:rPr>
-                            </m:ctrlPr>
-                          </m:sSubPr>
-                          <m:e>
-                            <m:r>
-                              <a:rPr lang="pt-BR" sz="1600" b="0" i="1" smtClean="0">
-                                <a:latin typeface="Cambria Math"/>
-                                <a:ea typeface="Cambria Math"/>
-                              </a:rPr>
-                              <m:t>𝑦</m:t>
-                            </m:r>
-                          </m:e>
-                          <m:sub>
-                            <m:r>
-                              <a:rPr lang="pt-BR" sz="1600" b="0" i="1" smtClean="0">
-                                <a:latin typeface="Cambria Math"/>
-                                <a:ea typeface="Cambria Math"/>
-                              </a:rPr>
-                              <m:t>2</m:t>
-                            </m:r>
-                          </m:sub>
-                        </m:sSub>
-                      </m:e>
-                    </m:d>
-                    <m:r>
-                      <a:rPr lang="pt-BR" sz="1600" b="0" i="1" smtClean="0">
-                        <a:latin typeface="Cambria Math"/>
-                        <a:ea typeface="Cambria Math"/>
-                      </a:rPr>
-                      <m:t>…</m:t>
-                    </m:r>
-                  </m:oMath>
-                </a14:m>
-                <a:endParaRPr lang="pt-BR" sz="1600" dirty="0"/>
-              </a:p>
-              <a:p>
-                <a:pPr marL="285750" indent="-285750">
-                  <a:buFont typeface="Arial" panose="020B0604020202020204" pitchFamily="34" charset="0"/>
-                  <a:buChar char="•"/>
-                </a:pPr>
-                <a:endParaRPr lang="pt-BR" sz="1600" dirty="0" smtClean="0"/>
-              </a:p>
-              <a:p>
-                <a:pPr marL="285750" indent="-285750">
-                  <a:buFont typeface="Arial" panose="020B0604020202020204" pitchFamily="34" charset="0"/>
-                  <a:buChar char="•"/>
-                </a:pPr>
-                <a14:m>
-                  <m:oMath xmlns:m="http://schemas.openxmlformats.org/officeDocument/2006/math">
-                    <m:sSub>
-                      <m:sSubPr>
-                        <m:ctrlPr>
-                          <a:rPr lang="pt-BR" sz="1600" i="1">
-                            <a:latin typeface="Cambria Math"/>
-                            <a:ea typeface="Cambria Math"/>
-                          </a:rPr>
-                        </m:ctrlPr>
-                      </m:sSubPr>
-                      <m:e>
-                        <m:r>
-                          <a:rPr lang="pt-BR" sz="1600" i="1">
-                            <a:latin typeface="Cambria Math"/>
-                            <a:ea typeface="Cambria Math"/>
-                          </a:rPr>
-                          <m:t>𝜙</m:t>
+                          <m:t>Φ</m:t>
                         </m:r>
                       </m:e>
                       <m:sub>
@@ -7914,18 +8794,21 @@
                       <m:sSubPr>
                         <m:ctrlPr>
                           <a:rPr lang="pt-BR" sz="1600" i="1">
-                            <a:latin typeface="Cambria Math"/>
+                            <a:latin typeface="Cambria Math" panose="02040503050406030204" pitchFamily="18" charset="0"/>
                             <a:ea typeface="Cambria Math"/>
                           </a:rPr>
                         </m:ctrlPr>
                       </m:sSubPr>
                       <m:e>
                         <m:r>
-                          <a:rPr lang="pt-BR" sz="1600" i="1">
-                            <a:latin typeface="Cambria Math"/>
-                            <a:ea typeface="Cambria Math"/>
+                          <m:rPr>
+                            <m:sty m:val="p"/>
+                          </m:rPr>
+                          <a:rPr lang="el-GR" sz="1600" i="1">
+                            <a:latin typeface="Cambria Math" panose="02040503050406030204" pitchFamily="18" charset="0"/>
+                            <a:ea typeface="Cambria Math" panose="02040503050406030204" pitchFamily="18" charset="0"/>
                           </a:rPr>
-                          <m:t>𝜙</m:t>
+                          <m:t>Φ</m:t>
                         </m:r>
                       </m:e>
                       <m:sub>
@@ -7956,7 +8839,7 @@
                       <m:dPr>
                         <m:ctrlPr>
                           <a:rPr lang="pt-BR" sz="1600" i="1">
-                            <a:latin typeface="Cambria Math"/>
+                            <a:latin typeface="Cambria Math" panose="02040503050406030204" pitchFamily="18" charset="0"/>
                             <a:ea typeface="Cambria Math"/>
                           </a:rPr>
                         </m:ctrlPr>
@@ -7968,7 +8851,7 @@
                             <m:endChr m:val="‖"/>
                             <m:ctrlPr>
                               <a:rPr lang="pt-BR" sz="1600" i="1">
-                                <a:latin typeface="Cambria Math"/>
+                                <a:latin typeface="Cambria Math" panose="02040503050406030204" pitchFamily="18" charset="0"/>
                                 <a:ea typeface="Cambria Math"/>
                               </a:rPr>
                             </m:ctrlPr>
@@ -7978,7 +8861,7 @@
                               <m:sSubPr>
                                 <m:ctrlPr>
                                   <a:rPr lang="pt-BR" sz="1600" i="1">
-                                    <a:latin typeface="Cambria Math"/>
+                                    <a:latin typeface="Cambria Math" panose="02040503050406030204" pitchFamily="18" charset="0"/>
                                     <a:ea typeface="Cambria Math"/>
                                   </a:rPr>
                                 </m:ctrlPr>
@@ -8013,7 +8896,7 @@
                               <m:sSubPr>
                                 <m:ctrlPr>
                                   <a:rPr lang="pt-BR" sz="1600" i="1">
-                                    <a:latin typeface="Cambria Math"/>
+                                    <a:latin typeface="Cambria Math" panose="02040503050406030204" pitchFamily="18" charset="0"/>
                                     <a:ea typeface="Cambria Math"/>
                                   </a:rPr>
                                 </m:ctrlPr>
@@ -8063,7 +8946,7 @@
                       <m:sSubPr>
                         <m:ctrlPr>
                           <a:rPr lang="pt-BR" sz="1600" b="0" i="1" smtClean="0">
-                            <a:latin typeface="Cambria Math"/>
+                            <a:latin typeface="Cambria Math" panose="02040503050406030204" pitchFamily="18" charset="0"/>
                             <a:ea typeface="Cambria Math"/>
                           </a:rPr>
                         </m:ctrlPr>
@@ -8098,7 +8981,7 @@
                       <m:sSupPr>
                         <m:ctrlPr>
                           <a:rPr lang="pt-BR" sz="1600" b="0" i="1" smtClean="0">
-                            <a:latin typeface="Cambria Math"/>
+                            <a:latin typeface="Cambria Math" panose="02040503050406030204" pitchFamily="18" charset="0"/>
                             <a:ea typeface="Cambria Math"/>
                           </a:rPr>
                         </m:ctrlPr>
@@ -8110,7 +8993,7 @@
                             <m:endChr m:val="]"/>
                             <m:ctrlPr>
                               <a:rPr lang="pt-BR" sz="1600" i="1">
-                                <a:latin typeface="Cambria Math"/>
+                                <a:latin typeface="Cambria Math" panose="02040503050406030204" pitchFamily="18" charset="0"/>
                                 <a:ea typeface="Cambria Math"/>
                               </a:rPr>
                             </m:ctrlPr>
@@ -8120,7 +9003,7 @@
                               <m:sSubPr>
                                 <m:ctrlPr>
                                   <a:rPr lang="pt-BR" sz="1600" i="1">
-                                    <a:latin typeface="Cambria Math"/>
+                                    <a:latin typeface="Cambria Math" panose="02040503050406030204" pitchFamily="18" charset="0"/>
                                     <a:ea typeface="Cambria Math"/>
                                   </a:rPr>
                                 </m:ctrlPr>
@@ -8162,7 +9045,7 @@
                               <m:sSubPr>
                                 <m:ctrlPr>
                                   <a:rPr lang="pt-BR" sz="1600" i="1">
-                                    <a:latin typeface="Cambria Math"/>
+                                    <a:latin typeface="Cambria Math" panose="02040503050406030204" pitchFamily="18" charset="0"/>
                                     <a:ea typeface="Cambria Math"/>
                                   </a:rPr>
                                 </m:ctrlPr>
@@ -8182,14 +9065,7 @@
                                     <a:latin typeface="Cambria Math"/>
                                     <a:ea typeface="Cambria Math"/>
                                   </a:rPr>
-                                  <m:t>𝑘</m:t>
-                                </m:r>
-                                <m:r>
-                                  <a:rPr lang="pt-BR" sz="1600" i="1">
-                                    <a:latin typeface="Cambria Math"/>
-                                    <a:ea typeface="Cambria Math"/>
-                                  </a:rPr>
-                                  <m:t>𝑛</m:t>
+                                  <m:t>𝑘𝑛</m:t>
                                 </m:r>
                               </m:sub>
                             </m:sSub>
@@ -8228,7 +9104,7 @@
                       <m:sSubPr>
                         <m:ctrlPr>
                           <a:rPr lang="pt-BR" sz="1600" i="1" smtClean="0">
-                            <a:latin typeface="Cambria Math"/>
+                            <a:latin typeface="Cambria Math" panose="02040503050406030204" pitchFamily="18" charset="0"/>
                             <a:ea typeface="Cambria Math"/>
                           </a:rPr>
                         </m:ctrlPr>
@@ -8263,7 +9139,7 @@
                       <m:sSupPr>
                         <m:ctrlPr>
                           <a:rPr lang="pt-BR" sz="1600" i="1">
-                            <a:latin typeface="Cambria Math"/>
+                            <a:latin typeface="Cambria Math" panose="02040503050406030204" pitchFamily="18" charset="0"/>
                             <a:ea typeface="Cambria Math"/>
                           </a:rPr>
                         </m:ctrlPr>
@@ -8275,7 +9151,7 @@
                             <m:endChr m:val="]"/>
                             <m:ctrlPr>
                               <a:rPr lang="pt-BR" sz="1600" i="1">
-                                <a:latin typeface="Cambria Math"/>
+                                <a:latin typeface="Cambria Math" panose="02040503050406030204" pitchFamily="18" charset="0"/>
                                 <a:ea typeface="Cambria Math"/>
                               </a:rPr>
                             </m:ctrlPr>
@@ -8285,7 +9161,7 @@
                               <m:sSubPr>
                                 <m:ctrlPr>
                                   <a:rPr lang="pt-BR" sz="1600" i="1">
-                                    <a:latin typeface="Cambria Math"/>
+                                    <a:latin typeface="Cambria Math" panose="02040503050406030204" pitchFamily="18" charset="0"/>
                                     <a:ea typeface="Cambria Math"/>
                                   </a:rPr>
                                 </m:ctrlPr>
@@ -8327,7 +9203,7 @@
                               <m:sSubPr>
                                 <m:ctrlPr>
                                   <a:rPr lang="pt-BR" sz="1600" i="1">
-                                    <a:latin typeface="Cambria Math"/>
+                                    <a:latin typeface="Cambria Math" panose="02040503050406030204" pitchFamily="18" charset="0"/>
                                     <a:ea typeface="Cambria Math"/>
                                   </a:rPr>
                                 </m:ctrlPr>
@@ -8395,7 +9271,7 @@
                         <m:endChr m:val="]"/>
                         <m:ctrlPr>
                           <a:rPr lang="pt-BR" sz="1600" i="1" smtClean="0">
-                            <a:latin typeface="Cambria Math"/>
+                            <a:latin typeface="Cambria Math" panose="02040503050406030204" pitchFamily="18" charset="0"/>
                           </a:rPr>
                         </m:ctrlPr>
                       </m:dPr>
@@ -8412,7 +9288,7 @@
                             </m:mcs>
                             <m:ctrlPr>
                               <a:rPr lang="pt-BR" sz="1600" i="1">
-                                <a:latin typeface="Cambria Math"/>
+                                <a:latin typeface="Cambria Math" panose="02040503050406030204" pitchFamily="18" charset="0"/>
                               </a:rPr>
                             </m:ctrlPr>
                           </m:mPr>
@@ -8422,18 +9298,21 @@
                                 <m:sSubPr>
                                   <m:ctrlPr>
                                     <a:rPr lang="pt-BR" sz="1600" i="1">
-                                      <a:latin typeface="Cambria Math"/>
+                                      <a:latin typeface="Cambria Math" panose="02040503050406030204" pitchFamily="18" charset="0"/>
                                       <a:ea typeface="Cambria Math"/>
                                     </a:rPr>
                                   </m:ctrlPr>
                                 </m:sSubPr>
                                 <m:e>
                                   <m:r>
-                                    <a:rPr lang="pt-BR" sz="1600" i="1">
-                                      <a:latin typeface="Cambria Math"/>
-                                      <a:ea typeface="Cambria Math"/>
+                                    <m:rPr>
+                                      <m:sty m:val="p"/>
+                                    </m:rPr>
+                                    <a:rPr lang="el-GR" sz="1600" i="1">
+                                      <a:latin typeface="Cambria Math" panose="02040503050406030204" pitchFamily="18" charset="0"/>
+                                      <a:ea typeface="Cambria Math" panose="02040503050406030204" pitchFamily="18" charset="0"/>
                                     </a:rPr>
-                                    <m:t>𝜙</m:t>
+                                    <m:t>Φ</m:t>
                                   </m:r>
                                 </m:e>
                                 <m:sub>
@@ -8460,18 +9339,21 @@
                                 <m:sSubPr>
                                   <m:ctrlPr>
                                     <a:rPr lang="pt-BR" sz="1600" i="1">
-                                      <a:latin typeface="Cambria Math"/>
+                                      <a:latin typeface="Cambria Math" panose="02040503050406030204" pitchFamily="18" charset="0"/>
                                       <a:ea typeface="Cambria Math"/>
                                     </a:rPr>
                                   </m:ctrlPr>
                                 </m:sSubPr>
                                 <m:e>
                                   <m:r>
-                                    <a:rPr lang="pt-BR" sz="1600" i="1">
-                                      <a:latin typeface="Cambria Math"/>
-                                      <a:ea typeface="Cambria Math"/>
+                                    <m:rPr>
+                                      <m:sty m:val="p"/>
+                                    </m:rPr>
+                                    <a:rPr lang="el-GR" sz="1600" i="1">
+                                      <a:latin typeface="Cambria Math" panose="02040503050406030204" pitchFamily="18" charset="0"/>
+                                      <a:ea typeface="Cambria Math" panose="02040503050406030204" pitchFamily="18" charset="0"/>
                                     </a:rPr>
-                                    <m:t>𝜙</m:t>
+                                    <m:t>Φ</m:t>
                                   </m:r>
                                 </m:e>
                                 <m:sub>
@@ -8525,18 +9407,21 @@
                                 <m:sSubPr>
                                   <m:ctrlPr>
                                     <a:rPr lang="pt-BR" sz="1600" i="1">
-                                      <a:latin typeface="Cambria Math"/>
+                                      <a:latin typeface="Cambria Math" panose="02040503050406030204" pitchFamily="18" charset="0"/>
                                       <a:ea typeface="Cambria Math"/>
                                     </a:rPr>
                                   </m:ctrlPr>
                                 </m:sSubPr>
                                 <m:e>
                                   <m:r>
-                                    <a:rPr lang="pt-BR" sz="1600" i="1">
-                                      <a:latin typeface="Cambria Math"/>
-                                      <a:ea typeface="Cambria Math"/>
+                                    <m:rPr>
+                                      <m:sty m:val="p"/>
+                                    </m:rPr>
+                                    <a:rPr lang="el-GR" sz="1600" i="1">
+                                      <a:latin typeface="Cambria Math" panose="02040503050406030204" pitchFamily="18" charset="0"/>
+                                      <a:ea typeface="Cambria Math" panose="02040503050406030204" pitchFamily="18" charset="0"/>
                                     </a:rPr>
-                                    <m:t>𝜙</m:t>
+                                    <m:t>Φ</m:t>
                                   </m:r>
                                 </m:e>
                                 <m:sub>
@@ -8570,18 +9455,21 @@
                                 <m:sSubPr>
                                   <m:ctrlPr>
                                     <a:rPr lang="pt-BR" sz="1600" i="1">
-                                      <a:latin typeface="Cambria Math"/>
+                                      <a:latin typeface="Cambria Math" panose="02040503050406030204" pitchFamily="18" charset="0"/>
                                       <a:ea typeface="Cambria Math"/>
                                     </a:rPr>
                                   </m:ctrlPr>
                                 </m:sSubPr>
                                 <m:e>
                                   <m:r>
-                                    <a:rPr lang="pt-BR" sz="1600" i="1">
-                                      <a:latin typeface="Cambria Math"/>
-                                      <a:ea typeface="Cambria Math"/>
+                                    <m:rPr>
+                                      <m:sty m:val="p"/>
+                                    </m:rPr>
+                                    <a:rPr lang="el-GR" sz="1600" i="1">
+                                      <a:latin typeface="Cambria Math" panose="02040503050406030204" pitchFamily="18" charset="0"/>
+                                      <a:ea typeface="Cambria Math" panose="02040503050406030204" pitchFamily="18" charset="0"/>
                                     </a:rPr>
-                                    <m:t>𝜙</m:t>
+                                    <m:t>Φ</m:t>
                                   </m:r>
                                 </m:e>
                                 <m:sub>
@@ -8605,7 +9493,7 @@
                         <m:endChr m:val="]"/>
                         <m:ctrlPr>
                           <a:rPr lang="pt-BR" sz="1600" i="1">
-                            <a:latin typeface="Cambria Math"/>
+                            <a:latin typeface="Cambria Math" panose="02040503050406030204" pitchFamily="18" charset="0"/>
                           </a:rPr>
                         </m:ctrlPr>
                       </m:dPr>
@@ -8622,7 +9510,7 @@
                             </m:mcs>
                             <m:ctrlPr>
                               <a:rPr lang="pt-BR" sz="1600" i="1">
-                                <a:latin typeface="Cambria Math"/>
+                                <a:latin typeface="Cambria Math" panose="02040503050406030204" pitchFamily="18" charset="0"/>
                               </a:rPr>
                             </m:ctrlPr>
                           </m:mPr>
@@ -8632,7 +9520,7 @@
                                 <m:sSubPr>
                                   <m:ctrlPr>
                                     <a:rPr lang="pt-BR" sz="1600" i="1">
-                                      <a:latin typeface="Cambria Math"/>
+                                      <a:latin typeface="Cambria Math" panose="02040503050406030204" pitchFamily="18" charset="0"/>
                                       <a:ea typeface="Cambria Math"/>
                                     </a:rPr>
                                   </m:ctrlPr>
@@ -8681,7 +9569,7 @@
                                 <m:sSubPr>
                                   <m:ctrlPr>
                                     <a:rPr lang="pt-BR" sz="1600" i="1">
-                                      <a:latin typeface="Cambria Math"/>
+                                      <a:latin typeface="Cambria Math" panose="02040503050406030204" pitchFamily="18" charset="0"/>
                                       <a:ea typeface="Cambria Math"/>
                                     </a:rPr>
                                   </m:ctrlPr>
@@ -8729,7 +9617,7 @@
                         <m:endChr m:val="]"/>
                         <m:ctrlPr>
                           <a:rPr lang="pt-BR" sz="1600" i="1">
-                            <a:latin typeface="Cambria Math"/>
+                            <a:latin typeface="Cambria Math" panose="02040503050406030204" pitchFamily="18" charset="0"/>
                           </a:rPr>
                         </m:ctrlPr>
                       </m:dPr>
@@ -8746,7 +9634,7 @@
                             </m:mcs>
                             <m:ctrlPr>
                               <a:rPr lang="pt-BR" sz="1600" i="1">
-                                <a:latin typeface="Cambria Math"/>
+                                <a:latin typeface="Cambria Math" panose="02040503050406030204" pitchFamily="18" charset="0"/>
                               </a:rPr>
                             </m:ctrlPr>
                           </m:mPr>
@@ -8756,7 +9644,7 @@
                                 <m:sSubPr>
                                   <m:ctrlPr>
                                     <a:rPr lang="pt-BR" sz="1600" i="1">
-                                      <a:latin typeface="Cambria Math"/>
+                                      <a:latin typeface="Cambria Math" panose="02040503050406030204" pitchFamily="18" charset="0"/>
                                     </a:rPr>
                                   </m:ctrlPr>
                                 </m:sSubPr>
@@ -8807,7 +9695,7 @@
                                 <m:sSubPr>
                                   <m:ctrlPr>
                                     <a:rPr lang="pt-BR" sz="1600" i="1">
-                                      <a:latin typeface="Cambria Math"/>
+                                      <a:latin typeface="Cambria Math" panose="02040503050406030204" pitchFamily="18" charset="0"/>
                                     </a:rPr>
                                   </m:ctrlPr>
                                 </m:sSubPr>
@@ -8886,10 +9774,10 @@
               <a:prstGeom prst="rect">
                 <a:avLst/>
               </a:prstGeom>
-              <a:blipFill rotWithShape="1">
-                <a:blip r:embed="rId2"/>
+              <a:blipFill rotWithShape="0">
+                <a:blip r:embed="rId3"/>
                 <a:stretch>
-                  <a:fillRect l="-222" t="-7682"/>
+                  <a:fillRect l="-296" t="-404"/>
                 </a:stretch>
               </a:blipFill>
               <a:ln>
@@ -8901,7 +9789,7 @@
               <a:lstStyle/>
               <a:p>
                 <a:r>
-                  <a:rPr lang="pt-BR">
+                  <a:rPr lang="en-US">
                     <a:noFill/>
                   </a:rPr>
                   <a:t> </a:t>
@@ -8911,60 +9799,210 @@
           </p:sp>
         </mc:Fallback>
       </mc:AlternateContent>
-      <p:pic>
-        <p:nvPicPr>
-          <p:cNvPr id="2051" name="Picture 3"/>
-          <p:cNvPicPr>
-            <a:picLocks noChangeAspect="1" noChangeArrowheads="1"/>
-          </p:cNvPicPr>
-          <p:nvPr/>
-        </p:nvPicPr>
-        <p:blipFill>
-          <a:blip r:embed="rId3">
-            <a:extLst>
-              <a:ext uri="{28A0092B-C50C-407E-A947-70E740481C1C}">
-                <a14:useLocalDpi xmlns:a14="http://schemas.microsoft.com/office/drawing/2010/main" val="0"/>
-              </a:ext>
-            </a:extLst>
-          </a:blip>
-          <a:srcRect/>
-          <a:stretch>
-            <a:fillRect/>
-          </a:stretch>
-        </p:blipFill>
-        <p:spPr bwMode="auto">
-          <a:xfrm>
-            <a:off x="5104270" y="2178869"/>
-            <a:ext cx="3641783" cy="3368222"/>
-          </a:xfrm>
-          <a:prstGeom prst="rect">
-            <a:avLst/>
-          </a:prstGeom>
-          <a:noFill/>
-          <a:ln>
-            <a:noFill/>
-          </a:ln>
-          <a:extLst>
-            <a:ext uri="{909E8E84-426E-40DD-AFC4-6F175D3DCCD1}">
-              <a14:hiddenFill xmlns:a14="http://schemas.microsoft.com/office/drawing/2010/main">
-                <a:solidFill>
-                  <a:schemeClr val="accent1"/>
-                </a:solidFill>
-              </a14:hiddenFill>
-            </a:ext>
-            <a:ext uri="{91240B29-F687-4F45-9708-019B960494DF}">
-              <a14:hiddenLine xmlns:a14="http://schemas.microsoft.com/office/drawing/2010/main" w="9525">
-                <a:solidFill>
-                  <a:schemeClr val="tx1"/>
-                </a:solidFill>
-                <a:miter lim="800000"/>
-                <a:headEnd/>
-                <a:tailEnd/>
-              </a14:hiddenLine>
-            </a:ext>
-          </a:extLst>
-        </p:spPr>
-      </p:pic>
+      <mc:AlternateContent xmlns:mc="http://schemas.openxmlformats.org/markup-compatibility/2006">
+        <mc:Choice xmlns:a14="http://schemas.microsoft.com/office/drawing/2010/main" Requires="a14">
+          <p:sp>
+            <p:nvSpPr>
+              <p:cNvPr id="5" name="Rectangle 4"/>
+              <p:cNvSpPr/>
+              <p:nvPr/>
+            </p:nvSpPr>
+            <p:spPr>
+              <a:xfrm>
+                <a:off x="8156212" y="2178869"/>
+                <a:ext cx="589841" cy="369332"/>
+              </a:xfrm>
+              <a:prstGeom prst="rect">
+                <a:avLst/>
+              </a:prstGeom>
+            </p:spPr>
+            <p:txBody>
+              <a:bodyPr wrap="none">
+                <a:spAutoFit/>
+              </a:bodyPr>
+              <a:lstStyle/>
+              <a:p>
+                <a14:m>
+                  <m:oMathPara xmlns:m="http://schemas.openxmlformats.org/officeDocument/2006/math">
+                    <m:oMathParaPr>
+                      <m:jc m:val="centerGroup"/>
+                    </m:oMathParaPr>
+                    <m:oMath xmlns:m="http://schemas.openxmlformats.org/officeDocument/2006/math">
+                      <m:sSup>
+                        <m:sSupPr>
+                          <m:ctrlPr>
+                            <a:rPr lang="pt-BR" i="1">
+                              <a:latin typeface="Cambria Math" panose="02040503050406030204" pitchFamily="18" charset="0"/>
+                            </a:rPr>
+                          </m:ctrlPr>
+                        </m:sSupPr>
+                        <m:e>
+                          <m:r>
+                            <a:rPr lang="pt-BR" i="1">
+                              <a:latin typeface="Cambria Math"/>
+                              <a:ea typeface="Cambria Math"/>
+                            </a:rPr>
+                            <m:t>ℝ</m:t>
+                          </m:r>
+                        </m:e>
+                        <m:sup>
+                          <m:r>
+                            <a:rPr lang="pt-BR" i="1">
+                              <a:latin typeface="Cambria Math"/>
+                            </a:rPr>
+                            <m:t>𝑚</m:t>
+                          </m:r>
+                        </m:sup>
+                      </m:sSup>
+                    </m:oMath>
+                  </m:oMathPara>
+                </a14:m>
+                <a:endParaRPr lang="en-US" dirty="0"/>
+              </a:p>
+            </p:txBody>
+          </p:sp>
+        </mc:Choice>
+        <mc:Fallback>
+          <p:sp>
+            <p:nvSpPr>
+              <p:cNvPr id="5" name="Rectangle 4"/>
+              <p:cNvSpPr>
+                <a:spLocks noRot="1" noChangeAspect="1" noMove="1" noResize="1" noEditPoints="1" noAdjustHandles="1" noChangeArrowheads="1" noChangeShapeType="1" noTextEdit="1"/>
+              </p:cNvSpPr>
+              <p:nvPr/>
+            </p:nvSpPr>
+            <p:spPr>
+              <a:xfrm>
+                <a:off x="8156212" y="2178869"/>
+                <a:ext cx="589841" cy="369332"/>
+              </a:xfrm>
+              <a:prstGeom prst="rect">
+                <a:avLst/>
+              </a:prstGeom>
+              <a:blipFill rotWithShape="0">
+                <a:blip r:embed="rId4"/>
+                <a:stretch>
+                  <a:fillRect/>
+                </a:stretch>
+              </a:blipFill>
+            </p:spPr>
+            <p:txBody>
+              <a:bodyPr/>
+              <a:lstStyle/>
+              <a:p>
+                <a:r>
+                  <a:rPr lang="en-US">
+                    <a:noFill/>
+                  </a:rPr>
+                  <a:t> </a:t>
+                </a:r>
+              </a:p>
+            </p:txBody>
+          </p:sp>
+        </mc:Fallback>
+      </mc:AlternateContent>
+      <mc:AlternateContent xmlns:mc="http://schemas.openxmlformats.org/markup-compatibility/2006">
+        <mc:Choice xmlns:a14="http://schemas.microsoft.com/office/drawing/2010/main" Requires="a14">
+          <p:sp>
+            <p:nvSpPr>
+              <p:cNvPr id="6" name="Rectangle 5"/>
+              <p:cNvSpPr/>
+              <p:nvPr/>
+            </p:nvSpPr>
+            <p:spPr>
+              <a:xfrm>
+                <a:off x="7892390" y="4776149"/>
+                <a:ext cx="527644" cy="369332"/>
+              </a:xfrm>
+              <a:prstGeom prst="rect">
+                <a:avLst/>
+              </a:prstGeom>
+            </p:spPr>
+            <p:txBody>
+              <a:bodyPr wrap="none">
+                <a:spAutoFit/>
+              </a:bodyPr>
+              <a:lstStyle/>
+              <a:p>
+                <a14:m>
+                  <m:oMathPara xmlns:m="http://schemas.openxmlformats.org/officeDocument/2006/math">
+                    <m:oMathParaPr>
+                      <m:jc m:val="centerGroup"/>
+                    </m:oMathParaPr>
+                    <m:oMath xmlns:m="http://schemas.openxmlformats.org/officeDocument/2006/math">
+                      <m:sSup>
+                        <m:sSupPr>
+                          <m:ctrlPr>
+                            <a:rPr lang="pt-BR" i="1">
+                              <a:latin typeface="Cambria Math" panose="02040503050406030204" pitchFamily="18" charset="0"/>
+                            </a:rPr>
+                          </m:ctrlPr>
+                        </m:sSupPr>
+                        <m:e>
+                          <m:r>
+                            <a:rPr lang="pt-BR" i="1">
+                              <a:latin typeface="Cambria Math"/>
+                              <a:ea typeface="Cambria Math"/>
+                            </a:rPr>
+                            <m:t>ℝ</m:t>
+                          </m:r>
+                        </m:e>
+                        <m:sup>
+                          <m:r>
+                            <a:rPr lang="pt-BR" i="1">
+                              <a:latin typeface="Cambria Math"/>
+                            </a:rPr>
+                            <m:t>2</m:t>
+                          </m:r>
+                        </m:sup>
+                      </m:sSup>
+                    </m:oMath>
+                  </m:oMathPara>
+                </a14:m>
+                <a:endParaRPr lang="en-US" dirty="0"/>
+              </a:p>
+            </p:txBody>
+          </p:sp>
+        </mc:Choice>
+        <mc:Fallback>
+          <p:sp>
+            <p:nvSpPr>
+              <p:cNvPr id="6" name="Rectangle 5"/>
+              <p:cNvSpPr>
+                <a:spLocks noRot="1" noChangeAspect="1" noMove="1" noResize="1" noEditPoints="1" noAdjustHandles="1" noChangeArrowheads="1" noChangeShapeType="1" noTextEdit="1"/>
+              </p:cNvSpPr>
+              <p:nvPr/>
+            </p:nvSpPr>
+            <p:spPr>
+              <a:xfrm>
+                <a:off x="7892390" y="4776149"/>
+                <a:ext cx="527644" cy="369332"/>
+              </a:xfrm>
+              <a:prstGeom prst="rect">
+                <a:avLst/>
+              </a:prstGeom>
+              <a:blipFill rotWithShape="0">
+                <a:blip r:embed="rId5"/>
+                <a:stretch>
+                  <a:fillRect/>
+                </a:stretch>
+              </a:blipFill>
+            </p:spPr>
+            <p:txBody>
+              <a:bodyPr/>
+              <a:lstStyle/>
+              <a:p>
+                <a:r>
+                  <a:rPr lang="en-US">
+                    <a:noFill/>
+                  </a:rPr>
+                  <a:t> </a:t>
+                </a:r>
+              </a:p>
+            </p:txBody>
+          </p:sp>
+        </mc:Fallback>
+      </mc:AlternateContent>
     </p:spTree>
     <p:extLst>
       <p:ext uri="{BB962C8B-B14F-4D97-AF65-F5344CB8AC3E}">
@@ -9141,7 +10179,7 @@
                             <a:solidFill>
                               <a:srgbClr val="C00000"/>
                             </a:solidFill>
-                            <a:latin typeface="Cambria Math"/>
+                            <a:latin typeface="Cambria Math" panose="02040503050406030204" pitchFamily="18" charset="0"/>
                           </a:rPr>
                         </m:ctrlPr>
                       </m:dPr>
@@ -9161,7 +10199,7 @@
                                 <a:solidFill>
                                   <a:srgbClr val="C00000"/>
                                 </a:solidFill>
-                                <a:latin typeface="Cambria Math"/>
+                                <a:latin typeface="Cambria Math" panose="02040503050406030204" pitchFamily="18" charset="0"/>
                               </a:rPr>
                             </m:ctrlPr>
                           </m:mPr>
@@ -9174,21 +10212,24 @@
                                       <a:solidFill>
                                         <a:srgbClr val="C00000"/>
                                       </a:solidFill>
-                                      <a:latin typeface="Cambria Math"/>
+                                      <a:latin typeface="Cambria Math" panose="02040503050406030204" pitchFamily="18" charset="0"/>
                                       <a:ea typeface="Cambria Math"/>
                                     </a:rPr>
                                   </m:ctrlPr>
                                 </m:sSubPr>
                                 <m:e>
                                   <m:r>
-                                    <a:rPr lang="pt-BR" sz="1600" b="0" i="1">
+                                    <m:rPr>
+                                      <m:sty m:val="p"/>
+                                    </m:rPr>
+                                    <a:rPr lang="el-GR" sz="1600" i="1">
                                       <a:solidFill>
                                         <a:srgbClr val="C00000"/>
                                       </a:solidFill>
-                                      <a:latin typeface="Cambria Math"/>
-                                      <a:ea typeface="Cambria Math"/>
+                                      <a:latin typeface="Cambria Math" panose="02040503050406030204" pitchFamily="18" charset="0"/>
+                                      <a:ea typeface="Cambria Math" panose="02040503050406030204" pitchFamily="18" charset="0"/>
                                     </a:rPr>
-                                    <m:t>𝜙</m:t>
+                                    <m:t>Φ</m:t>
                                   </m:r>
                                 </m:e>
                                 <m:sub>
@@ -9224,21 +10265,24 @@
                                       <a:solidFill>
                                         <a:srgbClr val="C00000"/>
                                       </a:solidFill>
-                                      <a:latin typeface="Cambria Math"/>
+                                      <a:latin typeface="Cambria Math" panose="02040503050406030204" pitchFamily="18" charset="0"/>
                                       <a:ea typeface="Cambria Math"/>
                                     </a:rPr>
                                   </m:ctrlPr>
                                 </m:sSubPr>
                                 <m:e>
                                   <m:r>
-                                    <a:rPr lang="pt-BR" sz="1600" b="0" i="1">
+                                    <m:rPr>
+                                      <m:sty m:val="p"/>
+                                    </m:rPr>
+                                    <a:rPr lang="el-GR" sz="1600" i="1">
                                       <a:solidFill>
                                         <a:srgbClr val="C00000"/>
                                       </a:solidFill>
-                                      <a:latin typeface="Cambria Math"/>
-                                      <a:ea typeface="Cambria Math"/>
+                                      <a:latin typeface="Cambria Math" panose="02040503050406030204" pitchFamily="18" charset="0"/>
+                                      <a:ea typeface="Cambria Math" panose="02040503050406030204" pitchFamily="18" charset="0"/>
                                     </a:rPr>
-                                    <m:t>𝜙</m:t>
+                                    <m:t>Φ</m:t>
                                   </m:r>
                                 </m:e>
                                 <m:sub>
@@ -9310,21 +10354,24 @@
                                       <a:solidFill>
                                         <a:srgbClr val="C00000"/>
                                       </a:solidFill>
-                                      <a:latin typeface="Cambria Math"/>
+                                      <a:latin typeface="Cambria Math" panose="02040503050406030204" pitchFamily="18" charset="0"/>
                                       <a:ea typeface="Cambria Math"/>
                                     </a:rPr>
                                   </m:ctrlPr>
                                 </m:sSubPr>
                                 <m:e>
                                   <m:r>
-                                    <a:rPr lang="pt-BR" sz="1600" b="0" i="1">
+                                    <m:rPr>
+                                      <m:sty m:val="p"/>
+                                    </m:rPr>
+                                    <a:rPr lang="el-GR" sz="1600" i="1">
                                       <a:solidFill>
                                         <a:srgbClr val="C00000"/>
                                       </a:solidFill>
-                                      <a:latin typeface="Cambria Math"/>
-                                      <a:ea typeface="Cambria Math"/>
+                                      <a:latin typeface="Cambria Math" panose="02040503050406030204" pitchFamily="18" charset="0"/>
+                                      <a:ea typeface="Cambria Math" panose="02040503050406030204" pitchFamily="18" charset="0"/>
                                     </a:rPr>
-                                    <m:t>𝜙</m:t>
+                                    <m:t>Φ</m:t>
                                   </m:r>
                                 </m:e>
                                 <m:sub>
@@ -9370,21 +10417,24 @@
                                       <a:solidFill>
                                         <a:srgbClr val="C00000"/>
                                       </a:solidFill>
-                                      <a:latin typeface="Cambria Math"/>
+                                      <a:latin typeface="Cambria Math" panose="02040503050406030204" pitchFamily="18" charset="0"/>
                                       <a:ea typeface="Cambria Math"/>
                                     </a:rPr>
                                   </m:ctrlPr>
                                 </m:sSubPr>
                                 <m:e>
                                   <m:r>
-                                    <a:rPr lang="pt-BR" sz="1600" b="0" i="1">
+                                    <m:rPr>
+                                      <m:sty m:val="p"/>
+                                    </m:rPr>
+                                    <a:rPr lang="el-GR" sz="1600" i="1">
                                       <a:solidFill>
                                         <a:srgbClr val="C00000"/>
                                       </a:solidFill>
-                                      <a:latin typeface="Cambria Math"/>
-                                      <a:ea typeface="Cambria Math"/>
+                                      <a:latin typeface="Cambria Math" panose="02040503050406030204" pitchFamily="18" charset="0"/>
+                                      <a:ea typeface="Cambria Math" panose="02040503050406030204" pitchFamily="18" charset="0"/>
                                     </a:rPr>
-                                    <m:t>𝜙</m:t>
+                                    <m:t>Φ</m:t>
                                   </m:r>
                                 </m:e>
                                 <m:sub>
@@ -9411,7 +10461,10 @@
                         <m:endChr m:val="]"/>
                         <m:ctrlPr>
                           <a:rPr lang="pt-BR" sz="1600" i="1">
-                            <a:latin typeface="Cambria Math"/>
+                            <a:solidFill>
+                              <a:srgbClr val="C00000"/>
+                            </a:solidFill>
+                            <a:latin typeface="Cambria Math" panose="02040503050406030204" pitchFamily="18" charset="0"/>
                           </a:rPr>
                         </m:ctrlPr>
                       </m:dPr>
@@ -9428,7 +10481,10 @@
                             </m:mcs>
                             <m:ctrlPr>
                               <a:rPr lang="pt-BR" sz="1600" i="1">
-                                <a:latin typeface="Cambria Math"/>
+                                <a:solidFill>
+                                  <a:srgbClr val="C00000"/>
+                                </a:solidFill>
+                                <a:latin typeface="Cambria Math" panose="02040503050406030204" pitchFamily="18" charset="0"/>
                               </a:rPr>
                             </m:ctrlPr>
                           </m:mPr>
@@ -9438,7 +10494,10 @@
                                 <m:sSubPr>
                                   <m:ctrlPr>
                                     <a:rPr lang="pt-BR" sz="1600" i="1">
-                                      <a:latin typeface="Cambria Math"/>
+                                      <a:solidFill>
+                                        <a:srgbClr val="C00000"/>
+                                      </a:solidFill>
+                                      <a:latin typeface="Cambria Math" panose="02040503050406030204" pitchFamily="18" charset="0"/>
                                       <a:ea typeface="Cambria Math"/>
                                     </a:rPr>
                                   </m:ctrlPr>
@@ -9446,6 +10505,9 @@
                                 <m:e>
                                   <m:r>
                                     <a:rPr lang="pt-BR" sz="1600" i="1">
+                                      <a:solidFill>
+                                        <a:srgbClr val="C00000"/>
+                                      </a:solidFill>
                                       <a:latin typeface="Cambria Math"/>
                                       <a:ea typeface="Cambria Math"/>
                                     </a:rPr>
@@ -9455,6 +10517,9 @@
                                 <m:sub>
                                   <m:r>
                                     <a:rPr lang="pt-BR" sz="1600" i="1">
+                                      <a:solidFill>
+                                        <a:srgbClr val="C00000"/>
+                                      </a:solidFill>
                                       <a:latin typeface="Cambria Math"/>
                                       <a:ea typeface="Cambria Math"/>
                                     </a:rPr>
@@ -9462,6 +10527,9 @@
                                   </m:r>
                                   <m:r>
                                     <a:rPr lang="pt-BR" sz="1600" i="1">
+                                      <a:solidFill>
+                                        <a:srgbClr val="C00000"/>
+                                      </a:solidFill>
                                       <a:latin typeface="Cambria Math"/>
                                       <a:ea typeface="Cambria Math"/>
                                     </a:rPr>
@@ -9475,6 +10543,9 @@
                             <m:e>
                               <m:r>
                                 <a:rPr lang="pt-BR" sz="1600" i="1">
+                                  <a:solidFill>
+                                    <a:srgbClr val="C00000"/>
+                                  </a:solidFill>
                                   <a:latin typeface="Cambria Math"/>
                                 </a:rPr>
                                 <m:t>⋮</m:t>
@@ -9487,7 +10558,10 @@
                                 <m:sSubPr>
                                   <m:ctrlPr>
                                     <a:rPr lang="pt-BR" sz="1600" i="1">
-                                      <a:latin typeface="Cambria Math"/>
+                                      <a:solidFill>
+                                        <a:srgbClr val="C00000"/>
+                                      </a:solidFill>
+                                      <a:latin typeface="Cambria Math" panose="02040503050406030204" pitchFamily="18" charset="0"/>
                                       <a:ea typeface="Cambria Math"/>
                                     </a:rPr>
                                   </m:ctrlPr>
@@ -9495,6 +10569,9 @@
                                 <m:e>
                                   <m:r>
                                     <a:rPr lang="pt-BR" sz="1600" i="1">
+                                      <a:solidFill>
+                                        <a:srgbClr val="C00000"/>
+                                      </a:solidFill>
                                       <a:latin typeface="Cambria Math"/>
                                       <a:ea typeface="Cambria Math"/>
                                     </a:rPr>
@@ -9504,6 +10581,9 @@
                                 <m:sub>
                                   <m:r>
                                     <a:rPr lang="pt-BR" sz="1600" i="1">
+                                      <a:solidFill>
+                                        <a:srgbClr val="C00000"/>
+                                      </a:solidFill>
                                       <a:latin typeface="Cambria Math"/>
                                       <a:ea typeface="Cambria Math"/>
                                     </a:rPr>
@@ -9511,6 +10591,9 @@
                                   </m:r>
                                   <m:r>
                                     <a:rPr lang="pt-BR" sz="1600" b="0" i="1" smtClean="0">
+                                      <a:solidFill>
+                                        <a:srgbClr val="C00000"/>
+                                      </a:solidFill>
                                       <a:latin typeface="Cambria Math"/>
                                       <a:ea typeface="Cambria Math"/>
                                     </a:rPr>
@@ -9525,6 +10608,9 @@
                     </m:d>
                     <m:r>
                       <a:rPr lang="pt-BR" sz="1600" i="1">
+                        <a:solidFill>
+                          <a:srgbClr val="C00000"/>
+                        </a:solidFill>
                         <a:latin typeface="Cambria Math"/>
                       </a:rPr>
                       <m:t>=</m:t>
@@ -9535,7 +10621,10 @@
                         <m:endChr m:val="]"/>
                         <m:ctrlPr>
                           <a:rPr lang="pt-BR" sz="1600" i="1">
-                            <a:latin typeface="Cambria Math"/>
+                            <a:solidFill>
+                              <a:srgbClr val="C00000"/>
+                            </a:solidFill>
+                            <a:latin typeface="Cambria Math" panose="02040503050406030204" pitchFamily="18" charset="0"/>
                           </a:rPr>
                         </m:ctrlPr>
                       </m:dPr>
@@ -9552,7 +10641,10 @@
                             </m:mcs>
                             <m:ctrlPr>
                               <a:rPr lang="pt-BR" sz="1600" i="1">
-                                <a:latin typeface="Cambria Math"/>
+                                <a:solidFill>
+                                  <a:srgbClr val="C00000"/>
+                                </a:solidFill>
+                                <a:latin typeface="Cambria Math" panose="02040503050406030204" pitchFamily="18" charset="0"/>
                               </a:rPr>
                             </m:ctrlPr>
                           </m:mPr>
@@ -9562,7 +10654,10 @@
                                 <m:sSubPr>
                                   <m:ctrlPr>
                                     <a:rPr lang="pt-BR" sz="1600" i="1">
-                                      <a:latin typeface="Cambria Math"/>
+                                      <a:solidFill>
+                                        <a:srgbClr val="C00000"/>
+                                      </a:solidFill>
+                                      <a:latin typeface="Cambria Math" panose="02040503050406030204" pitchFamily="18" charset="0"/>
                                     </a:rPr>
                                   </m:ctrlPr>
                                 </m:sSubPr>
@@ -9572,6 +10667,9 @@
                                       <m:brk m:alnAt="7"/>
                                     </m:rPr>
                                     <a:rPr lang="pt-BR" sz="1600" i="1">
+                                      <a:solidFill>
+                                        <a:srgbClr val="C00000"/>
+                                      </a:solidFill>
                                       <a:latin typeface="Cambria Math"/>
                                     </a:rPr>
                                     <m:t>𝑥</m:t>
@@ -9583,12 +10681,18 @@
                                       <m:brk m:alnAt="7"/>
                                     </m:rPr>
                                     <a:rPr lang="pt-BR" sz="1600" i="1">
+                                      <a:solidFill>
+                                        <a:srgbClr val="C00000"/>
+                                      </a:solidFill>
                                       <a:latin typeface="Cambria Math"/>
                                     </a:rPr>
                                     <m:t>𝑘</m:t>
                                   </m:r>
                                   <m:r>
                                     <a:rPr lang="pt-BR" sz="1600" i="1">
+                                      <a:solidFill>
+                                        <a:srgbClr val="C00000"/>
+                                      </a:solidFill>
                                       <a:latin typeface="Cambria Math"/>
                                     </a:rPr>
                                     <m:t>1</m:t>
@@ -9601,6 +10705,9 @@
                             <m:e>
                               <m:r>
                                 <a:rPr lang="pt-BR" sz="1600" i="1">
+                                  <a:solidFill>
+                                    <a:srgbClr val="C00000"/>
+                                  </a:solidFill>
                                   <a:latin typeface="Cambria Math"/>
                                 </a:rPr>
                                 <m:t>⋮</m:t>
@@ -9613,7 +10720,10 @@
                                 <m:sSubPr>
                                   <m:ctrlPr>
                                     <a:rPr lang="pt-BR" sz="1600" i="1">
-                                      <a:latin typeface="Cambria Math"/>
+                                      <a:solidFill>
+                                        <a:srgbClr val="C00000"/>
+                                      </a:solidFill>
+                                      <a:latin typeface="Cambria Math" panose="02040503050406030204" pitchFamily="18" charset="0"/>
                                     </a:rPr>
                                   </m:ctrlPr>
                                 </m:sSubPr>
@@ -9623,6 +10733,9 @@
                                       <m:brk m:alnAt="7"/>
                                     </m:rPr>
                                     <a:rPr lang="pt-BR" sz="1600" i="1">
+                                      <a:solidFill>
+                                        <a:srgbClr val="C00000"/>
+                                      </a:solidFill>
                                       <a:latin typeface="Cambria Math"/>
                                     </a:rPr>
                                     <m:t>𝑥</m:t>
@@ -9634,12 +10747,18 @@
                                       <m:brk m:alnAt="7"/>
                                     </m:rPr>
                                     <a:rPr lang="pt-BR" sz="1600" i="1">
+                                      <a:solidFill>
+                                        <a:srgbClr val="C00000"/>
+                                      </a:solidFill>
                                       <a:latin typeface="Cambria Math"/>
                                     </a:rPr>
                                     <m:t>𝑘</m:t>
                                   </m:r>
                                   <m:r>
                                     <a:rPr lang="pt-BR" sz="1600" b="0" i="1" smtClean="0">
+                                      <a:solidFill>
+                                        <a:srgbClr val="C00000"/>
+                                      </a:solidFill>
                                       <a:latin typeface="Cambria Math"/>
                                     </a:rPr>
                                     <m:t>𝑛</m:t>
@@ -9743,7 +10862,7 @@
                       <m:dPr>
                         <m:ctrlPr>
                           <a:rPr lang="pt-BR" sz="1600" i="1">
-                            <a:latin typeface="Cambria Math"/>
+                            <a:latin typeface="Cambria Math" panose="02040503050406030204" pitchFamily="18" charset="0"/>
                             <a:ea typeface="Cambria Math"/>
                           </a:rPr>
                         </m:ctrlPr>
@@ -9753,7 +10872,7 @@
                           <m:sSubPr>
                             <m:ctrlPr>
                               <a:rPr lang="pt-BR" sz="1600" b="0" i="1" smtClean="0">
-                                <a:latin typeface="Cambria Math"/>
+                                <a:latin typeface="Cambria Math" panose="02040503050406030204" pitchFamily="18" charset="0"/>
                                 <a:ea typeface="Cambria Math"/>
                               </a:rPr>
                             </m:ctrlPr>
@@ -9788,7 +10907,7 @@
                           <m:sSubPr>
                             <m:ctrlPr>
                               <a:rPr lang="pt-BR" sz="1600" b="0" i="1" smtClean="0">
-                                <a:latin typeface="Cambria Math"/>
+                                <a:latin typeface="Cambria Math" panose="02040503050406030204" pitchFamily="18" charset="0"/>
                                 <a:ea typeface="Cambria Math"/>
                               </a:rPr>
                             </m:ctrlPr>
@@ -9840,7 +10959,7 @@
                       <m:sSubPr>
                         <m:ctrlPr>
                           <a:rPr lang="pt-BR" sz="1600" i="1">
-                            <a:latin typeface="Cambria Math"/>
+                            <a:latin typeface="Cambria Math" panose="02040503050406030204" pitchFamily="18" charset="0"/>
                             <a:ea typeface="Cambria Math"/>
                           </a:rPr>
                         </m:ctrlPr>
@@ -9967,7 +11086,7 @@
                       <m:dPr>
                         <m:ctrlPr>
                           <a:rPr lang="pt-BR" sz="1600" b="0" i="1" smtClean="0">
-                            <a:latin typeface="Cambria Math"/>
+                            <a:latin typeface="Cambria Math" panose="02040503050406030204" pitchFamily="18" charset="0"/>
                             <a:ea typeface="Cambria Math"/>
                           </a:rPr>
                         </m:ctrlPr>
@@ -9977,7 +11096,7 @@
                           <m:sSubPr>
                             <m:ctrlPr>
                               <a:rPr lang="pt-BR" sz="1600" b="0" i="1" smtClean="0">
-                                <a:latin typeface="Cambria Math"/>
+                                <a:latin typeface="Cambria Math" panose="02040503050406030204" pitchFamily="18" charset="0"/>
                                 <a:ea typeface="Cambria Math"/>
                               </a:rPr>
                             </m:ctrlPr>
@@ -10012,7 +11131,7 @@
                           <m:sSubPr>
                             <m:ctrlPr>
                               <a:rPr lang="pt-BR" sz="1600" b="0" i="1" smtClean="0">
-                                <a:latin typeface="Cambria Math"/>
+                                <a:latin typeface="Cambria Math" panose="02040503050406030204" pitchFamily="18" charset="0"/>
                                 <a:ea typeface="Cambria Math"/>
                               </a:rPr>
                             </m:ctrlPr>
@@ -10128,10 +11247,10 @@
               <a:prstGeom prst="rect">
                 <a:avLst/>
               </a:prstGeom>
-              <a:blipFill rotWithShape="1">
+              <a:blipFill rotWithShape="0">
                 <a:blip r:embed="rId2"/>
                 <a:stretch>
-                  <a:fillRect l="-222"/>
+                  <a:fillRect l="-296"/>
                 </a:stretch>
               </a:blipFill>
               <a:ln>
@@ -10143,7 +11262,7 @@
               <a:lstStyle/>
               <a:p>
                 <a:r>
-                  <a:rPr lang="pt-BR">
+                  <a:rPr lang="en-US">
                     <a:noFill/>
                   </a:rPr>
                   <a:t> </a:t>
@@ -10207,6 +11326,210 @@
           </a:extLst>
         </p:spPr>
       </p:pic>
+      <mc:AlternateContent xmlns:mc="http://schemas.openxmlformats.org/markup-compatibility/2006">
+        <mc:Choice xmlns:a14="http://schemas.microsoft.com/office/drawing/2010/main" Requires="a14">
+          <p:sp>
+            <p:nvSpPr>
+              <p:cNvPr id="5" name="Rectangle 4"/>
+              <p:cNvSpPr/>
+              <p:nvPr/>
+            </p:nvSpPr>
+            <p:spPr>
+              <a:xfrm>
+                <a:off x="8156212" y="2178869"/>
+                <a:ext cx="589841" cy="369332"/>
+              </a:xfrm>
+              <a:prstGeom prst="rect">
+                <a:avLst/>
+              </a:prstGeom>
+            </p:spPr>
+            <p:txBody>
+              <a:bodyPr wrap="none">
+                <a:spAutoFit/>
+              </a:bodyPr>
+              <a:lstStyle/>
+              <a:p>
+                <a14:m>
+                  <m:oMathPara xmlns:m="http://schemas.openxmlformats.org/officeDocument/2006/math">
+                    <m:oMathParaPr>
+                      <m:jc m:val="centerGroup"/>
+                    </m:oMathParaPr>
+                    <m:oMath xmlns:m="http://schemas.openxmlformats.org/officeDocument/2006/math">
+                      <m:sSup>
+                        <m:sSupPr>
+                          <m:ctrlPr>
+                            <a:rPr lang="pt-BR" i="1">
+                              <a:latin typeface="Cambria Math" panose="02040503050406030204" pitchFamily="18" charset="0"/>
+                            </a:rPr>
+                          </m:ctrlPr>
+                        </m:sSupPr>
+                        <m:e>
+                          <m:r>
+                            <a:rPr lang="pt-BR" i="1">
+                              <a:latin typeface="Cambria Math"/>
+                              <a:ea typeface="Cambria Math"/>
+                            </a:rPr>
+                            <m:t>ℝ</m:t>
+                          </m:r>
+                        </m:e>
+                        <m:sup>
+                          <m:r>
+                            <a:rPr lang="pt-BR" i="1">
+                              <a:latin typeface="Cambria Math"/>
+                            </a:rPr>
+                            <m:t>𝑚</m:t>
+                          </m:r>
+                        </m:sup>
+                      </m:sSup>
+                    </m:oMath>
+                  </m:oMathPara>
+                </a14:m>
+                <a:endParaRPr lang="en-US" dirty="0"/>
+              </a:p>
+            </p:txBody>
+          </p:sp>
+        </mc:Choice>
+        <mc:Fallback>
+          <p:sp>
+            <p:nvSpPr>
+              <p:cNvPr id="5" name="Rectangle 4"/>
+              <p:cNvSpPr>
+                <a:spLocks noRot="1" noChangeAspect="1" noMove="1" noResize="1" noEditPoints="1" noAdjustHandles="1" noChangeArrowheads="1" noChangeShapeType="1" noTextEdit="1"/>
+              </p:cNvSpPr>
+              <p:nvPr/>
+            </p:nvSpPr>
+            <p:spPr>
+              <a:xfrm>
+                <a:off x="8156212" y="2178869"/>
+                <a:ext cx="589841" cy="369332"/>
+              </a:xfrm>
+              <a:prstGeom prst="rect">
+                <a:avLst/>
+              </a:prstGeom>
+              <a:blipFill rotWithShape="0">
+                <a:blip r:embed="rId4"/>
+                <a:stretch>
+                  <a:fillRect/>
+                </a:stretch>
+              </a:blipFill>
+            </p:spPr>
+            <p:txBody>
+              <a:bodyPr/>
+              <a:lstStyle/>
+              <a:p>
+                <a:r>
+                  <a:rPr lang="en-US">
+                    <a:noFill/>
+                  </a:rPr>
+                  <a:t> </a:t>
+                </a:r>
+              </a:p>
+            </p:txBody>
+          </p:sp>
+        </mc:Fallback>
+      </mc:AlternateContent>
+      <mc:AlternateContent xmlns:mc="http://schemas.openxmlformats.org/markup-compatibility/2006">
+        <mc:Choice xmlns:a14="http://schemas.microsoft.com/office/drawing/2010/main" Requires="a14">
+          <p:sp>
+            <p:nvSpPr>
+              <p:cNvPr id="6" name="Rectangle 5"/>
+              <p:cNvSpPr/>
+              <p:nvPr/>
+            </p:nvSpPr>
+            <p:spPr>
+              <a:xfrm>
+                <a:off x="7892390" y="4776149"/>
+                <a:ext cx="527644" cy="369332"/>
+              </a:xfrm>
+              <a:prstGeom prst="rect">
+                <a:avLst/>
+              </a:prstGeom>
+            </p:spPr>
+            <p:txBody>
+              <a:bodyPr wrap="none">
+                <a:spAutoFit/>
+              </a:bodyPr>
+              <a:lstStyle/>
+              <a:p>
+                <a14:m>
+                  <m:oMathPara xmlns:m="http://schemas.openxmlformats.org/officeDocument/2006/math">
+                    <m:oMathParaPr>
+                      <m:jc m:val="centerGroup"/>
+                    </m:oMathParaPr>
+                    <m:oMath xmlns:m="http://schemas.openxmlformats.org/officeDocument/2006/math">
+                      <m:sSup>
+                        <m:sSupPr>
+                          <m:ctrlPr>
+                            <a:rPr lang="pt-BR" i="1">
+                              <a:latin typeface="Cambria Math" panose="02040503050406030204" pitchFamily="18" charset="0"/>
+                            </a:rPr>
+                          </m:ctrlPr>
+                        </m:sSupPr>
+                        <m:e>
+                          <m:r>
+                            <a:rPr lang="pt-BR" i="1">
+                              <a:latin typeface="Cambria Math"/>
+                              <a:ea typeface="Cambria Math"/>
+                            </a:rPr>
+                            <m:t>ℝ</m:t>
+                          </m:r>
+                        </m:e>
+                        <m:sup>
+                          <m:r>
+                            <a:rPr lang="pt-BR" i="1">
+                              <a:latin typeface="Cambria Math"/>
+                            </a:rPr>
+                            <m:t>2</m:t>
+                          </m:r>
+                        </m:sup>
+                      </m:sSup>
+                    </m:oMath>
+                  </m:oMathPara>
+                </a14:m>
+                <a:endParaRPr lang="en-US" dirty="0"/>
+              </a:p>
+            </p:txBody>
+          </p:sp>
+        </mc:Choice>
+        <mc:Fallback>
+          <p:sp>
+            <p:nvSpPr>
+              <p:cNvPr id="6" name="Rectangle 5"/>
+              <p:cNvSpPr>
+                <a:spLocks noRot="1" noChangeAspect="1" noMove="1" noResize="1" noEditPoints="1" noAdjustHandles="1" noChangeArrowheads="1" noChangeShapeType="1" noTextEdit="1"/>
+              </p:cNvSpPr>
+              <p:nvPr/>
+            </p:nvSpPr>
+            <p:spPr>
+              <a:xfrm>
+                <a:off x="7892390" y="4776149"/>
+                <a:ext cx="527644" cy="369332"/>
+              </a:xfrm>
+              <a:prstGeom prst="rect">
+                <a:avLst/>
+              </a:prstGeom>
+              <a:blipFill rotWithShape="0">
+                <a:blip r:embed="rId5"/>
+                <a:stretch>
+                  <a:fillRect/>
+                </a:stretch>
+              </a:blipFill>
+            </p:spPr>
+            <p:txBody>
+              <a:bodyPr/>
+              <a:lstStyle/>
+              <a:p>
+                <a:r>
+                  <a:rPr lang="en-US">
+                    <a:noFill/>
+                  </a:rPr>
+                  <a:t> </a:t>
+                </a:r>
+              </a:p>
+            </p:txBody>
+          </p:sp>
+        </mc:Fallback>
+      </mc:AlternateContent>
     </p:spTree>
     <p:extLst>
       <p:ext uri="{BB962C8B-B14F-4D97-AF65-F5344CB8AC3E}">
@@ -10387,7 +11710,7 @@
                       <m:sSupPr>
                         <m:ctrlPr>
                           <a:rPr lang="pt-BR" sz="1600" i="1">
-                            <a:latin typeface="Cambria Math"/>
+                            <a:latin typeface="Cambria Math" panose="02040503050406030204" pitchFamily="18" charset="0"/>
                             <a:ea typeface="Cambria Math"/>
                           </a:rPr>
                         </m:ctrlPr>
@@ -10454,7 +11777,7 @@
                       <m:sSupPr>
                         <m:ctrlPr>
                           <a:rPr lang="pt-BR" sz="1600" i="1">
-                            <a:latin typeface="Cambria Math"/>
+                            <a:latin typeface="Cambria Math" panose="02040503050406030204" pitchFamily="18" charset="0"/>
                             <a:ea typeface="Cambria Math"/>
                           </a:rPr>
                         </m:ctrlPr>
@@ -10514,7 +11837,7 @@
                       <m:dPr>
                         <m:ctrlPr>
                           <a:rPr lang="pt-BR" sz="1600" b="0" i="1" smtClean="0">
-                            <a:latin typeface="Cambria Math"/>
+                            <a:latin typeface="Cambria Math" panose="02040503050406030204" pitchFamily="18" charset="0"/>
                             <a:ea typeface="Cambria Math"/>
                           </a:rPr>
                         </m:ctrlPr>
@@ -10524,18 +11847,21 @@
                           <m:sSupPr>
                             <m:ctrlPr>
                               <a:rPr lang="pt-BR" sz="1600" b="0" i="1" smtClean="0">
-                                <a:latin typeface="Cambria Math"/>
+                                <a:latin typeface="Cambria Math" panose="02040503050406030204" pitchFamily="18" charset="0"/>
                                 <a:ea typeface="Cambria Math"/>
                               </a:rPr>
                             </m:ctrlPr>
                           </m:sSupPr>
                           <m:e>
                             <m:r>
-                              <a:rPr lang="pt-BR" sz="1600" i="1">
-                                <a:latin typeface="Cambria Math"/>
-                                <a:ea typeface="Cambria Math"/>
+                              <m:rPr>
+                                <m:sty m:val="p"/>
+                              </m:rPr>
+                              <a:rPr lang="el-GR" sz="1600" i="1">
+                                <a:latin typeface="Cambria Math" panose="02040503050406030204" pitchFamily="18" charset="0"/>
+                                <a:ea typeface="Cambria Math" panose="02040503050406030204" pitchFamily="18" charset="0"/>
                               </a:rPr>
-                              <m:t>𝜙</m:t>
+                              <m:t>Φ</m:t>
                             </m:r>
                           </m:e>
                           <m:sup>
@@ -10552,7 +11878,7 @@
                           <m:sSubPr>
                             <m:ctrlPr>
                               <a:rPr lang="pt-BR" sz="1600" i="1">
-                                <a:latin typeface="Cambria Math"/>
+                                <a:latin typeface="Cambria Math" panose="02040503050406030204" pitchFamily="18" charset="0"/>
                                 <a:ea typeface="Cambria Math"/>
                               </a:rPr>
                             </m:ctrlPr>
@@ -10587,18 +11913,21 @@
                           <m:sSupPr>
                             <m:ctrlPr>
                               <a:rPr lang="pt-BR" sz="1600" i="1">
-                                <a:latin typeface="Cambria Math"/>
+                                <a:latin typeface="Cambria Math" panose="02040503050406030204" pitchFamily="18" charset="0"/>
                                 <a:ea typeface="Cambria Math"/>
                               </a:rPr>
                             </m:ctrlPr>
                           </m:sSupPr>
                           <m:e>
                             <m:r>
-                              <a:rPr lang="pt-BR" sz="1600" i="1">
-                                <a:latin typeface="Cambria Math"/>
-                                <a:ea typeface="Cambria Math"/>
+                              <m:rPr>
+                                <m:sty m:val="p"/>
+                              </m:rPr>
+                              <a:rPr lang="el-GR" sz="1600" i="1">
+                                <a:latin typeface="Cambria Math" panose="02040503050406030204" pitchFamily="18" charset="0"/>
+                                <a:ea typeface="Cambria Math" panose="02040503050406030204" pitchFamily="18" charset="0"/>
                               </a:rPr>
-                              <m:t>𝜙</m:t>
+                              <m:t>Φ</m:t>
                             </m:r>
                           </m:e>
                           <m:sup>
@@ -10615,7 +11944,7 @@
                           <m:sSubPr>
                             <m:ctrlPr>
                               <a:rPr lang="pt-BR" sz="1600" i="1">
-                                <a:latin typeface="Cambria Math"/>
+                                <a:latin typeface="Cambria Math" panose="02040503050406030204" pitchFamily="18" charset="0"/>
                                 <a:ea typeface="Cambria Math"/>
                               </a:rPr>
                             </m:ctrlPr>
@@ -10650,18 +11979,21 @@
                           <m:sSupPr>
                             <m:ctrlPr>
                               <a:rPr lang="pt-BR" sz="1600" i="1">
-                                <a:latin typeface="Cambria Math"/>
+                                <a:latin typeface="Cambria Math" panose="02040503050406030204" pitchFamily="18" charset="0"/>
                                 <a:ea typeface="Cambria Math"/>
                               </a:rPr>
                             </m:ctrlPr>
                           </m:sSupPr>
                           <m:e>
                             <m:r>
-                              <a:rPr lang="pt-BR" sz="1600" i="1">
-                                <a:latin typeface="Cambria Math"/>
-                                <a:ea typeface="Cambria Math"/>
+                              <m:rPr>
+                                <m:sty m:val="p"/>
+                              </m:rPr>
+                              <a:rPr lang="el-GR" sz="1600" i="1">
+                                <a:latin typeface="Cambria Math" panose="02040503050406030204" pitchFamily="18" charset="0"/>
+                                <a:ea typeface="Cambria Math" panose="02040503050406030204" pitchFamily="18" charset="0"/>
                               </a:rPr>
-                              <m:t>𝜙</m:t>
+                              <m:t>Φ</m:t>
                             </m:r>
                           </m:e>
                           <m:sup>
@@ -10678,7 +12010,7 @@
                           <m:sSubPr>
                             <m:ctrlPr>
                               <a:rPr lang="pt-BR" sz="1600" i="1">
-                                <a:latin typeface="Cambria Math"/>
+                                <a:latin typeface="Cambria Math" panose="02040503050406030204" pitchFamily="18" charset="0"/>
                                 <a:ea typeface="Cambria Math"/>
                               </a:rPr>
                             </m:ctrlPr>
@@ -10719,18 +12051,21 @@
                       <m:sSupPr>
                         <m:ctrlPr>
                           <a:rPr lang="pt-BR" sz="1600" i="1">
-                            <a:latin typeface="Cambria Math"/>
+                            <a:latin typeface="Cambria Math" panose="02040503050406030204" pitchFamily="18" charset="0"/>
                             <a:ea typeface="Cambria Math"/>
                           </a:rPr>
                         </m:ctrlPr>
                       </m:sSupPr>
                       <m:e>
                         <m:r>
-                          <a:rPr lang="pt-BR" sz="1600" i="1">
-                            <a:latin typeface="Cambria Math"/>
-                            <a:ea typeface="Cambria Math"/>
+                          <m:rPr>
+                            <m:sty m:val="p"/>
+                          </m:rPr>
+                          <a:rPr lang="el-GR" sz="1600" i="1">
+                            <a:latin typeface="Cambria Math" panose="02040503050406030204" pitchFamily="18" charset="0"/>
+                            <a:ea typeface="Cambria Math" panose="02040503050406030204" pitchFamily="18" charset="0"/>
                           </a:rPr>
-                          <m:t>𝜙</m:t>
+                          <m:t>Φ</m:t>
                         </m:r>
                       </m:e>
                       <m:sup>
@@ -10749,7 +12084,7 @@
                         <m:endChr m:val="]"/>
                         <m:ctrlPr>
                           <a:rPr lang="pt-BR" sz="1600" b="0" i="1" smtClean="0">
-                            <a:latin typeface="Cambria Math"/>
+                            <a:latin typeface="Cambria Math" panose="02040503050406030204" pitchFamily="18" charset="0"/>
                             <a:ea typeface="Cambria Math"/>
                           </a:rPr>
                         </m:ctrlPr>
@@ -10786,7 +12121,7 @@
                       <m:sSubPr>
                         <m:ctrlPr>
                           <a:rPr lang="pt-BR" sz="1600" i="1">
-                            <a:latin typeface="Cambria Math"/>
+                            <a:latin typeface="Cambria Math" panose="02040503050406030204" pitchFamily="18" charset="0"/>
                             <a:ea typeface="Cambria Math"/>
                           </a:rPr>
                         </m:ctrlPr>
@@ -10816,7 +12151,7 @@
                         <m:endChr m:val="]"/>
                         <m:ctrlPr>
                           <a:rPr lang="pt-BR" sz="1600" b="0" i="1" smtClean="0">
-                            <a:latin typeface="Cambria Math"/>
+                            <a:latin typeface="Cambria Math" panose="02040503050406030204" pitchFamily="18" charset="0"/>
                             <a:ea typeface="Cambria Math"/>
                           </a:rPr>
                         </m:ctrlPr>
@@ -10860,18 +12195,21 @@
                       <m:sSupPr>
                         <m:ctrlPr>
                           <a:rPr lang="pt-BR" sz="1600" i="1">
-                            <a:latin typeface="Cambria Math"/>
+                            <a:latin typeface="Cambria Math" panose="02040503050406030204" pitchFamily="18" charset="0"/>
                             <a:ea typeface="Cambria Math"/>
                           </a:rPr>
                         </m:ctrlPr>
                       </m:sSupPr>
                       <m:e>
                         <m:r>
-                          <a:rPr lang="pt-BR" sz="1600" i="1">
-                            <a:latin typeface="Cambria Math"/>
-                            <a:ea typeface="Cambria Math"/>
+                          <m:rPr>
+                            <m:sty m:val="p"/>
+                          </m:rPr>
+                          <a:rPr lang="el-GR" sz="1600" i="1">
+                            <a:latin typeface="Cambria Math" panose="02040503050406030204" pitchFamily="18" charset="0"/>
+                            <a:ea typeface="Cambria Math" panose="02040503050406030204" pitchFamily="18" charset="0"/>
                           </a:rPr>
-                          <m:t>𝜙</m:t>
+                          <m:t>Φ</m:t>
                         </m:r>
                       </m:e>
                       <m:sup>
@@ -10895,7 +12233,7 @@
                       <m:dPr>
                         <m:ctrlPr>
                           <a:rPr lang="pt-BR" sz="1600" b="0" i="1" smtClean="0">
-                            <a:latin typeface="Cambria Math"/>
+                            <a:latin typeface="Cambria Math" panose="02040503050406030204" pitchFamily="18" charset="0"/>
                             <a:ea typeface="Cambria Math"/>
                           </a:rPr>
                         </m:ctrlPr>
@@ -10905,18 +12243,21 @@
                           <m:sSubPr>
                             <m:ctrlPr>
                               <a:rPr lang="pt-BR" sz="1600" b="0" i="1" smtClean="0">
-                                <a:latin typeface="Cambria Math"/>
+                                <a:latin typeface="Cambria Math" panose="02040503050406030204" pitchFamily="18" charset="0"/>
                                 <a:ea typeface="Cambria Math"/>
                               </a:rPr>
                             </m:ctrlPr>
                           </m:sSubPr>
                           <m:e>
                             <m:r>
-                              <a:rPr lang="pt-BR" sz="1600" i="1">
-                                <a:latin typeface="Cambria Math"/>
-                                <a:ea typeface="Cambria Math"/>
+                              <m:rPr>
+                                <m:sty m:val="p"/>
+                              </m:rPr>
+                              <a:rPr lang="el-GR" sz="1600" i="1">
+                                <a:latin typeface="Cambria Math" panose="02040503050406030204" pitchFamily="18" charset="0"/>
+                                <a:ea typeface="Cambria Math" panose="02040503050406030204" pitchFamily="18" charset="0"/>
                               </a:rPr>
-                              <m:t>𝜙</m:t>
+                              <m:t>Φ</m:t>
                             </m:r>
                           </m:e>
                           <m:sub>
@@ -10931,7 +12272,7 @@
                               <m:sSubPr>
                                 <m:ctrlPr>
                                   <a:rPr lang="pt-BR" sz="1600" b="0" i="1" smtClean="0">
-                                    <a:latin typeface="Cambria Math"/>
+                                    <a:latin typeface="Cambria Math" panose="02040503050406030204" pitchFamily="18" charset="0"/>
                                     <a:ea typeface="Cambria Math"/>
                                   </a:rPr>
                                 </m:ctrlPr>
@@ -10968,18 +12309,21 @@
                           <m:sSubPr>
                             <m:ctrlPr>
                               <a:rPr lang="pt-BR" sz="1600" i="1">
-                                <a:latin typeface="Cambria Math"/>
+                                <a:latin typeface="Cambria Math" panose="02040503050406030204" pitchFamily="18" charset="0"/>
                                 <a:ea typeface="Cambria Math"/>
                               </a:rPr>
                             </m:ctrlPr>
                           </m:sSubPr>
                           <m:e>
                             <m:r>
-                              <a:rPr lang="pt-BR" sz="1600" i="1">
-                                <a:latin typeface="Cambria Math"/>
-                                <a:ea typeface="Cambria Math"/>
+                              <m:rPr>
+                                <m:sty m:val="p"/>
+                              </m:rPr>
+                              <a:rPr lang="el-GR" sz="1600" i="1">
+                                <a:latin typeface="Cambria Math" panose="02040503050406030204" pitchFamily="18" charset="0"/>
+                                <a:ea typeface="Cambria Math" panose="02040503050406030204" pitchFamily="18" charset="0"/>
                               </a:rPr>
-                              <m:t>𝜙</m:t>
+                              <m:t>Φ</m:t>
                             </m:r>
                           </m:e>
                           <m:sub>
@@ -10994,7 +12338,7 @@
                               <m:sSubPr>
                                 <m:ctrlPr>
                                   <a:rPr lang="pt-BR" sz="1600" i="1">
-                                    <a:latin typeface="Cambria Math"/>
+                                    <a:latin typeface="Cambria Math" panose="02040503050406030204" pitchFamily="18" charset="0"/>
                                     <a:ea typeface="Cambria Math"/>
                                   </a:rPr>
                                 </m:ctrlPr>
@@ -11031,18 +12375,21 @@
                           <m:sSubPr>
                             <m:ctrlPr>
                               <a:rPr lang="pt-BR" sz="1600" i="1">
-                                <a:latin typeface="Cambria Math"/>
+                                <a:latin typeface="Cambria Math" panose="02040503050406030204" pitchFamily="18" charset="0"/>
                                 <a:ea typeface="Cambria Math"/>
                               </a:rPr>
                             </m:ctrlPr>
                           </m:sSubPr>
                           <m:e>
                             <m:r>
-                              <a:rPr lang="pt-BR" sz="1600" i="1">
-                                <a:latin typeface="Cambria Math"/>
-                                <a:ea typeface="Cambria Math"/>
+                              <m:rPr>
+                                <m:sty m:val="p"/>
+                              </m:rPr>
+                              <a:rPr lang="el-GR" sz="1600" i="1">
+                                <a:latin typeface="Cambria Math" panose="02040503050406030204" pitchFamily="18" charset="0"/>
+                                <a:ea typeface="Cambria Math" panose="02040503050406030204" pitchFamily="18" charset="0"/>
                               </a:rPr>
-                              <m:t>𝜙</m:t>
+                              <m:t>Φ</m:t>
                             </m:r>
                           </m:e>
                           <m:sub>
@@ -11057,7 +12404,7 @@
                               <m:sSubPr>
                                 <m:ctrlPr>
                                   <a:rPr lang="pt-BR" sz="1600" i="1">
-                                    <a:latin typeface="Cambria Math"/>
+                                    <a:latin typeface="Cambria Math" panose="02040503050406030204" pitchFamily="18" charset="0"/>
                                     <a:ea typeface="Cambria Math"/>
                                   </a:rPr>
                                 </m:ctrlPr>
@@ -11161,10 +12508,10 @@
               <a:prstGeom prst="rect">
                 <a:avLst/>
               </a:prstGeom>
-              <a:blipFill rotWithShape="1">
+              <a:blipFill rotWithShape="0">
                 <a:blip r:embed="rId2"/>
                 <a:stretch>
-                  <a:fillRect l="-222" t="-404"/>
+                  <a:fillRect l="-296" t="-404"/>
                 </a:stretch>
               </a:blipFill>
               <a:ln>
@@ -11176,7 +12523,7 @@
               <a:lstStyle/>
               <a:p>
                 <a:r>
-                  <a:rPr lang="pt-BR">
+                  <a:rPr lang="en-US">
                     <a:noFill/>
                   </a:rPr>
                   <a:t> </a:t>
@@ -11240,6 +12587,210 @@
           </a:extLst>
         </p:spPr>
       </p:pic>
+      <mc:AlternateContent xmlns:mc="http://schemas.openxmlformats.org/markup-compatibility/2006">
+        <mc:Choice xmlns:a14="http://schemas.microsoft.com/office/drawing/2010/main" Requires="a14">
+          <p:sp>
+            <p:nvSpPr>
+              <p:cNvPr id="5" name="Rectangle 4"/>
+              <p:cNvSpPr/>
+              <p:nvPr/>
+            </p:nvSpPr>
+            <p:spPr>
+              <a:xfrm>
+                <a:off x="8156212" y="2178869"/>
+                <a:ext cx="589841" cy="369332"/>
+              </a:xfrm>
+              <a:prstGeom prst="rect">
+                <a:avLst/>
+              </a:prstGeom>
+            </p:spPr>
+            <p:txBody>
+              <a:bodyPr wrap="none">
+                <a:spAutoFit/>
+              </a:bodyPr>
+              <a:lstStyle/>
+              <a:p>
+                <a14:m>
+                  <m:oMathPara xmlns:m="http://schemas.openxmlformats.org/officeDocument/2006/math">
+                    <m:oMathParaPr>
+                      <m:jc m:val="centerGroup"/>
+                    </m:oMathParaPr>
+                    <m:oMath xmlns:m="http://schemas.openxmlformats.org/officeDocument/2006/math">
+                      <m:sSup>
+                        <m:sSupPr>
+                          <m:ctrlPr>
+                            <a:rPr lang="pt-BR" i="1">
+                              <a:latin typeface="Cambria Math" panose="02040503050406030204" pitchFamily="18" charset="0"/>
+                            </a:rPr>
+                          </m:ctrlPr>
+                        </m:sSupPr>
+                        <m:e>
+                          <m:r>
+                            <a:rPr lang="pt-BR" i="1">
+                              <a:latin typeface="Cambria Math"/>
+                              <a:ea typeface="Cambria Math"/>
+                            </a:rPr>
+                            <m:t>ℝ</m:t>
+                          </m:r>
+                        </m:e>
+                        <m:sup>
+                          <m:r>
+                            <a:rPr lang="pt-BR" i="1">
+                              <a:latin typeface="Cambria Math"/>
+                            </a:rPr>
+                            <m:t>𝑚</m:t>
+                          </m:r>
+                        </m:sup>
+                      </m:sSup>
+                    </m:oMath>
+                  </m:oMathPara>
+                </a14:m>
+                <a:endParaRPr lang="en-US" dirty="0"/>
+              </a:p>
+            </p:txBody>
+          </p:sp>
+        </mc:Choice>
+        <mc:Fallback>
+          <p:sp>
+            <p:nvSpPr>
+              <p:cNvPr id="5" name="Rectangle 4"/>
+              <p:cNvSpPr>
+                <a:spLocks noRot="1" noChangeAspect="1" noMove="1" noResize="1" noEditPoints="1" noAdjustHandles="1" noChangeArrowheads="1" noChangeShapeType="1" noTextEdit="1"/>
+              </p:cNvSpPr>
+              <p:nvPr/>
+            </p:nvSpPr>
+            <p:spPr>
+              <a:xfrm>
+                <a:off x="8156212" y="2178869"/>
+                <a:ext cx="589841" cy="369332"/>
+              </a:xfrm>
+              <a:prstGeom prst="rect">
+                <a:avLst/>
+              </a:prstGeom>
+              <a:blipFill rotWithShape="0">
+                <a:blip r:embed="rId4"/>
+                <a:stretch>
+                  <a:fillRect/>
+                </a:stretch>
+              </a:blipFill>
+            </p:spPr>
+            <p:txBody>
+              <a:bodyPr/>
+              <a:lstStyle/>
+              <a:p>
+                <a:r>
+                  <a:rPr lang="en-US">
+                    <a:noFill/>
+                  </a:rPr>
+                  <a:t> </a:t>
+                </a:r>
+              </a:p>
+            </p:txBody>
+          </p:sp>
+        </mc:Fallback>
+      </mc:AlternateContent>
+      <mc:AlternateContent xmlns:mc="http://schemas.openxmlformats.org/markup-compatibility/2006">
+        <mc:Choice xmlns:a14="http://schemas.microsoft.com/office/drawing/2010/main" Requires="a14">
+          <p:sp>
+            <p:nvSpPr>
+              <p:cNvPr id="6" name="Rectangle 5"/>
+              <p:cNvSpPr/>
+              <p:nvPr/>
+            </p:nvSpPr>
+            <p:spPr>
+              <a:xfrm>
+                <a:off x="7892390" y="4776149"/>
+                <a:ext cx="527644" cy="369332"/>
+              </a:xfrm>
+              <a:prstGeom prst="rect">
+                <a:avLst/>
+              </a:prstGeom>
+            </p:spPr>
+            <p:txBody>
+              <a:bodyPr wrap="none">
+                <a:spAutoFit/>
+              </a:bodyPr>
+              <a:lstStyle/>
+              <a:p>
+                <a14:m>
+                  <m:oMathPara xmlns:m="http://schemas.openxmlformats.org/officeDocument/2006/math">
+                    <m:oMathParaPr>
+                      <m:jc m:val="centerGroup"/>
+                    </m:oMathParaPr>
+                    <m:oMath xmlns:m="http://schemas.openxmlformats.org/officeDocument/2006/math">
+                      <m:sSup>
+                        <m:sSupPr>
+                          <m:ctrlPr>
+                            <a:rPr lang="pt-BR" i="1">
+                              <a:latin typeface="Cambria Math" panose="02040503050406030204" pitchFamily="18" charset="0"/>
+                            </a:rPr>
+                          </m:ctrlPr>
+                        </m:sSupPr>
+                        <m:e>
+                          <m:r>
+                            <a:rPr lang="pt-BR" i="1">
+                              <a:latin typeface="Cambria Math"/>
+                              <a:ea typeface="Cambria Math"/>
+                            </a:rPr>
+                            <m:t>ℝ</m:t>
+                          </m:r>
+                        </m:e>
+                        <m:sup>
+                          <m:r>
+                            <a:rPr lang="pt-BR" i="1">
+                              <a:latin typeface="Cambria Math"/>
+                            </a:rPr>
+                            <m:t>2</m:t>
+                          </m:r>
+                        </m:sup>
+                      </m:sSup>
+                    </m:oMath>
+                  </m:oMathPara>
+                </a14:m>
+                <a:endParaRPr lang="en-US" dirty="0"/>
+              </a:p>
+            </p:txBody>
+          </p:sp>
+        </mc:Choice>
+        <mc:Fallback>
+          <p:sp>
+            <p:nvSpPr>
+              <p:cNvPr id="6" name="Rectangle 5"/>
+              <p:cNvSpPr>
+                <a:spLocks noRot="1" noChangeAspect="1" noMove="1" noResize="1" noEditPoints="1" noAdjustHandles="1" noChangeArrowheads="1" noChangeShapeType="1" noTextEdit="1"/>
+              </p:cNvSpPr>
+              <p:nvPr/>
+            </p:nvSpPr>
+            <p:spPr>
+              <a:xfrm>
+                <a:off x="7892390" y="4776149"/>
+                <a:ext cx="527644" cy="369332"/>
+              </a:xfrm>
+              <a:prstGeom prst="rect">
+                <a:avLst/>
+              </a:prstGeom>
+              <a:blipFill rotWithShape="0">
+                <a:blip r:embed="rId5"/>
+                <a:stretch>
+                  <a:fillRect/>
+                </a:stretch>
+              </a:blipFill>
+            </p:spPr>
+            <p:txBody>
+              <a:bodyPr/>
+              <a:lstStyle/>
+              <a:p>
+                <a:r>
+                  <a:rPr lang="en-US">
+                    <a:noFill/>
+                  </a:rPr>
+                  <a:t> </a:t>
+                </a:r>
+              </a:p>
+            </p:txBody>
+          </p:sp>
+        </mc:Fallback>
+      </mc:AlternateContent>
     </p:spTree>
     <p:extLst>
       <p:ext uri="{BB962C8B-B14F-4D97-AF65-F5344CB8AC3E}">
@@ -11508,36 +13059,59 @@
         <mc:Choice xmlns:a14="http://schemas.microsoft.com/office/drawing/2010/main" Requires="a14">
           <p:sp>
             <p:nvSpPr>
-              <p:cNvPr id="2" name="Rectangle 1"/>
+              <p:cNvPr id="3" name="Rectangle 2"/>
               <p:cNvSpPr/>
               <p:nvPr/>
             </p:nvSpPr>
             <p:spPr>
               <a:xfrm>
-                <a:off x="6308601" y="5198763"/>
-                <a:ext cx="2564180" cy="624851"/>
+                <a:off x="6310564" y="5226990"/>
+                <a:ext cx="2375876" cy="898770"/>
               </a:xfrm>
               <a:prstGeom prst="rect">
                 <a:avLst/>
               </a:prstGeom>
             </p:spPr>
+            <p:style>
+              <a:lnRef idx="2">
+                <a:schemeClr val="dk1"/>
+              </a:lnRef>
+              <a:fillRef idx="1">
+                <a:schemeClr val="lt1"/>
+              </a:fillRef>
+              <a:effectRef idx="0">
+                <a:schemeClr val="dk1"/>
+              </a:effectRef>
+              <a:fontRef idx="minor">
+                <a:schemeClr val="dk1"/>
+              </a:fontRef>
+            </p:style>
             <p:txBody>
-              <a:bodyPr wrap="square">
-                <a:spAutoFit/>
-              </a:bodyPr>
+              <a:bodyPr rtlCol="0" anchor="ctr"/>
               <a:lstStyle/>
               <a:p>
+                <a:pPr algn="ctr"/>
+                <a:r>
+                  <a:rPr lang="pt-BR" sz="1400" dirty="0" smtClean="0">
+                    <a:latin typeface="Cambria Math"/>
+                    <a:ea typeface="Cambria Math"/>
+                  </a:rPr>
+                  <a:t>Resolução:</a:t>
+                </a:r>
+              </a:p>
+              <a:p>
+                <a:pPr algn="ctr"/>
                 <a14:m>
                   <m:oMath xmlns:m="http://schemas.openxmlformats.org/officeDocument/2006/math">
                     <m:r>
-                      <a:rPr lang="pt-BR" sz="1600" i="1" smtClean="0">
+                      <a:rPr lang="pt-BR" sz="1400" i="1" smtClean="0">
                         <a:latin typeface="Cambria Math"/>
                         <a:ea typeface="Cambria Math"/>
                       </a:rPr>
                       <m:t>𝑞</m:t>
                     </m:r>
                     <m:r>
-                      <a:rPr lang="pt-BR" sz="1600" i="1" smtClean="0">
+                      <a:rPr lang="pt-BR" sz="1400" i="1" smtClean="0">
                         <a:latin typeface="Cambria Math"/>
                         <a:ea typeface="Cambria Math"/>
                       </a:rPr>
@@ -11546,7 +13120,7 @@
                   </m:oMath>
                 </a14:m>
                 <a:r>
-                  <a:rPr lang="pt-BR" sz="1600" dirty="0" smtClean="0"/>
+                  <a:rPr lang="pt-BR" sz="1400" dirty="0"/>
                   <a:t> </a:t>
                 </a:r>
                 <a14:m>
@@ -11554,25 +13128,28 @@
                     <m:sSubSup>
                       <m:sSubSupPr>
                         <m:ctrlPr>
-                          <a:rPr lang="pt-BR" sz="1600" b="0" i="1" smtClean="0">
-                            <a:latin typeface="Cambria Math"/>
+                          <a:rPr lang="pt-BR" sz="1400" i="1">
+                            <a:latin typeface="Cambria Math" panose="02040503050406030204" pitchFamily="18" charset="0"/>
                             <a:ea typeface="Cambria Math"/>
                           </a:rPr>
                         </m:ctrlPr>
                       </m:sSubSupPr>
                       <m:e>
                         <m:r>
-                          <a:rPr lang="pt-BR" sz="1600" i="1">
-                            <a:latin typeface="Cambria Math"/>
-                            <a:ea typeface="Cambria Math"/>
+                          <m:rPr>
+                            <m:sty m:val="p"/>
+                          </m:rPr>
+                          <a:rPr lang="el-GR" sz="1400" i="1">
+                            <a:latin typeface="Cambria Math" panose="02040503050406030204" pitchFamily="18" charset="0"/>
+                            <a:ea typeface="Cambria Math" panose="02040503050406030204" pitchFamily="18" charset="0"/>
                           </a:rPr>
-                          <m:t>𝜙</m:t>
+                          <m:t>Φ</m:t>
                         </m:r>
                       </m:e>
                       <m:sub/>
                       <m:sup>
                         <m:r>
-                          <a:rPr lang="pt-BR" sz="1600" i="1">
+                          <a:rPr lang="pt-BR" sz="1400" i="1">
                             <a:latin typeface="Cambria Math"/>
                             <a:ea typeface="Cambria Math"/>
                           </a:rPr>
@@ -11581,7 +13158,7 @@
                       </m:sup>
                     </m:sSubSup>
                     <m:r>
-                      <a:rPr lang="pt-BR" sz="1600" i="1">
+                      <a:rPr lang="pt-BR" sz="1400" i="1">
                         <a:latin typeface="Cambria Math"/>
                         <a:ea typeface="Cambria Math"/>
                       </a:rPr>
@@ -11589,11 +13166,13 @@
                     </m:r>
                   </m:oMath>
                 </a14:m>
-                <a:endParaRPr lang="pt-BR" sz="1600" dirty="0" smtClean="0">
+                <a:endParaRPr lang="pt-BR" sz="1400" i="1" dirty="0" smtClean="0">
+                  <a:latin typeface="Cambria Math"/>
                   <a:ea typeface="Cambria Math"/>
                 </a:endParaRPr>
               </a:p>
               <a:p>
+                <a:pPr algn="ctr"/>
                 <a14:m>
                   <m:oMathPara xmlns:m="http://schemas.openxmlformats.org/officeDocument/2006/math">
                     <m:oMathParaPr>
@@ -11603,24 +13182,27 @@
                       <m:sSup>
                         <m:sSupPr>
                           <m:ctrlPr>
-                            <a:rPr lang="pt-BR" sz="1600" i="1">
-                              <a:latin typeface="Cambria Math"/>
+                            <a:rPr lang="pt-BR" sz="1400" i="1">
+                              <a:latin typeface="Cambria Math" panose="02040503050406030204" pitchFamily="18" charset="0"/>
                               <a:ea typeface="Cambria Math"/>
                             </a:rPr>
                           </m:ctrlPr>
                         </m:sSupPr>
                         <m:e>
                           <m:r>
-                            <a:rPr lang="pt-BR" sz="1600" i="1">
-                              <a:latin typeface="Cambria Math"/>
-                              <a:ea typeface="Cambria Math"/>
+                            <m:rPr>
+                              <m:sty m:val="p"/>
+                            </m:rPr>
+                            <a:rPr lang="el-GR" sz="1400" i="1">
+                              <a:latin typeface="Cambria Math" panose="02040503050406030204" pitchFamily="18" charset="0"/>
+                              <a:ea typeface="Cambria Math" panose="02040503050406030204" pitchFamily="18" charset="0"/>
                             </a:rPr>
-                            <m:t>𝜙</m:t>
+                            <m:t>Φ</m:t>
                           </m:r>
                         </m:e>
                         <m:sup>
                           <m:r>
-                            <a:rPr lang="pt-BR" sz="1600" i="1">
+                            <a:rPr lang="pt-BR" sz="1400" i="1">
                               <a:latin typeface="Cambria Math"/>
                               <a:ea typeface="Cambria Math"/>
                             </a:rPr>
@@ -11629,7 +13211,7 @@
                         </m:sup>
                       </m:sSup>
                       <m:r>
-                        <a:rPr lang="pt-BR" sz="1600" i="1">
+                        <a:rPr lang="pt-BR" sz="1400" i="1">
                           <a:latin typeface="Cambria Math"/>
                           <a:ea typeface="Cambria Math"/>
                         </a:rPr>
@@ -11638,8 +13220,8 @@
                       <m:d>
                         <m:dPr>
                           <m:ctrlPr>
-                            <a:rPr lang="pt-BR" sz="1600" i="1">
-                              <a:latin typeface="Cambria Math"/>
+                            <a:rPr lang="pt-BR" sz="1400" i="1">
+                              <a:latin typeface="Cambria Math" panose="02040503050406030204" pitchFamily="18" charset="0"/>
                               <a:ea typeface="Cambria Math"/>
                             </a:rPr>
                           </m:ctrlPr>
@@ -11648,24 +13230,27 @@
                           <m:sSub>
                             <m:sSubPr>
                               <m:ctrlPr>
-                                <a:rPr lang="pt-BR" sz="1600" i="1">
-                                  <a:latin typeface="Cambria Math"/>
+                                <a:rPr lang="pt-BR" sz="1400" i="1">
+                                  <a:latin typeface="Cambria Math" panose="02040503050406030204" pitchFamily="18" charset="0"/>
                                   <a:ea typeface="Cambria Math"/>
                                 </a:rPr>
                               </m:ctrlPr>
                             </m:sSubPr>
                             <m:e>
                               <m:r>
-                                <a:rPr lang="pt-BR" sz="1600" i="1">
-                                  <a:latin typeface="Cambria Math"/>
-                                  <a:ea typeface="Cambria Math"/>
+                                <m:rPr>
+                                  <m:sty m:val="p"/>
+                                </m:rPr>
+                                <a:rPr lang="el-GR" sz="1400" i="1">
+                                  <a:latin typeface="Cambria Math" panose="02040503050406030204" pitchFamily="18" charset="0"/>
+                                  <a:ea typeface="Cambria Math" panose="02040503050406030204" pitchFamily="18" charset="0"/>
                                 </a:rPr>
-                                <m:t>𝜙</m:t>
+                                <m:t>Φ</m:t>
                               </m:r>
                             </m:e>
                             <m:sub>
                               <m:r>
-                                <a:rPr lang="pt-BR" sz="1600" i="1">
+                                <a:rPr lang="pt-BR" sz="1400" i="1">
                                   <a:latin typeface="Cambria Math"/>
                                   <a:ea typeface="Cambria Math"/>
                                 </a:rPr>
@@ -11674,15 +13259,15 @@
                               <m:sSub>
                                 <m:sSubPr>
                                   <m:ctrlPr>
-                                    <a:rPr lang="pt-BR" sz="1600" i="1">
-                                      <a:latin typeface="Cambria Math"/>
+                                    <a:rPr lang="pt-BR" sz="1400" i="1">
+                                      <a:latin typeface="Cambria Math" panose="02040503050406030204" pitchFamily="18" charset="0"/>
                                       <a:ea typeface="Cambria Math"/>
                                     </a:rPr>
                                   </m:ctrlPr>
                                 </m:sSubPr>
                                 <m:e>
                                   <m:r>
-                                    <a:rPr lang="pt-BR" sz="1600" i="1">
+                                    <a:rPr lang="pt-BR" sz="1400" i="1">
                                       <a:latin typeface="Cambria Math"/>
                                       <a:ea typeface="Cambria Math"/>
                                     </a:rPr>
@@ -11691,7 +13276,7 @@
                                 </m:e>
                                 <m:sub>
                                   <m:r>
-                                    <a:rPr lang="pt-BR" sz="1600" i="1">
+                                    <a:rPr lang="pt-BR" sz="1400" i="1">
                                       <a:latin typeface="Cambria Math"/>
                                       <a:ea typeface="Cambria Math"/>
                                     </a:rPr>
@@ -11702,7 +13287,7 @@
                             </m:sub>
                           </m:sSub>
                           <m:r>
-                            <a:rPr lang="pt-BR" sz="1600" i="1">
+                            <a:rPr lang="pt-BR" sz="1400" i="1">
                               <a:latin typeface="Cambria Math"/>
                               <a:ea typeface="Cambria Math"/>
                             </a:rPr>
@@ -11711,24 +13296,27 @@
                           <m:sSub>
                             <m:sSubPr>
                               <m:ctrlPr>
-                                <a:rPr lang="pt-BR" sz="1600" i="1">
-                                  <a:latin typeface="Cambria Math"/>
+                                <a:rPr lang="pt-BR" sz="1400" i="1">
+                                  <a:latin typeface="Cambria Math" panose="02040503050406030204" pitchFamily="18" charset="0"/>
                                   <a:ea typeface="Cambria Math"/>
                                 </a:rPr>
                               </m:ctrlPr>
                             </m:sSubPr>
                             <m:e>
                               <m:r>
-                                <a:rPr lang="pt-BR" sz="1600" i="1">
-                                  <a:latin typeface="Cambria Math"/>
-                                  <a:ea typeface="Cambria Math"/>
+                                <m:rPr>
+                                  <m:sty m:val="p"/>
+                                </m:rPr>
+                                <a:rPr lang="el-GR" sz="1400" i="1">
+                                  <a:latin typeface="Cambria Math" panose="02040503050406030204" pitchFamily="18" charset="0"/>
+                                  <a:ea typeface="Cambria Math" panose="02040503050406030204" pitchFamily="18" charset="0"/>
                                 </a:rPr>
-                                <m:t>𝜙</m:t>
+                                <m:t>Φ</m:t>
                               </m:r>
                             </m:e>
                             <m:sub>
                               <m:r>
-                                <a:rPr lang="pt-BR" sz="1600" i="1">
+                                <a:rPr lang="pt-BR" sz="1400" i="1">
                                   <a:latin typeface="Cambria Math"/>
                                   <a:ea typeface="Cambria Math"/>
                                 </a:rPr>
@@ -11737,15 +13325,15 @@
                               <m:sSub>
                                 <m:sSubPr>
                                   <m:ctrlPr>
-                                    <a:rPr lang="pt-BR" sz="1600" i="1">
-                                      <a:latin typeface="Cambria Math"/>
+                                    <a:rPr lang="pt-BR" sz="1400" i="1">
+                                      <a:latin typeface="Cambria Math" panose="02040503050406030204" pitchFamily="18" charset="0"/>
                                       <a:ea typeface="Cambria Math"/>
                                     </a:rPr>
                                   </m:ctrlPr>
                                 </m:sSubPr>
                                 <m:e>
                                   <m:r>
-                                    <a:rPr lang="pt-BR" sz="1600" i="1">
+                                    <a:rPr lang="pt-BR" sz="1400" i="1">
                                       <a:latin typeface="Cambria Math"/>
                                       <a:ea typeface="Cambria Math"/>
                                     </a:rPr>
@@ -11754,7 +13342,7 @@
                                 </m:e>
                                 <m:sub>
                                   <m:r>
-                                    <a:rPr lang="pt-BR" sz="1600" i="1">
+                                    <a:rPr lang="pt-BR" sz="1400" i="1">
                                       <a:latin typeface="Cambria Math"/>
                                       <a:ea typeface="Cambria Math"/>
                                     </a:rPr>
@@ -11765,7 +13353,7 @@
                             </m:sub>
                           </m:sSub>
                           <m:r>
-                            <a:rPr lang="pt-BR" sz="1600" i="1">
+                            <a:rPr lang="pt-BR" sz="1400" i="1">
                               <a:latin typeface="Cambria Math"/>
                               <a:ea typeface="Cambria Math"/>
                             </a:rPr>
@@ -11774,24 +13362,27 @@
                           <m:sSub>
                             <m:sSubPr>
                               <m:ctrlPr>
-                                <a:rPr lang="pt-BR" sz="1600" i="1">
-                                  <a:latin typeface="Cambria Math"/>
+                                <a:rPr lang="pt-BR" sz="1400" i="1">
+                                  <a:latin typeface="Cambria Math" panose="02040503050406030204" pitchFamily="18" charset="0"/>
                                   <a:ea typeface="Cambria Math"/>
                                 </a:rPr>
                               </m:ctrlPr>
                             </m:sSubPr>
                             <m:e>
                               <m:r>
-                                <a:rPr lang="pt-BR" sz="1600" i="1">
-                                  <a:latin typeface="Cambria Math"/>
-                                  <a:ea typeface="Cambria Math"/>
+                                <m:rPr>
+                                  <m:sty m:val="p"/>
+                                </m:rPr>
+                                <a:rPr lang="el-GR" sz="1400" i="1">
+                                  <a:latin typeface="Cambria Math" panose="02040503050406030204" pitchFamily="18" charset="0"/>
+                                  <a:ea typeface="Cambria Math" panose="02040503050406030204" pitchFamily="18" charset="0"/>
                                 </a:rPr>
-                                <m:t>𝜙</m:t>
+                                <m:t>Φ</m:t>
                               </m:r>
                             </m:e>
                             <m:sub>
                               <m:r>
-                                <a:rPr lang="pt-BR" sz="1600" i="1">
+                                <a:rPr lang="pt-BR" sz="1400" i="1">
                                   <a:latin typeface="Cambria Math"/>
                                   <a:ea typeface="Cambria Math"/>
                                 </a:rPr>
@@ -11800,15 +13391,15 @@
                               <m:sSub>
                                 <m:sSubPr>
                                   <m:ctrlPr>
-                                    <a:rPr lang="pt-BR" sz="1600" i="1">
-                                      <a:latin typeface="Cambria Math"/>
+                                    <a:rPr lang="pt-BR" sz="1400" i="1">
+                                      <a:latin typeface="Cambria Math" panose="02040503050406030204" pitchFamily="18" charset="0"/>
                                       <a:ea typeface="Cambria Math"/>
                                     </a:rPr>
                                   </m:ctrlPr>
                                 </m:sSubPr>
                                 <m:e>
                                   <m:r>
-                                    <a:rPr lang="pt-BR" sz="1600" i="1">
+                                    <a:rPr lang="pt-BR" sz="1400" i="1">
                                       <a:latin typeface="Cambria Math"/>
                                       <a:ea typeface="Cambria Math"/>
                                     </a:rPr>
@@ -11817,7 +13408,7 @@
                                 </m:e>
                                 <m:sub>
                                   <m:r>
-                                    <a:rPr lang="pt-BR" sz="1600" i="1">
+                                    <a:rPr lang="pt-BR" sz="1400" i="1">
                                       <a:latin typeface="Cambria Math"/>
                                       <a:ea typeface="Cambria Math"/>
                                     </a:rPr>
@@ -11832,7 +13423,7 @@
                     </m:oMath>
                   </m:oMathPara>
                 </a14:m>
-                <a:endParaRPr lang="pt-BR" sz="1600" dirty="0" smtClean="0">
+                <a:endParaRPr lang="pt-BR" sz="1400" dirty="0">
                   <a:ea typeface="Cambria Math"/>
                 </a:endParaRPr>
               </a:p>
@@ -11842,7 +13433,7 @@
         <mc:Fallback>
           <p:sp>
             <p:nvSpPr>
-              <p:cNvPr id="2" name="Rectangle 1"/>
+              <p:cNvPr id="3" name="Rectangle 2"/>
               <p:cNvSpPr>
                 <a:spLocks noRot="1" noChangeAspect="1" noMove="1" noResize="1" noEditPoints="1" noAdjustHandles="1" noChangeArrowheads="1" noChangeShapeType="1" noTextEdit="1"/>
               </p:cNvSpPr>
@@ -11850,16 +13441,16 @@
             </p:nvSpPr>
             <p:spPr>
               <a:xfrm>
-                <a:off x="6308601" y="5198763"/>
-                <a:ext cx="2564180" cy="624851"/>
+                <a:off x="6310564" y="5226990"/>
+                <a:ext cx="2375876" cy="898770"/>
               </a:xfrm>
               <a:prstGeom prst="rect">
                 <a:avLst/>
               </a:prstGeom>
-              <a:blipFill rotWithShape="1">
+              <a:blipFill rotWithShape="0">
                 <a:blip r:embed="rId3"/>
                 <a:stretch>
-                  <a:fillRect b="-2941"/>
+                  <a:fillRect/>
                 </a:stretch>
               </a:blipFill>
             </p:spPr>
@@ -11868,7 +13459,7 @@
               <a:lstStyle/>
               <a:p>
                 <a:r>
-                  <a:rPr lang="pt-BR">
+                  <a:rPr lang="en-US">
                     <a:noFill/>
                   </a:rPr>
                   <a:t> </a:t>
@@ -12232,7 +13823,6 @@
                   <a:rPr lang="pt-BR" sz="1600" dirty="0" smtClean="0"/>
                   <a:t>Espaço de cor HSV</a:t>
                 </a:r>
-                <a:endParaRPr lang="pt-BR" sz="1600" dirty="0" smtClean="0"/>
               </a:p>
               <a:p>
                 <a:endParaRPr lang="pt-BR" sz="1600" dirty="0" smtClean="0"/>
@@ -12272,7 +13862,7 @@
                         <m:endChr m:val="‖"/>
                         <m:ctrlPr>
                           <a:rPr lang="pt-BR" sz="1600" b="0" i="1" smtClean="0">
-                            <a:latin typeface="Cambria Math"/>
+                            <a:latin typeface="Cambria Math" panose="02040503050406030204" pitchFamily="18" charset="0"/>
                           </a:rPr>
                         </m:ctrlPr>
                       </m:dPr>
@@ -12281,7 +13871,7 @@
                           <m:sSubPr>
                             <m:ctrlPr>
                               <a:rPr lang="pt-BR" sz="1600" b="0" i="1" smtClean="0">
-                                <a:latin typeface="Cambria Math"/>
+                                <a:latin typeface="Cambria Math" panose="02040503050406030204" pitchFamily="18" charset="0"/>
                               </a:rPr>
                             </m:ctrlPr>
                           </m:sSubPr>
@@ -12324,7 +13914,7 @@
                           <m:sSubPr>
                             <m:ctrlPr>
                               <a:rPr lang="pt-BR" sz="1600" i="1">
-                                <a:latin typeface="Cambria Math"/>
+                                <a:latin typeface="Cambria Math" panose="02040503050406030204" pitchFamily="18" charset="0"/>
                               </a:rPr>
                             </m:ctrlPr>
                           </m:sSubPr>
@@ -12388,7 +13978,7 @@
                         <m:endChr m:val="]"/>
                         <m:ctrlPr>
                           <a:rPr lang="pt-BR" sz="1600" b="0" i="1" smtClean="0">
-                            <a:latin typeface="Cambria Math"/>
+                            <a:latin typeface="Cambria Math" panose="02040503050406030204" pitchFamily="18" charset="0"/>
                           </a:rPr>
                         </m:ctrlPr>
                       </m:dPr>
@@ -12509,7 +14099,7 @@
                       <m:sSupPr>
                         <m:ctrlPr>
                           <a:rPr lang="pt-BR" sz="1600" i="1">
-                            <a:latin typeface="Cambria Math"/>
+                            <a:latin typeface="Cambria Math" panose="02040503050406030204" pitchFamily="18" charset="0"/>
                             <a:ea typeface="Cambria Math"/>
                           </a:rPr>
                         </m:ctrlPr>
@@ -12676,36 +14266,92 @@
                 </a:pPr>
                 <a14:m>
                   <m:oMath xmlns:m="http://schemas.openxmlformats.org/officeDocument/2006/math">
+                    <m:r>
+                      <a:rPr lang="pt-BR" sz="1400" i="1">
+                        <a:latin typeface="Cambria Math"/>
+                        <a:ea typeface="Cambria Math"/>
+                      </a:rPr>
+                      <m:t>𝜙</m:t>
+                    </m:r>
+                    <m:r>
+                      <a:rPr lang="pt-BR" sz="1400" i="1">
+                        <a:latin typeface="Cambria Math" panose="02040503050406030204" pitchFamily="18" charset="0"/>
+                        <a:ea typeface="Cambria Math"/>
+                      </a:rPr>
+                      <m:t>(</m:t>
+                    </m:r>
                     <m:sSub>
                       <m:sSubPr>
                         <m:ctrlPr>
-                          <a:rPr lang="pt-BR" sz="1600" i="1">
-                            <a:latin typeface="Cambria Math"/>
+                          <a:rPr lang="pt-BR" sz="1400" i="1">
+                            <a:latin typeface="Cambria Math" panose="02040503050406030204" pitchFamily="18" charset="0"/>
                             <a:ea typeface="Cambria Math"/>
                           </a:rPr>
                         </m:ctrlPr>
                       </m:sSubPr>
                       <m:e>
                         <m:r>
-                          <a:rPr lang="pt-BR" sz="1600" i="1">
-                            <a:latin typeface="Cambria Math"/>
+                          <a:rPr lang="pt-BR" sz="1400" i="1">
+                            <a:latin typeface="Cambria Math" panose="02040503050406030204" pitchFamily="18" charset="0"/>
                             <a:ea typeface="Cambria Math"/>
                           </a:rPr>
-                          <m:t>𝜙</m:t>
+                          <m:t>𝑦</m:t>
                         </m:r>
                       </m:e>
                       <m:sub>
                         <m:r>
-                          <a:rPr lang="pt-BR" sz="1600" i="1">
-                            <a:latin typeface="Cambria Math"/>
+                          <a:rPr lang="pt-BR" sz="1400" i="1">
+                            <a:latin typeface="Cambria Math" panose="02040503050406030204" pitchFamily="18" charset="0"/>
                             <a:ea typeface="Cambria Math"/>
                           </a:rPr>
-                          <m:t>𝑖𝑗</m:t>
+                          <m:t>𝑖</m:t>
                         </m:r>
                       </m:sub>
                     </m:sSub>
                     <m:r>
-                      <a:rPr lang="pt-BR" sz="1600" i="1">
+                      <a:rPr lang="pt-BR" sz="1400" i="1">
+                        <a:latin typeface="Cambria Math" panose="02040503050406030204" pitchFamily="18" charset="0"/>
+                        <a:ea typeface="Cambria Math"/>
+                      </a:rPr>
+                      <m:t>,</m:t>
+                    </m:r>
+                    <m:sSub>
+                      <m:sSubPr>
+                        <m:ctrlPr>
+                          <a:rPr lang="pt-BR" sz="1400" i="1">
+                            <a:latin typeface="Cambria Math" panose="02040503050406030204" pitchFamily="18" charset="0"/>
+                            <a:ea typeface="Cambria Math"/>
+                          </a:rPr>
+                        </m:ctrlPr>
+                      </m:sSubPr>
+                      <m:e>
+                        <m:r>
+                          <a:rPr lang="pt-BR" sz="1400" i="1">
+                            <a:latin typeface="Cambria Math" panose="02040503050406030204" pitchFamily="18" charset="0"/>
+                            <a:ea typeface="Cambria Math"/>
+                          </a:rPr>
+                          <m:t>𝑦</m:t>
+                        </m:r>
+                      </m:e>
+                      <m:sub>
+                        <m:r>
+                          <a:rPr lang="pt-BR" sz="1400" i="1">
+                            <a:latin typeface="Cambria Math" panose="02040503050406030204" pitchFamily="18" charset="0"/>
+                            <a:ea typeface="Cambria Math"/>
+                          </a:rPr>
+                          <m:t>𝑗</m:t>
+                        </m:r>
+                      </m:sub>
+                    </m:sSub>
+                    <m:r>
+                      <a:rPr lang="pt-BR" sz="1400" i="1">
+                        <a:latin typeface="Cambria Math" panose="02040503050406030204" pitchFamily="18" charset="0"/>
+                        <a:ea typeface="Cambria Math"/>
+                      </a:rPr>
+                      <m:t>)</m:t>
+                    </m:r>
+                    <m:r>
+                      <a:rPr lang="pt-BR" sz="1400" i="1">
                         <a:latin typeface="Cambria Math"/>
                         <a:ea typeface="Cambria Math"/>
                       </a:rPr>
@@ -12714,15 +14360,15 @@
                     <m:sSup>
                       <m:sSupPr>
                         <m:ctrlPr>
-                          <a:rPr lang="pt-BR" sz="1600" i="1">
-                            <a:latin typeface="Cambria Math"/>
+                          <a:rPr lang="pt-BR" sz="1400" i="1">
+                            <a:latin typeface="Cambria Math" panose="02040503050406030204" pitchFamily="18" charset="0"/>
                             <a:ea typeface="Cambria Math"/>
                           </a:rPr>
                         </m:ctrlPr>
                       </m:sSupPr>
                       <m:e>
                         <m:r>
-                          <a:rPr lang="pt-BR" sz="1600" i="1">
+                          <a:rPr lang="pt-BR" sz="1400" i="1">
                             <a:latin typeface="Cambria Math"/>
                             <a:ea typeface="Cambria Math"/>
                           </a:rPr>
@@ -12733,15 +14379,15 @@
                         <m:f>
                           <m:fPr>
                             <m:ctrlPr>
-                              <a:rPr lang="pt-BR" sz="1600" i="1">
-                                <a:latin typeface="Cambria Math"/>
+                              <a:rPr lang="pt-BR" sz="1400" i="1">
+                                <a:latin typeface="Cambria Math" panose="02040503050406030204" pitchFamily="18" charset="0"/>
                                 <a:ea typeface="Cambria Math"/>
                               </a:rPr>
                             </m:ctrlPr>
                           </m:fPr>
                           <m:num>
                             <m:r>
-                              <a:rPr lang="pt-BR" sz="1600" b="0" i="1" smtClean="0">
+                              <a:rPr lang="pt-BR" sz="1400" b="0" i="1" smtClean="0">
                                 <a:latin typeface="Cambria Math"/>
                                 <a:ea typeface="Cambria Math"/>
                               </a:rPr>
@@ -12752,8 +14398,8 @@
                                 <m:begChr m:val="‖"/>
                                 <m:endChr m:val="‖"/>
                                 <m:ctrlPr>
-                                  <a:rPr lang="pt-BR" sz="1600" i="1">
-                                    <a:latin typeface="Cambria Math"/>
+                                  <a:rPr lang="pt-BR" sz="1400" i="1">
+                                    <a:latin typeface="Cambria Math" panose="02040503050406030204" pitchFamily="18" charset="0"/>
                                     <a:ea typeface="Cambria Math"/>
                                   </a:rPr>
                                 </m:ctrlPr>
@@ -12762,15 +14408,15 @@
                                 <m:sSub>
                                   <m:sSubPr>
                                     <m:ctrlPr>
-                                      <a:rPr lang="pt-BR" sz="1600" i="1">
-                                        <a:latin typeface="Cambria Math"/>
+                                      <a:rPr lang="pt-BR" sz="1400" i="1">
+                                        <a:latin typeface="Cambria Math" panose="02040503050406030204" pitchFamily="18" charset="0"/>
                                         <a:ea typeface="Cambria Math"/>
                                       </a:rPr>
                                     </m:ctrlPr>
                                   </m:sSubPr>
                                   <m:e>
                                     <m:r>
-                                      <a:rPr lang="pt-BR" sz="1600" i="1">
+                                      <a:rPr lang="pt-BR" sz="1400" i="1">
                                         <a:latin typeface="Cambria Math"/>
                                         <a:ea typeface="Cambria Math"/>
                                       </a:rPr>
@@ -12779,7 +14425,7 @@
                                   </m:e>
                                   <m:sub>
                                     <m:r>
-                                      <a:rPr lang="pt-BR" sz="1600" i="1">
+                                      <a:rPr lang="pt-BR" sz="1400" i="1">
                                         <a:latin typeface="Cambria Math"/>
                                         <a:ea typeface="Cambria Math"/>
                                       </a:rPr>
@@ -12788,7 +14434,7 @@
                                   </m:sub>
                                 </m:sSub>
                                 <m:r>
-                                  <a:rPr lang="pt-BR" sz="1600" i="1">
+                                  <a:rPr lang="pt-BR" sz="1400" i="1">
                                     <a:latin typeface="Cambria Math"/>
                                     <a:ea typeface="Cambria Math"/>
                                   </a:rPr>
@@ -12797,15 +14443,15 @@
                                 <m:sSub>
                                   <m:sSubPr>
                                     <m:ctrlPr>
-                                      <a:rPr lang="pt-BR" sz="1600" i="1">
-                                        <a:latin typeface="Cambria Math"/>
+                                      <a:rPr lang="pt-BR" sz="1400" i="1">
+                                        <a:latin typeface="Cambria Math" panose="02040503050406030204" pitchFamily="18" charset="0"/>
                                         <a:ea typeface="Cambria Math"/>
                                       </a:rPr>
                                     </m:ctrlPr>
                                   </m:sSubPr>
                                   <m:e>
                                     <m:r>
-                                      <a:rPr lang="pt-BR" sz="1600" i="1">
+                                      <a:rPr lang="pt-BR" sz="1400" i="1">
                                         <a:latin typeface="Cambria Math"/>
                                         <a:ea typeface="Cambria Math"/>
                                       </a:rPr>
@@ -12814,7 +14460,7 @@
                                   </m:e>
                                   <m:sub>
                                     <m:r>
-                                      <a:rPr lang="pt-BR" sz="1600" i="1">
+                                      <a:rPr lang="pt-BR" sz="1400" i="1">
                                         <a:latin typeface="Cambria Math"/>
                                         <a:ea typeface="Cambria Math"/>
                                       </a:rPr>
@@ -12827,7 +14473,7 @@
                           </m:num>
                           <m:den>
                             <m:r>
-                              <a:rPr lang="pt-BR" sz="1600" i="1">
+                              <a:rPr lang="pt-BR" sz="1400" i="1">
                                 <a:latin typeface="Cambria Math"/>
                                 <a:ea typeface="Cambria Math"/>
                               </a:rPr>
@@ -12839,7 +14485,7 @@
                     </m:sSup>
                   </m:oMath>
                 </a14:m>
-                <a:endParaRPr lang="pt-BR" sz="1600" i="1" dirty="0">
+                <a:endParaRPr lang="pt-BR" sz="1400" i="1" dirty="0">
                   <a:latin typeface="Cambria Math"/>
                   <a:ea typeface="Cambria Math"/>
                 </a:endParaRPr>
@@ -12855,7 +14501,7 @@
                       <m:sSubPr>
                         <m:ctrlPr>
                           <a:rPr lang="pt-BR" sz="1600" b="0" i="1" smtClean="0">
-                            <a:latin typeface="Cambria Math"/>
+                            <a:latin typeface="Cambria Math" panose="02040503050406030204" pitchFamily="18" charset="0"/>
                             <a:ea typeface="Cambria Math"/>
                           </a:rPr>
                         </m:ctrlPr>
@@ -12890,7 +14536,7 @@
                       <m:dPr>
                         <m:ctrlPr>
                           <a:rPr lang="pt-BR" sz="1600" i="1">
-                            <a:latin typeface="Cambria Math"/>
+                            <a:latin typeface="Cambria Math" panose="02040503050406030204" pitchFamily="18" charset="0"/>
                             <a:ea typeface="Cambria Math"/>
                           </a:rPr>
                         </m:ctrlPr>
@@ -12900,7 +14546,7 @@
                           <m:sSubPr>
                             <m:ctrlPr>
                               <a:rPr lang="pt-BR" sz="1600" i="1">
-                                <a:latin typeface="Cambria Math"/>
+                                <a:latin typeface="Cambria Math" panose="02040503050406030204" pitchFamily="18" charset="0"/>
                                 <a:ea typeface="Cambria Math"/>
                               </a:rPr>
                             </m:ctrlPr>
@@ -12942,7 +14588,7 @@
                           <m:sSubPr>
                             <m:ctrlPr>
                               <a:rPr lang="pt-BR" sz="1600" i="1">
-                                <a:latin typeface="Cambria Math"/>
+                                <a:latin typeface="Cambria Math" panose="02040503050406030204" pitchFamily="18" charset="0"/>
                                 <a:ea typeface="Cambria Math"/>
                               </a:rPr>
                             </m:ctrlPr>
@@ -13017,10 +14663,10 @@
               <a:prstGeom prst="rect">
                 <a:avLst/>
               </a:prstGeom>
-              <a:blipFill rotWithShape="1">
+              <a:blipFill rotWithShape="0">
                 <a:blip r:embed="rId3"/>
                 <a:stretch>
-                  <a:fillRect l="-222" t="-404"/>
+                  <a:fillRect l="-296" t="-404"/>
                 </a:stretch>
               </a:blipFill>
               <a:ln>
@@ -13032,7 +14678,7 @@
               <a:lstStyle/>
               <a:p>
                 <a:r>
-                  <a:rPr lang="pt-BR">
+                  <a:rPr lang="en-US">
                     <a:noFill/>
                   </a:rPr>
                   <a:t> </a:t>
@@ -13250,11 +14896,7 @@
             </a:pPr>
             <a:r>
               <a:rPr lang="pt-BR" sz="1600" dirty="0" smtClean="0"/>
-              <a:t>4 Imagens [</a:t>
-            </a:r>
-            <a:r>
-              <a:rPr lang="pt-BR" sz="1600" dirty="0" smtClean="0"/>
-              <a:t>489 x 321]</a:t>
+              <a:t>4 Imagens [489 x 321]</a:t>
             </a:r>
           </a:p>
           <a:p>
@@ -13266,7 +14908,6 @@
               <a:rPr lang="pt-BR" sz="1600" dirty="0" smtClean="0"/>
               <a:t>Espaço de cor: HSV</a:t>
             </a:r>
-            <a:endParaRPr lang="pt-BR" sz="1600" dirty="0" smtClean="0"/>
           </a:p>
           <a:p>
             <a:pPr marL="285750" indent="-285750">
@@ -19376,7 +21017,7 @@
                         <m:endChr m:val="‖"/>
                         <m:ctrlPr>
                           <a:rPr lang="pt-BR" sz="1600" i="1">
-                            <a:latin typeface="Cambria Math"/>
+                            <a:latin typeface="Cambria Math" panose="02040503050406030204" pitchFamily="18" charset="0"/>
                           </a:rPr>
                         </m:ctrlPr>
                       </m:dPr>
@@ -19385,16 +21026,16 @@
                           <m:sSubPr>
                             <m:ctrlPr>
                               <a:rPr lang="pt-BR" sz="1600" i="1">
-                                <a:latin typeface="Cambria Math"/>
+                                <a:latin typeface="Cambria Math" panose="02040503050406030204" pitchFamily="18" charset="0"/>
                               </a:rPr>
                             </m:ctrlPr>
                           </m:sSubPr>
                           <m:e>
                             <m:r>
                               <a:rPr lang="pt-BR" sz="1600" b="0" i="1" smtClean="0">
-                                <a:latin typeface="Cambria Math"/>
+                                <a:latin typeface="Cambria Math" panose="02040503050406030204" pitchFamily="18" charset="0"/>
                               </a:rPr>
-                              <m:t>𝑥</m:t>
+                              <m:t>𝑘</m:t>
                             </m:r>
                           </m:e>
                           <m:sub>
@@ -19416,16 +21057,16 @@
                           <m:sSubPr>
                             <m:ctrlPr>
                               <a:rPr lang="pt-BR" sz="1600" i="1">
-                                <a:latin typeface="Cambria Math"/>
+                                <a:latin typeface="Cambria Math" panose="02040503050406030204" pitchFamily="18" charset="0"/>
                               </a:rPr>
                             </m:ctrlPr>
                           </m:sSubPr>
                           <m:e>
                             <m:r>
                               <a:rPr lang="pt-BR" sz="1600" b="0" i="1" smtClean="0">
-                                <a:latin typeface="Cambria Math"/>
+                                <a:latin typeface="Cambria Math" panose="02040503050406030204" pitchFamily="18" charset="0"/>
                               </a:rPr>
-                              <m:t>𝑥</m:t>
+                              <m:t>𝑘</m:t>
                             </m:r>
                           </m:e>
                           <m:sub>
@@ -19533,7 +21174,7 @@
                       <m:sSupPr>
                         <m:ctrlPr>
                           <a:rPr lang="pt-BR" sz="1600" i="1">
-                            <a:latin typeface="Cambria Math"/>
+                            <a:latin typeface="Cambria Math" panose="02040503050406030204" pitchFamily="18" charset="0"/>
                             <a:ea typeface="Cambria Math"/>
                           </a:rPr>
                         </m:ctrlPr>
@@ -19541,10 +21182,10 @@
                       <m:e>
                         <m:r>
                           <a:rPr lang="pt-BR" sz="1600" b="0" i="1" smtClean="0">
-                            <a:latin typeface="Cambria Math"/>
+                            <a:latin typeface="Cambria Math" panose="02040503050406030204" pitchFamily="18" charset="0"/>
                             <a:ea typeface="Cambria Math"/>
                           </a:rPr>
-                          <m:t>𝑥</m:t>
+                          <m:t>𝑘</m:t>
                         </m:r>
                         <m:r>
                           <a:rPr lang="pt-BR" sz="1600" i="1">
@@ -19700,11 +21341,25 @@
                 </a:pPr>
                 <a14:m>
                   <m:oMath xmlns:m="http://schemas.openxmlformats.org/officeDocument/2006/math">
+                    <m:r>
+                      <a:rPr lang="pt-BR" sz="1600" i="1">
+                        <a:latin typeface="Cambria Math"/>
+                        <a:ea typeface="Cambria Math"/>
+                      </a:rPr>
+                      <m:t>𝜙</m:t>
+                    </m:r>
+                    <m:r>
+                      <a:rPr lang="pt-BR" sz="1600" i="1">
+                        <a:latin typeface="Cambria Math" panose="02040503050406030204" pitchFamily="18" charset="0"/>
+                        <a:ea typeface="Cambria Math"/>
+                      </a:rPr>
+                      <m:t>(</m:t>
+                    </m:r>
                     <m:sSub>
                       <m:sSubPr>
                         <m:ctrlPr>
                           <a:rPr lang="pt-BR" sz="1600" i="1">
-                            <a:latin typeface="Cambria Math"/>
+                            <a:latin typeface="Cambria Math" panose="02040503050406030204" pitchFamily="18" charset="0"/>
                             <a:ea typeface="Cambria Math"/>
                           </a:rPr>
                         </m:ctrlPr>
@@ -19712,22 +21367,64 @@
                       <m:e>
                         <m:r>
                           <a:rPr lang="pt-BR" sz="1600" i="1">
-                            <a:latin typeface="Cambria Math"/>
+                            <a:latin typeface="Cambria Math" panose="02040503050406030204" pitchFamily="18" charset="0"/>
                             <a:ea typeface="Cambria Math"/>
                           </a:rPr>
-                          <m:t>𝜙</m:t>
+                          <m:t>𝑦</m:t>
                         </m:r>
                       </m:e>
                       <m:sub>
                         <m:r>
-                          <a:rPr lang="pt-BR" sz="1600" b="0" i="1" smtClean="0">
-                            <a:latin typeface="Cambria Math"/>
+                          <a:rPr lang="pt-BR" sz="1600" i="1">
+                            <a:latin typeface="Cambria Math" panose="02040503050406030204" pitchFamily="18" charset="0"/>
                             <a:ea typeface="Cambria Math"/>
                           </a:rPr>
-                          <m:t>𝑖𝑗</m:t>
+                          <m:t>𝑖</m:t>
                         </m:r>
                       </m:sub>
                     </m:sSub>
+                    <m:r>
+                      <a:rPr lang="pt-BR" sz="1600" i="1">
+                        <a:latin typeface="Cambria Math" panose="02040503050406030204" pitchFamily="18" charset="0"/>
+                        <a:ea typeface="Cambria Math"/>
+                      </a:rPr>
+                      <m:t>,</m:t>
+                    </m:r>
+                    <m:sSub>
+                      <m:sSubPr>
+                        <m:ctrlPr>
+                          <a:rPr lang="pt-BR" sz="1600" i="1">
+                            <a:latin typeface="Cambria Math" panose="02040503050406030204" pitchFamily="18" charset="0"/>
+                            <a:ea typeface="Cambria Math"/>
+                          </a:rPr>
+                        </m:ctrlPr>
+                      </m:sSubPr>
+                      <m:e>
+                        <m:r>
+                          <a:rPr lang="pt-BR" sz="1600" i="1">
+                            <a:latin typeface="Cambria Math" panose="02040503050406030204" pitchFamily="18" charset="0"/>
+                            <a:ea typeface="Cambria Math"/>
+                          </a:rPr>
+                          <m:t>𝑦</m:t>
+                        </m:r>
+                      </m:e>
+                      <m:sub>
+                        <m:r>
+                          <a:rPr lang="pt-BR" sz="1600" i="1">
+                            <a:latin typeface="Cambria Math" panose="02040503050406030204" pitchFamily="18" charset="0"/>
+                            <a:ea typeface="Cambria Math"/>
+                          </a:rPr>
+                          <m:t>𝑗</m:t>
+                        </m:r>
+                      </m:sub>
+                    </m:sSub>
+                    <m:r>
+                      <a:rPr lang="pt-BR" sz="1600" i="1">
+                        <a:latin typeface="Cambria Math" panose="02040503050406030204" pitchFamily="18" charset="0"/>
+                        <a:ea typeface="Cambria Math"/>
+                      </a:rPr>
+                      <m:t>)</m:t>
+                    </m:r>
                     <m:r>
                       <a:rPr lang="pt-BR" sz="1600" b="0" i="1" smtClean="0">
                         <a:latin typeface="Cambria Math"/>
@@ -19739,7 +21436,7 @@
                       <m:sSupPr>
                         <m:ctrlPr>
                           <a:rPr lang="pt-BR" sz="1600" b="0" i="1" smtClean="0">
-                            <a:latin typeface="Cambria Math"/>
+                            <a:latin typeface="Cambria Math" panose="02040503050406030204" pitchFamily="18" charset="0"/>
                             <a:ea typeface="Cambria Math"/>
                           </a:rPr>
                         </m:ctrlPr>
@@ -19758,7 +21455,7 @@
                           <m:fPr>
                             <m:ctrlPr>
                               <a:rPr lang="pt-BR" sz="1600" b="0" i="1" smtClean="0">
-                                <a:latin typeface="Cambria Math"/>
+                                <a:latin typeface="Cambria Math" panose="02040503050406030204" pitchFamily="18" charset="0"/>
                                 <a:ea typeface="Cambria Math"/>
                               </a:rPr>
                             </m:ctrlPr>
@@ -19777,7 +21474,7 @@
                                 <m:endChr m:val="‖"/>
                                 <m:ctrlPr>
                                   <a:rPr lang="pt-BR" sz="1600" b="0" i="1" smtClean="0">
-                                    <a:latin typeface="Cambria Math"/>
+                                    <a:latin typeface="Cambria Math" panose="02040503050406030204" pitchFamily="18" charset="0"/>
                                     <a:ea typeface="Cambria Math"/>
                                   </a:rPr>
                                 </m:ctrlPr>
@@ -19787,7 +21484,7 @@
                                   <m:sSubPr>
                                     <m:ctrlPr>
                                       <a:rPr lang="pt-BR" sz="1600" b="0" i="1" smtClean="0">
-                                        <a:latin typeface="Cambria Math"/>
+                                        <a:latin typeface="Cambria Math" panose="02040503050406030204" pitchFamily="18" charset="0"/>
                                         <a:ea typeface="Cambria Math"/>
                                       </a:rPr>
                                     </m:ctrlPr>
@@ -19822,7 +21519,7 @@
                                   <m:sSubPr>
                                     <m:ctrlPr>
                                       <a:rPr lang="pt-BR" sz="1600" b="0" i="1" smtClean="0">
-                                        <a:latin typeface="Cambria Math"/>
+                                        <a:latin typeface="Cambria Math" panose="02040503050406030204" pitchFamily="18" charset="0"/>
                                         <a:ea typeface="Cambria Math"/>
                                       </a:rPr>
                                     </m:ctrlPr>
@@ -19893,7 +21590,7 @@
                       <m:dPr>
                         <m:ctrlPr>
                           <a:rPr lang="pt-BR" sz="1600" i="1">
-                            <a:latin typeface="Cambria Math"/>
+                            <a:latin typeface="Cambria Math" panose="02040503050406030204" pitchFamily="18" charset="0"/>
                             <a:ea typeface="Cambria Math"/>
                           </a:rPr>
                         </m:ctrlPr>
@@ -19903,7 +21600,7 @@
                           <m:sSubPr>
                             <m:ctrlPr>
                               <a:rPr lang="pt-BR" sz="1600" i="1">
-                                <a:latin typeface="Cambria Math"/>
+                                <a:latin typeface="Cambria Math" panose="02040503050406030204" pitchFamily="18" charset="0"/>
                                 <a:ea typeface="Cambria Math"/>
                               </a:rPr>
                             </m:ctrlPr>
@@ -19938,7 +21635,7 @@
                           <m:sSubPr>
                             <m:ctrlPr>
                               <a:rPr lang="pt-BR" sz="1600" i="1">
-                                <a:latin typeface="Cambria Math"/>
+                                <a:latin typeface="Cambria Math" panose="02040503050406030204" pitchFamily="18" charset="0"/>
                                 <a:ea typeface="Cambria Math"/>
                               </a:rPr>
                             </m:ctrlPr>
@@ -20009,10 +21706,10 @@
               <a:prstGeom prst="rect">
                 <a:avLst/>
               </a:prstGeom>
-              <a:blipFill rotWithShape="1">
+              <a:blipFill rotWithShape="0">
                 <a:blip r:embed="rId2"/>
                 <a:stretch>
-                  <a:fillRect l="-222" t="-404"/>
+                  <a:fillRect l="-296" t="-404"/>
                 </a:stretch>
               </a:blipFill>
               <a:ln>
@@ -20024,7 +21721,7 @@
               <a:lstStyle/>
               <a:p>
                 <a:r>
-                  <a:rPr lang="pt-BR">
+                  <a:rPr lang="en-US">
                     <a:noFill/>
                   </a:rPr>
                   <a:t> </a:t>
@@ -24574,17 +26271,25 @@
       </p:sp>
       <p:sp>
         <p:nvSpPr>
-          <p:cNvPr id="3" name="Subtitle 2"/>
-          <p:cNvSpPr>
-            <a:spLocks noGrp="1"/>
-          </p:cNvSpPr>
-          <p:nvPr>
-            <p:ph type="subTitle"/>
-          </p:nvPr>
+          <p:cNvPr id="4" name="TextShape 2"/>
+          <p:cNvSpPr txBox="1"/>
+          <p:nvPr/>
         </p:nvSpPr>
-        <p:spPr/>
+        <p:spPr>
+          <a:xfrm>
+            <a:off x="457200" y="1600200"/>
+            <a:ext cx="8229240" cy="4525560"/>
+          </a:xfrm>
+          <a:prstGeom prst="rect">
+            <a:avLst/>
+          </a:prstGeom>
+          <a:noFill/>
+          <a:ln>
+            <a:noFill/>
+          </a:ln>
+        </p:spPr>
         <p:txBody>
-          <a:bodyPr anchor="t"/>
+          <a:bodyPr/>
           <a:lstStyle/>
           <a:p>
             <a:pPr marL="342900" indent="-342900">
@@ -24592,50 +26297,35 @@
               <a:buAutoNum type="arabicPeriod"/>
             </a:pPr>
             <a:r>
-              <a:rPr lang="pt-BR" sz="1400" dirty="0" smtClean="0"/>
-              <a:t>Elisa </a:t>
+              <a:rPr lang="pt-BR" sz="1400" dirty="0">
+                <a:latin typeface="Calibri" panose="020F0502020204030204" pitchFamily="34" charset="0"/>
+              </a:rPr>
+              <a:t>Elisa Amorim, Emilio Vital Brazil, Jesús Mena-Chalco, Luiz Velho, Luis Gustavo Nonato, Faramarz Samavati, and Mario Costa Sousa. 2015. Facing the high-dimensions</a:t>
             </a:r>
             <a:r>
-              <a:rPr lang="pt-BR" sz="1400" dirty="0"/>
-              <a:t>Amorim, Emilio Vital Brazil, Jesús Mena-Chalco, Luiz Velho, Luis Gustavo Nonato, Faramarz Samavati, and Mario Costa Sousa. 2015. Facing the </a:t>
+              <a:rPr lang="en-US" sz="1400" dirty="0">
+                <a:latin typeface="Calibri" panose="020F0502020204030204" pitchFamily="34" charset="0"/>
+              </a:rPr>
+              <a:t>: Inverse projection with radial basis functions</a:t>
             </a:r>
             <a:r>
-              <a:rPr lang="pt-BR" sz="1400" dirty="0" smtClean="0"/>
-              <a:t>high-dimensions</a:t>
+              <a:rPr lang="pt-BR" sz="1400" dirty="0">
+                <a:latin typeface="Calibri" panose="020F0502020204030204" pitchFamily="34" charset="0"/>
+              </a:rPr>
+              <a:t>. </a:t>
             </a:r>
             <a:r>
-              <a:rPr lang="en-US" sz="1400" dirty="0" smtClean="0"/>
-              <a:t>: </a:t>
-            </a:r>
-            <a:r>
-              <a:rPr lang="en-US" sz="1400" dirty="0"/>
-              <a:t>Inverse projection with radial basis functions</a:t>
-            </a:r>
-            <a:r>
-              <a:rPr lang="pt-BR" sz="1400" dirty="0" smtClean="0"/>
-              <a:t>.</a:t>
-            </a:r>
-            <a:r>
-              <a:rPr lang="pt-BR" sz="1400" dirty="0"/>
-              <a:t> </a:t>
-            </a:r>
-            <a:r>
-              <a:rPr lang="pt-BR" sz="1400" i="1" dirty="0"/>
+              <a:rPr lang="pt-BR" sz="1400" i="1" dirty="0">
+                <a:latin typeface="Calibri" panose="020F0502020204030204" pitchFamily="34" charset="0"/>
+              </a:rPr>
               <a:t>Comput. Graph.</a:t>
             </a:r>
             <a:r>
-              <a:rPr lang="pt-BR" sz="1400" dirty="0"/>
-              <a:t> 48, C (May 2015), 35-47. </a:t>
+              <a:rPr lang="pt-BR" sz="1400" dirty="0">
+                <a:latin typeface="Calibri" panose="020F0502020204030204" pitchFamily="34" charset="0"/>
+              </a:rPr>
+              <a:t> 48, C (May 2015), 35-47. DOI=http://dx.doi.org/10.1016/j.cag.2015.02.009</a:t>
             </a:r>
-            <a:r>
-              <a:rPr lang="pt-BR" sz="1400" dirty="0" smtClean="0"/>
-              <a:t>DOI=http</a:t>
-            </a:r>
-            <a:r>
-              <a:rPr lang="pt-BR" sz="1400" dirty="0"/>
-              <a:t>://dx.doi.org/10.1016/j.cag.2015.02.009</a:t>
-            </a:r>
-            <a:endParaRPr lang="pt-BR" sz="1400" dirty="0"/>
           </a:p>
         </p:txBody>
       </p:sp>
@@ -25884,7 +27574,7 @@
   <a:extraClrSchemeLst/>
   <a:extLst>
     <a:ext uri="{05A4C25C-085E-4340-85A3-A5531E510DB2}">
-      <thm15:themeFamily xmlns="" xmlns:thm15="http://schemas.microsoft.com/office/thememl/2012/main" name="Office Theme" id="{62F939B6-93AF-4DB8-9C6B-D6C7DFDC589F}" vid="{4A3C46E8-61CC-4603-A589-7422A47A8E4A}"/>
+      <thm15:themeFamily xmlns:thm15="http://schemas.microsoft.com/office/thememl/2012/main" name="Office Theme" id="{62F939B6-93AF-4DB8-9C6B-D6C7DFDC589F}" vid="{4A3C46E8-61CC-4603-A589-7422A47A8E4A}"/>
     </a:ext>
   </a:extLst>
 </a:theme>

--- a/pres.pptx [Repaired].pptx
+++ b/pres.pptx [Repaired].pptx
@@ -4157,8 +4157,8 @@
           </a:p>
         </p:txBody>
       </p:sp>
-      <mc:AlternateContent xmlns:mc="http://schemas.openxmlformats.org/markup-compatibility/2006">
-        <mc:Choice xmlns:a14="http://schemas.microsoft.com/office/drawing/2010/main" Requires="a14">
+      <mc:AlternateContent xmlns:mc="http://schemas.openxmlformats.org/markup-compatibility/2006" xmlns:a14="http://schemas.microsoft.com/office/drawing/2010/main">
+        <mc:Choice Requires="a14">
           <p:sp>
             <p:nvSpPr>
               <p:cNvPr id="100" name="TextShape 2"/>
@@ -4946,7 +4946,7 @@
             </p:txBody>
           </p:sp>
         </mc:Choice>
-        <mc:Fallback>
+        <mc:Fallback xmlns="">
           <p:sp>
             <p:nvSpPr>
               <p:cNvPr id="100" name="TextShape 2"/>
@@ -5649,6 +5649,69 @@
                         </m:d>
                       </m:e>
                     </m:d>
+                    <m:r>
+                      <a:rPr lang="pt-BR" sz="1200" b="0" i="1" smtClean="0">
+                        <a:latin typeface="Cambria Math" panose="02040503050406030204" pitchFamily="18" charset="0"/>
+                        <a:ea typeface="Cambria Math"/>
+                      </a:rPr>
+                      <m:t>,           </m:t>
+                    </m:r>
+                    <m:r>
+                      <a:rPr lang="pt-BR" sz="1200" i="1">
+                        <a:latin typeface="Cambria Math"/>
+                        <a:ea typeface="Cambria Math"/>
+                      </a:rPr>
+                      <m:t>𝜙</m:t>
+                    </m:r>
+                    <m:r>
+                      <a:rPr lang="pt-BR" sz="1200" i="1">
+                        <a:latin typeface="Cambria Math"/>
+                        <a:ea typeface="Cambria Math"/>
+                      </a:rPr>
+                      <m:t>:</m:t>
+                    </m:r>
+                    <m:sSup>
+                      <m:sSupPr>
+                        <m:ctrlPr>
+                          <a:rPr lang="pt-BR" sz="1200" i="1">
+                            <a:latin typeface="Cambria Math" panose="02040503050406030204" pitchFamily="18" charset="0"/>
+                            <a:ea typeface="Cambria Math"/>
+                          </a:rPr>
+                        </m:ctrlPr>
+                      </m:sSupPr>
+                      <m:e>
+                        <m:r>
+                          <a:rPr lang="pt-BR" sz="1200" i="1">
+                            <a:latin typeface="Cambria Math"/>
+                            <a:ea typeface="Cambria Math"/>
+                          </a:rPr>
+                          <m:t>ℝ</m:t>
+                        </m:r>
+                      </m:e>
+                      <m:sup>
+                        <m:r>
+                          <a:rPr lang="pt-BR" sz="1200" i="1">
+                            <a:latin typeface="Cambria Math"/>
+                            <a:ea typeface="Cambria Math"/>
+                          </a:rPr>
+                          <m:t>+</m:t>
+                        </m:r>
+                      </m:sup>
+                    </m:sSup>
+                    <m:r>
+                      <a:rPr lang="pt-BR" sz="1200" i="1">
+                        <a:latin typeface="Cambria Math"/>
+                        <a:ea typeface="Cambria Math"/>
+                      </a:rPr>
+                      <m:t>→</m:t>
+                    </m:r>
+                    <m:r>
+                      <a:rPr lang="pt-BR" sz="1200" i="1" smtClean="0">
+                        <a:latin typeface="Cambria Math"/>
+                        <a:ea typeface="Cambria Math"/>
+                      </a:rPr>
+                      <m:t>ℝ</m:t>
+                    </m:r>
                   </m:oMath>
                 </a14:m>
                 <a:endParaRPr lang="pt-BR" sz="1200" dirty="0" smtClean="0">
@@ -5963,13 +6026,7 @@
                   <a:rPr lang="pt-BR" sz="1400" dirty="0" smtClean="0">
                     <a:latin typeface="Calibri" panose="020F0502020204030204" pitchFamily="34" charset="0"/>
                   </a:rPr>
-                  <a:t>relação à </a:t>
-                </a:r>
-                <a:r>
-                  <a:rPr lang="pt-BR" sz="1400" dirty="0" smtClean="0">
-                    <a:latin typeface="Calibri" panose="020F0502020204030204" pitchFamily="34" charset="0"/>
-                  </a:rPr>
-                  <a:t>origem</a:t>
+                  <a:t>relação à origem</a:t>
                 </a:r>
               </a:p>
               <a:p>
@@ -6240,7 +6297,7 @@
                             <a:latin typeface="Cambria Math" panose="02040503050406030204" pitchFamily="18" charset="0"/>
                             <a:ea typeface="Cambria Math" panose="02040503050406030204" pitchFamily="18" charset="0"/>
                           </a:rPr>
-                          <m:t>𝐿</m:t>
+                          <m:t>𝑚</m:t>
                         </m:r>
                       </m:sup>
                     </m:sSup>
@@ -6378,8 +6435,8 @@
           </a:extLst>
         </p:spPr>
       </p:pic>
-      <mc:AlternateContent xmlns:mc="http://schemas.openxmlformats.org/markup-compatibility/2006">
-        <mc:Choice xmlns:a14="http://schemas.microsoft.com/office/drawing/2010/main" Requires="a14">
+      <mc:AlternateContent xmlns:mc="http://schemas.openxmlformats.org/markup-compatibility/2006" xmlns:a14="http://schemas.microsoft.com/office/drawing/2010/main">
+        <mc:Choice Requires="a14">
           <p:sp>
             <p:nvSpPr>
               <p:cNvPr id="10" name="Rectangle 9"/>
@@ -6401,6 +6458,7 @@
               </a:bodyPr>
               <a:lstStyle/>
               <a:p>
+                <a:pPr/>
                 <a14:m>
                   <m:oMathPara xmlns:m="http://schemas.openxmlformats.org/officeDocument/2006/math">
                     <m:oMathParaPr>
@@ -6441,7 +6499,7 @@
             </p:txBody>
           </p:sp>
         </mc:Choice>
-        <mc:Fallback>
+        <mc:Fallback xmlns="">
           <p:sp>
             <p:nvSpPr>
               <p:cNvPr id="10" name="Rectangle 9"/>
@@ -6480,8 +6538,8 @@
           </p:sp>
         </mc:Fallback>
       </mc:AlternateContent>
-      <mc:AlternateContent xmlns:mc="http://schemas.openxmlformats.org/markup-compatibility/2006">
-        <mc:Choice xmlns:a14="http://schemas.microsoft.com/office/drawing/2010/main" Requires="a14">
+      <mc:AlternateContent xmlns:mc="http://schemas.openxmlformats.org/markup-compatibility/2006" xmlns:a14="http://schemas.microsoft.com/office/drawing/2010/main">
+        <mc:Choice Requires="a14">
           <p:sp>
             <p:nvSpPr>
               <p:cNvPr id="11" name="Rectangle 10"/>
@@ -6503,6 +6561,7 @@
               </a:bodyPr>
               <a:lstStyle/>
               <a:p>
+                <a:pPr/>
                 <a14:m>
                   <m:oMathPara xmlns:m="http://schemas.openxmlformats.org/officeDocument/2006/math">
                     <m:oMathParaPr>
@@ -6543,7 +6602,7 @@
             </p:txBody>
           </p:sp>
         </mc:Choice>
-        <mc:Fallback>
+        <mc:Fallback xmlns="">
           <p:sp>
             <p:nvSpPr>
               <p:cNvPr id="11" name="Rectangle 10"/>
@@ -6709,8 +6768,8 @@
           </a:p>
         </p:txBody>
       </p:sp>
-      <mc:AlternateContent xmlns:mc="http://schemas.openxmlformats.org/markup-compatibility/2006" xmlns:a14="http://schemas.microsoft.com/office/drawing/2010/main">
-        <mc:Choice Requires="a14">
+      <mc:AlternateContent xmlns:mc="http://schemas.openxmlformats.org/markup-compatibility/2006">
+        <mc:Choice xmlns:a14="http://schemas.microsoft.com/office/drawing/2010/main" Requires="a14">
           <p:sp>
             <p:nvSpPr>
               <p:cNvPr id="100" name="TextShape 2"/>
@@ -6845,7 +6904,7 @@
                           <m:sub>
                             <m:r>
                               <a:rPr lang="pt-BR" sz="1600" b="0" i="1" smtClean="0">
-                                <a:latin typeface="Cambria Math"/>
+                                <a:latin typeface="Cambria Math" panose="02040503050406030204" pitchFamily="18" charset="0"/>
                               </a:rPr>
                               <m:t>𝑚</m:t>
                             </m:r>
@@ -7096,68 +7155,6 @@
                         </m:r>
                       </m:e>
                     </m:nary>
-                    <m:r>
-                      <a:rPr lang="pt-BR" sz="1600" b="0" i="1" smtClean="0">
-                        <a:latin typeface="Cambria Math"/>
-                      </a:rPr>
-                      <m:t>,     </m:t>
-                    </m:r>
-                    <m:r>
-                      <a:rPr lang="pt-BR" sz="1600" i="1">
-                        <a:latin typeface="Cambria Math"/>
-                        <a:ea typeface="Cambria Math"/>
-                      </a:rPr>
-                      <m:t>𝜙</m:t>
-                    </m:r>
-                    <m:r>
-                      <a:rPr lang="pt-BR" sz="1600" i="1">
-                        <a:latin typeface="Cambria Math"/>
-                        <a:ea typeface="Cambria Math"/>
-                      </a:rPr>
-                      <m:t>:</m:t>
-                    </m:r>
-                    <m:sSup>
-                      <m:sSupPr>
-                        <m:ctrlPr>
-                          <a:rPr lang="pt-BR" sz="1600" i="1">
-                            <a:latin typeface="Cambria Math" panose="02040503050406030204" pitchFamily="18" charset="0"/>
-                            <a:ea typeface="Cambria Math"/>
-                          </a:rPr>
-                        </m:ctrlPr>
-                      </m:sSupPr>
-                      <m:e>
-                        <m:r>
-                          <a:rPr lang="pt-BR" sz="1600" i="1">
-                            <a:latin typeface="Cambria Math"/>
-                            <a:ea typeface="Cambria Math"/>
-                          </a:rPr>
-                          <m:t>ℝ</m:t>
-                        </m:r>
-                      </m:e>
-                      <m:sup>
-                        <m:r>
-                          <a:rPr lang="pt-BR" sz="1600" i="1">
-                            <a:latin typeface="Cambria Math"/>
-                            <a:ea typeface="Cambria Math"/>
-                          </a:rPr>
-                          <m:t>+</m:t>
-                        </m:r>
-                      </m:sup>
-                    </m:sSup>
-                    <m:r>
-                      <a:rPr lang="pt-BR" sz="1600" i="1">
-                        <a:latin typeface="Cambria Math"/>
-                        <a:ea typeface="Cambria Math"/>
-                      </a:rPr>
-                      <m:t>→</m:t>
-                    </m:r>
-                    <m:r>
-                      <a:rPr lang="pt-BR" sz="1600" i="1">
-                        <a:latin typeface="Cambria Math"/>
-                        <a:ea typeface="Cambria Math"/>
-                      </a:rPr>
-                      <m:t>ℝ</m:t>
-                    </m:r>
                   </m:oMath>
                 </a14:m>
                 <a:endParaRPr lang="pt-BR" sz="1600" dirty="0"/>
@@ -7653,7 +7650,7 @@
             </p:txBody>
           </p:sp>
         </mc:Choice>
-        <mc:Fallback xmlns="">
+        <mc:Fallback>
           <p:sp>
             <p:nvSpPr>
               <p:cNvPr id="100" name="TextShape 2"/>
@@ -7670,10 +7667,10 @@
               <a:prstGeom prst="rect">
                 <a:avLst/>
               </a:prstGeom>
-              <a:blipFill rotWithShape="1">
+              <a:blipFill rotWithShape="0">
                 <a:blip r:embed="rId2"/>
                 <a:stretch>
-                  <a:fillRect l="-222"/>
+                  <a:fillRect l="-296"/>
                 </a:stretch>
               </a:blipFill>
               <a:ln>
@@ -7685,7 +7682,7 @@
               <a:lstStyle/>
               <a:p>
                 <a:r>
-                  <a:rPr lang="pt-BR">
+                  <a:rPr lang="en-US">
                     <a:noFill/>
                   </a:rPr>
                   <a:t> </a:t>
@@ -7749,8 +7746,8 @@
           </a:extLst>
         </p:spPr>
       </p:pic>
-      <mc:AlternateContent xmlns:mc="http://schemas.openxmlformats.org/markup-compatibility/2006">
-        <mc:Choice xmlns:a14="http://schemas.microsoft.com/office/drawing/2010/main" Requires="a14">
+      <mc:AlternateContent xmlns:mc="http://schemas.openxmlformats.org/markup-compatibility/2006" xmlns:a14="http://schemas.microsoft.com/office/drawing/2010/main">
+        <mc:Choice Requires="a14">
           <p:sp>
             <p:nvSpPr>
               <p:cNvPr id="2" name="Rectangle 1"/>
@@ -7772,6 +7769,7 @@
               </a:bodyPr>
               <a:lstStyle/>
               <a:p>
+                <a:pPr/>
                 <a14:m>
                   <m:oMathPara xmlns:m="http://schemas.openxmlformats.org/officeDocument/2006/math">
                     <m:oMathParaPr>
@@ -7812,7 +7810,7 @@
             </p:txBody>
           </p:sp>
         </mc:Choice>
-        <mc:Fallback>
+        <mc:Fallback xmlns="">
           <p:sp>
             <p:nvSpPr>
               <p:cNvPr id="2" name="Rectangle 1"/>
@@ -7830,7 +7828,7 @@
                 <a:avLst/>
               </a:prstGeom>
               <a:blipFill rotWithShape="0">
-                <a:blip r:embed="rId2"/>
+                <a:blip r:embed="rId4"/>
                 <a:stretch>
                   <a:fillRect/>
                 </a:stretch>
@@ -7851,8 +7849,8 @@
           </p:sp>
         </mc:Fallback>
       </mc:AlternateContent>
-      <mc:AlternateContent xmlns:mc="http://schemas.openxmlformats.org/markup-compatibility/2006">
-        <mc:Choice xmlns:a14="http://schemas.microsoft.com/office/drawing/2010/main" Requires="a14">
+      <mc:AlternateContent xmlns:mc="http://schemas.openxmlformats.org/markup-compatibility/2006" xmlns:a14="http://schemas.microsoft.com/office/drawing/2010/main">
+        <mc:Choice Requires="a14">
           <p:sp>
             <p:nvSpPr>
               <p:cNvPr id="3" name="Rectangle 2"/>
@@ -7874,6 +7872,7 @@
               </a:bodyPr>
               <a:lstStyle/>
               <a:p>
+                <a:pPr/>
                 <a14:m>
                   <m:oMathPara xmlns:m="http://schemas.openxmlformats.org/officeDocument/2006/math">
                     <m:oMathParaPr>
@@ -7914,7 +7913,7 @@
             </p:txBody>
           </p:sp>
         </mc:Choice>
-        <mc:Fallback>
+        <mc:Fallback xmlns="">
           <p:sp>
             <p:nvSpPr>
               <p:cNvPr id="3" name="Rectangle 2"/>
@@ -7932,7 +7931,7 @@
                 <a:avLst/>
               </a:prstGeom>
               <a:blipFill rotWithShape="0">
-                <a:blip r:embed="rId4"/>
+                <a:blip r:embed="rId5"/>
                 <a:stretch>
                   <a:fillRect/>
                 </a:stretch>
@@ -8134,8 +8133,8 @@
           </a:p>
         </p:txBody>
       </p:sp>
-      <mc:AlternateContent xmlns:mc="http://schemas.openxmlformats.org/markup-compatibility/2006">
-        <mc:Choice xmlns:a14="http://schemas.microsoft.com/office/drawing/2010/main" Requires="a14">
+      <mc:AlternateContent xmlns:mc="http://schemas.openxmlformats.org/markup-compatibility/2006" xmlns:a14="http://schemas.microsoft.com/office/drawing/2010/main">
+        <mc:Choice Requires="a14">
           <p:sp>
             <p:nvSpPr>
               <p:cNvPr id="100" name="TextShape 2"/>
@@ -9757,7 +9756,7 @@
             </p:txBody>
           </p:sp>
         </mc:Choice>
-        <mc:Fallback>
+        <mc:Fallback xmlns="">
           <p:sp>
             <p:nvSpPr>
               <p:cNvPr id="100" name="TextShape 2"/>
@@ -9799,8 +9798,8 @@
           </p:sp>
         </mc:Fallback>
       </mc:AlternateContent>
-      <mc:AlternateContent xmlns:mc="http://schemas.openxmlformats.org/markup-compatibility/2006">
-        <mc:Choice xmlns:a14="http://schemas.microsoft.com/office/drawing/2010/main" Requires="a14">
+      <mc:AlternateContent xmlns:mc="http://schemas.openxmlformats.org/markup-compatibility/2006" xmlns:a14="http://schemas.microsoft.com/office/drawing/2010/main">
+        <mc:Choice Requires="a14">
           <p:sp>
             <p:nvSpPr>
               <p:cNvPr id="5" name="Rectangle 4"/>
@@ -9822,6 +9821,7 @@
               </a:bodyPr>
               <a:lstStyle/>
               <a:p>
+                <a:pPr/>
                 <a14:m>
                   <m:oMathPara xmlns:m="http://schemas.openxmlformats.org/officeDocument/2006/math">
                     <m:oMathParaPr>
@@ -9862,7 +9862,7 @@
             </p:txBody>
           </p:sp>
         </mc:Choice>
-        <mc:Fallback>
+        <mc:Fallback xmlns="">
           <p:sp>
             <p:nvSpPr>
               <p:cNvPr id="5" name="Rectangle 4"/>
@@ -9901,8 +9901,8 @@
           </p:sp>
         </mc:Fallback>
       </mc:AlternateContent>
-      <mc:AlternateContent xmlns:mc="http://schemas.openxmlformats.org/markup-compatibility/2006">
-        <mc:Choice xmlns:a14="http://schemas.microsoft.com/office/drawing/2010/main" Requires="a14">
+      <mc:AlternateContent xmlns:mc="http://schemas.openxmlformats.org/markup-compatibility/2006" xmlns:a14="http://schemas.microsoft.com/office/drawing/2010/main">
+        <mc:Choice Requires="a14">
           <p:sp>
             <p:nvSpPr>
               <p:cNvPr id="6" name="Rectangle 5"/>
@@ -9924,6 +9924,7 @@
               </a:bodyPr>
               <a:lstStyle/>
               <a:p>
+                <a:pPr/>
                 <a14:m>
                   <m:oMathPara xmlns:m="http://schemas.openxmlformats.org/officeDocument/2006/math">
                     <m:oMathParaPr>
@@ -9964,7 +9965,7 @@
             </p:txBody>
           </p:sp>
         </mc:Choice>
-        <mc:Fallback>
+        <mc:Fallback xmlns="">
           <p:sp>
             <p:nvSpPr>
               <p:cNvPr id="6" name="Rectangle 5"/>
@@ -10130,8 +10131,8 @@
           </a:p>
         </p:txBody>
       </p:sp>
-      <mc:AlternateContent xmlns:mc="http://schemas.openxmlformats.org/markup-compatibility/2006">
-        <mc:Choice xmlns:a14="http://schemas.microsoft.com/office/drawing/2010/main" Requires="a14">
+      <mc:AlternateContent xmlns:mc="http://schemas.openxmlformats.org/markup-compatibility/2006" xmlns:a14="http://schemas.microsoft.com/office/drawing/2010/main">
+        <mc:Choice Requires="a14">
           <p:sp>
             <p:nvSpPr>
               <p:cNvPr id="100" name="TextShape 2"/>
@@ -11230,7 +11231,7 @@
             </p:txBody>
           </p:sp>
         </mc:Choice>
-        <mc:Fallback>
+        <mc:Fallback xmlns="">
           <p:sp>
             <p:nvSpPr>
               <p:cNvPr id="100" name="TextShape 2"/>
@@ -11326,8 +11327,8 @@
           </a:extLst>
         </p:spPr>
       </p:pic>
-      <mc:AlternateContent xmlns:mc="http://schemas.openxmlformats.org/markup-compatibility/2006">
-        <mc:Choice xmlns:a14="http://schemas.microsoft.com/office/drawing/2010/main" Requires="a14">
+      <mc:AlternateContent xmlns:mc="http://schemas.openxmlformats.org/markup-compatibility/2006" xmlns:a14="http://schemas.microsoft.com/office/drawing/2010/main">
+        <mc:Choice Requires="a14">
           <p:sp>
             <p:nvSpPr>
               <p:cNvPr id="5" name="Rectangle 4"/>
@@ -11349,6 +11350,7 @@
               </a:bodyPr>
               <a:lstStyle/>
               <a:p>
+                <a:pPr/>
                 <a14:m>
                   <m:oMathPara xmlns:m="http://schemas.openxmlformats.org/officeDocument/2006/math">
                     <m:oMathParaPr>
@@ -11389,7 +11391,7 @@
             </p:txBody>
           </p:sp>
         </mc:Choice>
-        <mc:Fallback>
+        <mc:Fallback xmlns="">
           <p:sp>
             <p:nvSpPr>
               <p:cNvPr id="5" name="Rectangle 4"/>
@@ -11428,8 +11430,8 @@
           </p:sp>
         </mc:Fallback>
       </mc:AlternateContent>
-      <mc:AlternateContent xmlns:mc="http://schemas.openxmlformats.org/markup-compatibility/2006">
-        <mc:Choice xmlns:a14="http://schemas.microsoft.com/office/drawing/2010/main" Requires="a14">
+      <mc:AlternateContent xmlns:mc="http://schemas.openxmlformats.org/markup-compatibility/2006" xmlns:a14="http://schemas.microsoft.com/office/drawing/2010/main">
+        <mc:Choice Requires="a14">
           <p:sp>
             <p:nvSpPr>
               <p:cNvPr id="6" name="Rectangle 5"/>
@@ -11451,6 +11453,7 @@
               </a:bodyPr>
               <a:lstStyle/>
               <a:p>
+                <a:pPr/>
                 <a14:m>
                   <m:oMathPara xmlns:m="http://schemas.openxmlformats.org/officeDocument/2006/math">
                     <m:oMathParaPr>
@@ -11491,7 +11494,7 @@
             </p:txBody>
           </p:sp>
         </mc:Choice>
-        <mc:Fallback>
+        <mc:Fallback xmlns="">
           <p:sp>
             <p:nvSpPr>
               <p:cNvPr id="6" name="Rectangle 5"/>
@@ -11657,8 +11660,8 @@
           </a:p>
         </p:txBody>
       </p:sp>
-      <mc:AlternateContent xmlns:mc="http://schemas.openxmlformats.org/markup-compatibility/2006">
-        <mc:Choice xmlns:a14="http://schemas.microsoft.com/office/drawing/2010/main" Requires="a14">
+      <mc:AlternateContent xmlns:mc="http://schemas.openxmlformats.org/markup-compatibility/2006" xmlns:a14="http://schemas.microsoft.com/office/drawing/2010/main">
+        <mc:Choice Requires="a14">
           <p:sp>
             <p:nvSpPr>
               <p:cNvPr id="100" name="TextShape 2"/>
@@ -12491,7 +12494,7 @@
             </p:txBody>
           </p:sp>
         </mc:Choice>
-        <mc:Fallback>
+        <mc:Fallback xmlns="">
           <p:sp>
             <p:nvSpPr>
               <p:cNvPr id="100" name="TextShape 2"/>
@@ -12587,8 +12590,8 @@
           </a:extLst>
         </p:spPr>
       </p:pic>
-      <mc:AlternateContent xmlns:mc="http://schemas.openxmlformats.org/markup-compatibility/2006">
-        <mc:Choice xmlns:a14="http://schemas.microsoft.com/office/drawing/2010/main" Requires="a14">
+      <mc:AlternateContent xmlns:mc="http://schemas.openxmlformats.org/markup-compatibility/2006" xmlns:a14="http://schemas.microsoft.com/office/drawing/2010/main">
+        <mc:Choice Requires="a14">
           <p:sp>
             <p:nvSpPr>
               <p:cNvPr id="5" name="Rectangle 4"/>
@@ -12610,6 +12613,7 @@
               </a:bodyPr>
               <a:lstStyle/>
               <a:p>
+                <a:pPr/>
                 <a14:m>
                   <m:oMathPara xmlns:m="http://schemas.openxmlformats.org/officeDocument/2006/math">
                     <m:oMathParaPr>
@@ -12650,7 +12654,7 @@
             </p:txBody>
           </p:sp>
         </mc:Choice>
-        <mc:Fallback>
+        <mc:Fallback xmlns="">
           <p:sp>
             <p:nvSpPr>
               <p:cNvPr id="5" name="Rectangle 4"/>
@@ -12689,8 +12693,8 @@
           </p:sp>
         </mc:Fallback>
       </mc:AlternateContent>
-      <mc:AlternateContent xmlns:mc="http://schemas.openxmlformats.org/markup-compatibility/2006">
-        <mc:Choice xmlns:a14="http://schemas.microsoft.com/office/drawing/2010/main" Requires="a14">
+      <mc:AlternateContent xmlns:mc="http://schemas.openxmlformats.org/markup-compatibility/2006" xmlns:a14="http://schemas.microsoft.com/office/drawing/2010/main">
+        <mc:Choice Requires="a14">
           <p:sp>
             <p:nvSpPr>
               <p:cNvPr id="6" name="Rectangle 5"/>
@@ -12712,6 +12716,7 @@
               </a:bodyPr>
               <a:lstStyle/>
               <a:p>
+                <a:pPr/>
                 <a14:m>
                   <m:oMathPara xmlns:m="http://schemas.openxmlformats.org/officeDocument/2006/math">
                     <m:oMathParaPr>
@@ -12752,7 +12757,7 @@
             </p:txBody>
           </p:sp>
         </mc:Choice>
-        <mc:Fallback>
+        <mc:Fallback xmlns="">
           <p:sp>
             <p:nvSpPr>
               <p:cNvPr id="6" name="Rectangle 5"/>
@@ -13055,8 +13060,8 @@
           </a:extLst>
         </p:spPr>
       </p:pic>
-      <mc:AlternateContent xmlns:mc="http://schemas.openxmlformats.org/markup-compatibility/2006">
-        <mc:Choice xmlns:a14="http://schemas.microsoft.com/office/drawing/2010/main" Requires="a14">
+      <mc:AlternateContent xmlns:mc="http://schemas.openxmlformats.org/markup-compatibility/2006" xmlns:a14="http://schemas.microsoft.com/office/drawing/2010/main">
+        <mc:Choice Requires="a14">
           <p:sp>
             <p:nvSpPr>
               <p:cNvPr id="3" name="Rectangle 2"/>
@@ -13430,7 +13435,7 @@
             </p:txBody>
           </p:sp>
         </mc:Choice>
-        <mc:Fallback>
+        <mc:Fallback xmlns="">
           <p:sp>
             <p:nvSpPr>
               <p:cNvPr id="3" name="Rectangle 2"/>
@@ -13790,8 +13795,8 @@
           </a:p>
         </p:txBody>
       </p:sp>
-      <mc:AlternateContent xmlns:mc="http://schemas.openxmlformats.org/markup-compatibility/2006">
-        <mc:Choice xmlns:a14="http://schemas.microsoft.com/office/drawing/2010/main" Requires="a14">
+      <mc:AlternateContent xmlns:mc="http://schemas.openxmlformats.org/markup-compatibility/2006" xmlns:a14="http://schemas.microsoft.com/office/drawing/2010/main">
+        <mc:Choice Requires="a14">
           <p:sp>
             <p:nvSpPr>
               <p:cNvPr id="100" name="TextShape 2"/>
@@ -14646,7 +14651,7 @@
             </p:txBody>
           </p:sp>
         </mc:Choice>
-        <mc:Fallback>
+        <mc:Fallback xmlns="">
           <p:sp>
             <p:nvSpPr>
               <p:cNvPr id="100" name="TextShape 2"/>
@@ -20929,8 +20934,8 @@
           <a:chExt cx="0" cy="0"/>
         </a:xfrm>
       </p:grpSpPr>
-      <mc:AlternateContent xmlns:mc="http://schemas.openxmlformats.org/markup-compatibility/2006">
-        <mc:Choice xmlns:a14="http://schemas.microsoft.com/office/drawing/2010/main" Requires="a14">
+      <mc:AlternateContent xmlns:mc="http://schemas.openxmlformats.org/markup-compatibility/2006" xmlns:a14="http://schemas.microsoft.com/office/drawing/2010/main">
+        <mc:Choice Requires="a14">
           <p:sp>
             <p:nvSpPr>
               <p:cNvPr id="100" name="TextShape 2"/>
@@ -21689,7 +21694,7 @@
             </p:txBody>
           </p:sp>
         </mc:Choice>
-        <mc:Fallback>
+        <mc:Fallback xmlns="">
           <p:sp>
             <p:nvSpPr>
               <p:cNvPr id="100" name="TextShape 2"/>

--- a/pres.pptx [Repaired].pptx
+++ b/pres.pptx [Repaired].pptx
@@ -141,22 +141,6 @@
       </a:defRPr>
     </a:lvl9pPr>
   </p:defaultTextStyle>
-  <p:extLst>
-    <p:ext uri="{EFAFB233-063F-42B5-8137-9DF3F51BA10A}">
-      <p15:sldGuideLst xmlns:p15="http://schemas.microsoft.com/office/powerpoint/2012/main">
-        <p15:guide id="1" orient="horz" pos="2160">
-          <p15:clr>
-            <a:srgbClr val="A4A3A4"/>
-          </p15:clr>
-        </p15:guide>
-        <p15:guide id="2" pos="2880">
-          <p15:clr>
-            <a:srgbClr val="A4A3A4"/>
-          </p15:clr>
-        </p15:guide>
-      </p15:sldGuideLst>
-    </p:ext>
-  </p:extLst>
 </p:presentation>
 </file>
 
@@ -2736,7 +2720,7 @@
           <a:p>
             <a:fld id="{BE2FDB20-DAD4-4104-830F-594634127219}" type="datetimeFigureOut">
               <a:rPr lang="en-US" smtClean="0"/>
-              <a:t>12/6/2016</a:t>
+              <a:t>12/5/2016</a:t>
             </a:fld>
             <a:endParaRPr lang="en-US"/>
           </a:p>
@@ -4157,8 +4141,8 @@
           </a:p>
         </p:txBody>
       </p:sp>
-      <mc:AlternateContent xmlns:mc="http://schemas.openxmlformats.org/markup-compatibility/2006" xmlns:a14="http://schemas.microsoft.com/office/drawing/2010/main">
-        <mc:Choice Requires="a14">
+      <mc:AlternateContent xmlns:mc="http://schemas.openxmlformats.org/markup-compatibility/2006">
+        <mc:Choice xmlns:a14="http://schemas.microsoft.com/office/drawing/2010/main" Requires="a14">
           <p:sp>
             <p:nvSpPr>
               <p:cNvPr id="100" name="TextShape 2"/>
@@ -4226,7 +4210,7 @@
                       <m:sSupPr>
                         <m:ctrlPr>
                           <a:rPr lang="pt-BR" sz="1600" b="0" i="1" smtClean="0">
-                            <a:latin typeface="Cambria Math" panose="02040503050406030204" pitchFamily="18" charset="0"/>
+                            <a:latin typeface="Cambria Math"/>
                             <a:ea typeface="Cambria Math"/>
                           </a:rPr>
                         </m:ctrlPr>
@@ -4276,8 +4260,8 @@
                         <m:begChr m:val="{"/>
                         <m:endChr m:val="}"/>
                         <m:ctrlPr>
-                          <a:rPr lang="pt-BR" sz="1600" b="0" i="1" smtClean="0">
-                            <a:latin typeface="Cambria Math" panose="02040503050406030204" pitchFamily="18" charset="0"/>
+                          <a:rPr lang="pt-BR" sz="1600" b="0" i="0" smtClean="0">
+                            <a:latin typeface="Cambria Math"/>
                             <a:ea typeface="Cambria Math"/>
                           </a:rPr>
                         </m:ctrlPr>
@@ -4287,7 +4271,7 @@
                           <m:sSubPr>
                             <m:ctrlPr>
                               <a:rPr lang="pt-BR" sz="1600" b="0" i="1" smtClean="0">
-                                <a:latin typeface="Cambria Math" panose="02040503050406030204" pitchFamily="18" charset="0"/>
+                                <a:latin typeface="Cambria Math"/>
                                 <a:ea typeface="Cambria Math"/>
                               </a:rPr>
                             </m:ctrlPr>
@@ -4322,7 +4306,7 @@
                           <m:sSubPr>
                             <m:ctrlPr>
                               <a:rPr lang="pt-BR" sz="1600" b="0" i="1" smtClean="0">
-                                <a:latin typeface="Cambria Math" panose="02040503050406030204" pitchFamily="18" charset="0"/>
+                                <a:latin typeface="Cambria Math"/>
                                 <a:ea typeface="Cambria Math"/>
                               </a:rPr>
                             </m:ctrlPr>
@@ -4357,7 +4341,7 @@
                           <m:sSubPr>
                             <m:ctrlPr>
                               <a:rPr lang="pt-BR" sz="1600" b="0" i="1" smtClean="0">
-                                <a:latin typeface="Cambria Math" panose="02040503050406030204" pitchFamily="18" charset="0"/>
+                                <a:latin typeface="Cambria Math"/>
                                 <a:ea typeface="Cambria Math"/>
                               </a:rPr>
                             </m:ctrlPr>
@@ -4423,7 +4407,7 @@
                       <m:sSupPr>
                         <m:ctrlPr>
                           <a:rPr lang="pt-BR" sz="1600" i="1">
-                            <a:latin typeface="Cambria Math" panose="02040503050406030204" pitchFamily="18" charset="0"/>
+                            <a:latin typeface="Cambria Math"/>
                             <a:ea typeface="Cambria Math"/>
                           </a:rPr>
                         </m:ctrlPr>
@@ -4474,7 +4458,7 @@
                         <m:endChr m:val="}"/>
                         <m:ctrlPr>
                           <a:rPr lang="pt-BR" sz="1600" b="0" i="1" smtClean="0">
-                            <a:latin typeface="Cambria Math" panose="02040503050406030204" pitchFamily="18" charset="0"/>
+                            <a:latin typeface="Cambria Math"/>
                             <a:ea typeface="Cambria Math"/>
                           </a:rPr>
                         </m:ctrlPr>
@@ -4484,7 +4468,7 @@
                           <m:sSubPr>
                             <m:ctrlPr>
                               <a:rPr lang="pt-BR" sz="1600" b="0" i="1" smtClean="0">
-                                <a:latin typeface="Cambria Math" panose="02040503050406030204" pitchFamily="18" charset="0"/>
+                                <a:latin typeface="Cambria Math"/>
                                 <a:ea typeface="Cambria Math"/>
                               </a:rPr>
                             </m:ctrlPr>
@@ -4519,7 +4503,7 @@
                           <m:sSubPr>
                             <m:ctrlPr>
                               <a:rPr lang="pt-BR" sz="1600" b="0" i="1" smtClean="0">
-                                <a:latin typeface="Cambria Math" panose="02040503050406030204" pitchFamily="18" charset="0"/>
+                                <a:latin typeface="Cambria Math"/>
                                 <a:ea typeface="Cambria Math"/>
                               </a:rPr>
                             </m:ctrlPr>
@@ -4554,7 +4538,7 @@
                           <m:sSubPr>
                             <m:ctrlPr>
                               <a:rPr lang="pt-BR" sz="1600" b="0" i="1" smtClean="0">
-                                <a:latin typeface="Cambria Math" panose="02040503050406030204" pitchFamily="18" charset="0"/>
+                                <a:latin typeface="Cambria Math"/>
                                 <a:ea typeface="Cambria Math"/>
                               </a:rPr>
                             </m:ctrlPr>
@@ -4582,359 +4566,7 @@
                     </m:d>
                   </m:oMath>
                 </a14:m>
-                <a:endParaRPr lang="pt-BR" dirty="0" smtClean="0"/>
-              </a:p>
-              <a:p>
-                <a:pPr marL="742950" lvl="1" indent="-285750">
-                  <a:buFont typeface="Arial" panose="020B0604020202020204" pitchFamily="34" charset="0"/>
-                  <a:buChar char="•"/>
-                </a:pPr>
                 <a:endParaRPr lang="pt-BR" dirty="0"/>
-              </a:p>
-              <a:p>
-                <a:pPr marL="742950" lvl="1" indent="-285750">
-                  <a:buFont typeface="Arial" panose="020B0604020202020204" pitchFamily="34" charset="0"/>
-                  <a:buChar char="•"/>
-                </a:pPr>
-                <a14:m>
-                  <m:oMath xmlns:m="http://schemas.openxmlformats.org/officeDocument/2006/math">
-                    <m:r>
-                      <a:rPr lang="pt-BR" sz="1600" i="1" smtClean="0">
-                        <a:latin typeface="Cambria Math"/>
-                      </a:rPr>
-                      <m:t>𝑠</m:t>
-                    </m:r>
-                    <m:d>
-                      <m:dPr>
-                        <m:ctrlPr>
-                          <a:rPr lang="pt-BR" sz="1600" i="1">
-                            <a:latin typeface="Cambria Math" panose="02040503050406030204" pitchFamily="18" charset="0"/>
-                          </a:rPr>
-                        </m:ctrlPr>
-                      </m:dPr>
-                      <m:e>
-                        <m:sSub>
-                          <m:sSubPr>
-                            <m:ctrlPr>
-                              <a:rPr lang="pt-BR" sz="1600" i="1">
-                                <a:latin typeface="Cambria Math" panose="02040503050406030204" pitchFamily="18" charset="0"/>
-                              </a:rPr>
-                            </m:ctrlPr>
-                          </m:sSubPr>
-                          <m:e>
-                            <m:r>
-                              <a:rPr lang="pt-BR" sz="1600" i="1">
-                                <a:latin typeface="Cambria Math"/>
-                              </a:rPr>
-                              <m:t>𝑦</m:t>
-                            </m:r>
-                          </m:e>
-                          <m:sub>
-                            <m:r>
-                              <a:rPr lang="pt-BR" sz="1600" i="1">
-                                <a:latin typeface="Cambria Math"/>
-                              </a:rPr>
-                              <m:t>𝑗</m:t>
-                            </m:r>
-                          </m:sub>
-                        </m:sSub>
-                      </m:e>
-                    </m:d>
-                    <m:r>
-                      <a:rPr lang="pt-BR" sz="1600" i="1">
-                        <a:latin typeface="Cambria Math"/>
-                      </a:rPr>
-                      <m:t>=</m:t>
-                    </m:r>
-                    <m:sSub>
-                      <m:sSubPr>
-                        <m:ctrlPr>
-                          <a:rPr lang="pt-BR" sz="1600" i="1">
-                            <a:latin typeface="Cambria Math" panose="02040503050406030204" pitchFamily="18" charset="0"/>
-                          </a:rPr>
-                        </m:ctrlPr>
-                      </m:sSubPr>
-                      <m:e>
-                        <m:r>
-                          <a:rPr lang="pt-BR" sz="1600" i="1">
-                            <a:latin typeface="Cambria Math"/>
-                          </a:rPr>
-                          <m:t>𝑥</m:t>
-                        </m:r>
-                      </m:e>
-                      <m:sub>
-                        <m:r>
-                          <a:rPr lang="pt-BR" sz="1600" i="1">
-                            <a:latin typeface="Cambria Math"/>
-                          </a:rPr>
-                          <m:t>𝑗</m:t>
-                        </m:r>
-                      </m:sub>
-                    </m:sSub>
-                  </m:oMath>
-                </a14:m>
-                <a:r>
-                  <a:rPr lang="pt-BR" sz="1600" dirty="0" smtClean="0"/>
-                  <a:t> ?</a:t>
-                </a:r>
-              </a:p>
-              <a:p>
-                <a:pPr marL="742950" lvl="1" indent="-285750">
-                  <a:buFont typeface="Arial" panose="020B0604020202020204" pitchFamily="34" charset="0"/>
-                  <a:buChar char="•"/>
-                </a:pPr>
-                <a:endParaRPr lang="pt-BR" sz="1600" dirty="0"/>
-              </a:p>
-              <a:p>
-                <a:pPr marL="742950" lvl="1" indent="-285750">
-                  <a:buFont typeface="Arial" panose="020B0604020202020204" pitchFamily="34" charset="0"/>
-                  <a:buChar char="•"/>
-                </a:pPr>
-                <a:r>
-                  <a:rPr lang="pt-BR" sz="1600" dirty="0">
-                    <a:ea typeface="Cambria Math"/>
-                  </a:rPr>
-                  <a:t>Dado um ponto </a:t>
-                </a:r>
-                <a14:m>
-                  <m:oMath xmlns:m="http://schemas.openxmlformats.org/officeDocument/2006/math">
-                    <m:r>
-                      <a:rPr lang="pt-BR" sz="1600" i="1">
-                        <a:latin typeface="Cambria Math"/>
-                        <a:ea typeface="Cambria Math"/>
-                      </a:rPr>
-                      <m:t>𝑝</m:t>
-                    </m:r>
-                    <m:r>
-                      <a:rPr lang="pt-BR" sz="1600" i="1">
-                        <a:latin typeface="Cambria Math"/>
-                        <a:ea typeface="Cambria Math"/>
-                      </a:rPr>
-                      <m:t>∈</m:t>
-                    </m:r>
-                    <m:sSup>
-                      <m:sSupPr>
-                        <m:ctrlPr>
-                          <a:rPr lang="pt-BR" sz="1600" i="1">
-                            <a:latin typeface="Cambria Math" panose="02040503050406030204" pitchFamily="18" charset="0"/>
-                            <a:ea typeface="Cambria Math"/>
-                          </a:rPr>
-                        </m:ctrlPr>
-                      </m:sSupPr>
-                      <m:e>
-                        <m:r>
-                          <a:rPr lang="pt-BR" sz="1600" i="1">
-                            <a:latin typeface="Cambria Math"/>
-                            <a:ea typeface="Cambria Math"/>
-                          </a:rPr>
-                          <m:t>ℝ</m:t>
-                        </m:r>
-                      </m:e>
-                      <m:sup>
-                        <m:r>
-                          <a:rPr lang="pt-BR" sz="1600" i="1">
-                            <a:latin typeface="Cambria Math"/>
-                            <a:ea typeface="Cambria Math"/>
-                          </a:rPr>
-                          <m:t>2</m:t>
-                        </m:r>
-                      </m:sup>
-                    </m:sSup>
-                  </m:oMath>
-                </a14:m>
-                <a:endParaRPr lang="pt-BR" sz="1600" dirty="0">
-                  <a:ea typeface="Cambria Math"/>
-                </a:endParaRPr>
-              </a:p>
-              <a:p>
-                <a:pPr marL="1200150" lvl="2" indent="-285750">
-                  <a:buFont typeface="Arial" panose="020B0604020202020204" pitchFamily="34" charset="0"/>
-                  <a:buChar char="•"/>
-                </a:pPr>
-                <a14:m>
-                  <m:oMath xmlns:m="http://schemas.openxmlformats.org/officeDocument/2006/math">
-                    <m:r>
-                      <a:rPr lang="pt-BR" sz="1600" i="1">
-                        <a:latin typeface="Cambria Math"/>
-                      </a:rPr>
-                      <m:t>𝑞</m:t>
-                    </m:r>
-                    <m:r>
-                      <a:rPr lang="pt-BR" sz="1600" i="1">
-                        <a:latin typeface="Cambria Math"/>
-                        <a:ea typeface="Cambria Math"/>
-                      </a:rPr>
-                      <m:t>∈</m:t>
-                    </m:r>
-                    <m:sSup>
-                      <m:sSupPr>
-                        <m:ctrlPr>
-                          <a:rPr lang="pt-BR" sz="1600" i="1">
-                            <a:latin typeface="Cambria Math" panose="02040503050406030204" pitchFamily="18" charset="0"/>
-                            <a:ea typeface="Cambria Math"/>
-                          </a:rPr>
-                        </m:ctrlPr>
-                      </m:sSupPr>
-                      <m:e>
-                        <m:r>
-                          <a:rPr lang="pt-BR" sz="1600" i="1">
-                            <a:latin typeface="Cambria Math"/>
-                            <a:ea typeface="Cambria Math"/>
-                          </a:rPr>
-                          <m:t>ℝ</m:t>
-                        </m:r>
-                      </m:e>
-                      <m:sup>
-                        <m:r>
-                          <a:rPr lang="pt-BR" sz="1600" i="1">
-                            <a:latin typeface="Cambria Math"/>
-                            <a:ea typeface="Cambria Math"/>
-                          </a:rPr>
-                          <m:t>𝑚</m:t>
-                        </m:r>
-                      </m:sup>
-                    </m:sSup>
-                    <m:r>
-                      <a:rPr lang="pt-BR" sz="1600" i="1">
-                        <a:latin typeface="Cambria Math"/>
-                        <a:ea typeface="Cambria Math"/>
-                      </a:rPr>
-                      <m:t>?</m:t>
-                    </m:r>
-                  </m:oMath>
-                </a14:m>
-                <a:endParaRPr lang="pt-BR" sz="1600" dirty="0"/>
-              </a:p>
-              <a:p>
-                <a:pPr marL="1200150" lvl="2" indent="-285750">
-                  <a:buFont typeface="Arial" panose="020B0604020202020204" pitchFamily="34" charset="0"/>
-                  <a:buChar char="•"/>
-                </a:pPr>
-                <a14:m>
-                  <m:oMath xmlns:m="http://schemas.openxmlformats.org/officeDocument/2006/math">
-                    <m:r>
-                      <a:rPr lang="pt-BR" sz="1600" i="1">
-                        <a:latin typeface="Cambria Math"/>
-                      </a:rPr>
-                      <m:t>𝑠</m:t>
-                    </m:r>
-                    <m:d>
-                      <m:dPr>
-                        <m:ctrlPr>
-                          <a:rPr lang="pt-BR" sz="1600" i="1">
-                            <a:latin typeface="Cambria Math" panose="02040503050406030204" pitchFamily="18" charset="0"/>
-                          </a:rPr>
-                        </m:ctrlPr>
-                      </m:dPr>
-                      <m:e>
-                        <m:r>
-                          <a:rPr lang="pt-BR" sz="1600" i="1">
-                            <a:latin typeface="Cambria Math" panose="02040503050406030204" pitchFamily="18" charset="0"/>
-                          </a:rPr>
-                          <m:t>𝑝</m:t>
-                        </m:r>
-                      </m:e>
-                    </m:d>
-                    <m:r>
-                      <a:rPr lang="pt-BR" sz="1600" i="1">
-                        <a:latin typeface="Cambria Math"/>
-                      </a:rPr>
-                      <m:t>=</m:t>
-                    </m:r>
-                    <m:r>
-                      <a:rPr lang="pt-BR" sz="1600" i="1">
-                        <a:latin typeface="Cambria Math" panose="02040503050406030204" pitchFamily="18" charset="0"/>
-                      </a:rPr>
-                      <m:t>𝑞</m:t>
-                    </m:r>
-                  </m:oMath>
-                </a14:m>
-                <a:endParaRPr lang="pt-BR" sz="1600" dirty="0"/>
-              </a:p>
-              <a:p>
-                <a:pPr lvl="1"/>
-                <a:endParaRPr lang="pt-BR" sz="1600" dirty="0"/>
-              </a:p>
-              <a:p>
-                <a:pPr marL="742950" lvl="1" indent="-285750">
-                  <a:buFont typeface="Arial" panose="020B0604020202020204" pitchFamily="34" charset="0"/>
-                  <a:buChar char="•"/>
-                </a:pPr>
-                <a14:m>
-                  <m:oMath xmlns:m="http://schemas.openxmlformats.org/officeDocument/2006/math">
-                    <m:r>
-                      <a:rPr lang="pt-BR" sz="1600" i="1" smtClean="0">
-                        <a:latin typeface="Cambria Math"/>
-                      </a:rPr>
-                      <m:t>𝑠</m:t>
-                    </m:r>
-                    <m:r>
-                      <a:rPr lang="pt-BR" sz="1600" i="1" smtClean="0">
-                        <a:latin typeface="Cambria Math"/>
-                      </a:rPr>
-                      <m:t>:</m:t>
-                    </m:r>
-                    <m:sSup>
-                      <m:sSupPr>
-                        <m:ctrlPr>
-                          <a:rPr lang="pt-BR" sz="1600" i="1">
-                            <a:latin typeface="Cambria Math" panose="02040503050406030204" pitchFamily="18" charset="0"/>
-                          </a:rPr>
-                        </m:ctrlPr>
-                      </m:sSupPr>
-                      <m:e>
-                        <m:r>
-                          <a:rPr lang="pt-BR" sz="1600" i="1">
-                            <a:latin typeface="Cambria Math"/>
-                            <a:ea typeface="Cambria Math"/>
-                          </a:rPr>
-                          <m:t>ℝ</m:t>
-                        </m:r>
-                      </m:e>
-                      <m:sup>
-                        <m:r>
-                          <a:rPr lang="pt-BR" sz="1600" i="1">
-                            <a:latin typeface="Cambria Math"/>
-                          </a:rPr>
-                          <m:t>2</m:t>
-                        </m:r>
-                      </m:sup>
-                    </m:sSup>
-                    <m:r>
-                      <a:rPr lang="pt-BR" sz="1600" i="1">
-                        <a:latin typeface="Cambria Math"/>
-                      </a:rPr>
-                      <m:t>→</m:t>
-                    </m:r>
-                    <m:sSup>
-                      <m:sSupPr>
-                        <m:ctrlPr>
-                          <a:rPr lang="pt-BR" sz="1600" i="1">
-                            <a:latin typeface="Cambria Math" panose="02040503050406030204" pitchFamily="18" charset="0"/>
-                          </a:rPr>
-                        </m:ctrlPr>
-                      </m:sSupPr>
-                      <m:e>
-                        <m:r>
-                          <a:rPr lang="pt-BR" sz="1600" i="1">
-                            <a:latin typeface="Cambria Math"/>
-                            <a:ea typeface="Cambria Math"/>
-                          </a:rPr>
-                          <m:t>ℝ</m:t>
-                        </m:r>
-                      </m:e>
-                      <m:sup>
-                        <m:r>
-                          <a:rPr lang="pt-BR" sz="1600" i="1">
-                            <a:latin typeface="Cambria Math"/>
-                          </a:rPr>
-                          <m:t>𝑚</m:t>
-                        </m:r>
-                      </m:sup>
-                    </m:sSup>
-                  </m:oMath>
-                </a14:m>
-                <a:endParaRPr lang="pt-BR" sz="1600" dirty="0"/>
               </a:p>
               <a:p>
                 <a:pPr marL="285750" indent="-285750">
@@ -4946,7 +4578,7 @@
             </p:txBody>
           </p:sp>
         </mc:Choice>
-        <mc:Fallback xmlns="">
+        <mc:Fallback>
           <p:sp>
             <p:nvSpPr>
               <p:cNvPr id="100" name="TextShape 2"/>
@@ -4963,10 +4595,10 @@
               <a:prstGeom prst="rect">
                 <a:avLst/>
               </a:prstGeom>
-              <a:blipFill rotWithShape="0">
+              <a:blipFill rotWithShape="1">
                 <a:blip r:embed="rId2"/>
                 <a:stretch>
-                  <a:fillRect l="-296" t="-404"/>
+                  <a:fillRect l="-222" t="-404"/>
                 </a:stretch>
               </a:blipFill>
               <a:ln>
@@ -4978,7 +4610,7 @@
               <a:lstStyle/>
               <a:p>
                 <a:r>
-                  <a:rPr lang="en-US">
+                  <a:rPr lang="pt-BR">
                     <a:noFill/>
                   </a:rPr>
                   <a:t> </a:t>
@@ -5111,8 +4743,8 @@
           </a:p>
         </p:txBody>
       </p:sp>
-      <mc:AlternateContent xmlns:mc="http://schemas.openxmlformats.org/markup-compatibility/2006" xmlns:a14="http://schemas.microsoft.com/office/drawing/2010/main">
-        <mc:Choice Requires="a14">
+      <mc:AlternateContent xmlns:mc="http://schemas.openxmlformats.org/markup-compatibility/2006">
+        <mc:Choice xmlns:a14="http://schemas.microsoft.com/office/drawing/2010/main" Requires="a14">
           <p:sp>
             <p:nvSpPr>
               <p:cNvPr id="7" name="TextBox 6"/>
@@ -5154,8 +4786,8 @@
                         <m:begChr m:val="["/>
                         <m:endChr m:val="]"/>
                         <m:ctrlPr>
-                          <a:rPr lang="pt-BR" sz="1600" b="0" i="1" smtClean="0">
-                            <a:latin typeface="Cambria Math" panose="02040503050406030204" pitchFamily="18" charset="0"/>
+                          <a:rPr lang="pt-BR" sz="1600" b="0" i="0" smtClean="0">
+                            <a:latin typeface="Cambria Math"/>
                           </a:rPr>
                         </m:ctrlPr>
                       </m:dPr>
@@ -5164,7 +4796,7 @@
                           <m:sSupPr>
                             <m:ctrlPr>
                               <a:rPr lang="pt-BR" sz="1600" b="0" i="1" smtClean="0">
-                                <a:latin typeface="Cambria Math" panose="02040503050406030204" pitchFamily="18" charset="0"/>
+                                <a:latin typeface="Cambria Math"/>
                               </a:rPr>
                             </m:ctrlPr>
                           </m:sSupPr>
@@ -5195,7 +4827,7 @@
             </p:txBody>
           </p:sp>
         </mc:Choice>
-        <mc:Fallback xmlns="">
+        <mc:Fallback>
           <p:sp>
             <p:nvSpPr>
               <p:cNvPr id="7" name="TextBox 6"/>
@@ -5234,8 +4866,8 @@
           </p:sp>
         </mc:Fallback>
       </mc:AlternateContent>
-      <mc:AlternateContent xmlns:mc="http://schemas.openxmlformats.org/markup-compatibility/2006" xmlns:a14="http://schemas.microsoft.com/office/drawing/2010/main">
-        <mc:Choice Requires="a14">
+      <mc:AlternateContent xmlns:mc="http://schemas.openxmlformats.org/markup-compatibility/2006">
+        <mc:Choice xmlns:a14="http://schemas.microsoft.com/office/drawing/2010/main" Requires="a14">
           <p:sp>
             <p:nvSpPr>
               <p:cNvPr id="8" name="TextBox 7"/>
@@ -5269,8 +4901,8 @@
                         <m:begChr m:val="["/>
                         <m:endChr m:val="]"/>
                         <m:ctrlPr>
-                          <a:rPr lang="pt-BR" sz="1600" b="0" i="1" smtClean="0">
-                            <a:latin typeface="Cambria Math" panose="02040503050406030204" pitchFamily="18" charset="0"/>
+                          <a:rPr lang="pt-BR" sz="1600" b="0" i="0" smtClean="0">
+                            <a:latin typeface="Cambria Math"/>
                           </a:rPr>
                         </m:ctrlPr>
                       </m:dPr>
@@ -5279,7 +4911,7 @@
                           <m:sSupPr>
                             <m:ctrlPr>
                               <a:rPr lang="pt-BR" sz="1600" b="0" i="1" smtClean="0">
-                                <a:latin typeface="Cambria Math" panose="02040503050406030204" pitchFamily="18" charset="0"/>
+                                <a:latin typeface="Cambria Math"/>
                               </a:rPr>
                             </m:ctrlPr>
                           </m:sSupPr>
@@ -5310,7 +4942,7 @@
             </p:txBody>
           </p:sp>
         </mc:Choice>
-        <mc:Fallback xmlns="">
+        <mc:Fallback>
           <p:sp>
             <p:nvSpPr>
               <p:cNvPr id="8" name="TextBox 7"/>
@@ -5496,192 +5128,58 @@
               <a:bodyPr/>
               <a:lstStyle/>
               <a:p>
-                <a:pPr marL="342900" indent="-342900">
+                <a:pPr marL="285750" indent="-285750">
                   <a:buFont typeface="Arial" panose="020B0604020202020204" pitchFamily="34" charset="0"/>
                   <a:buChar char="•"/>
                 </a:pPr>
                 <a:r>
-                  <a:rPr lang="pt-BR" sz="1200" dirty="0" smtClean="0">
-                    <a:latin typeface="Calibri" panose="020F0502020204030204" pitchFamily="34" charset="0"/>
-                  </a:rPr>
-                  <a:t>Elisa Amorim, Emilio Vital Brazil, Jesús Mena-Chalco, Luiz Velho, Luis Gustavo Nonato, Faramarz Samavati, and Mario Costa Sousa. 2015. Facing the high-dimensions</a:t>
-                </a:r>
-                <a:r>
-                  <a:rPr lang="en-US" sz="1200" dirty="0">
-                    <a:latin typeface="Calibri" panose="020F0502020204030204" pitchFamily="34" charset="0"/>
-                  </a:rPr>
-                  <a:t>: Inverse projection with radial basis functions</a:t>
-                </a:r>
-                <a:r>
-                  <a:rPr lang="pt-BR" sz="1200" dirty="0">
-                    <a:latin typeface="Calibri" panose="020F0502020204030204" pitchFamily="34" charset="0"/>
-                  </a:rPr>
-                  <a:t>. </a:t>
-                </a:r>
-                <a:r>
-                  <a:rPr lang="pt-BR" sz="1200" i="1" dirty="0">
-                    <a:latin typeface="Calibri" panose="020F0502020204030204" pitchFamily="34" charset="0"/>
-                  </a:rPr>
-                  <a:t>Comput. Graph.</a:t>
-                </a:r>
-                <a:r>
-                  <a:rPr lang="pt-BR" sz="1200" dirty="0">
-                    <a:latin typeface="Calibri" panose="020F0502020204030204" pitchFamily="34" charset="0"/>
-                  </a:rPr>
-                  <a:t> 48, C (May 2015), 35-47. DOI=http://</a:t>
-                </a:r>
-                <a:r>
-                  <a:rPr lang="pt-BR" sz="1200" dirty="0" smtClean="0">
-                    <a:latin typeface="Calibri" panose="020F0502020204030204" pitchFamily="34" charset="0"/>
-                  </a:rPr>
-                  <a:t>dx.doi.org/10.1016/j.cag.2015.02.009</a:t>
+                  <a:rPr lang="pt-BR" sz="1600" dirty="0" smtClean="0"/>
+                  <a:t>Problema:</a:t>
                 </a:r>
               </a:p>
               <a:p>
-                <a:pPr marL="342900" indent="-342900">
+                <a:pPr marL="742950" lvl="1" indent="-285750">
                   <a:buFont typeface="Arial" panose="020B0604020202020204" pitchFamily="34" charset="0"/>
                   <a:buChar char="•"/>
                 </a:pPr>
-                <a:endParaRPr lang="pt-BR" sz="1200" dirty="0" smtClean="0">
-                  <a:latin typeface="Calibri" panose="020F0502020204030204" pitchFamily="34" charset="0"/>
+                <a:endParaRPr lang="pt-BR" sz="1600" b="0" i="1" dirty="0" smtClean="0">
+                  <a:latin typeface="Cambria Math"/>
+                  <a:ea typeface="Cambria Math"/>
                 </a:endParaRPr>
               </a:p>
               <a:p>
-                <a:pPr marL="342900" indent="-342900">
-                  <a:buFont typeface="Arial" panose="020B0604020202020204" pitchFamily="34" charset="0"/>
-                  <a:buChar char="•"/>
-                </a:pPr>
-                <a:endParaRPr lang="pt-BR" sz="1400" dirty="0">
-                  <a:latin typeface="Calibri" panose="020F0502020204030204" pitchFamily="34" charset="0"/>
-                </a:endParaRPr>
-              </a:p>
-              <a:p>
-                <a:pPr marL="342900" indent="-342900">
+                <a:pPr marL="742950" lvl="1" indent="-285750">
                   <a:buFont typeface="Arial" panose="020B0604020202020204" pitchFamily="34" charset="0"/>
                   <a:buChar char="•"/>
                 </a:pPr>
                 <a14:m>
                   <m:oMath xmlns:m="http://schemas.openxmlformats.org/officeDocument/2006/math">
                     <m:r>
-                      <a:rPr lang="pt-BR" sz="1400" i="1">
-                        <a:latin typeface="Cambria Math"/>
-                      </a:rPr>
-                      <m:t>𝑠</m:t>
-                    </m:r>
-                    <m:d>
-                      <m:dPr>
-                        <m:ctrlPr>
-                          <a:rPr lang="pt-BR" sz="1400" i="1">
-                            <a:latin typeface="Cambria Math" panose="02040503050406030204" pitchFamily="18" charset="0"/>
-                          </a:rPr>
-                        </m:ctrlPr>
-                      </m:dPr>
-                      <m:e>
-                        <m:r>
-                          <a:rPr lang="pt-BR" sz="1400" b="0" i="1" smtClean="0">
-                            <a:latin typeface="Cambria Math" panose="02040503050406030204" pitchFamily="18" charset="0"/>
-                          </a:rPr>
-                          <m:t>𝑥</m:t>
-                        </m:r>
-                      </m:e>
-                    </m:d>
-                  </m:oMath>
-                </a14:m>
-                <a:r>
-                  <a:rPr lang="pt-BR" sz="1400" dirty="0" smtClean="0">
-                    <a:latin typeface="Calibri" panose="020F0502020204030204" pitchFamily="34" charset="0"/>
-                  </a:rPr>
-                  <a:t> é formada por combinações lineares de funções </a:t>
-                </a:r>
-              </a:p>
-              <a:p>
-                <a:r>
-                  <a:rPr lang="pt-BR" sz="1400" dirty="0" smtClean="0">
-                    <a:latin typeface="Calibri" panose="020F0502020204030204" pitchFamily="34" charset="0"/>
-                  </a:rPr>
-                  <a:t>radiais simétricas:</a:t>
-                </a:r>
-              </a:p>
-              <a:p>
-                <a:pPr marL="628650" lvl="1" indent="-171450">
-                  <a:buFont typeface="Arial" panose="020B0604020202020204" pitchFamily="34" charset="0"/>
-                  <a:buChar char="•"/>
-                </a:pPr>
-                <a14:m>
-                  <m:oMath xmlns:m="http://schemas.openxmlformats.org/officeDocument/2006/math">
-                    <m:r>
-                      <a:rPr lang="pt-BR" sz="1200" i="1">
+                      <a:rPr lang="pt-BR" sz="1600" b="0" i="1" smtClean="0">
                         <a:latin typeface="Cambria Math"/>
                         <a:ea typeface="Cambria Math"/>
                       </a:rPr>
-                      <m:t>𝜙</m:t>
-                    </m:r>
-                    <m:d>
-                      <m:dPr>
-                        <m:ctrlPr>
-                          <a:rPr lang="pt-BR" sz="1200" i="1">
-                            <a:latin typeface="Cambria Math" panose="02040503050406030204" pitchFamily="18" charset="0"/>
-                            <a:ea typeface="Cambria Math"/>
-                          </a:rPr>
-                        </m:ctrlPr>
-                      </m:dPr>
-                      <m:e>
-                        <m:d>
-                          <m:dPr>
-                            <m:begChr m:val="‖"/>
-                            <m:endChr m:val="‖"/>
-                            <m:ctrlPr>
-                              <a:rPr lang="pt-BR" sz="1200" i="1">
-                                <a:latin typeface="Cambria Math" panose="02040503050406030204" pitchFamily="18" charset="0"/>
-                                <a:ea typeface="Cambria Math"/>
-                              </a:rPr>
-                            </m:ctrlPr>
-                          </m:dPr>
-                          <m:e>
-                            <m:r>
-                              <a:rPr lang="pt-BR" sz="1200" b="0" i="1" smtClean="0">
-                                <a:latin typeface="Cambria Math" panose="02040503050406030204" pitchFamily="18" charset="0"/>
-                                <a:ea typeface="Cambria Math"/>
-                              </a:rPr>
-                              <m:t> . </m:t>
-                            </m:r>
-                          </m:e>
-                        </m:d>
-                      </m:e>
-                    </m:d>
-                    <m:r>
-                      <a:rPr lang="pt-BR" sz="1200" b="0" i="1" smtClean="0">
-                        <a:latin typeface="Cambria Math" panose="02040503050406030204" pitchFamily="18" charset="0"/>
-                        <a:ea typeface="Cambria Math"/>
-                      </a:rPr>
-                      <m:t>,           </m:t>
+                      <m:t>𝒳</m:t>
                     </m:r>
                     <m:r>
-                      <a:rPr lang="pt-BR" sz="1200" i="1">
+                      <a:rPr lang="pt-BR" sz="1600" b="0" i="1" smtClean="0">
                         <a:latin typeface="Cambria Math"/>
                         <a:ea typeface="Cambria Math"/>
                       </a:rPr>
-                      <m:t>𝜙</m:t>
-                    </m:r>
-                    <m:r>
-                      <a:rPr lang="pt-BR" sz="1200" i="1">
-                        <a:latin typeface="Cambria Math"/>
-                        <a:ea typeface="Cambria Math"/>
-                      </a:rPr>
-                      <m:t>:</m:t>
+                      <m:t>⊂</m:t>
                     </m:r>
                     <m:sSup>
                       <m:sSupPr>
                         <m:ctrlPr>
-                          <a:rPr lang="pt-BR" sz="1200" i="1">
-                            <a:latin typeface="Cambria Math" panose="02040503050406030204" pitchFamily="18" charset="0"/>
+                          <a:rPr lang="pt-BR" sz="1600" b="0" i="1" smtClean="0">
+                            <a:latin typeface="Cambria Math"/>
                             <a:ea typeface="Cambria Math"/>
                           </a:rPr>
                         </m:ctrlPr>
                       </m:sSupPr>
                       <m:e>
                         <m:r>
-                          <a:rPr lang="pt-BR" sz="1200" i="1">
+                          <a:rPr lang="pt-BR" sz="1600" i="1">
                             <a:latin typeface="Cambria Math"/>
                             <a:ea typeface="Cambria Math"/>
                           </a:rPr>
@@ -5690,651 +5188,693 @@
                       </m:e>
                       <m:sup>
                         <m:r>
-                          <a:rPr lang="pt-BR" sz="1200" i="1">
+                          <a:rPr lang="pt-BR" sz="1600" b="0" i="1" smtClean="0">
                             <a:latin typeface="Cambria Math"/>
                             <a:ea typeface="Cambria Math"/>
                           </a:rPr>
-                          <m:t>+</m:t>
+                          <m:t>𝑚</m:t>
                         </m:r>
                       </m:sup>
                     </m:sSup>
                     <m:r>
-                      <a:rPr lang="pt-BR" sz="1200" i="1">
+                      <a:rPr lang="pt-BR" sz="1600" i="1">
                         <a:latin typeface="Cambria Math"/>
                         <a:ea typeface="Cambria Math"/>
                       </a:rPr>
-                      <m:t>→</m:t>
+                      <m:t>,</m:t>
                     </m:r>
                     <m:r>
-                      <a:rPr lang="pt-BR" sz="1200" i="1" smtClean="0">
+                      <a:rPr lang="pt-BR" sz="1600" i="1">
                         <a:latin typeface="Cambria Math"/>
                         <a:ea typeface="Cambria Math"/>
                       </a:rPr>
-                      <m:t>ℝ</m:t>
+                      <m:t>𝒳</m:t>
                     </m:r>
+                    <m:r>
+                      <a:rPr lang="pt-BR" sz="1600" b="0" i="0" smtClean="0">
+                        <a:latin typeface="Cambria Math"/>
+                        <a:ea typeface="Cambria Math"/>
+                      </a:rPr>
+                      <m:t>=</m:t>
+                    </m:r>
+                    <m:d>
+                      <m:dPr>
+                        <m:begChr m:val="{"/>
+                        <m:endChr m:val="}"/>
+                        <m:ctrlPr>
+                          <a:rPr lang="pt-BR" sz="1600" b="0" i="0" smtClean="0">
+                            <a:latin typeface="Cambria Math"/>
+                            <a:ea typeface="Cambria Math"/>
+                          </a:rPr>
+                        </m:ctrlPr>
+                      </m:dPr>
+                      <m:e>
+                        <m:sSub>
+                          <m:sSubPr>
+                            <m:ctrlPr>
+                              <a:rPr lang="pt-BR" sz="1600" b="0" i="1" smtClean="0">
+                                <a:latin typeface="Cambria Math"/>
+                                <a:ea typeface="Cambria Math"/>
+                              </a:rPr>
+                            </m:ctrlPr>
+                          </m:sSubPr>
+                          <m:e>
+                            <m:r>
+                              <a:rPr lang="pt-BR" sz="1600" b="0" i="1" smtClean="0">
+                                <a:latin typeface="Cambria Math"/>
+                                <a:ea typeface="Cambria Math"/>
+                              </a:rPr>
+                              <m:t>𝑥</m:t>
+                            </m:r>
+                          </m:e>
+                          <m:sub>
+                            <m:r>
+                              <a:rPr lang="pt-BR" sz="1600" b="0" i="1" smtClean="0">
+                                <a:latin typeface="Cambria Math"/>
+                                <a:ea typeface="Cambria Math"/>
+                              </a:rPr>
+                              <m:t>1</m:t>
+                            </m:r>
+                          </m:sub>
+                        </m:sSub>
+                        <m:r>
+                          <a:rPr lang="pt-BR" sz="1600" b="0" i="1" smtClean="0">
+                            <a:latin typeface="Cambria Math"/>
+                            <a:ea typeface="Cambria Math"/>
+                          </a:rPr>
+                          <m:t>,</m:t>
+                        </m:r>
+                        <m:sSub>
+                          <m:sSubPr>
+                            <m:ctrlPr>
+                              <a:rPr lang="pt-BR" sz="1600" b="0" i="1" smtClean="0">
+                                <a:latin typeface="Cambria Math"/>
+                                <a:ea typeface="Cambria Math"/>
+                              </a:rPr>
+                            </m:ctrlPr>
+                          </m:sSubPr>
+                          <m:e>
+                            <m:r>
+                              <a:rPr lang="pt-BR" sz="1600" b="0" i="1" smtClean="0">
+                                <a:latin typeface="Cambria Math"/>
+                                <a:ea typeface="Cambria Math"/>
+                              </a:rPr>
+                              <m:t>𝑥</m:t>
+                            </m:r>
+                          </m:e>
+                          <m:sub>
+                            <m:r>
+                              <a:rPr lang="pt-BR" sz="1600" b="0" i="1" smtClean="0">
+                                <a:latin typeface="Cambria Math"/>
+                                <a:ea typeface="Cambria Math"/>
+                              </a:rPr>
+                              <m:t>2</m:t>
+                            </m:r>
+                          </m:sub>
+                        </m:sSub>
+                        <m:r>
+                          <a:rPr lang="pt-BR" sz="1600" b="0" i="1" smtClean="0">
+                            <a:latin typeface="Cambria Math"/>
+                            <a:ea typeface="Cambria Math"/>
+                          </a:rPr>
+                          <m:t>,…,</m:t>
+                        </m:r>
+                        <m:sSub>
+                          <m:sSubPr>
+                            <m:ctrlPr>
+                              <a:rPr lang="pt-BR" sz="1600" b="0" i="1" smtClean="0">
+                                <a:latin typeface="Cambria Math"/>
+                                <a:ea typeface="Cambria Math"/>
+                              </a:rPr>
+                            </m:ctrlPr>
+                          </m:sSubPr>
+                          <m:e>
+                            <m:r>
+                              <a:rPr lang="pt-BR" sz="1600" b="0" i="1" smtClean="0">
+                                <a:latin typeface="Cambria Math"/>
+                                <a:ea typeface="Cambria Math"/>
+                              </a:rPr>
+                              <m:t>𝑥</m:t>
+                            </m:r>
+                          </m:e>
+                          <m:sub>
+                            <m:r>
+                              <a:rPr lang="pt-BR" sz="1600" b="0" i="1" smtClean="0">
+                                <a:latin typeface="Cambria Math"/>
+                                <a:ea typeface="Cambria Math"/>
+                              </a:rPr>
+                              <m:t>𝑛</m:t>
+                            </m:r>
+                          </m:sub>
+                        </m:sSub>
+                      </m:e>
+                    </m:d>
                   </m:oMath>
                 </a14:m>
-                <a:endParaRPr lang="pt-BR" sz="1200" dirty="0" smtClean="0">
-                  <a:latin typeface="Calibri" panose="020F0502020204030204" pitchFamily="34" charset="0"/>
+                <a:endParaRPr lang="pt-BR" sz="1600" b="0" dirty="0" smtClean="0">
+                  <a:ea typeface="Cambria Math"/>
                 </a:endParaRPr>
               </a:p>
               <a:p>
-                <a:pPr marL="628650" lvl="1" indent="-171450">
+                <a:pPr marL="742950" lvl="1" indent="-285750">
+                  <a:buFont typeface="Arial" panose="020B0604020202020204" pitchFamily="34" charset="0"/>
+                  <a:buChar char="•"/>
+                </a:pPr>
+                <a:endParaRPr lang="pt-BR" sz="1600" b="0" dirty="0" smtClean="0">
+                  <a:ea typeface="Cambria Math"/>
+                </a:endParaRPr>
+              </a:p>
+              <a:p>
+                <a:pPr marL="742950" lvl="1" indent="-285750">
                   <a:buFont typeface="Arial" panose="020B0604020202020204" pitchFamily="34" charset="0"/>
                   <a:buChar char="•"/>
                 </a:pPr>
                 <a14:m>
                   <m:oMath xmlns:m="http://schemas.openxmlformats.org/officeDocument/2006/math">
                     <m:r>
-                      <a:rPr lang="pt-BR" sz="1200" b="0" i="1" smtClean="0">
-                        <a:latin typeface="Cambria Math" panose="02040503050406030204" pitchFamily="18" charset="0"/>
+                      <a:rPr lang="pt-BR" sz="1600" b="0" i="1" smtClean="0">
+                        <a:latin typeface="Cambria Math"/>
                         <a:ea typeface="Cambria Math"/>
                       </a:rPr>
-                      <m:t>𝐺𝑎𝑢𝑠𝑠𝑖𝑎𝑛</m:t>
+                      <m:t>𝒴</m:t>
                     </m:r>
                     <m:r>
-                      <a:rPr lang="pt-BR" sz="1200" b="0" i="1" smtClean="0">
-                        <a:latin typeface="Cambria Math" panose="02040503050406030204" pitchFamily="18" charset="0"/>
+                      <a:rPr lang="pt-BR" sz="1600" i="1">
+                        <a:latin typeface="Cambria Math"/>
                         <a:ea typeface="Cambria Math"/>
                       </a:rPr>
-                      <m:t>:</m:t>
+                      <m:t>⊂</m:t>
                     </m:r>
+                    <m:sSup>
+                      <m:sSupPr>
+                        <m:ctrlPr>
+                          <a:rPr lang="pt-BR" sz="1600" i="1">
+                            <a:latin typeface="Cambria Math"/>
+                            <a:ea typeface="Cambria Math"/>
+                          </a:rPr>
+                        </m:ctrlPr>
+                      </m:sSupPr>
+                      <m:e>
+                        <m:r>
+                          <a:rPr lang="pt-BR" sz="1600" i="1">
+                            <a:latin typeface="Cambria Math"/>
+                            <a:ea typeface="Cambria Math"/>
+                          </a:rPr>
+                          <m:t>ℝ</m:t>
+                        </m:r>
+                      </m:e>
+                      <m:sup>
+                        <m:r>
+                          <a:rPr lang="pt-BR" sz="1600" b="0" i="1" smtClean="0">
+                            <a:latin typeface="Cambria Math"/>
+                            <a:ea typeface="Cambria Math"/>
+                          </a:rPr>
+                          <m:t>2</m:t>
+                        </m:r>
+                      </m:sup>
+                    </m:sSup>
+                    <m:r>
+                      <a:rPr lang="pt-BR" sz="1600" b="0" i="1" smtClean="0">
+                        <a:latin typeface="Cambria Math"/>
+                        <a:ea typeface="Cambria Math"/>
+                      </a:rPr>
+                      <m:t>,</m:t>
+                    </m:r>
+                    <m:r>
+                      <a:rPr lang="pt-BR" sz="1600" i="1">
+                        <a:latin typeface="Cambria Math"/>
+                        <a:ea typeface="Cambria Math"/>
+                      </a:rPr>
+                      <m:t>𝒴</m:t>
+                    </m:r>
+                    <m:r>
+                      <a:rPr lang="pt-BR" sz="1600" b="0" i="1" smtClean="0">
+                        <a:latin typeface="Cambria Math"/>
+                        <a:ea typeface="Cambria Math"/>
+                      </a:rPr>
+                      <m:t>=</m:t>
+                    </m:r>
+                    <m:d>
+                      <m:dPr>
+                        <m:begChr m:val="{"/>
+                        <m:endChr m:val="}"/>
+                        <m:ctrlPr>
+                          <a:rPr lang="pt-BR" sz="1600" b="0" i="1" smtClean="0">
+                            <a:latin typeface="Cambria Math"/>
+                            <a:ea typeface="Cambria Math"/>
+                          </a:rPr>
+                        </m:ctrlPr>
+                      </m:dPr>
+                      <m:e>
+                        <m:sSub>
+                          <m:sSubPr>
+                            <m:ctrlPr>
+                              <a:rPr lang="pt-BR" sz="1600" b="0" i="1" smtClean="0">
+                                <a:latin typeface="Cambria Math"/>
+                                <a:ea typeface="Cambria Math"/>
+                              </a:rPr>
+                            </m:ctrlPr>
+                          </m:sSubPr>
+                          <m:e>
+                            <m:r>
+                              <a:rPr lang="pt-BR" sz="1600" b="0" i="1" smtClean="0">
+                                <a:latin typeface="Cambria Math"/>
+                                <a:ea typeface="Cambria Math"/>
+                              </a:rPr>
+                              <m:t>𝑦</m:t>
+                            </m:r>
+                          </m:e>
+                          <m:sub>
+                            <m:r>
+                              <a:rPr lang="pt-BR" sz="1600" b="0" i="1" smtClean="0">
+                                <a:latin typeface="Cambria Math"/>
+                                <a:ea typeface="Cambria Math"/>
+                              </a:rPr>
+                              <m:t>1</m:t>
+                            </m:r>
+                          </m:sub>
+                        </m:sSub>
+                        <m:r>
+                          <a:rPr lang="pt-BR" sz="1600" b="0" i="1" smtClean="0">
+                            <a:latin typeface="Cambria Math"/>
+                            <a:ea typeface="Cambria Math"/>
+                          </a:rPr>
+                          <m:t>,</m:t>
+                        </m:r>
+                        <m:sSub>
+                          <m:sSubPr>
+                            <m:ctrlPr>
+                              <a:rPr lang="pt-BR" sz="1600" b="0" i="1" smtClean="0">
+                                <a:latin typeface="Cambria Math"/>
+                                <a:ea typeface="Cambria Math"/>
+                              </a:rPr>
+                            </m:ctrlPr>
+                          </m:sSubPr>
+                          <m:e>
+                            <m:r>
+                              <a:rPr lang="pt-BR" sz="1600" b="0" i="1" smtClean="0">
+                                <a:latin typeface="Cambria Math"/>
+                                <a:ea typeface="Cambria Math"/>
+                              </a:rPr>
+                              <m:t>𝑦</m:t>
+                            </m:r>
+                          </m:e>
+                          <m:sub>
+                            <m:r>
+                              <a:rPr lang="pt-BR" sz="1600" b="0" i="1" smtClean="0">
+                                <a:latin typeface="Cambria Math"/>
+                                <a:ea typeface="Cambria Math"/>
+                              </a:rPr>
+                              <m:t>2</m:t>
+                            </m:r>
+                          </m:sub>
+                        </m:sSub>
+                        <m:r>
+                          <a:rPr lang="pt-BR" sz="1600" b="0" i="1" smtClean="0">
+                            <a:latin typeface="Cambria Math"/>
+                            <a:ea typeface="Cambria Math"/>
+                          </a:rPr>
+                          <m:t>,…,</m:t>
+                        </m:r>
+                        <m:sSub>
+                          <m:sSubPr>
+                            <m:ctrlPr>
+                              <a:rPr lang="pt-BR" sz="1600" b="0" i="1" smtClean="0">
+                                <a:latin typeface="Cambria Math"/>
+                                <a:ea typeface="Cambria Math"/>
+                              </a:rPr>
+                            </m:ctrlPr>
+                          </m:sSubPr>
+                          <m:e>
+                            <m:r>
+                              <a:rPr lang="pt-BR" sz="1600" b="0" i="1" smtClean="0">
+                                <a:latin typeface="Cambria Math"/>
+                                <a:ea typeface="Cambria Math"/>
+                              </a:rPr>
+                              <m:t>𝑦</m:t>
+                            </m:r>
+                          </m:e>
+                          <m:sub>
+                            <m:r>
+                              <a:rPr lang="pt-BR" sz="1600" b="0" i="1" smtClean="0">
+                                <a:latin typeface="Cambria Math"/>
+                                <a:ea typeface="Cambria Math"/>
+                              </a:rPr>
+                              <m:t>𝑛</m:t>
+                            </m:r>
+                          </m:sub>
+                        </m:sSub>
+                      </m:e>
+                    </m:d>
                   </m:oMath>
                 </a14:m>
-                <a:endParaRPr lang="pt-BR" sz="1200" b="0" i="1" dirty="0" smtClean="0">
-                  <a:latin typeface="Cambria Math" panose="02040503050406030204" pitchFamily="18" charset="0"/>
+                <a:endParaRPr lang="pt-BR" sz="1600" dirty="0" smtClean="0">
                   <a:ea typeface="Cambria Math"/>
                 </a:endParaRPr>
               </a:p>
               <a:p>
-                <a:pPr marL="1085850" lvl="2" indent="-171450">
+                <a:pPr marL="742950" lvl="1" indent="-285750">
+                  <a:buFont typeface="Arial" panose="020B0604020202020204" pitchFamily="34" charset="0"/>
+                  <a:buChar char="•"/>
+                </a:pPr>
+                <a:endParaRPr lang="pt-BR" sz="1600" dirty="0" smtClean="0">
+                  <a:ea typeface="Cambria Math"/>
+                </a:endParaRPr>
+              </a:p>
+              <a:p>
+                <a:pPr marL="742950" lvl="1" indent="-285750">
+                  <a:buFont typeface="Arial" panose="020B0604020202020204" pitchFamily="34" charset="0"/>
+                  <a:buChar char="•"/>
+                </a:pPr>
+                <a:endParaRPr lang="pt-BR" sz="1600" dirty="0" smtClean="0">
+                  <a:ea typeface="Cambria Math"/>
+                </a:endParaRPr>
+              </a:p>
+              <a:p>
+                <a:pPr marL="742950" lvl="1" indent="-285750">
+                  <a:buFont typeface="Arial" panose="020B0604020202020204" pitchFamily="34" charset="0"/>
+                  <a:buChar char="•"/>
+                </a:pPr>
+                <a:r>
+                  <a:rPr lang="pt-BR" sz="1600" dirty="0" smtClean="0">
+                    <a:ea typeface="Cambria Math"/>
+                  </a:rPr>
+                  <a:t>Dado um ponto </a:t>
+                </a:r>
+                <a14:m>
+                  <m:oMath xmlns:m="http://schemas.openxmlformats.org/officeDocument/2006/math">
+                    <m:r>
+                      <a:rPr lang="pt-BR" sz="1600" b="0" i="1" smtClean="0">
+                        <a:latin typeface="Cambria Math"/>
+                        <a:ea typeface="Cambria Math"/>
+                      </a:rPr>
+                      <m:t>𝑝</m:t>
+                    </m:r>
+                    <m:r>
+                      <a:rPr lang="pt-BR" sz="1600" b="0" i="1" smtClean="0">
+                        <a:latin typeface="Cambria Math"/>
+                        <a:ea typeface="Cambria Math"/>
+                      </a:rPr>
+                      <m:t>∈</m:t>
+                    </m:r>
+                    <m:sSup>
+                      <m:sSupPr>
+                        <m:ctrlPr>
+                          <a:rPr lang="pt-BR" sz="1600" b="0" i="1" smtClean="0">
+                            <a:latin typeface="Cambria Math"/>
+                            <a:ea typeface="Cambria Math"/>
+                          </a:rPr>
+                        </m:ctrlPr>
+                      </m:sSupPr>
+                      <m:e>
+                        <m:r>
+                          <a:rPr lang="pt-BR" sz="1600" i="1">
+                            <a:latin typeface="Cambria Math"/>
+                            <a:ea typeface="Cambria Math"/>
+                          </a:rPr>
+                          <m:t>ℝ</m:t>
+                        </m:r>
+                      </m:e>
+                      <m:sup>
+                        <m:r>
+                          <a:rPr lang="pt-BR" sz="1600" b="0" i="1" smtClean="0">
+                            <a:latin typeface="Cambria Math"/>
+                            <a:ea typeface="Cambria Math"/>
+                          </a:rPr>
+                          <m:t>2</m:t>
+                        </m:r>
+                      </m:sup>
+                    </m:sSup>
+                  </m:oMath>
+                </a14:m>
+                <a:endParaRPr lang="pt-BR" sz="1600" dirty="0" smtClean="0">
+                  <a:ea typeface="Cambria Math"/>
+                </a:endParaRPr>
+              </a:p>
+              <a:p>
+                <a:pPr marL="742950" lvl="1" indent="-285750">
+                  <a:buFont typeface="Arial" panose="020B0604020202020204" pitchFamily="34" charset="0"/>
+                  <a:buChar char="•"/>
+                </a:pPr>
+                <a:endParaRPr lang="pt-BR" sz="1600" dirty="0" smtClean="0">
+                  <a:ea typeface="Cambria Math"/>
+                </a:endParaRPr>
+              </a:p>
+              <a:p>
+                <a:pPr marL="742950" lvl="1" indent="-285750">
+                  <a:buFont typeface="Arial" panose="020B0604020202020204" pitchFamily="34" charset="0"/>
+                  <a:buChar char="•"/>
+                </a:pPr>
+                <a:r>
+                  <a:rPr lang="pt-BR" sz="1600" b="0" dirty="0" smtClean="0"/>
+                  <a:t>Qual o ponto </a:t>
+                </a:r>
+                <a14:m>
+                  <m:oMath xmlns:m="http://schemas.openxmlformats.org/officeDocument/2006/math">
+                    <m:r>
+                      <a:rPr lang="pt-BR" sz="1600" b="0" i="1" smtClean="0">
+                        <a:latin typeface="Cambria Math"/>
+                      </a:rPr>
+                      <m:t>𝑞</m:t>
+                    </m:r>
+                    <m:r>
+                      <a:rPr lang="pt-BR" sz="1600" i="1">
+                        <a:latin typeface="Cambria Math"/>
+                        <a:ea typeface="Cambria Math"/>
+                      </a:rPr>
+                      <m:t>∈</m:t>
+                    </m:r>
+                    <m:sSup>
+                      <m:sSupPr>
+                        <m:ctrlPr>
+                          <a:rPr lang="pt-BR" sz="1600" b="0" i="1" smtClean="0">
+                            <a:latin typeface="Cambria Math"/>
+                            <a:ea typeface="Cambria Math"/>
+                          </a:rPr>
+                        </m:ctrlPr>
+                      </m:sSupPr>
+                      <m:e>
+                        <m:r>
+                          <a:rPr lang="pt-BR" sz="1600" i="1">
+                            <a:latin typeface="Cambria Math"/>
+                            <a:ea typeface="Cambria Math"/>
+                          </a:rPr>
+                          <m:t>ℝ</m:t>
+                        </m:r>
+                      </m:e>
+                      <m:sup>
+                        <m:r>
+                          <a:rPr lang="pt-BR" sz="1600" b="0" i="1" smtClean="0">
+                            <a:latin typeface="Cambria Math"/>
+                            <a:ea typeface="Cambria Math"/>
+                          </a:rPr>
+                          <m:t>𝑚</m:t>
+                        </m:r>
+                      </m:sup>
+                    </m:sSup>
+                    <m:r>
+                      <a:rPr lang="pt-BR" sz="1600" b="0" i="1" smtClean="0">
+                        <a:latin typeface="Cambria Math"/>
+                        <a:ea typeface="Cambria Math"/>
+                      </a:rPr>
+                      <m:t>?</m:t>
+                    </m:r>
+                  </m:oMath>
+                </a14:m>
+                <a:endParaRPr lang="pt-BR" sz="1600" dirty="0" smtClean="0"/>
+              </a:p>
+              <a:p>
+                <a:pPr marL="742950" lvl="1" indent="-285750">
+                  <a:buFont typeface="Arial" panose="020B0604020202020204" pitchFamily="34" charset="0"/>
+                  <a:buChar char="•"/>
+                </a:pPr>
+                <a:endParaRPr lang="pt-BR" sz="1600" dirty="0"/>
+              </a:p>
+              <a:p>
+                <a:pPr marL="742950" lvl="1" indent="-285750">
                   <a:buFont typeface="Arial" panose="020B0604020202020204" pitchFamily="34" charset="0"/>
                   <a:buChar char="•"/>
                 </a:pPr>
                 <a14:m>
                   <m:oMath xmlns:m="http://schemas.openxmlformats.org/officeDocument/2006/math">
                     <m:r>
-                      <a:rPr lang="pt-BR" sz="1200" i="1">
+                      <a:rPr lang="pt-BR" sz="1600" b="0" i="1" smtClean="0">
                         <a:latin typeface="Cambria Math"/>
-                        <a:ea typeface="Cambria Math"/>
                       </a:rPr>
-                      <m:t>𝜙</m:t>
+                      <m:t>𝑠</m:t>
                     </m:r>
-                    <m:d>
-                      <m:dPr>
-                        <m:ctrlPr>
-                          <a:rPr lang="pt-BR" sz="1200" i="1">
-                            <a:latin typeface="Cambria Math" panose="02040503050406030204" pitchFamily="18" charset="0"/>
-                            <a:ea typeface="Cambria Math"/>
-                          </a:rPr>
-                        </m:ctrlPr>
-                      </m:dPr>
-                      <m:e>
-                        <m:r>
-                          <a:rPr lang="pt-BR" sz="1200" b="0" i="1" smtClean="0">
-                            <a:latin typeface="Cambria Math" panose="02040503050406030204" pitchFamily="18" charset="0"/>
-                            <a:ea typeface="Cambria Math"/>
-                          </a:rPr>
-                          <m:t>𝑟</m:t>
-                        </m:r>
-                      </m:e>
-                    </m:d>
                     <m:r>
-                      <a:rPr lang="pt-BR" sz="1200" b="0" i="1" smtClean="0">
-                        <a:latin typeface="Cambria Math" panose="02040503050406030204" pitchFamily="18" charset="0"/>
-                        <a:ea typeface="Cambria Math"/>
+                      <a:rPr lang="pt-BR" sz="1600" b="0" i="1" smtClean="0">
+                        <a:latin typeface="Cambria Math"/>
                       </a:rPr>
-                      <m:t>=</m:t>
+                      <m:t>:</m:t>
                     </m:r>
                     <m:sSup>
                       <m:sSupPr>
                         <m:ctrlPr>
-                          <a:rPr lang="pt-BR" sz="1200" b="0" i="1" smtClean="0">
-                            <a:latin typeface="Cambria Math" panose="02040503050406030204" pitchFamily="18" charset="0"/>
-                            <a:ea typeface="Cambria Math"/>
+                          <a:rPr lang="pt-BR" sz="1600" b="0" i="1" smtClean="0">
+                            <a:latin typeface="Cambria Math"/>
                           </a:rPr>
                         </m:ctrlPr>
                       </m:sSupPr>
                       <m:e>
                         <m:r>
-                          <a:rPr lang="pt-BR" sz="1200" b="0" i="1" smtClean="0">
-                            <a:latin typeface="Cambria Math" panose="02040503050406030204" pitchFamily="18" charset="0"/>
+                          <a:rPr lang="pt-BR" sz="1600" i="1">
+                            <a:latin typeface="Cambria Math"/>
                             <a:ea typeface="Cambria Math"/>
                           </a:rPr>
-                          <m:t>𝑒</m:t>
+                          <m:t>ℝ</m:t>
                         </m:r>
                       </m:e>
                       <m:sup>
                         <m:r>
-                          <a:rPr lang="pt-BR" sz="1200" b="0" i="1" smtClean="0">
-                            <a:latin typeface="Cambria Math" panose="02040503050406030204" pitchFamily="18" charset="0"/>
+                          <a:rPr lang="pt-BR" sz="1600" b="0" i="1" smtClean="0">
+                            <a:latin typeface="Cambria Math"/>
+                          </a:rPr>
+                          <m:t>2</m:t>
+                        </m:r>
+                      </m:sup>
+                    </m:sSup>
+                    <m:r>
+                      <a:rPr lang="pt-BR" sz="1600" b="0" i="1" smtClean="0">
+                        <a:latin typeface="Cambria Math"/>
+                      </a:rPr>
+                      <m:t>→</m:t>
+                    </m:r>
+                    <m:sSup>
+                      <m:sSupPr>
+                        <m:ctrlPr>
+                          <a:rPr lang="pt-BR" sz="1600" b="0" i="1" smtClean="0">
+                            <a:latin typeface="Cambria Math"/>
+                          </a:rPr>
+                        </m:ctrlPr>
+                      </m:sSupPr>
+                      <m:e>
+                        <m:r>
+                          <a:rPr lang="pt-BR" sz="1600" i="1">
+                            <a:latin typeface="Cambria Math"/>
                             <a:ea typeface="Cambria Math"/>
                           </a:rPr>
-                          <m:t>−</m:t>
+                          <m:t>ℝ</m:t>
                         </m:r>
-                        <m:d>
-                          <m:dPr>
-                            <m:ctrlPr>
-                              <a:rPr lang="pt-BR" sz="1200" b="0" i="1" smtClean="0">
-                                <a:latin typeface="Cambria Math" panose="02040503050406030204" pitchFamily="18" charset="0"/>
-                                <a:ea typeface="Cambria Math"/>
-                              </a:rPr>
-                            </m:ctrlPr>
-                          </m:dPr>
-                          <m:e>
-                            <m:r>
-                              <a:rPr lang="pt-BR" sz="1200" b="0" i="1" smtClean="0">
-                                <a:latin typeface="Cambria Math" panose="02040503050406030204" pitchFamily="18" charset="0"/>
-                                <a:ea typeface="Cambria Math" panose="02040503050406030204" pitchFamily="18" charset="0"/>
-                              </a:rPr>
-                              <m:t>𝜀</m:t>
-                            </m:r>
-                            <m:r>
-                              <a:rPr lang="pt-BR" sz="1200" b="0" i="1" smtClean="0">
-                                <a:latin typeface="Cambria Math" panose="02040503050406030204" pitchFamily="18" charset="0"/>
-                                <a:ea typeface="Cambria Math" panose="02040503050406030204" pitchFamily="18" charset="0"/>
-                              </a:rPr>
-                              <m:t>𝑟</m:t>
-                            </m:r>
-                          </m:e>
-                        </m:d>
+                      </m:e>
+                      <m:sup>
                         <m:r>
-                          <a:rPr lang="pt-BR" sz="1200" b="0" i="1" smtClean="0">
-                            <a:latin typeface="Cambria Math" panose="02040503050406030204" pitchFamily="18" charset="0"/>
-                            <a:ea typeface="Cambria Math"/>
+                          <a:rPr lang="pt-BR" sz="1600" b="0" i="1" smtClean="0">
+                            <a:latin typeface="Cambria Math"/>
                           </a:rPr>
-                          <m:t>²</m:t>
+                          <m:t>𝑚</m:t>
                         </m:r>
                       </m:sup>
                     </m:sSup>
                   </m:oMath>
                 </a14:m>
-                <a:endParaRPr lang="pt-BR" sz="1200" dirty="0" smtClean="0">
-                  <a:latin typeface="Calibri" panose="020F0502020204030204" pitchFamily="34" charset="0"/>
-                </a:endParaRPr>
+                <a:endParaRPr lang="pt-BR" sz="1600" dirty="0" smtClean="0"/>
               </a:p>
               <a:p>
-                <a:pPr marL="628650" lvl="1" indent="-171450">
+                <a:pPr marL="742950" lvl="1" indent="-285750">
+                  <a:buFont typeface="Arial" panose="020B0604020202020204" pitchFamily="34" charset="0"/>
+                  <a:buChar char="•"/>
+                </a:pPr>
+                <a:endParaRPr lang="pt-BR" sz="1600" dirty="0"/>
+              </a:p>
+              <a:p>
+                <a:pPr marL="742950" lvl="1" indent="-285750">
                   <a:buFont typeface="Arial" panose="020B0604020202020204" pitchFamily="34" charset="0"/>
                   <a:buChar char="•"/>
                 </a:pPr>
                 <a14:m>
                   <m:oMath xmlns:m="http://schemas.openxmlformats.org/officeDocument/2006/math">
                     <m:r>
-                      <a:rPr lang="pt-BR" sz="1200" b="0" i="1" smtClean="0">
-                        <a:latin typeface="Cambria Math" panose="02040503050406030204" pitchFamily="18" charset="0"/>
-                        <a:ea typeface="Cambria Math"/>
-                      </a:rPr>
-                      <m:t>𝑀𝑢𝑙𝑡𝑖𝑞𝑢𝑎𝑑𝑟𝑖𝑐</m:t>
-                    </m:r>
-                    <m:r>
-                      <a:rPr lang="pt-BR" sz="1200" i="1">
-                        <a:latin typeface="Cambria Math" panose="02040503050406030204" pitchFamily="18" charset="0"/>
-                        <a:ea typeface="Cambria Math"/>
-                      </a:rPr>
-                      <m:t>:</m:t>
-                    </m:r>
-                  </m:oMath>
-                </a14:m>
-                <a:endParaRPr lang="pt-BR" sz="1200" i="1" dirty="0">
-                  <a:latin typeface="Cambria Math" panose="02040503050406030204" pitchFamily="18" charset="0"/>
-                  <a:ea typeface="Cambria Math"/>
-                </a:endParaRPr>
-              </a:p>
-              <a:p>
-                <a:pPr marL="1085850" lvl="2" indent="-171450">
-                  <a:buFont typeface="Arial" panose="020B0604020202020204" pitchFamily="34" charset="0"/>
-                  <a:buChar char="•"/>
-                </a:pPr>
-                <a14:m>
-                  <m:oMath xmlns:m="http://schemas.openxmlformats.org/officeDocument/2006/math">
-                    <m:r>
-                      <a:rPr lang="pt-BR" sz="1200" i="1">
+                      <a:rPr lang="pt-BR" sz="1600" i="1">
                         <a:latin typeface="Cambria Math"/>
-                        <a:ea typeface="Cambria Math"/>
-                      </a:rPr>
-                      <m:t>𝜙</m:t>
-                    </m:r>
-                    <m:d>
-                      <m:dPr>
-                        <m:ctrlPr>
-                          <a:rPr lang="pt-BR" sz="1200" i="1">
-                            <a:latin typeface="Cambria Math" panose="02040503050406030204" pitchFamily="18" charset="0"/>
-                            <a:ea typeface="Cambria Math"/>
-                          </a:rPr>
-                        </m:ctrlPr>
-                      </m:dPr>
-                      <m:e>
-                        <m:r>
-                          <a:rPr lang="pt-BR" sz="1200" i="1">
-                            <a:latin typeface="Cambria Math" panose="02040503050406030204" pitchFamily="18" charset="0"/>
-                            <a:ea typeface="Cambria Math"/>
-                          </a:rPr>
-                          <m:t>𝑟</m:t>
-                        </m:r>
-                      </m:e>
-                    </m:d>
-                    <m:r>
-                      <a:rPr lang="pt-BR" sz="1200" i="1">
-                        <a:latin typeface="Cambria Math" panose="02040503050406030204" pitchFamily="18" charset="0"/>
-                        <a:ea typeface="Cambria Math"/>
-                      </a:rPr>
-                      <m:t>=</m:t>
-                    </m:r>
-                    <m:rad>
-                      <m:radPr>
-                        <m:degHide m:val="on"/>
-                        <m:ctrlPr>
-                          <a:rPr lang="pt-BR" sz="1200" i="1" smtClean="0">
-                            <a:latin typeface="Cambria Math" panose="02040503050406030204" pitchFamily="18" charset="0"/>
-                            <a:ea typeface="Cambria Math"/>
-                          </a:rPr>
-                        </m:ctrlPr>
-                      </m:radPr>
-                      <m:deg/>
-                      <m:e>
-                        <m:sSup>
-                          <m:sSupPr>
-                            <m:ctrlPr>
-                              <a:rPr lang="pt-BR" sz="1200" b="0" i="1" smtClean="0">
-                                <a:latin typeface="Cambria Math" panose="02040503050406030204" pitchFamily="18" charset="0"/>
-                                <a:ea typeface="Cambria Math"/>
-                              </a:rPr>
-                            </m:ctrlPr>
-                          </m:sSupPr>
-                          <m:e>
-                            <m:r>
-                              <a:rPr lang="pt-BR" sz="1200" b="0" i="1" smtClean="0">
-                                <a:latin typeface="Cambria Math" panose="02040503050406030204" pitchFamily="18" charset="0"/>
-                                <a:ea typeface="Cambria Math"/>
-                              </a:rPr>
-                              <m:t>𝑐</m:t>
-                            </m:r>
-                          </m:e>
-                          <m:sup>
-                            <m:r>
-                              <a:rPr lang="pt-BR" sz="1200" b="0" i="1" smtClean="0">
-                                <a:latin typeface="Cambria Math" panose="02040503050406030204" pitchFamily="18" charset="0"/>
-                                <a:ea typeface="Cambria Math"/>
-                              </a:rPr>
-                              <m:t>2</m:t>
-                            </m:r>
-                          </m:sup>
-                        </m:sSup>
-                        <m:r>
-                          <a:rPr lang="pt-BR" sz="1200" b="0" i="1" smtClean="0">
-                            <a:latin typeface="Cambria Math" panose="02040503050406030204" pitchFamily="18" charset="0"/>
-                            <a:ea typeface="Cambria Math"/>
-                          </a:rPr>
-                          <m:t>+</m:t>
-                        </m:r>
-                        <m:r>
-                          <a:rPr lang="pt-BR" sz="1200" i="1">
-                            <a:latin typeface="Cambria Math" panose="02040503050406030204" pitchFamily="18" charset="0"/>
-                            <a:ea typeface="Cambria Math" panose="02040503050406030204" pitchFamily="18" charset="0"/>
-                          </a:rPr>
-                          <m:t>𝜀</m:t>
-                        </m:r>
-                        <m:r>
-                          <a:rPr lang="pt-BR" sz="1200" i="1">
-                            <a:latin typeface="Cambria Math" panose="02040503050406030204" pitchFamily="18" charset="0"/>
-                            <a:ea typeface="Cambria Math" panose="02040503050406030204" pitchFamily="18" charset="0"/>
-                          </a:rPr>
-                          <m:t>𝑟</m:t>
-                        </m:r>
-                        <m:r>
-                          <a:rPr lang="pt-BR" sz="1200" b="0" i="1" smtClean="0">
-                            <a:latin typeface="Cambria Math" panose="02040503050406030204" pitchFamily="18" charset="0"/>
-                            <a:ea typeface="Cambria Math" panose="02040503050406030204" pitchFamily="18" charset="0"/>
-                          </a:rPr>
-                          <m:t>²</m:t>
-                        </m:r>
-                      </m:e>
-                    </m:rad>
-                  </m:oMath>
-                </a14:m>
-                <a:endParaRPr lang="pt-BR" sz="1200" dirty="0">
-                  <a:latin typeface="Calibri" panose="020F0502020204030204" pitchFamily="34" charset="0"/>
-                </a:endParaRPr>
-              </a:p>
-              <a:p>
-                <a:pPr lvl="1"/>
-                <a:endParaRPr lang="pt-BR" sz="1400" dirty="0">
-                  <a:latin typeface="Calibri" panose="020F0502020204030204" pitchFamily="34" charset="0"/>
-                </a:endParaRPr>
-              </a:p>
-              <a:p>
-                <a:pPr lvl="1"/>
-                <a:endParaRPr lang="pt-BR" sz="1400" dirty="0">
-                  <a:latin typeface="Calibri" panose="020F0502020204030204" pitchFamily="34" charset="0"/>
-                </a:endParaRPr>
-              </a:p>
-              <a:p>
-                <a:pPr marL="171450" indent="-171450">
-                  <a:buFont typeface="Arial" panose="020B0604020202020204" pitchFamily="34" charset="0"/>
-                  <a:buChar char="•"/>
-                </a:pPr>
-                <a:r>
-                  <a:rPr lang="pt-BR" sz="1400" dirty="0" smtClean="0">
-                    <a:latin typeface="Calibri" panose="020F0502020204030204" pitchFamily="34" charset="0"/>
-                  </a:rPr>
-                  <a:t>Depende apenas da distância euclidiana de um ponto em </a:t>
-                </a:r>
-              </a:p>
-              <a:p>
-                <a:r>
-                  <a:rPr lang="pt-BR" sz="1400" dirty="0" smtClean="0">
-                    <a:latin typeface="Calibri" panose="020F0502020204030204" pitchFamily="34" charset="0"/>
-                  </a:rPr>
-                  <a:t>relação à origem</a:t>
-                </a:r>
-              </a:p>
-              <a:p>
-                <a:endParaRPr lang="pt-BR" sz="1400" dirty="0">
-                  <a:latin typeface="Calibri" panose="020F0502020204030204" pitchFamily="34" charset="0"/>
-                </a:endParaRPr>
-              </a:p>
-              <a:p>
-                <a:endParaRPr lang="pt-BR" sz="1400" dirty="0" smtClean="0">
-                  <a:latin typeface="Calibri" panose="020F0502020204030204" pitchFamily="34" charset="0"/>
-                </a:endParaRPr>
-              </a:p>
-              <a:p>
-                <a:pPr marL="171450" indent="-171450">
-                  <a:buFont typeface="Arial" panose="020B0604020202020204" pitchFamily="34" charset="0"/>
-                  <a:buChar char="•"/>
-                </a:pPr>
-                <a:r>
-                  <a:rPr lang="pt-BR" sz="1400" dirty="0" smtClean="0">
-                    <a:latin typeface="Calibri" panose="020F0502020204030204" pitchFamily="34" charset="0"/>
-                  </a:rPr>
-                  <a:t>Função de interpolação</a:t>
-                </a:r>
-              </a:p>
-              <a:p>
-                <a:pPr marL="628650" lvl="1" indent="-171450">
-                  <a:buFont typeface="Arial" panose="020B0604020202020204" pitchFamily="34" charset="0"/>
-                  <a:buChar char="•"/>
-                </a:pPr>
-                <a14:m>
-                  <m:oMath xmlns:m="http://schemas.openxmlformats.org/officeDocument/2006/math">
-                    <m:r>
-                      <a:rPr lang="pt-BR" sz="1200" i="1">
-                        <a:latin typeface="Cambria Math" panose="02040503050406030204" pitchFamily="18" charset="0"/>
-                        <a:ea typeface="Cambria Math" panose="02040503050406030204" pitchFamily="18" charset="0"/>
                       </a:rPr>
                       <m:t>𝑠</m:t>
                     </m:r>
                     <m:d>
                       <m:dPr>
                         <m:ctrlPr>
-                          <a:rPr lang="pt-BR" sz="1200" i="1">
-                            <a:latin typeface="Cambria Math" panose="02040503050406030204" pitchFamily="18" charset="0"/>
-                            <a:ea typeface="Cambria Math" panose="02040503050406030204" pitchFamily="18" charset="0"/>
+                          <a:rPr lang="pt-BR" sz="1600" i="1">
+                            <a:latin typeface="Cambria Math"/>
                           </a:rPr>
                         </m:ctrlPr>
                       </m:dPr>
                       <m:e>
-                        <m:r>
-                          <a:rPr lang="pt-BR" sz="1200" i="1">
-                            <a:latin typeface="Cambria Math" panose="02040503050406030204" pitchFamily="18" charset="0"/>
-                            <a:ea typeface="Cambria Math" panose="02040503050406030204" pitchFamily="18" charset="0"/>
-                          </a:rPr>
-                          <m:t>𝑥</m:t>
-                        </m:r>
-                      </m:e>
-                    </m:d>
-                    <m:r>
-                      <a:rPr lang="pt-BR" sz="1200" i="1">
-                        <a:latin typeface="Cambria Math" panose="02040503050406030204" pitchFamily="18" charset="0"/>
-                        <a:ea typeface="Cambria Math" panose="02040503050406030204" pitchFamily="18" charset="0"/>
-                      </a:rPr>
-                      <m:t>=</m:t>
-                    </m:r>
-                    <m:nary>
-                      <m:naryPr>
-                        <m:chr m:val="∑"/>
-                        <m:ctrlPr>
-                          <a:rPr lang="pt-BR" sz="1200" i="1">
-                            <a:latin typeface="Cambria Math" panose="02040503050406030204" pitchFamily="18" charset="0"/>
-                            <a:ea typeface="Cambria Math" panose="02040503050406030204" pitchFamily="18" charset="0"/>
-                          </a:rPr>
-                        </m:ctrlPr>
-                      </m:naryPr>
-                      <m:sub>
-                        <m:r>
-                          <m:rPr>
-                            <m:brk m:alnAt="23"/>
-                          </m:rPr>
-                          <a:rPr lang="pt-BR" sz="1200" i="1">
-                            <a:latin typeface="Cambria Math" panose="02040503050406030204" pitchFamily="18" charset="0"/>
-                            <a:ea typeface="Cambria Math" panose="02040503050406030204" pitchFamily="18" charset="0"/>
-                          </a:rPr>
-                          <m:t>𝑖</m:t>
-                        </m:r>
-                        <m:r>
-                          <a:rPr lang="pt-BR" sz="1200" i="1">
-                            <a:latin typeface="Cambria Math" panose="02040503050406030204" pitchFamily="18" charset="0"/>
-                            <a:ea typeface="Cambria Math" panose="02040503050406030204" pitchFamily="18" charset="0"/>
-                          </a:rPr>
-                          <m:t>=1</m:t>
-                        </m:r>
-                      </m:sub>
-                      <m:sup>
-                        <m:r>
-                          <a:rPr lang="pt-BR" sz="1200" i="1">
-                            <a:latin typeface="Cambria Math" panose="02040503050406030204" pitchFamily="18" charset="0"/>
-                            <a:ea typeface="Cambria Math" panose="02040503050406030204" pitchFamily="18" charset="0"/>
-                          </a:rPr>
-                          <m:t>𝑛</m:t>
-                        </m:r>
-                      </m:sup>
-                      <m:e>
                         <m:sSub>
                           <m:sSubPr>
                             <m:ctrlPr>
-                              <a:rPr lang="pt-BR" sz="1200" i="1">
-                                <a:latin typeface="Cambria Math" panose="02040503050406030204" pitchFamily="18" charset="0"/>
-                                <a:ea typeface="Cambria Math" panose="02040503050406030204" pitchFamily="18" charset="0"/>
+                              <a:rPr lang="pt-BR" sz="1600" i="1">
+                                <a:latin typeface="Cambria Math"/>
                               </a:rPr>
                             </m:ctrlPr>
                           </m:sSubPr>
                           <m:e>
                             <m:r>
-                              <a:rPr lang="pt-BR" sz="1200" i="1">
-                                <a:latin typeface="Cambria Math" panose="02040503050406030204" pitchFamily="18" charset="0"/>
-                                <a:ea typeface="Cambria Math" panose="02040503050406030204" pitchFamily="18" charset="0"/>
+                              <a:rPr lang="pt-BR" sz="1600" i="1">
+                                <a:latin typeface="Cambria Math"/>
                               </a:rPr>
-                              <m:t>𝜆</m:t>
+                              <m:t>𝑦</m:t>
                             </m:r>
                           </m:e>
                           <m:sub>
                             <m:r>
-                              <a:rPr lang="pt-BR" sz="1200" i="1">
-                                <a:latin typeface="Cambria Math" panose="02040503050406030204" pitchFamily="18" charset="0"/>
-                                <a:ea typeface="Cambria Math" panose="02040503050406030204" pitchFamily="18" charset="0"/>
+                              <a:rPr lang="pt-BR" sz="1600" b="0" i="1" smtClean="0">
+                                <a:latin typeface="Cambria Math"/>
                               </a:rPr>
-                              <m:t>𝑖</m:t>
+                              <m:t>𝑗</m:t>
                             </m:r>
                           </m:sub>
                         </m:sSub>
+                      </m:e>
+                    </m:d>
+                    <m:r>
+                      <a:rPr lang="pt-BR" sz="1600" i="1">
+                        <a:latin typeface="Cambria Math"/>
+                      </a:rPr>
+                      <m:t>=</m:t>
+                    </m:r>
+                    <m:sSub>
+                      <m:sSubPr>
+                        <m:ctrlPr>
+                          <a:rPr lang="pt-BR" sz="1600" i="1">
+                            <a:latin typeface="Cambria Math"/>
+                          </a:rPr>
+                        </m:ctrlPr>
+                      </m:sSubPr>
+                      <m:e>
                         <m:r>
-                          <a:rPr lang="pt-BR" sz="1200" i="1">
-                            <a:latin typeface="Cambria Math" panose="02040503050406030204" pitchFamily="18" charset="0"/>
-                            <a:ea typeface="Cambria Math" panose="02040503050406030204" pitchFamily="18" charset="0"/>
+                          <a:rPr lang="pt-BR" sz="1600" i="1">
+                            <a:latin typeface="Cambria Math"/>
                           </a:rPr>
-                          <m:t>𝜙</m:t>
-                        </m:r>
-                        <m:d>
-                          <m:dPr>
-                            <m:ctrlPr>
-                              <a:rPr lang="pt-BR" sz="1200" i="1">
-                                <a:latin typeface="Cambria Math" panose="02040503050406030204" pitchFamily="18" charset="0"/>
-                                <a:ea typeface="Cambria Math" panose="02040503050406030204" pitchFamily="18" charset="0"/>
-                              </a:rPr>
-                            </m:ctrlPr>
-                          </m:dPr>
-                          <m:e>
-                            <m:d>
-                              <m:dPr>
-                                <m:begChr m:val="‖"/>
-                                <m:endChr m:val="‖"/>
-                                <m:ctrlPr>
-                                  <a:rPr lang="pt-BR" sz="1200" i="1">
-                                    <a:latin typeface="Cambria Math" panose="02040503050406030204" pitchFamily="18" charset="0"/>
-                                    <a:ea typeface="Cambria Math" panose="02040503050406030204" pitchFamily="18" charset="0"/>
-                                  </a:rPr>
-                                </m:ctrlPr>
-                              </m:dPr>
-                              <m:e>
-                                <m:sSub>
-                                  <m:sSubPr>
-                                    <m:ctrlPr>
-                                      <a:rPr lang="pt-BR" sz="1200" i="1">
-                                        <a:latin typeface="Cambria Math" panose="02040503050406030204" pitchFamily="18" charset="0"/>
-                                        <a:ea typeface="Cambria Math" panose="02040503050406030204" pitchFamily="18" charset="0"/>
-                                      </a:rPr>
-                                    </m:ctrlPr>
-                                  </m:sSubPr>
-                                  <m:e>
-                                    <m:r>
-                                      <m:rPr>
-                                        <m:sty m:val="p"/>
-                                      </m:rPr>
-                                      <a:rPr lang="el-GR" sz="1200" i="1" smtClean="0">
-                                        <a:latin typeface="Cambria Math" panose="02040503050406030204" pitchFamily="18" charset="0"/>
-                                        <a:ea typeface="Cambria Math" panose="02040503050406030204" pitchFamily="18" charset="0"/>
-                                      </a:rPr>
-                                      <m:t>Υ</m:t>
-                                    </m:r>
-                                  </m:e>
-                                  <m:sub>
-                                    <m:r>
-                                      <a:rPr lang="pt-BR" sz="1200" i="1">
-                                        <a:latin typeface="Cambria Math" panose="02040503050406030204" pitchFamily="18" charset="0"/>
-                                        <a:ea typeface="Cambria Math" panose="02040503050406030204" pitchFamily="18" charset="0"/>
-                                      </a:rPr>
-                                      <m:t>𝑖</m:t>
-                                    </m:r>
-                                  </m:sub>
-                                </m:sSub>
-                                <m:r>
-                                  <a:rPr lang="pt-BR" sz="1200" i="1">
-                                    <a:latin typeface="Cambria Math" panose="02040503050406030204" pitchFamily="18" charset="0"/>
-                                    <a:ea typeface="Cambria Math" panose="02040503050406030204" pitchFamily="18" charset="0"/>
-                                  </a:rPr>
-                                  <m:t>−</m:t>
-                                </m:r>
-                                <m:r>
-                                  <a:rPr lang="pt-BR" sz="1200" i="1">
-                                    <a:latin typeface="Cambria Math" panose="02040503050406030204" pitchFamily="18" charset="0"/>
-                                    <a:ea typeface="Cambria Math" panose="02040503050406030204" pitchFamily="18" charset="0"/>
-                                  </a:rPr>
-                                  <m:t>𝑥</m:t>
-                                </m:r>
-                              </m:e>
-                            </m:d>
-                          </m:e>
-                        </m:d>
-                        <m:r>
-                          <a:rPr lang="pt-BR" sz="1200" i="1">
-                            <a:latin typeface="Cambria Math" panose="02040503050406030204" pitchFamily="18" charset="0"/>
-                            <a:ea typeface="Cambria Math" panose="02040503050406030204" pitchFamily="18" charset="0"/>
-                          </a:rPr>
-                          <m:t> </m:t>
+                          <m:t>𝑥</m:t>
                         </m:r>
                       </m:e>
-                    </m:nary>
+                      <m:sub>
+                        <m:r>
+                          <a:rPr lang="pt-BR" sz="1600" b="0" i="1" smtClean="0">
+                            <a:latin typeface="Cambria Math"/>
+                          </a:rPr>
+                          <m:t>𝑗</m:t>
+                        </m:r>
+                      </m:sub>
+                    </m:sSub>
                   </m:oMath>
                 </a14:m>
-                <a:endParaRPr lang="pt-BR" sz="1200" dirty="0" smtClean="0">
-                  <a:latin typeface="Cambria Math" panose="02040503050406030204" pitchFamily="18" charset="0"/>
-                  <a:ea typeface="Cambria Math" panose="02040503050406030204" pitchFamily="18" charset="0"/>
-                </a:endParaRPr>
+                <a:endParaRPr lang="pt-BR" sz="1600" dirty="0" smtClean="0"/>
               </a:p>
               <a:p>
-                <a:pPr marL="628650" lvl="1" indent="-171450">
+                <a:pPr marL="285750" indent="-285750">
                   <a:buFont typeface="Arial" panose="020B0604020202020204" pitchFamily="34" charset="0"/>
                   <a:buChar char="•"/>
                 </a:pPr>
-                <a14:m>
-                  <m:oMath xmlns:m="http://schemas.openxmlformats.org/officeDocument/2006/math">
-                    <m:r>
-                      <a:rPr lang="pt-BR" sz="1200" i="1">
-                        <a:latin typeface="Cambria Math" panose="02040503050406030204" pitchFamily="18" charset="0"/>
-                        <a:ea typeface="Cambria Math" panose="02040503050406030204" pitchFamily="18" charset="0"/>
-                      </a:rPr>
-                      <m:t>𝑠</m:t>
-                    </m:r>
-                    <m:r>
-                      <a:rPr lang="pt-BR" sz="1200" b="0" i="1" smtClean="0">
-                        <a:latin typeface="Cambria Math" panose="02040503050406030204" pitchFamily="18" charset="0"/>
-                        <a:ea typeface="Cambria Math" panose="02040503050406030204" pitchFamily="18" charset="0"/>
-                      </a:rPr>
-                      <m:t>:</m:t>
-                    </m:r>
-                    <m:sSup>
-                      <m:sSupPr>
-                        <m:ctrlPr>
-                          <a:rPr lang="pt-BR" sz="1200" i="1">
-                            <a:latin typeface="Cambria Math" panose="02040503050406030204" pitchFamily="18" charset="0"/>
-                            <a:ea typeface="Cambria Math" panose="02040503050406030204" pitchFamily="18" charset="0"/>
-                          </a:rPr>
-                        </m:ctrlPr>
-                      </m:sSupPr>
-                      <m:e>
-                        <m:r>
-                          <a:rPr lang="pt-BR" sz="1200" i="1">
-                            <a:latin typeface="Cambria Math" panose="02040503050406030204" pitchFamily="18" charset="0"/>
-                            <a:ea typeface="Cambria Math" panose="02040503050406030204" pitchFamily="18" charset="0"/>
-                          </a:rPr>
-                          <m:t>ℝ</m:t>
-                        </m:r>
-                      </m:e>
-                      <m:sup>
-                        <m:r>
-                          <a:rPr lang="pt-BR" sz="1200" b="0" i="1" smtClean="0">
-                            <a:latin typeface="Cambria Math" panose="02040503050406030204" pitchFamily="18" charset="0"/>
-                            <a:ea typeface="Cambria Math" panose="02040503050406030204" pitchFamily="18" charset="0"/>
-                          </a:rPr>
-                          <m:t>𝑚</m:t>
-                        </m:r>
-                      </m:sup>
-                    </m:sSup>
-                    <m:r>
-                      <a:rPr lang="pt-BR" sz="1200" i="1">
-                        <a:latin typeface="Cambria Math" panose="02040503050406030204" pitchFamily="18" charset="0"/>
-                        <a:ea typeface="Cambria Math" panose="02040503050406030204" pitchFamily="18" charset="0"/>
-                      </a:rPr>
-                      <m:t>→</m:t>
-                    </m:r>
-                    <m:r>
-                      <a:rPr lang="pt-BR" sz="1200" i="1">
-                        <a:latin typeface="Cambria Math" panose="02040503050406030204" pitchFamily="18" charset="0"/>
-                        <a:ea typeface="Cambria Math" panose="02040503050406030204" pitchFamily="18" charset="0"/>
-                      </a:rPr>
-                      <m:t>ℝ</m:t>
-                    </m:r>
-                  </m:oMath>
-                </a14:m>
-                <a:endParaRPr lang="pt-BR" sz="1200" dirty="0" smtClean="0">
-                  <a:latin typeface="Cambria Math" panose="02040503050406030204" pitchFamily="18" charset="0"/>
-                  <a:ea typeface="Cambria Math" panose="02040503050406030204" pitchFamily="18" charset="0"/>
-                </a:endParaRPr>
+                <a:endParaRPr lang="pt-BR" dirty="0"/>
               </a:p>
               <a:p>
-                <a:endParaRPr lang="pt-BR" sz="1200" dirty="0" smtClean="0">
-                  <a:latin typeface="Calibri" panose="020F0502020204030204" pitchFamily="34" charset="0"/>
-                </a:endParaRPr>
-              </a:p>
-              <a:p>
-                <a:pPr marL="342900" indent="-342900">
-                  <a:buFont typeface="+mj-lt"/>
-                  <a:buAutoNum type="arabicPeriod"/>
+                <a:pPr marL="285750" indent="-285750">
+                  <a:buFont typeface="Arial" panose="020B0604020202020204" pitchFamily="34" charset="0"/>
+                  <a:buChar char="•"/>
                 </a:pPr>
-                <a:endParaRPr lang="pt-BR" sz="1200" dirty="0">
-                  <a:latin typeface="Calibri" panose="020F0502020204030204" pitchFamily="34" charset="0"/>
-                </a:endParaRPr>
+                <a:endParaRPr dirty="0"/>
               </a:p>
             </p:txBody>
           </p:sp>
@@ -6356,10 +5896,10 @@
               <a:prstGeom prst="rect">
                 <a:avLst/>
               </a:prstGeom>
-              <a:blipFill rotWithShape="0">
+              <a:blipFill rotWithShape="1">
                 <a:blip r:embed="rId2"/>
                 <a:stretch>
-                  <a:fillRect l="-222" t="-135" b="-809"/>
+                  <a:fillRect l="-222" t="-404"/>
                 </a:stretch>
               </a:blipFill>
               <a:ln>
@@ -6371,7 +5911,7 @@
               <a:lstStyle/>
               <a:p>
                 <a:r>
-                  <a:rPr lang="en-US">
+                  <a:rPr lang="pt-BR">
                     <a:noFill/>
                   </a:rPr>
                   <a:t> </a:t>
@@ -6435,212 +5975,6 @@
           </a:extLst>
         </p:spPr>
       </p:pic>
-      <mc:AlternateContent xmlns:mc="http://schemas.openxmlformats.org/markup-compatibility/2006" xmlns:a14="http://schemas.microsoft.com/office/drawing/2010/main">
-        <mc:Choice Requires="a14">
-          <p:sp>
-            <p:nvSpPr>
-              <p:cNvPr id="10" name="Rectangle 9"/>
-              <p:cNvSpPr/>
-              <p:nvPr/>
-            </p:nvSpPr>
-            <p:spPr>
-              <a:xfrm>
-                <a:off x="8156212" y="2178869"/>
-                <a:ext cx="589841" cy="369332"/>
-              </a:xfrm>
-              <a:prstGeom prst="rect">
-                <a:avLst/>
-              </a:prstGeom>
-            </p:spPr>
-            <p:txBody>
-              <a:bodyPr wrap="none">
-                <a:spAutoFit/>
-              </a:bodyPr>
-              <a:lstStyle/>
-              <a:p>
-                <a:pPr/>
-                <a14:m>
-                  <m:oMathPara xmlns:m="http://schemas.openxmlformats.org/officeDocument/2006/math">
-                    <m:oMathParaPr>
-                      <m:jc m:val="centerGroup"/>
-                    </m:oMathParaPr>
-                    <m:oMath xmlns:m="http://schemas.openxmlformats.org/officeDocument/2006/math">
-                      <m:sSup>
-                        <m:sSupPr>
-                          <m:ctrlPr>
-                            <a:rPr lang="pt-BR" i="1">
-                              <a:latin typeface="Cambria Math" panose="02040503050406030204" pitchFamily="18" charset="0"/>
-                            </a:rPr>
-                          </m:ctrlPr>
-                        </m:sSupPr>
-                        <m:e>
-                          <m:r>
-                            <a:rPr lang="pt-BR" i="1">
-                              <a:latin typeface="Cambria Math"/>
-                              <a:ea typeface="Cambria Math"/>
-                            </a:rPr>
-                            <m:t>ℝ</m:t>
-                          </m:r>
-                        </m:e>
-                        <m:sup>
-                          <m:r>
-                            <a:rPr lang="pt-BR" i="1">
-                              <a:latin typeface="Cambria Math"/>
-                            </a:rPr>
-                            <m:t>𝑚</m:t>
-                          </m:r>
-                        </m:sup>
-                      </m:sSup>
-                    </m:oMath>
-                  </m:oMathPara>
-                </a14:m>
-                <a:endParaRPr lang="en-US" dirty="0"/>
-              </a:p>
-            </p:txBody>
-          </p:sp>
-        </mc:Choice>
-        <mc:Fallback xmlns="">
-          <p:sp>
-            <p:nvSpPr>
-              <p:cNvPr id="10" name="Rectangle 9"/>
-              <p:cNvSpPr>
-                <a:spLocks noRot="1" noChangeAspect="1" noMove="1" noResize="1" noEditPoints="1" noAdjustHandles="1" noChangeArrowheads="1" noChangeShapeType="1" noTextEdit="1"/>
-              </p:cNvSpPr>
-              <p:nvPr/>
-            </p:nvSpPr>
-            <p:spPr>
-              <a:xfrm>
-                <a:off x="8156212" y="2178869"/>
-                <a:ext cx="589841" cy="369332"/>
-              </a:xfrm>
-              <a:prstGeom prst="rect">
-                <a:avLst/>
-              </a:prstGeom>
-              <a:blipFill rotWithShape="0">
-                <a:blip r:embed="rId4"/>
-                <a:stretch>
-                  <a:fillRect/>
-                </a:stretch>
-              </a:blipFill>
-            </p:spPr>
-            <p:txBody>
-              <a:bodyPr/>
-              <a:lstStyle/>
-              <a:p>
-                <a:r>
-                  <a:rPr lang="en-US">
-                    <a:noFill/>
-                  </a:rPr>
-                  <a:t> </a:t>
-                </a:r>
-              </a:p>
-            </p:txBody>
-          </p:sp>
-        </mc:Fallback>
-      </mc:AlternateContent>
-      <mc:AlternateContent xmlns:mc="http://schemas.openxmlformats.org/markup-compatibility/2006" xmlns:a14="http://schemas.microsoft.com/office/drawing/2010/main">
-        <mc:Choice Requires="a14">
-          <p:sp>
-            <p:nvSpPr>
-              <p:cNvPr id="11" name="Rectangle 10"/>
-              <p:cNvSpPr/>
-              <p:nvPr/>
-            </p:nvSpPr>
-            <p:spPr>
-              <a:xfrm>
-                <a:off x="7892390" y="4776149"/>
-                <a:ext cx="527644" cy="369332"/>
-              </a:xfrm>
-              <a:prstGeom prst="rect">
-                <a:avLst/>
-              </a:prstGeom>
-            </p:spPr>
-            <p:txBody>
-              <a:bodyPr wrap="none">
-                <a:spAutoFit/>
-              </a:bodyPr>
-              <a:lstStyle/>
-              <a:p>
-                <a:pPr/>
-                <a14:m>
-                  <m:oMathPara xmlns:m="http://schemas.openxmlformats.org/officeDocument/2006/math">
-                    <m:oMathParaPr>
-                      <m:jc m:val="centerGroup"/>
-                    </m:oMathParaPr>
-                    <m:oMath xmlns:m="http://schemas.openxmlformats.org/officeDocument/2006/math">
-                      <m:sSup>
-                        <m:sSupPr>
-                          <m:ctrlPr>
-                            <a:rPr lang="pt-BR" i="1">
-                              <a:latin typeface="Cambria Math" panose="02040503050406030204" pitchFamily="18" charset="0"/>
-                            </a:rPr>
-                          </m:ctrlPr>
-                        </m:sSupPr>
-                        <m:e>
-                          <m:r>
-                            <a:rPr lang="pt-BR" i="1">
-                              <a:latin typeface="Cambria Math"/>
-                              <a:ea typeface="Cambria Math"/>
-                            </a:rPr>
-                            <m:t>ℝ</m:t>
-                          </m:r>
-                        </m:e>
-                        <m:sup>
-                          <m:r>
-                            <a:rPr lang="pt-BR" i="1">
-                              <a:latin typeface="Cambria Math"/>
-                            </a:rPr>
-                            <m:t>2</m:t>
-                          </m:r>
-                        </m:sup>
-                      </m:sSup>
-                    </m:oMath>
-                  </m:oMathPara>
-                </a14:m>
-                <a:endParaRPr lang="en-US" dirty="0"/>
-              </a:p>
-            </p:txBody>
-          </p:sp>
-        </mc:Choice>
-        <mc:Fallback xmlns="">
-          <p:sp>
-            <p:nvSpPr>
-              <p:cNvPr id="11" name="Rectangle 10"/>
-              <p:cNvSpPr>
-                <a:spLocks noRot="1" noChangeAspect="1" noMove="1" noResize="1" noEditPoints="1" noAdjustHandles="1" noChangeArrowheads="1" noChangeShapeType="1" noTextEdit="1"/>
-              </p:cNvSpPr>
-              <p:nvPr/>
-            </p:nvSpPr>
-            <p:spPr>
-              <a:xfrm>
-                <a:off x="7892390" y="4776149"/>
-                <a:ext cx="527644" cy="369332"/>
-              </a:xfrm>
-              <a:prstGeom prst="rect">
-                <a:avLst/>
-              </a:prstGeom>
-              <a:blipFill rotWithShape="0">
-                <a:blip r:embed="rId5"/>
-                <a:stretch>
-                  <a:fillRect/>
-                </a:stretch>
-              </a:blipFill>
-            </p:spPr>
-            <p:txBody>
-              <a:bodyPr/>
-              <a:lstStyle/>
-              <a:p>
-                <a:r>
-                  <a:rPr lang="en-US">
-                    <a:noFill/>
-                  </a:rPr>
-                  <a:t> </a:t>
-                </a:r>
-              </a:p>
-            </p:txBody>
-          </p:sp>
-        </mc:Fallback>
-      </mc:AlternateContent>
     </p:spTree>
     <p:extLst>
       <p:ext uri="{BB962C8B-B14F-4D97-AF65-F5344CB8AC3E}">
@@ -6809,7 +6143,7 @@
                       <m:dPr>
                         <m:ctrlPr>
                           <a:rPr lang="pt-BR" sz="1600" b="0" i="1" smtClean="0">
-                            <a:latin typeface="Cambria Math" panose="02040503050406030204" pitchFamily="18" charset="0"/>
+                            <a:latin typeface="Cambria Math"/>
                           </a:rPr>
                         </m:ctrlPr>
                       </m:dPr>
@@ -6832,7 +6166,7 @@
                       <m:dPr>
                         <m:ctrlPr>
                           <a:rPr lang="pt-BR" sz="1600" b="0" i="1" smtClean="0">
-                            <a:latin typeface="Cambria Math" panose="02040503050406030204" pitchFamily="18" charset="0"/>
+                            <a:latin typeface="Cambria Math"/>
                           </a:rPr>
                         </m:ctrlPr>
                       </m:dPr>
@@ -6841,7 +6175,7 @@
                           <m:sSubPr>
                             <m:ctrlPr>
                               <a:rPr lang="pt-BR" sz="1600" b="0" i="1" smtClean="0">
-                                <a:latin typeface="Cambria Math" panose="02040503050406030204" pitchFamily="18" charset="0"/>
+                                <a:latin typeface="Cambria Math"/>
                               </a:rPr>
                             </m:ctrlPr>
                           </m:sSubPr>
@@ -6866,7 +6200,7 @@
                           <m:dPr>
                             <m:ctrlPr>
                               <a:rPr lang="pt-BR" sz="1600" b="0" i="1" smtClean="0">
-                                <a:latin typeface="Cambria Math" panose="02040503050406030204" pitchFamily="18" charset="0"/>
+                                <a:latin typeface="Cambria Math"/>
                               </a:rPr>
                             </m:ctrlPr>
                           </m:dPr>
@@ -6889,7 +6223,7 @@
                           <m:sSubPr>
                             <m:ctrlPr>
                               <a:rPr lang="pt-BR" sz="1600" b="0" i="1" smtClean="0">
-                                <a:latin typeface="Cambria Math" panose="02040503050406030204" pitchFamily="18" charset="0"/>
+                                <a:latin typeface="Cambria Math"/>
                               </a:rPr>
                             </m:ctrlPr>
                           </m:sSubPr>
@@ -6904,7 +6238,7 @@
                           <m:sub>
                             <m:r>
                               <a:rPr lang="pt-BR" sz="1600" b="0" i="1" smtClean="0">
-                                <a:latin typeface="Cambria Math" panose="02040503050406030204" pitchFamily="18" charset="0"/>
+                                <a:latin typeface="Cambria Math"/>
                               </a:rPr>
                               <m:t>𝑚</m:t>
                             </m:r>
@@ -6914,7 +6248,7 @@
                           <m:dPr>
                             <m:ctrlPr>
                               <a:rPr lang="pt-BR" sz="1600" b="0" i="1" smtClean="0">
-                                <a:latin typeface="Cambria Math" panose="02040503050406030204" pitchFamily="18" charset="0"/>
+                                <a:latin typeface="Cambria Math"/>
                               </a:rPr>
                             </m:ctrlPr>
                           </m:dPr>
@@ -6964,7 +6298,7 @@
                       <m:sSubPr>
                         <m:ctrlPr>
                           <a:rPr lang="pt-BR" sz="1600" b="0" i="1" smtClean="0">
-                            <a:latin typeface="Cambria Math" panose="02040503050406030204" pitchFamily="18" charset="0"/>
+                            <a:latin typeface="Cambria Math"/>
                           </a:rPr>
                         </m:ctrlPr>
                       </m:sSubPr>
@@ -6989,7 +6323,7 @@
                       <m:dPr>
                         <m:ctrlPr>
                           <a:rPr lang="pt-BR" sz="1600" b="0" i="1" smtClean="0">
-                            <a:latin typeface="Cambria Math" panose="02040503050406030204" pitchFamily="18" charset="0"/>
+                            <a:latin typeface="Cambria Math"/>
                           </a:rPr>
                         </m:ctrlPr>
                       </m:dPr>
@@ -7013,7 +6347,7 @@
                         <m:chr m:val="∑"/>
                         <m:ctrlPr>
                           <a:rPr lang="pt-BR" sz="1600" b="0" i="1" smtClean="0">
-                            <a:latin typeface="Cambria Math" panose="02040503050406030204" pitchFamily="18" charset="0"/>
+                            <a:latin typeface="Cambria Math"/>
                           </a:rPr>
                         </m:ctrlPr>
                       </m:naryPr>
@@ -7047,7 +6381,7 @@
                           <m:sSubPr>
                             <m:ctrlPr>
                               <a:rPr lang="pt-BR" sz="1600" b="0" i="1" smtClean="0">
-                                <a:latin typeface="Cambria Math" panose="02040503050406030204" pitchFamily="18" charset="0"/>
+                                <a:latin typeface="Cambria Math"/>
                                 <a:ea typeface="Cambria Math"/>
                               </a:rPr>
                             </m:ctrlPr>
@@ -7082,7 +6416,7 @@
                           <m:dPr>
                             <m:ctrlPr>
                               <a:rPr lang="pt-BR" sz="1600" b="0" i="1" smtClean="0">
-                                <a:latin typeface="Cambria Math" panose="02040503050406030204" pitchFamily="18" charset="0"/>
+                                <a:latin typeface="Cambria Math"/>
                                 <a:ea typeface="Cambria Math"/>
                               </a:rPr>
                             </m:ctrlPr>
@@ -7094,7 +6428,7 @@
                                 <m:endChr m:val="‖"/>
                                 <m:ctrlPr>
                                   <a:rPr lang="pt-BR" sz="1600" b="0" i="1" smtClean="0">
-                                    <a:latin typeface="Cambria Math" panose="02040503050406030204" pitchFamily="18" charset="0"/>
+                                    <a:latin typeface="Cambria Math"/>
                                     <a:ea typeface="Cambria Math"/>
                                   </a:rPr>
                                 </m:ctrlPr>
@@ -7104,7 +6438,7 @@
                                   <m:sSubPr>
                                     <m:ctrlPr>
                                       <a:rPr lang="pt-BR" sz="1600" b="0" i="1" smtClean="0">
-                                        <a:latin typeface="Cambria Math" panose="02040503050406030204" pitchFamily="18" charset="0"/>
+                                        <a:latin typeface="Cambria Math"/>
                                         <a:ea typeface="Cambria Math"/>
                                       </a:rPr>
                                     </m:ctrlPr>
@@ -7155,6 +6489,68 @@
                         </m:r>
                       </m:e>
                     </m:nary>
+                    <m:r>
+                      <a:rPr lang="pt-BR" sz="1600" b="0" i="1" smtClean="0">
+                        <a:latin typeface="Cambria Math"/>
+                      </a:rPr>
+                      <m:t>,     </m:t>
+                    </m:r>
+                    <m:r>
+                      <a:rPr lang="pt-BR" sz="1600" i="1">
+                        <a:latin typeface="Cambria Math"/>
+                        <a:ea typeface="Cambria Math"/>
+                      </a:rPr>
+                      <m:t>𝜙</m:t>
+                    </m:r>
+                    <m:r>
+                      <a:rPr lang="pt-BR" sz="1600" i="1">
+                        <a:latin typeface="Cambria Math"/>
+                        <a:ea typeface="Cambria Math"/>
+                      </a:rPr>
+                      <m:t>:</m:t>
+                    </m:r>
+                    <m:sSup>
+                      <m:sSupPr>
+                        <m:ctrlPr>
+                          <a:rPr lang="pt-BR" sz="1600" i="1">
+                            <a:latin typeface="Cambria Math"/>
+                            <a:ea typeface="Cambria Math"/>
+                          </a:rPr>
+                        </m:ctrlPr>
+                      </m:sSupPr>
+                      <m:e>
+                        <m:r>
+                          <a:rPr lang="pt-BR" sz="1600" i="1">
+                            <a:latin typeface="Cambria Math"/>
+                            <a:ea typeface="Cambria Math"/>
+                          </a:rPr>
+                          <m:t>ℝ</m:t>
+                        </m:r>
+                      </m:e>
+                      <m:sup>
+                        <m:r>
+                          <a:rPr lang="pt-BR" sz="1600" i="1">
+                            <a:latin typeface="Cambria Math"/>
+                            <a:ea typeface="Cambria Math"/>
+                          </a:rPr>
+                          <m:t>+</m:t>
+                        </m:r>
+                      </m:sup>
+                    </m:sSup>
+                    <m:r>
+                      <a:rPr lang="pt-BR" sz="1600" i="1">
+                        <a:latin typeface="Cambria Math"/>
+                        <a:ea typeface="Cambria Math"/>
+                      </a:rPr>
+                      <m:t>→</m:t>
+                    </m:r>
+                    <m:r>
+                      <a:rPr lang="pt-BR" sz="1600" i="1">
+                        <a:latin typeface="Cambria Math"/>
+                        <a:ea typeface="Cambria Math"/>
+                      </a:rPr>
+                      <m:t>ℝ</m:t>
+                    </m:r>
                   </m:oMath>
                 </a14:m>
                 <a:endParaRPr lang="pt-BR" sz="1600" dirty="0"/>
@@ -7184,7 +6580,7 @@
                       <m:sSubPr>
                         <m:ctrlPr>
                           <a:rPr lang="pt-BR" sz="1600" i="1">
-                            <a:latin typeface="Cambria Math" panose="02040503050406030204" pitchFamily="18" charset="0"/>
+                            <a:latin typeface="Cambria Math"/>
                           </a:rPr>
                         </m:ctrlPr>
                       </m:sSubPr>
@@ -7209,7 +6605,7 @@
                       <m:dPr>
                         <m:ctrlPr>
                           <a:rPr lang="pt-BR" sz="1600" i="1">
-                            <a:latin typeface="Cambria Math" panose="02040503050406030204" pitchFamily="18" charset="0"/>
+                            <a:latin typeface="Cambria Math"/>
                           </a:rPr>
                         </m:ctrlPr>
                       </m:dPr>
@@ -7218,7 +6614,7 @@
                           <m:sSubPr>
                             <m:ctrlPr>
                               <a:rPr lang="pt-BR" sz="1600" b="0" i="1" smtClean="0">
-                                <a:latin typeface="Cambria Math" panose="02040503050406030204" pitchFamily="18" charset="0"/>
+                                <a:latin typeface="Cambria Math"/>
                               </a:rPr>
                             </m:ctrlPr>
                           </m:sSubPr>
@@ -7251,7 +6647,7 @@
                       <m:sSubPr>
                         <m:ctrlPr>
                           <a:rPr lang="pt-BR" sz="1600" b="0" i="1" smtClean="0">
-                            <a:latin typeface="Cambria Math" panose="02040503050406030204" pitchFamily="18" charset="0"/>
+                            <a:latin typeface="Cambria Math"/>
                           </a:rPr>
                         </m:ctrlPr>
                       </m:sSubPr>
@@ -7301,7 +6697,7 @@
                       <m:sSubPr>
                         <m:ctrlPr>
                           <a:rPr lang="pt-BR" sz="1600" i="1">
-                            <a:latin typeface="Cambria Math" panose="02040503050406030204" pitchFamily="18" charset="0"/>
+                            <a:latin typeface="Cambria Math"/>
                           </a:rPr>
                         </m:ctrlPr>
                       </m:sSubPr>
@@ -7326,7 +6722,7 @@
                       <m:dPr>
                         <m:ctrlPr>
                           <a:rPr lang="pt-BR" sz="1600" i="1">
-                            <a:latin typeface="Cambria Math" panose="02040503050406030204" pitchFamily="18" charset="0"/>
+                            <a:latin typeface="Cambria Math"/>
                           </a:rPr>
                         </m:ctrlPr>
                       </m:dPr>
@@ -7335,7 +6731,7 @@
                           <m:sSubPr>
                             <m:ctrlPr>
                               <a:rPr lang="pt-BR" sz="1600" i="1">
-                                <a:latin typeface="Cambria Math" panose="02040503050406030204" pitchFamily="18" charset="0"/>
+                                <a:latin typeface="Cambria Math"/>
                               </a:rPr>
                             </m:ctrlPr>
                           </m:sSubPr>
@@ -7369,7 +6765,7 @@
                         <m:chr m:val="∑"/>
                         <m:ctrlPr>
                           <a:rPr lang="pt-BR" sz="1600" i="1">
-                            <a:latin typeface="Cambria Math" panose="02040503050406030204" pitchFamily="18" charset="0"/>
+                            <a:latin typeface="Cambria Math"/>
                           </a:rPr>
                         </m:ctrlPr>
                       </m:naryPr>
@@ -7403,7 +6799,7 @@
                           <m:sSubPr>
                             <m:ctrlPr>
                               <a:rPr lang="pt-BR" sz="1600" i="1">
-                                <a:latin typeface="Cambria Math" panose="02040503050406030204" pitchFamily="18" charset="0"/>
+                                <a:latin typeface="Cambria Math"/>
                                 <a:ea typeface="Cambria Math"/>
                               </a:rPr>
                             </m:ctrlPr>
@@ -7438,7 +6834,7 @@
                           <m:dPr>
                             <m:ctrlPr>
                               <a:rPr lang="pt-BR" sz="1600" i="1">
-                                <a:latin typeface="Cambria Math" panose="02040503050406030204" pitchFamily="18" charset="0"/>
+                                <a:latin typeface="Cambria Math"/>
                                 <a:ea typeface="Cambria Math"/>
                               </a:rPr>
                             </m:ctrlPr>
@@ -7450,7 +6846,7 @@
                                 <m:endChr m:val="‖"/>
                                 <m:ctrlPr>
                                   <a:rPr lang="pt-BR" sz="1600" i="1">
-                                    <a:latin typeface="Cambria Math" panose="02040503050406030204" pitchFamily="18" charset="0"/>
+                                    <a:latin typeface="Cambria Math"/>
                                     <a:ea typeface="Cambria Math"/>
                                   </a:rPr>
                                 </m:ctrlPr>
@@ -7460,7 +6856,7 @@
                                   <m:sSubPr>
                                     <m:ctrlPr>
                                       <a:rPr lang="pt-BR" sz="1600" i="1">
-                                        <a:latin typeface="Cambria Math" panose="02040503050406030204" pitchFamily="18" charset="0"/>
+                                        <a:latin typeface="Cambria Math"/>
                                         <a:ea typeface="Cambria Math"/>
                                       </a:rPr>
                                     </m:ctrlPr>
@@ -7495,7 +6891,7 @@
                                   <m:sSubPr>
                                     <m:ctrlPr>
                                       <a:rPr lang="pt-BR" sz="1600" b="0" i="1" smtClean="0">
-                                        <a:latin typeface="Cambria Math" panose="02040503050406030204" pitchFamily="18" charset="0"/>
+                                        <a:latin typeface="Cambria Math"/>
                                         <a:ea typeface="Cambria Math"/>
                                       </a:rPr>
                                     </m:ctrlPr>
@@ -7536,7 +6932,7 @@
                       <m:sSubPr>
                         <m:ctrlPr>
                           <a:rPr lang="pt-BR" sz="1600" b="0" i="1" smtClean="0">
-                            <a:latin typeface="Cambria Math" panose="02040503050406030204" pitchFamily="18" charset="0"/>
+                            <a:latin typeface="Cambria Math"/>
                             <a:ea typeface="Cambria Math"/>
                           </a:rPr>
                         </m:ctrlPr>
@@ -7595,7 +6991,7 @@
                       <m:sSubPr>
                         <m:ctrlPr>
                           <a:rPr lang="pt-BR" sz="1600" i="1">
-                            <a:latin typeface="Cambria Math" panose="02040503050406030204" pitchFamily="18" charset="0"/>
+                            <a:latin typeface="Cambria Math"/>
                             <a:ea typeface="Cambria Math"/>
                           </a:rPr>
                         </m:ctrlPr>
@@ -7667,10 +7063,10 @@
               <a:prstGeom prst="rect">
                 <a:avLst/>
               </a:prstGeom>
-              <a:blipFill rotWithShape="0">
+              <a:blipFill rotWithShape="1">
                 <a:blip r:embed="rId2"/>
                 <a:stretch>
-                  <a:fillRect l="-296"/>
+                  <a:fillRect l="-222"/>
                 </a:stretch>
               </a:blipFill>
               <a:ln>
@@ -7682,7 +7078,7 @@
               <a:lstStyle/>
               <a:p>
                 <a:r>
-                  <a:rPr lang="en-US">
+                  <a:rPr lang="pt-BR">
                     <a:noFill/>
                   </a:rPr>
                   <a:t> </a:t>
@@ -7746,212 +7142,6 @@
           </a:extLst>
         </p:spPr>
       </p:pic>
-      <mc:AlternateContent xmlns:mc="http://schemas.openxmlformats.org/markup-compatibility/2006" xmlns:a14="http://schemas.microsoft.com/office/drawing/2010/main">
-        <mc:Choice Requires="a14">
-          <p:sp>
-            <p:nvSpPr>
-              <p:cNvPr id="2" name="Rectangle 1"/>
-              <p:cNvSpPr/>
-              <p:nvPr/>
-            </p:nvSpPr>
-            <p:spPr>
-              <a:xfrm>
-                <a:off x="8156212" y="2178869"/>
-                <a:ext cx="589841" cy="369332"/>
-              </a:xfrm>
-              <a:prstGeom prst="rect">
-                <a:avLst/>
-              </a:prstGeom>
-            </p:spPr>
-            <p:txBody>
-              <a:bodyPr wrap="none">
-                <a:spAutoFit/>
-              </a:bodyPr>
-              <a:lstStyle/>
-              <a:p>
-                <a:pPr/>
-                <a14:m>
-                  <m:oMathPara xmlns:m="http://schemas.openxmlformats.org/officeDocument/2006/math">
-                    <m:oMathParaPr>
-                      <m:jc m:val="centerGroup"/>
-                    </m:oMathParaPr>
-                    <m:oMath xmlns:m="http://schemas.openxmlformats.org/officeDocument/2006/math">
-                      <m:sSup>
-                        <m:sSupPr>
-                          <m:ctrlPr>
-                            <a:rPr lang="pt-BR" i="1">
-                              <a:latin typeface="Cambria Math" panose="02040503050406030204" pitchFamily="18" charset="0"/>
-                            </a:rPr>
-                          </m:ctrlPr>
-                        </m:sSupPr>
-                        <m:e>
-                          <m:r>
-                            <a:rPr lang="pt-BR" i="1">
-                              <a:latin typeface="Cambria Math"/>
-                              <a:ea typeface="Cambria Math"/>
-                            </a:rPr>
-                            <m:t>ℝ</m:t>
-                          </m:r>
-                        </m:e>
-                        <m:sup>
-                          <m:r>
-                            <a:rPr lang="pt-BR" i="1">
-                              <a:latin typeface="Cambria Math"/>
-                            </a:rPr>
-                            <m:t>𝑚</m:t>
-                          </m:r>
-                        </m:sup>
-                      </m:sSup>
-                    </m:oMath>
-                  </m:oMathPara>
-                </a14:m>
-                <a:endParaRPr lang="en-US" dirty="0"/>
-              </a:p>
-            </p:txBody>
-          </p:sp>
-        </mc:Choice>
-        <mc:Fallback xmlns="">
-          <p:sp>
-            <p:nvSpPr>
-              <p:cNvPr id="2" name="Rectangle 1"/>
-              <p:cNvSpPr>
-                <a:spLocks noRot="1" noChangeAspect="1" noMove="1" noResize="1" noEditPoints="1" noAdjustHandles="1" noChangeArrowheads="1" noChangeShapeType="1" noTextEdit="1"/>
-              </p:cNvSpPr>
-              <p:nvPr/>
-            </p:nvSpPr>
-            <p:spPr>
-              <a:xfrm>
-                <a:off x="8156212" y="2178869"/>
-                <a:ext cx="589841" cy="369332"/>
-              </a:xfrm>
-              <a:prstGeom prst="rect">
-                <a:avLst/>
-              </a:prstGeom>
-              <a:blipFill rotWithShape="0">
-                <a:blip r:embed="rId4"/>
-                <a:stretch>
-                  <a:fillRect/>
-                </a:stretch>
-              </a:blipFill>
-            </p:spPr>
-            <p:txBody>
-              <a:bodyPr/>
-              <a:lstStyle/>
-              <a:p>
-                <a:r>
-                  <a:rPr lang="en-US">
-                    <a:noFill/>
-                  </a:rPr>
-                  <a:t> </a:t>
-                </a:r>
-              </a:p>
-            </p:txBody>
-          </p:sp>
-        </mc:Fallback>
-      </mc:AlternateContent>
-      <mc:AlternateContent xmlns:mc="http://schemas.openxmlformats.org/markup-compatibility/2006" xmlns:a14="http://schemas.microsoft.com/office/drawing/2010/main">
-        <mc:Choice Requires="a14">
-          <p:sp>
-            <p:nvSpPr>
-              <p:cNvPr id="3" name="Rectangle 2"/>
-              <p:cNvSpPr/>
-              <p:nvPr/>
-            </p:nvSpPr>
-            <p:spPr>
-              <a:xfrm>
-                <a:off x="7892390" y="4776149"/>
-                <a:ext cx="527644" cy="369332"/>
-              </a:xfrm>
-              <a:prstGeom prst="rect">
-                <a:avLst/>
-              </a:prstGeom>
-            </p:spPr>
-            <p:txBody>
-              <a:bodyPr wrap="none">
-                <a:spAutoFit/>
-              </a:bodyPr>
-              <a:lstStyle/>
-              <a:p>
-                <a:pPr/>
-                <a14:m>
-                  <m:oMathPara xmlns:m="http://schemas.openxmlformats.org/officeDocument/2006/math">
-                    <m:oMathParaPr>
-                      <m:jc m:val="centerGroup"/>
-                    </m:oMathParaPr>
-                    <m:oMath xmlns:m="http://schemas.openxmlformats.org/officeDocument/2006/math">
-                      <m:sSup>
-                        <m:sSupPr>
-                          <m:ctrlPr>
-                            <a:rPr lang="pt-BR" i="1">
-                              <a:latin typeface="Cambria Math" panose="02040503050406030204" pitchFamily="18" charset="0"/>
-                            </a:rPr>
-                          </m:ctrlPr>
-                        </m:sSupPr>
-                        <m:e>
-                          <m:r>
-                            <a:rPr lang="pt-BR" i="1">
-                              <a:latin typeface="Cambria Math"/>
-                              <a:ea typeface="Cambria Math"/>
-                            </a:rPr>
-                            <m:t>ℝ</m:t>
-                          </m:r>
-                        </m:e>
-                        <m:sup>
-                          <m:r>
-                            <a:rPr lang="pt-BR" i="1">
-                              <a:latin typeface="Cambria Math"/>
-                            </a:rPr>
-                            <m:t>2</m:t>
-                          </m:r>
-                        </m:sup>
-                      </m:sSup>
-                    </m:oMath>
-                  </m:oMathPara>
-                </a14:m>
-                <a:endParaRPr lang="en-US" dirty="0"/>
-              </a:p>
-            </p:txBody>
-          </p:sp>
-        </mc:Choice>
-        <mc:Fallback xmlns="">
-          <p:sp>
-            <p:nvSpPr>
-              <p:cNvPr id="3" name="Rectangle 2"/>
-              <p:cNvSpPr>
-                <a:spLocks noRot="1" noChangeAspect="1" noMove="1" noResize="1" noEditPoints="1" noAdjustHandles="1" noChangeArrowheads="1" noChangeShapeType="1" noTextEdit="1"/>
-              </p:cNvSpPr>
-              <p:nvPr/>
-            </p:nvSpPr>
-            <p:spPr>
-              <a:xfrm>
-                <a:off x="7892390" y="4776149"/>
-                <a:ext cx="527644" cy="369332"/>
-              </a:xfrm>
-              <a:prstGeom prst="rect">
-                <a:avLst/>
-              </a:prstGeom>
-              <a:blipFill rotWithShape="0">
-                <a:blip r:embed="rId5"/>
-                <a:stretch>
-                  <a:fillRect/>
-                </a:stretch>
-              </a:blipFill>
-            </p:spPr>
-            <p:txBody>
-              <a:bodyPr/>
-              <a:lstStyle/>
-              <a:p>
-                <a:r>
-                  <a:rPr lang="en-US">
-                    <a:noFill/>
-                  </a:rPr>
-                  <a:t> </a:t>
-                </a:r>
-              </a:p>
-            </p:txBody>
-          </p:sp>
-        </mc:Fallback>
-      </mc:AlternateContent>
     </p:spTree>
     <p:extLst>
       <p:ext uri="{BB962C8B-B14F-4D97-AF65-F5344CB8AC3E}">
@@ -8009,60 +7199,6 @@
           <a:chExt cx="0" cy="0"/>
         </a:xfrm>
       </p:grpSpPr>
-      <p:pic>
-        <p:nvPicPr>
-          <p:cNvPr id="7" name="Picture 3"/>
-          <p:cNvPicPr>
-            <a:picLocks noChangeAspect="1" noChangeArrowheads="1"/>
-          </p:cNvPicPr>
-          <p:nvPr/>
-        </p:nvPicPr>
-        <p:blipFill>
-          <a:blip r:embed="rId2">
-            <a:extLst>
-              <a:ext uri="{28A0092B-C50C-407E-A947-70E740481C1C}">
-                <a14:useLocalDpi xmlns:a14="http://schemas.microsoft.com/office/drawing/2010/main" val="0"/>
-              </a:ext>
-            </a:extLst>
-          </a:blip>
-          <a:srcRect/>
-          <a:stretch>
-            <a:fillRect/>
-          </a:stretch>
-        </p:blipFill>
-        <p:spPr bwMode="auto">
-          <a:xfrm>
-            <a:off x="5104270" y="2178869"/>
-            <a:ext cx="3641783" cy="3368222"/>
-          </a:xfrm>
-          <a:prstGeom prst="rect">
-            <a:avLst/>
-          </a:prstGeom>
-          <a:noFill/>
-          <a:ln>
-            <a:noFill/>
-          </a:ln>
-          <a:extLst>
-            <a:ext uri="{909E8E84-426E-40DD-AFC4-6F175D3DCCD1}">
-              <a14:hiddenFill xmlns:a14="http://schemas.microsoft.com/office/drawing/2010/main">
-                <a:solidFill>
-                  <a:schemeClr val="accent1"/>
-                </a:solidFill>
-              </a14:hiddenFill>
-            </a:ext>
-            <a:ext uri="{91240B29-F687-4F45-9708-019B960494DF}">
-              <a14:hiddenLine xmlns:a14="http://schemas.microsoft.com/office/drawing/2010/main" w="9525">
-                <a:solidFill>
-                  <a:schemeClr val="tx1"/>
-                </a:solidFill>
-                <a:miter lim="800000"/>
-                <a:headEnd/>
-                <a:tailEnd/>
-              </a14:hiddenLine>
-            </a:ext>
-          </a:extLst>
-        </p:spPr>
-      </p:pic>
       <p:sp>
         <p:nvSpPr>
           <p:cNvPr id="99" name="TextShape 1"/>
@@ -8133,8 +7269,8 @@
           </a:p>
         </p:txBody>
       </p:sp>
-      <mc:AlternateContent xmlns:mc="http://schemas.openxmlformats.org/markup-compatibility/2006" xmlns:a14="http://schemas.microsoft.com/office/drawing/2010/main">
-        <mc:Choice Requires="a14">
+      <mc:AlternateContent xmlns:mc="http://schemas.openxmlformats.org/markup-compatibility/2006">
+        <mc:Choice xmlns:a14="http://schemas.microsoft.com/office/drawing/2010/main" Requires="a14">
           <p:sp>
             <p:nvSpPr>
               <p:cNvPr id="100" name="TextShape 2"/>
@@ -8164,311 +7300,11 @@
                 </a:pPr>
                 <a14:m>
                   <m:oMath xmlns:m="http://schemas.openxmlformats.org/officeDocument/2006/math">
-                    <m:r>
-                      <m:rPr>
-                        <m:sty m:val="p"/>
-                      </m:rPr>
-                      <a:rPr lang="el-GR" sz="1600" i="1" smtClean="0">
-                        <a:latin typeface="Cambria Math" panose="02040503050406030204" pitchFamily="18" charset="0"/>
-                        <a:ea typeface="Cambria Math" panose="02040503050406030204" pitchFamily="18" charset="0"/>
-                      </a:rPr>
-                      <m:t>Φ</m:t>
-                    </m:r>
                     <m:sSub>
                       <m:sSubPr>
                         <m:ctrlPr>
                           <a:rPr lang="pt-BR" sz="1600" i="1">
-                            <a:latin typeface="Cambria Math" panose="02040503050406030204" pitchFamily="18" charset="0"/>
-                            <a:ea typeface="Cambria Math"/>
-                          </a:rPr>
-                        </m:ctrlPr>
-                      </m:sSubPr>
-                      <m:e>
-                        <m:r>
-                          <a:rPr lang="pt-BR" sz="1600" i="1">
                             <a:latin typeface="Cambria Math"/>
-                            <a:ea typeface="Cambria Math"/>
-                          </a:rPr>
-                          <m:t>𝜆</m:t>
-                        </m:r>
-                      </m:e>
-                      <m:sub>
-                        <m:r>
-                          <a:rPr lang="pt-BR" sz="1600" i="1">
-                            <a:latin typeface="Cambria Math"/>
-                            <a:ea typeface="Cambria Math"/>
-                          </a:rPr>
-                          <m:t>𝑘</m:t>
-                        </m:r>
-                      </m:sub>
-                    </m:sSub>
-                    <m:r>
-                      <a:rPr lang="pt-BR" sz="1600" i="1">
-                        <a:latin typeface="Cambria Math"/>
-                        <a:ea typeface="Cambria Math"/>
-                      </a:rPr>
-                      <m:t>=</m:t>
-                    </m:r>
-                    <m:sSub>
-                      <m:sSubPr>
-                        <m:ctrlPr>
-                          <a:rPr lang="pt-BR" sz="1600" i="1">
-                            <a:latin typeface="Cambria Math" panose="02040503050406030204" pitchFamily="18" charset="0"/>
-                            <a:ea typeface="Cambria Math"/>
-                          </a:rPr>
-                        </m:ctrlPr>
-                      </m:sSubPr>
-                      <m:e>
-                        <m:r>
-                          <a:rPr lang="pt-BR" sz="1600" i="1">
-                            <a:latin typeface="Cambria Math"/>
-                            <a:ea typeface="Cambria Math"/>
-                          </a:rPr>
-                          <m:t>𝑏</m:t>
-                        </m:r>
-                      </m:e>
-                      <m:sub>
-                        <m:r>
-                          <a:rPr lang="pt-BR" sz="1600" i="1">
-                            <a:latin typeface="Cambria Math"/>
-                            <a:ea typeface="Cambria Math"/>
-                          </a:rPr>
-                          <m:t>𝑘</m:t>
-                        </m:r>
-                      </m:sub>
-                    </m:sSub>
-                  </m:oMath>
-                </a14:m>
-                <a:r>
-                  <a:rPr lang="pt-BR" sz="1600" dirty="0"/>
-                  <a:t>,</a:t>
-                </a:r>
-                <a:r>
-                  <a:rPr lang="pt-BR" sz="1600" dirty="0" smtClean="0"/>
-                  <a:t>       </a:t>
-                </a:r>
-                <a14:m>
-                  <m:oMath xmlns:m="http://schemas.openxmlformats.org/officeDocument/2006/math">
-                    <m:r>
-                      <m:rPr>
-                        <m:sty m:val="p"/>
-                      </m:rPr>
-                      <a:rPr lang="el-GR" sz="1600" i="1">
-                        <a:latin typeface="Cambria Math" panose="02040503050406030204" pitchFamily="18" charset="0"/>
-                        <a:ea typeface="Cambria Math" panose="02040503050406030204" pitchFamily="18" charset="0"/>
-                      </a:rPr>
-                      <m:t>Φ</m:t>
-                    </m:r>
-                    <m:sSub>
-                      <m:sSubPr>
-                        <m:ctrlPr>
-                          <a:rPr lang="pt-BR" sz="1600" i="1">
-                            <a:latin typeface="Cambria Math" panose="02040503050406030204" pitchFamily="18" charset="0"/>
-                            <a:ea typeface="Cambria Math"/>
-                          </a:rPr>
-                        </m:ctrlPr>
-                      </m:sSubPr>
-                      <m:e>
-                        <m:r>
-                          <a:rPr lang="pt-BR" sz="1600" i="1">
-                            <a:latin typeface="Cambria Math"/>
-                            <a:ea typeface="Cambria Math"/>
-                          </a:rPr>
-                          <m:t>𝜆</m:t>
-                        </m:r>
-                      </m:e>
-                      <m:sub>
-                        <m:r>
-                          <a:rPr lang="pt-BR" sz="1600" i="1">
-                            <a:latin typeface="Cambria Math"/>
-                            <a:ea typeface="Cambria Math"/>
-                          </a:rPr>
-                          <m:t>𝑘</m:t>
-                        </m:r>
-                      </m:sub>
-                    </m:sSub>
-                    <m:r>
-                      <a:rPr lang="pt-BR" sz="1600" i="1">
-                        <a:latin typeface="Cambria Math"/>
-                        <a:ea typeface="Cambria Math"/>
-                      </a:rPr>
-                      <m:t>→</m:t>
-                    </m:r>
-                    <m:sSub>
-                      <m:sSubPr>
-                        <m:ctrlPr>
-                          <a:rPr lang="pt-BR" sz="1600" i="1">
-                            <a:latin typeface="Cambria Math" panose="02040503050406030204" pitchFamily="18" charset="0"/>
-                            <a:ea typeface="Cambria Math"/>
-                          </a:rPr>
-                        </m:ctrlPr>
-                      </m:sSubPr>
-                      <m:e>
-                        <m:r>
-                          <a:rPr lang="pt-BR" sz="1600" i="1">
-                            <a:latin typeface="Cambria Math"/>
-                            <a:ea typeface="Cambria Math"/>
-                          </a:rPr>
-                          <m:t>𝑠</m:t>
-                        </m:r>
-                      </m:e>
-                      <m:sub>
-                        <m:r>
-                          <a:rPr lang="pt-BR" sz="1600" i="1">
-                            <a:latin typeface="Cambria Math"/>
-                            <a:ea typeface="Cambria Math"/>
-                          </a:rPr>
-                          <m:t>𝑘</m:t>
-                        </m:r>
-                      </m:sub>
-                    </m:sSub>
-                    <m:d>
-                      <m:dPr>
-                        <m:ctrlPr>
-                          <a:rPr lang="pt-BR" sz="1600" i="1">
-                            <a:latin typeface="Cambria Math" panose="02040503050406030204" pitchFamily="18" charset="0"/>
-                            <a:ea typeface="Cambria Math"/>
-                          </a:rPr>
-                        </m:ctrlPr>
-                      </m:dPr>
-                      <m:e>
-                        <m:sSub>
-                          <m:sSubPr>
-                            <m:ctrlPr>
-                              <a:rPr lang="pt-BR" sz="1600" i="1">
-                                <a:latin typeface="Cambria Math" panose="02040503050406030204" pitchFamily="18" charset="0"/>
-                                <a:ea typeface="Cambria Math"/>
-                              </a:rPr>
-                            </m:ctrlPr>
-                          </m:sSubPr>
-                          <m:e>
-                            <m:r>
-                              <a:rPr lang="pt-BR" sz="1600" i="1">
-                                <a:latin typeface="Cambria Math"/>
-                                <a:ea typeface="Cambria Math"/>
-                              </a:rPr>
-                              <m:t>𝑦</m:t>
-                            </m:r>
-                          </m:e>
-                          <m:sub>
-                            <m:r>
-                              <a:rPr lang="pt-BR" sz="1600" i="1">
-                                <a:latin typeface="Cambria Math"/>
-                                <a:ea typeface="Cambria Math"/>
-                              </a:rPr>
-                              <m:t>1</m:t>
-                            </m:r>
-                          </m:sub>
-                        </m:sSub>
-                      </m:e>
-                    </m:d>
-                    <m:r>
-                      <a:rPr lang="pt-BR" sz="1600" i="1">
-                        <a:latin typeface="Cambria Math"/>
-                        <a:ea typeface="Cambria Math"/>
-                      </a:rPr>
-                      <m:t>, </m:t>
-                    </m:r>
-                    <m:sSub>
-                      <m:sSubPr>
-                        <m:ctrlPr>
-                          <a:rPr lang="pt-BR" sz="1600" i="1">
-                            <a:latin typeface="Cambria Math" panose="02040503050406030204" pitchFamily="18" charset="0"/>
-                            <a:ea typeface="Cambria Math"/>
-                          </a:rPr>
-                        </m:ctrlPr>
-                      </m:sSubPr>
-                      <m:e>
-                        <m:r>
-                          <a:rPr lang="pt-BR" sz="1600" i="1">
-                            <a:latin typeface="Cambria Math"/>
-                            <a:ea typeface="Cambria Math"/>
-                          </a:rPr>
-                          <m:t>𝑠</m:t>
-                        </m:r>
-                      </m:e>
-                      <m:sub>
-                        <m:r>
-                          <a:rPr lang="pt-BR" sz="1600" i="1">
-                            <a:latin typeface="Cambria Math"/>
-                            <a:ea typeface="Cambria Math"/>
-                          </a:rPr>
-                          <m:t>𝑘</m:t>
-                        </m:r>
-                      </m:sub>
-                    </m:sSub>
-                    <m:d>
-                      <m:dPr>
-                        <m:ctrlPr>
-                          <a:rPr lang="pt-BR" sz="1600" i="1">
-                            <a:latin typeface="Cambria Math" panose="02040503050406030204" pitchFamily="18" charset="0"/>
-                            <a:ea typeface="Cambria Math"/>
-                          </a:rPr>
-                        </m:ctrlPr>
-                      </m:dPr>
-                      <m:e>
-                        <m:sSub>
-                          <m:sSubPr>
-                            <m:ctrlPr>
-                              <a:rPr lang="pt-BR" sz="1600" i="1">
-                                <a:latin typeface="Cambria Math" panose="02040503050406030204" pitchFamily="18" charset="0"/>
-                                <a:ea typeface="Cambria Math"/>
-                              </a:rPr>
-                            </m:ctrlPr>
-                          </m:sSubPr>
-                          <m:e>
-                            <m:r>
-                              <a:rPr lang="pt-BR" sz="1600" i="1">
-                                <a:latin typeface="Cambria Math"/>
-                                <a:ea typeface="Cambria Math"/>
-                              </a:rPr>
-                              <m:t>𝑦</m:t>
-                            </m:r>
-                          </m:e>
-                          <m:sub>
-                            <m:r>
-                              <a:rPr lang="pt-BR" sz="1600" i="1">
-                                <a:latin typeface="Cambria Math"/>
-                                <a:ea typeface="Cambria Math"/>
-                              </a:rPr>
-                              <m:t>2</m:t>
-                            </m:r>
-                          </m:sub>
-                        </m:sSub>
-                      </m:e>
-                    </m:d>
-                    <m:r>
-                      <a:rPr lang="pt-BR" sz="1600" i="1">
-                        <a:latin typeface="Cambria Math"/>
-                        <a:ea typeface="Cambria Math"/>
-                      </a:rPr>
-                      <m:t>…</m:t>
-                    </m:r>
-                  </m:oMath>
-                </a14:m>
-                <a:endParaRPr lang="pt-BR" sz="1600" dirty="0"/>
-              </a:p>
-              <a:p>
-                <a:pPr marL="285750" indent="-285750">
-                  <a:buFont typeface="Arial" panose="020B0604020202020204" pitchFamily="34" charset="0"/>
-                  <a:buChar char="•"/>
-                </a:pPr>
-                <a:endParaRPr lang="pt-BR" sz="1600" i="1" dirty="0" smtClean="0">
-                  <a:latin typeface="Cambria Math" panose="02040503050406030204" pitchFamily="18" charset="0"/>
-                </a:endParaRPr>
-              </a:p>
-              <a:p>
-                <a:pPr marL="285750" indent="-285750">
-                  <a:buFont typeface="Arial" panose="020B0604020202020204" pitchFamily="34" charset="0"/>
-                  <a:buChar char="•"/>
-                </a:pPr>
-                <a14:m>
-                  <m:oMath xmlns:m="http://schemas.openxmlformats.org/officeDocument/2006/math">
-                    <m:sSub>
-                      <m:sSubPr>
-                        <m:ctrlPr>
-                          <a:rPr lang="pt-BR" sz="1600" i="1" smtClean="0">
-                            <a:latin typeface="Cambria Math" panose="02040503050406030204" pitchFamily="18" charset="0"/>
                           </a:rPr>
                         </m:ctrlPr>
                       </m:sSubPr>
@@ -8493,7 +7329,7 @@
                       <m:dPr>
                         <m:ctrlPr>
                           <a:rPr lang="pt-BR" sz="1600" i="1">
-                            <a:latin typeface="Cambria Math" panose="02040503050406030204" pitchFamily="18" charset="0"/>
+                            <a:latin typeface="Cambria Math"/>
                           </a:rPr>
                         </m:ctrlPr>
                       </m:dPr>
@@ -8502,7 +7338,7 @@
                           <m:sSubPr>
                             <m:ctrlPr>
                               <a:rPr lang="pt-BR" sz="1600" i="1">
-                                <a:latin typeface="Cambria Math" panose="02040503050406030204" pitchFamily="18" charset="0"/>
+                                <a:latin typeface="Cambria Math"/>
                               </a:rPr>
                             </m:ctrlPr>
                           </m:sSubPr>
@@ -8536,7 +7372,7 @@
                         <m:chr m:val="∑"/>
                         <m:ctrlPr>
                           <a:rPr lang="pt-BR" sz="1600" i="1">
-                            <a:latin typeface="Cambria Math" panose="02040503050406030204" pitchFamily="18" charset="0"/>
+                            <a:latin typeface="Cambria Math"/>
                           </a:rPr>
                         </m:ctrlPr>
                       </m:naryPr>
@@ -8570,7 +7406,7 @@
                           <m:sSubPr>
                             <m:ctrlPr>
                               <a:rPr lang="pt-BR" sz="1600" i="1">
-                                <a:latin typeface="Cambria Math" panose="02040503050406030204" pitchFamily="18" charset="0"/>
+                                <a:latin typeface="Cambria Math"/>
                                 <a:ea typeface="Cambria Math"/>
                               </a:rPr>
                             </m:ctrlPr>
@@ -8605,7 +7441,7 @@
                           <m:dPr>
                             <m:ctrlPr>
                               <a:rPr lang="pt-BR" sz="1600" i="1">
-                                <a:latin typeface="Cambria Math" panose="02040503050406030204" pitchFamily="18" charset="0"/>
+                                <a:latin typeface="Cambria Math"/>
                                 <a:ea typeface="Cambria Math"/>
                               </a:rPr>
                             </m:ctrlPr>
@@ -8617,7 +7453,7 @@
                                 <m:endChr m:val="‖"/>
                                 <m:ctrlPr>
                                   <a:rPr lang="pt-BR" sz="1600" i="1">
-                                    <a:latin typeface="Cambria Math" panose="02040503050406030204" pitchFamily="18" charset="0"/>
+                                    <a:latin typeface="Cambria Math"/>
                                     <a:ea typeface="Cambria Math"/>
                                   </a:rPr>
                                 </m:ctrlPr>
@@ -8627,7 +7463,7 @@
                                   <m:sSubPr>
                                     <m:ctrlPr>
                                       <a:rPr lang="pt-BR" sz="1600" i="1">
-                                        <a:latin typeface="Cambria Math" panose="02040503050406030204" pitchFamily="18" charset="0"/>
+                                        <a:latin typeface="Cambria Math"/>
                                         <a:ea typeface="Cambria Math"/>
                                       </a:rPr>
                                     </m:ctrlPr>
@@ -8662,7 +7498,7 @@
                                   <m:sSubPr>
                                     <m:ctrlPr>
                                       <a:rPr lang="pt-BR" sz="1600" i="1">
-                                        <a:latin typeface="Cambria Math" panose="02040503050406030204" pitchFamily="18" charset="0"/>
+                                        <a:latin typeface="Cambria Math"/>
                                         <a:ea typeface="Cambria Math"/>
                                       </a:rPr>
                                     </m:ctrlPr>
@@ -8703,7 +7539,7 @@
                       <m:sSubPr>
                         <m:ctrlPr>
                           <a:rPr lang="pt-BR" sz="1600" i="1">
-                            <a:latin typeface="Cambria Math" panose="02040503050406030204" pitchFamily="18" charset="0"/>
+                            <a:latin typeface="Cambria Math"/>
                             <a:ea typeface="Cambria Math"/>
                           </a:rPr>
                         </m:ctrlPr>
@@ -8751,25 +7587,310 @@
                 </a:pPr>
                 <a14:m>
                   <m:oMath xmlns:m="http://schemas.openxmlformats.org/officeDocument/2006/math">
+                    <m:r>
+                      <a:rPr lang="pt-BR" sz="1600" i="1" smtClean="0">
+                        <a:latin typeface="Cambria Math"/>
+                        <a:ea typeface="Cambria Math"/>
+                      </a:rPr>
+                      <m:t>𝜙</m:t>
+                    </m:r>
                     <m:sSub>
                       <m:sSubPr>
                         <m:ctrlPr>
                           <a:rPr lang="pt-BR" sz="1600" i="1">
-                            <a:latin typeface="Cambria Math" panose="02040503050406030204" pitchFamily="18" charset="0"/>
+                            <a:latin typeface="Cambria Math"/>
                             <a:ea typeface="Cambria Math"/>
                           </a:rPr>
                         </m:ctrlPr>
                       </m:sSubPr>
                       <m:e>
                         <m:r>
-                          <m:rPr>
-                            <m:sty m:val="p"/>
-                          </m:rPr>
-                          <a:rPr lang="el-GR" sz="1600" i="1">
-                            <a:latin typeface="Cambria Math" panose="02040503050406030204" pitchFamily="18" charset="0"/>
-                            <a:ea typeface="Cambria Math" panose="02040503050406030204" pitchFamily="18" charset="0"/>
+                          <a:rPr lang="pt-BR" sz="1600" i="1">
+                            <a:latin typeface="Cambria Math"/>
+                            <a:ea typeface="Cambria Math"/>
                           </a:rPr>
-                          <m:t>Φ</m:t>
+                          <m:t>𝜆</m:t>
+                        </m:r>
+                      </m:e>
+                      <m:sub>
+                        <m:r>
+                          <a:rPr lang="pt-BR" sz="1600" i="1">
+                            <a:latin typeface="Cambria Math"/>
+                            <a:ea typeface="Cambria Math"/>
+                          </a:rPr>
+                          <m:t>𝑘</m:t>
+                        </m:r>
+                      </m:sub>
+                    </m:sSub>
+                    <m:r>
+                      <a:rPr lang="pt-BR" sz="1600" i="1">
+                        <a:latin typeface="Cambria Math"/>
+                        <a:ea typeface="Cambria Math"/>
+                      </a:rPr>
+                      <m:t>=</m:t>
+                    </m:r>
+                    <m:sSub>
+                      <m:sSubPr>
+                        <m:ctrlPr>
+                          <a:rPr lang="pt-BR" sz="1600" i="1">
+                            <a:latin typeface="Cambria Math"/>
+                            <a:ea typeface="Cambria Math"/>
+                          </a:rPr>
+                        </m:ctrlPr>
+                      </m:sSubPr>
+                      <m:e>
+                        <m:r>
+                          <a:rPr lang="pt-BR" sz="1600" i="1">
+                            <a:latin typeface="Cambria Math"/>
+                            <a:ea typeface="Cambria Math"/>
+                          </a:rPr>
+                          <m:t>𝑏</m:t>
+                        </m:r>
+                      </m:e>
+                      <m:sub>
+                        <m:r>
+                          <a:rPr lang="pt-BR" sz="1600" i="1">
+                            <a:latin typeface="Cambria Math"/>
+                            <a:ea typeface="Cambria Math"/>
+                          </a:rPr>
+                          <m:t>𝑘</m:t>
+                        </m:r>
+                      </m:sub>
+                    </m:sSub>
+                  </m:oMath>
+                </a14:m>
+                <a:r>
+                  <a:rPr lang="pt-BR" sz="1600" dirty="0" smtClean="0"/>
+                  <a:t>,   </a:t>
+                </a:r>
+                <a14:m>
+                  <m:oMath xmlns:m="http://schemas.openxmlformats.org/officeDocument/2006/math">
+                    <m:r>
+                      <a:rPr lang="pt-BR" sz="1600" i="1">
+                        <a:latin typeface="Cambria Math"/>
+                        <a:ea typeface="Cambria Math"/>
+                      </a:rPr>
+                      <m:t>𝜙</m:t>
+                    </m:r>
+                    <m:sSub>
+                      <m:sSubPr>
+                        <m:ctrlPr>
+                          <a:rPr lang="pt-BR" sz="1600" i="1">
+                            <a:latin typeface="Cambria Math"/>
+                            <a:ea typeface="Cambria Math"/>
+                          </a:rPr>
+                        </m:ctrlPr>
+                      </m:sSubPr>
+                      <m:e>
+                        <m:r>
+                          <a:rPr lang="pt-BR" sz="1600" i="1">
+                            <a:latin typeface="Cambria Math"/>
+                            <a:ea typeface="Cambria Math"/>
+                          </a:rPr>
+                          <m:t>𝜆</m:t>
+                        </m:r>
+                      </m:e>
+                      <m:sub>
+                        <m:r>
+                          <a:rPr lang="pt-BR" sz="1600" i="1">
+                            <a:latin typeface="Cambria Math"/>
+                            <a:ea typeface="Cambria Math"/>
+                          </a:rPr>
+                          <m:t>𝑘</m:t>
+                        </m:r>
+                      </m:sub>
+                    </m:sSub>
+                    <m:r>
+                      <a:rPr lang="pt-BR" sz="1600" b="0" i="1" smtClean="0">
+                        <a:latin typeface="Cambria Math"/>
+                        <a:ea typeface="Cambria Math"/>
+                      </a:rPr>
+                      <m:t>→</m:t>
+                    </m:r>
+                    <m:sSub>
+                      <m:sSubPr>
+                        <m:ctrlPr>
+                          <a:rPr lang="pt-BR" sz="1600" b="0" i="1" smtClean="0">
+                            <a:latin typeface="Cambria Math"/>
+                            <a:ea typeface="Cambria Math"/>
+                          </a:rPr>
+                        </m:ctrlPr>
+                      </m:sSubPr>
+                      <m:e>
+                        <m:r>
+                          <a:rPr lang="pt-BR" sz="1600" b="0" i="1" smtClean="0">
+                            <a:latin typeface="Cambria Math"/>
+                            <a:ea typeface="Cambria Math"/>
+                          </a:rPr>
+                          <m:t>𝑠</m:t>
+                        </m:r>
+                      </m:e>
+                      <m:sub>
+                        <m:r>
+                          <a:rPr lang="pt-BR" sz="1600" b="0" i="1" smtClean="0">
+                            <a:latin typeface="Cambria Math"/>
+                            <a:ea typeface="Cambria Math"/>
+                          </a:rPr>
+                          <m:t>𝑘</m:t>
+                        </m:r>
+                      </m:sub>
+                    </m:sSub>
+                    <m:d>
+                      <m:dPr>
+                        <m:ctrlPr>
+                          <a:rPr lang="pt-BR" sz="1600" b="0" i="1" smtClean="0">
+                            <a:latin typeface="Cambria Math"/>
+                            <a:ea typeface="Cambria Math"/>
+                          </a:rPr>
+                        </m:ctrlPr>
+                      </m:dPr>
+                      <m:e>
+                        <m:sSub>
+                          <m:sSubPr>
+                            <m:ctrlPr>
+                              <a:rPr lang="pt-BR" sz="1600" b="0" i="1" smtClean="0">
+                                <a:latin typeface="Cambria Math"/>
+                                <a:ea typeface="Cambria Math"/>
+                              </a:rPr>
+                            </m:ctrlPr>
+                          </m:sSubPr>
+                          <m:e>
+                            <m:r>
+                              <a:rPr lang="pt-BR" sz="1600" b="0" i="1" smtClean="0">
+                                <a:latin typeface="Cambria Math"/>
+                                <a:ea typeface="Cambria Math"/>
+                              </a:rPr>
+                              <m:t>𝑦</m:t>
+                            </m:r>
+                          </m:e>
+                          <m:sub>
+                            <m:r>
+                              <a:rPr lang="pt-BR" sz="1600" b="0" i="1" smtClean="0">
+                                <a:latin typeface="Cambria Math"/>
+                                <a:ea typeface="Cambria Math"/>
+                              </a:rPr>
+                              <m:t>1</m:t>
+                            </m:r>
+                          </m:sub>
+                        </m:sSub>
+                      </m:e>
+                    </m:d>
+                    <m:r>
+                      <a:rPr lang="pt-BR" sz="1600" b="0" i="1" smtClean="0">
+                        <a:latin typeface="Cambria Math"/>
+                        <a:ea typeface="Cambria Math"/>
+                      </a:rPr>
+                      <m:t>, </m:t>
+                    </m:r>
+                    <m:sSub>
+                      <m:sSubPr>
+                        <m:ctrlPr>
+                          <a:rPr lang="pt-BR" sz="1600" b="0" i="1" smtClean="0">
+                            <a:latin typeface="Cambria Math"/>
+                            <a:ea typeface="Cambria Math"/>
+                          </a:rPr>
+                        </m:ctrlPr>
+                      </m:sSubPr>
+                      <m:e>
+                        <m:r>
+                          <a:rPr lang="pt-BR" sz="1600" b="0" i="1" smtClean="0">
+                            <a:latin typeface="Cambria Math"/>
+                            <a:ea typeface="Cambria Math"/>
+                          </a:rPr>
+                          <m:t>𝑠</m:t>
+                        </m:r>
+                      </m:e>
+                      <m:sub>
+                        <m:r>
+                          <a:rPr lang="pt-BR" sz="1600" b="0" i="1" smtClean="0">
+                            <a:latin typeface="Cambria Math"/>
+                            <a:ea typeface="Cambria Math"/>
+                          </a:rPr>
+                          <m:t>𝑘</m:t>
+                        </m:r>
+                      </m:sub>
+                    </m:sSub>
+                    <m:d>
+                      <m:dPr>
+                        <m:ctrlPr>
+                          <a:rPr lang="pt-BR" sz="1600" b="0" i="1" smtClean="0">
+                            <a:latin typeface="Cambria Math"/>
+                            <a:ea typeface="Cambria Math"/>
+                          </a:rPr>
+                        </m:ctrlPr>
+                      </m:dPr>
+                      <m:e>
+                        <m:sSub>
+                          <m:sSubPr>
+                            <m:ctrlPr>
+                              <a:rPr lang="pt-BR" sz="1600" b="0" i="1" smtClean="0">
+                                <a:latin typeface="Cambria Math"/>
+                                <a:ea typeface="Cambria Math"/>
+                              </a:rPr>
+                            </m:ctrlPr>
+                          </m:sSubPr>
+                          <m:e>
+                            <m:r>
+                              <a:rPr lang="pt-BR" sz="1600" b="0" i="1" smtClean="0">
+                                <a:latin typeface="Cambria Math"/>
+                                <a:ea typeface="Cambria Math"/>
+                              </a:rPr>
+                              <m:t>𝑦</m:t>
+                            </m:r>
+                          </m:e>
+                          <m:sub>
+                            <m:r>
+                              <a:rPr lang="pt-BR" sz="1600" b="0" i="1" smtClean="0">
+                                <a:latin typeface="Cambria Math"/>
+                                <a:ea typeface="Cambria Math"/>
+                              </a:rPr>
+                              <m:t>2</m:t>
+                            </m:r>
+                          </m:sub>
+                        </m:sSub>
+                      </m:e>
+                    </m:d>
+                    <m:r>
+                      <a:rPr lang="pt-BR" sz="1600" b="0" i="1" smtClean="0">
+                        <a:latin typeface="Cambria Math"/>
+                        <a:ea typeface="Cambria Math"/>
+                      </a:rPr>
+                      <m:t>…</m:t>
+                    </m:r>
+                  </m:oMath>
+                </a14:m>
+                <a:endParaRPr lang="pt-BR" sz="1600" dirty="0"/>
+              </a:p>
+              <a:p>
+                <a:pPr marL="285750" indent="-285750">
+                  <a:buFont typeface="Arial" panose="020B0604020202020204" pitchFamily="34" charset="0"/>
+                  <a:buChar char="•"/>
+                </a:pPr>
+                <a:endParaRPr lang="pt-BR" sz="1600" dirty="0" smtClean="0"/>
+              </a:p>
+              <a:p>
+                <a:pPr marL="285750" indent="-285750">
+                  <a:buFont typeface="Arial" panose="020B0604020202020204" pitchFamily="34" charset="0"/>
+                  <a:buChar char="•"/>
+                </a:pPr>
+                <a14:m>
+                  <m:oMath xmlns:m="http://schemas.openxmlformats.org/officeDocument/2006/math">
+                    <m:sSub>
+                      <m:sSubPr>
+                        <m:ctrlPr>
+                          <a:rPr lang="pt-BR" sz="1600" i="1">
+                            <a:latin typeface="Cambria Math"/>
+                            <a:ea typeface="Cambria Math"/>
+                          </a:rPr>
+                        </m:ctrlPr>
+                      </m:sSubPr>
+                      <m:e>
+                        <m:r>
+                          <a:rPr lang="pt-BR" sz="1600" i="1">
+                            <a:latin typeface="Cambria Math"/>
+                            <a:ea typeface="Cambria Math"/>
+                          </a:rPr>
+                          <m:t>𝜙</m:t>
                         </m:r>
                       </m:e>
                       <m:sub>
@@ -8793,21 +7914,18 @@
                       <m:sSubPr>
                         <m:ctrlPr>
                           <a:rPr lang="pt-BR" sz="1600" i="1">
-                            <a:latin typeface="Cambria Math" panose="02040503050406030204" pitchFamily="18" charset="0"/>
+                            <a:latin typeface="Cambria Math"/>
                             <a:ea typeface="Cambria Math"/>
                           </a:rPr>
                         </m:ctrlPr>
                       </m:sSubPr>
                       <m:e>
                         <m:r>
-                          <m:rPr>
-                            <m:sty m:val="p"/>
-                          </m:rPr>
-                          <a:rPr lang="el-GR" sz="1600" i="1">
-                            <a:latin typeface="Cambria Math" panose="02040503050406030204" pitchFamily="18" charset="0"/>
-                            <a:ea typeface="Cambria Math" panose="02040503050406030204" pitchFamily="18" charset="0"/>
+                          <a:rPr lang="pt-BR" sz="1600" i="1">
+                            <a:latin typeface="Cambria Math"/>
+                            <a:ea typeface="Cambria Math"/>
                           </a:rPr>
-                          <m:t>Φ</m:t>
+                          <m:t>𝜙</m:t>
                         </m:r>
                       </m:e>
                       <m:sub>
@@ -8838,7 +7956,7 @@
                       <m:dPr>
                         <m:ctrlPr>
                           <a:rPr lang="pt-BR" sz="1600" i="1">
-                            <a:latin typeface="Cambria Math" panose="02040503050406030204" pitchFamily="18" charset="0"/>
+                            <a:latin typeface="Cambria Math"/>
                             <a:ea typeface="Cambria Math"/>
                           </a:rPr>
                         </m:ctrlPr>
@@ -8850,7 +7968,7 @@
                             <m:endChr m:val="‖"/>
                             <m:ctrlPr>
                               <a:rPr lang="pt-BR" sz="1600" i="1">
-                                <a:latin typeface="Cambria Math" panose="02040503050406030204" pitchFamily="18" charset="0"/>
+                                <a:latin typeface="Cambria Math"/>
                                 <a:ea typeface="Cambria Math"/>
                               </a:rPr>
                             </m:ctrlPr>
@@ -8860,7 +7978,7 @@
                               <m:sSubPr>
                                 <m:ctrlPr>
                                   <a:rPr lang="pt-BR" sz="1600" i="1">
-                                    <a:latin typeface="Cambria Math" panose="02040503050406030204" pitchFamily="18" charset="0"/>
+                                    <a:latin typeface="Cambria Math"/>
                                     <a:ea typeface="Cambria Math"/>
                                   </a:rPr>
                                 </m:ctrlPr>
@@ -8895,7 +8013,7 @@
                               <m:sSubPr>
                                 <m:ctrlPr>
                                   <a:rPr lang="pt-BR" sz="1600" i="1">
-                                    <a:latin typeface="Cambria Math" panose="02040503050406030204" pitchFamily="18" charset="0"/>
+                                    <a:latin typeface="Cambria Math"/>
                                     <a:ea typeface="Cambria Math"/>
                                   </a:rPr>
                                 </m:ctrlPr>
@@ -8945,7 +8063,7 @@
                       <m:sSubPr>
                         <m:ctrlPr>
                           <a:rPr lang="pt-BR" sz="1600" b="0" i="1" smtClean="0">
-                            <a:latin typeface="Cambria Math" panose="02040503050406030204" pitchFamily="18" charset="0"/>
+                            <a:latin typeface="Cambria Math"/>
                             <a:ea typeface="Cambria Math"/>
                           </a:rPr>
                         </m:ctrlPr>
@@ -8980,7 +8098,7 @@
                       <m:sSupPr>
                         <m:ctrlPr>
                           <a:rPr lang="pt-BR" sz="1600" b="0" i="1" smtClean="0">
-                            <a:latin typeface="Cambria Math" panose="02040503050406030204" pitchFamily="18" charset="0"/>
+                            <a:latin typeface="Cambria Math"/>
                             <a:ea typeface="Cambria Math"/>
                           </a:rPr>
                         </m:ctrlPr>
@@ -8992,7 +8110,7 @@
                             <m:endChr m:val="]"/>
                             <m:ctrlPr>
                               <a:rPr lang="pt-BR" sz="1600" i="1">
-                                <a:latin typeface="Cambria Math" panose="02040503050406030204" pitchFamily="18" charset="0"/>
+                                <a:latin typeface="Cambria Math"/>
                                 <a:ea typeface="Cambria Math"/>
                               </a:rPr>
                             </m:ctrlPr>
@@ -9002,7 +8120,7 @@
                               <m:sSubPr>
                                 <m:ctrlPr>
                                   <a:rPr lang="pt-BR" sz="1600" i="1">
-                                    <a:latin typeface="Cambria Math" panose="02040503050406030204" pitchFamily="18" charset="0"/>
+                                    <a:latin typeface="Cambria Math"/>
                                     <a:ea typeface="Cambria Math"/>
                                   </a:rPr>
                                 </m:ctrlPr>
@@ -9044,7 +8162,7 @@
                               <m:sSubPr>
                                 <m:ctrlPr>
                                   <a:rPr lang="pt-BR" sz="1600" i="1">
-                                    <a:latin typeface="Cambria Math" panose="02040503050406030204" pitchFamily="18" charset="0"/>
+                                    <a:latin typeface="Cambria Math"/>
                                     <a:ea typeface="Cambria Math"/>
                                   </a:rPr>
                                 </m:ctrlPr>
@@ -9064,7 +8182,14 @@
                                     <a:latin typeface="Cambria Math"/>
                                     <a:ea typeface="Cambria Math"/>
                                   </a:rPr>
-                                  <m:t>𝑘𝑛</m:t>
+                                  <m:t>𝑘</m:t>
+                                </m:r>
+                                <m:r>
+                                  <a:rPr lang="pt-BR" sz="1600" i="1">
+                                    <a:latin typeface="Cambria Math"/>
+                                    <a:ea typeface="Cambria Math"/>
+                                  </a:rPr>
+                                  <m:t>𝑛</m:t>
                                 </m:r>
                               </m:sub>
                             </m:sSub>
@@ -9103,7 +8228,7 @@
                       <m:sSubPr>
                         <m:ctrlPr>
                           <a:rPr lang="pt-BR" sz="1600" i="1" smtClean="0">
-                            <a:latin typeface="Cambria Math" panose="02040503050406030204" pitchFamily="18" charset="0"/>
+                            <a:latin typeface="Cambria Math"/>
                             <a:ea typeface="Cambria Math"/>
                           </a:rPr>
                         </m:ctrlPr>
@@ -9138,7 +8263,7 @@
                       <m:sSupPr>
                         <m:ctrlPr>
                           <a:rPr lang="pt-BR" sz="1600" i="1">
-                            <a:latin typeface="Cambria Math" panose="02040503050406030204" pitchFamily="18" charset="0"/>
+                            <a:latin typeface="Cambria Math"/>
                             <a:ea typeface="Cambria Math"/>
                           </a:rPr>
                         </m:ctrlPr>
@@ -9150,7 +8275,7 @@
                             <m:endChr m:val="]"/>
                             <m:ctrlPr>
                               <a:rPr lang="pt-BR" sz="1600" i="1">
-                                <a:latin typeface="Cambria Math" panose="02040503050406030204" pitchFamily="18" charset="0"/>
+                                <a:latin typeface="Cambria Math"/>
                                 <a:ea typeface="Cambria Math"/>
                               </a:rPr>
                             </m:ctrlPr>
@@ -9160,7 +8285,7 @@
                               <m:sSubPr>
                                 <m:ctrlPr>
                                   <a:rPr lang="pt-BR" sz="1600" i="1">
-                                    <a:latin typeface="Cambria Math" panose="02040503050406030204" pitchFamily="18" charset="0"/>
+                                    <a:latin typeface="Cambria Math"/>
                                     <a:ea typeface="Cambria Math"/>
                                   </a:rPr>
                                 </m:ctrlPr>
@@ -9202,7 +8327,7 @@
                               <m:sSubPr>
                                 <m:ctrlPr>
                                   <a:rPr lang="pt-BR" sz="1600" i="1">
-                                    <a:latin typeface="Cambria Math" panose="02040503050406030204" pitchFamily="18" charset="0"/>
+                                    <a:latin typeface="Cambria Math"/>
                                     <a:ea typeface="Cambria Math"/>
                                   </a:rPr>
                                 </m:ctrlPr>
@@ -9270,7 +8395,7 @@
                         <m:endChr m:val="]"/>
                         <m:ctrlPr>
                           <a:rPr lang="pt-BR" sz="1600" i="1" smtClean="0">
-                            <a:latin typeface="Cambria Math" panose="02040503050406030204" pitchFamily="18" charset="0"/>
+                            <a:latin typeface="Cambria Math"/>
                           </a:rPr>
                         </m:ctrlPr>
                       </m:dPr>
@@ -9287,7 +8412,7 @@
                             </m:mcs>
                             <m:ctrlPr>
                               <a:rPr lang="pt-BR" sz="1600" i="1">
-                                <a:latin typeface="Cambria Math" panose="02040503050406030204" pitchFamily="18" charset="0"/>
+                                <a:latin typeface="Cambria Math"/>
                               </a:rPr>
                             </m:ctrlPr>
                           </m:mPr>
@@ -9297,21 +8422,18 @@
                                 <m:sSubPr>
                                   <m:ctrlPr>
                                     <a:rPr lang="pt-BR" sz="1600" i="1">
-                                      <a:latin typeface="Cambria Math" panose="02040503050406030204" pitchFamily="18" charset="0"/>
+                                      <a:latin typeface="Cambria Math"/>
                                       <a:ea typeface="Cambria Math"/>
                                     </a:rPr>
                                   </m:ctrlPr>
                                 </m:sSubPr>
                                 <m:e>
                                   <m:r>
-                                    <m:rPr>
-                                      <m:sty m:val="p"/>
-                                    </m:rPr>
-                                    <a:rPr lang="el-GR" sz="1600" i="1">
-                                      <a:latin typeface="Cambria Math" panose="02040503050406030204" pitchFamily="18" charset="0"/>
-                                      <a:ea typeface="Cambria Math" panose="02040503050406030204" pitchFamily="18" charset="0"/>
+                                    <a:rPr lang="pt-BR" sz="1600" i="1">
+                                      <a:latin typeface="Cambria Math"/>
+                                      <a:ea typeface="Cambria Math"/>
                                     </a:rPr>
-                                    <m:t>Φ</m:t>
+                                    <m:t>𝜙</m:t>
                                   </m:r>
                                 </m:e>
                                 <m:sub>
@@ -9338,21 +8460,18 @@
                                 <m:sSubPr>
                                   <m:ctrlPr>
                                     <a:rPr lang="pt-BR" sz="1600" i="1">
-                                      <a:latin typeface="Cambria Math" panose="02040503050406030204" pitchFamily="18" charset="0"/>
+                                      <a:latin typeface="Cambria Math"/>
                                       <a:ea typeface="Cambria Math"/>
                                     </a:rPr>
                                   </m:ctrlPr>
                                 </m:sSubPr>
                                 <m:e>
                                   <m:r>
-                                    <m:rPr>
-                                      <m:sty m:val="p"/>
-                                    </m:rPr>
-                                    <a:rPr lang="el-GR" sz="1600" i="1">
-                                      <a:latin typeface="Cambria Math" panose="02040503050406030204" pitchFamily="18" charset="0"/>
-                                      <a:ea typeface="Cambria Math" panose="02040503050406030204" pitchFamily="18" charset="0"/>
+                                    <a:rPr lang="pt-BR" sz="1600" i="1">
+                                      <a:latin typeface="Cambria Math"/>
+                                      <a:ea typeface="Cambria Math"/>
                                     </a:rPr>
-                                    <m:t>Φ</m:t>
+                                    <m:t>𝜙</m:t>
                                   </m:r>
                                 </m:e>
                                 <m:sub>
@@ -9406,21 +8525,18 @@
                                 <m:sSubPr>
                                   <m:ctrlPr>
                                     <a:rPr lang="pt-BR" sz="1600" i="1">
-                                      <a:latin typeface="Cambria Math" panose="02040503050406030204" pitchFamily="18" charset="0"/>
+                                      <a:latin typeface="Cambria Math"/>
                                       <a:ea typeface="Cambria Math"/>
                                     </a:rPr>
                                   </m:ctrlPr>
                                 </m:sSubPr>
                                 <m:e>
                                   <m:r>
-                                    <m:rPr>
-                                      <m:sty m:val="p"/>
-                                    </m:rPr>
-                                    <a:rPr lang="el-GR" sz="1600" i="1">
-                                      <a:latin typeface="Cambria Math" panose="02040503050406030204" pitchFamily="18" charset="0"/>
-                                      <a:ea typeface="Cambria Math" panose="02040503050406030204" pitchFamily="18" charset="0"/>
+                                    <a:rPr lang="pt-BR" sz="1600" i="1">
+                                      <a:latin typeface="Cambria Math"/>
+                                      <a:ea typeface="Cambria Math"/>
                                     </a:rPr>
-                                    <m:t>Φ</m:t>
+                                    <m:t>𝜙</m:t>
                                   </m:r>
                                 </m:e>
                                 <m:sub>
@@ -9454,21 +8570,18 @@
                                 <m:sSubPr>
                                   <m:ctrlPr>
                                     <a:rPr lang="pt-BR" sz="1600" i="1">
-                                      <a:latin typeface="Cambria Math" panose="02040503050406030204" pitchFamily="18" charset="0"/>
+                                      <a:latin typeface="Cambria Math"/>
                                       <a:ea typeface="Cambria Math"/>
                                     </a:rPr>
                                   </m:ctrlPr>
                                 </m:sSubPr>
                                 <m:e>
                                   <m:r>
-                                    <m:rPr>
-                                      <m:sty m:val="p"/>
-                                    </m:rPr>
-                                    <a:rPr lang="el-GR" sz="1600" i="1">
-                                      <a:latin typeface="Cambria Math" panose="02040503050406030204" pitchFamily="18" charset="0"/>
-                                      <a:ea typeface="Cambria Math" panose="02040503050406030204" pitchFamily="18" charset="0"/>
+                                    <a:rPr lang="pt-BR" sz="1600" i="1">
+                                      <a:latin typeface="Cambria Math"/>
+                                      <a:ea typeface="Cambria Math"/>
                                     </a:rPr>
-                                    <m:t>Φ</m:t>
+                                    <m:t>𝜙</m:t>
                                   </m:r>
                                 </m:e>
                                 <m:sub>
@@ -9492,7 +8605,7 @@
                         <m:endChr m:val="]"/>
                         <m:ctrlPr>
                           <a:rPr lang="pt-BR" sz="1600" i="1">
-                            <a:latin typeface="Cambria Math" panose="02040503050406030204" pitchFamily="18" charset="0"/>
+                            <a:latin typeface="Cambria Math"/>
                           </a:rPr>
                         </m:ctrlPr>
                       </m:dPr>
@@ -9509,7 +8622,7 @@
                             </m:mcs>
                             <m:ctrlPr>
                               <a:rPr lang="pt-BR" sz="1600" i="1">
-                                <a:latin typeface="Cambria Math" panose="02040503050406030204" pitchFamily="18" charset="0"/>
+                                <a:latin typeface="Cambria Math"/>
                               </a:rPr>
                             </m:ctrlPr>
                           </m:mPr>
@@ -9519,7 +8632,7 @@
                                 <m:sSubPr>
                                   <m:ctrlPr>
                                     <a:rPr lang="pt-BR" sz="1600" i="1">
-                                      <a:latin typeface="Cambria Math" panose="02040503050406030204" pitchFamily="18" charset="0"/>
+                                      <a:latin typeface="Cambria Math"/>
                                       <a:ea typeface="Cambria Math"/>
                                     </a:rPr>
                                   </m:ctrlPr>
@@ -9568,7 +8681,7 @@
                                 <m:sSubPr>
                                   <m:ctrlPr>
                                     <a:rPr lang="pt-BR" sz="1600" i="1">
-                                      <a:latin typeface="Cambria Math" panose="02040503050406030204" pitchFamily="18" charset="0"/>
+                                      <a:latin typeface="Cambria Math"/>
                                       <a:ea typeface="Cambria Math"/>
                                     </a:rPr>
                                   </m:ctrlPr>
@@ -9616,7 +8729,7 @@
                         <m:endChr m:val="]"/>
                         <m:ctrlPr>
                           <a:rPr lang="pt-BR" sz="1600" i="1">
-                            <a:latin typeface="Cambria Math" panose="02040503050406030204" pitchFamily="18" charset="0"/>
+                            <a:latin typeface="Cambria Math"/>
                           </a:rPr>
                         </m:ctrlPr>
                       </m:dPr>
@@ -9633,7 +8746,7 @@
                             </m:mcs>
                             <m:ctrlPr>
                               <a:rPr lang="pt-BR" sz="1600" i="1">
-                                <a:latin typeface="Cambria Math" panose="02040503050406030204" pitchFamily="18" charset="0"/>
+                                <a:latin typeface="Cambria Math"/>
                               </a:rPr>
                             </m:ctrlPr>
                           </m:mPr>
@@ -9643,7 +8756,7 @@
                                 <m:sSubPr>
                                   <m:ctrlPr>
                                     <a:rPr lang="pt-BR" sz="1600" i="1">
-                                      <a:latin typeface="Cambria Math" panose="02040503050406030204" pitchFamily="18" charset="0"/>
+                                      <a:latin typeface="Cambria Math"/>
                                     </a:rPr>
                                   </m:ctrlPr>
                                 </m:sSubPr>
@@ -9694,7 +8807,7 @@
                                 <m:sSubPr>
                                   <m:ctrlPr>
                                     <a:rPr lang="pt-BR" sz="1600" i="1">
-                                      <a:latin typeface="Cambria Math" panose="02040503050406030204" pitchFamily="18" charset="0"/>
+                                      <a:latin typeface="Cambria Math"/>
                                     </a:rPr>
                                   </m:ctrlPr>
                                 </m:sSubPr>
@@ -9756,7 +8869,7 @@
             </p:txBody>
           </p:sp>
         </mc:Choice>
-        <mc:Fallback xmlns="">
+        <mc:Fallback>
           <p:sp>
             <p:nvSpPr>
               <p:cNvPr id="100" name="TextShape 2"/>
@@ -9773,10 +8886,10 @@
               <a:prstGeom prst="rect">
                 <a:avLst/>
               </a:prstGeom>
-              <a:blipFill rotWithShape="0">
-                <a:blip r:embed="rId3"/>
+              <a:blipFill rotWithShape="1">
+                <a:blip r:embed="rId2"/>
                 <a:stretch>
-                  <a:fillRect l="-296" t="-404"/>
+                  <a:fillRect l="-222" t="-7682"/>
                 </a:stretch>
               </a:blipFill>
               <a:ln>
@@ -9788,7 +8901,7 @@
               <a:lstStyle/>
               <a:p>
                 <a:r>
-                  <a:rPr lang="en-US">
+                  <a:rPr lang="pt-BR">
                     <a:noFill/>
                   </a:rPr>
                   <a:t> </a:t>
@@ -9798,212 +8911,60 @@
           </p:sp>
         </mc:Fallback>
       </mc:AlternateContent>
-      <mc:AlternateContent xmlns:mc="http://schemas.openxmlformats.org/markup-compatibility/2006" xmlns:a14="http://schemas.microsoft.com/office/drawing/2010/main">
-        <mc:Choice Requires="a14">
-          <p:sp>
-            <p:nvSpPr>
-              <p:cNvPr id="5" name="Rectangle 4"/>
-              <p:cNvSpPr/>
-              <p:nvPr/>
-            </p:nvSpPr>
-            <p:spPr>
-              <a:xfrm>
-                <a:off x="8156212" y="2178869"/>
-                <a:ext cx="589841" cy="369332"/>
-              </a:xfrm>
-              <a:prstGeom prst="rect">
-                <a:avLst/>
-              </a:prstGeom>
-            </p:spPr>
-            <p:txBody>
-              <a:bodyPr wrap="none">
-                <a:spAutoFit/>
-              </a:bodyPr>
-              <a:lstStyle/>
-              <a:p>
-                <a:pPr/>
-                <a14:m>
-                  <m:oMathPara xmlns:m="http://schemas.openxmlformats.org/officeDocument/2006/math">
-                    <m:oMathParaPr>
-                      <m:jc m:val="centerGroup"/>
-                    </m:oMathParaPr>
-                    <m:oMath xmlns:m="http://schemas.openxmlformats.org/officeDocument/2006/math">
-                      <m:sSup>
-                        <m:sSupPr>
-                          <m:ctrlPr>
-                            <a:rPr lang="pt-BR" i="1">
-                              <a:latin typeface="Cambria Math" panose="02040503050406030204" pitchFamily="18" charset="0"/>
-                            </a:rPr>
-                          </m:ctrlPr>
-                        </m:sSupPr>
-                        <m:e>
-                          <m:r>
-                            <a:rPr lang="pt-BR" i="1">
-                              <a:latin typeface="Cambria Math"/>
-                              <a:ea typeface="Cambria Math"/>
-                            </a:rPr>
-                            <m:t>ℝ</m:t>
-                          </m:r>
-                        </m:e>
-                        <m:sup>
-                          <m:r>
-                            <a:rPr lang="pt-BR" i="1">
-                              <a:latin typeface="Cambria Math"/>
-                            </a:rPr>
-                            <m:t>𝑚</m:t>
-                          </m:r>
-                        </m:sup>
-                      </m:sSup>
-                    </m:oMath>
-                  </m:oMathPara>
-                </a14:m>
-                <a:endParaRPr lang="en-US" dirty="0"/>
-              </a:p>
-            </p:txBody>
-          </p:sp>
-        </mc:Choice>
-        <mc:Fallback xmlns="">
-          <p:sp>
-            <p:nvSpPr>
-              <p:cNvPr id="5" name="Rectangle 4"/>
-              <p:cNvSpPr>
-                <a:spLocks noRot="1" noChangeAspect="1" noMove="1" noResize="1" noEditPoints="1" noAdjustHandles="1" noChangeArrowheads="1" noChangeShapeType="1" noTextEdit="1"/>
-              </p:cNvSpPr>
-              <p:nvPr/>
-            </p:nvSpPr>
-            <p:spPr>
-              <a:xfrm>
-                <a:off x="8156212" y="2178869"/>
-                <a:ext cx="589841" cy="369332"/>
-              </a:xfrm>
-              <a:prstGeom prst="rect">
-                <a:avLst/>
-              </a:prstGeom>
-              <a:blipFill rotWithShape="0">
-                <a:blip r:embed="rId4"/>
-                <a:stretch>
-                  <a:fillRect/>
-                </a:stretch>
-              </a:blipFill>
-            </p:spPr>
-            <p:txBody>
-              <a:bodyPr/>
-              <a:lstStyle/>
-              <a:p>
-                <a:r>
-                  <a:rPr lang="en-US">
-                    <a:noFill/>
-                  </a:rPr>
-                  <a:t> </a:t>
-                </a:r>
-              </a:p>
-            </p:txBody>
-          </p:sp>
-        </mc:Fallback>
-      </mc:AlternateContent>
-      <mc:AlternateContent xmlns:mc="http://schemas.openxmlformats.org/markup-compatibility/2006" xmlns:a14="http://schemas.microsoft.com/office/drawing/2010/main">
-        <mc:Choice Requires="a14">
-          <p:sp>
-            <p:nvSpPr>
-              <p:cNvPr id="6" name="Rectangle 5"/>
-              <p:cNvSpPr/>
-              <p:nvPr/>
-            </p:nvSpPr>
-            <p:spPr>
-              <a:xfrm>
-                <a:off x="7892390" y="4776149"/>
-                <a:ext cx="527644" cy="369332"/>
-              </a:xfrm>
-              <a:prstGeom prst="rect">
-                <a:avLst/>
-              </a:prstGeom>
-            </p:spPr>
-            <p:txBody>
-              <a:bodyPr wrap="none">
-                <a:spAutoFit/>
-              </a:bodyPr>
-              <a:lstStyle/>
-              <a:p>
-                <a:pPr/>
-                <a14:m>
-                  <m:oMathPara xmlns:m="http://schemas.openxmlformats.org/officeDocument/2006/math">
-                    <m:oMathParaPr>
-                      <m:jc m:val="centerGroup"/>
-                    </m:oMathParaPr>
-                    <m:oMath xmlns:m="http://schemas.openxmlformats.org/officeDocument/2006/math">
-                      <m:sSup>
-                        <m:sSupPr>
-                          <m:ctrlPr>
-                            <a:rPr lang="pt-BR" i="1">
-                              <a:latin typeface="Cambria Math" panose="02040503050406030204" pitchFamily="18" charset="0"/>
-                            </a:rPr>
-                          </m:ctrlPr>
-                        </m:sSupPr>
-                        <m:e>
-                          <m:r>
-                            <a:rPr lang="pt-BR" i="1">
-                              <a:latin typeface="Cambria Math"/>
-                              <a:ea typeface="Cambria Math"/>
-                            </a:rPr>
-                            <m:t>ℝ</m:t>
-                          </m:r>
-                        </m:e>
-                        <m:sup>
-                          <m:r>
-                            <a:rPr lang="pt-BR" i="1">
-                              <a:latin typeface="Cambria Math"/>
-                            </a:rPr>
-                            <m:t>2</m:t>
-                          </m:r>
-                        </m:sup>
-                      </m:sSup>
-                    </m:oMath>
-                  </m:oMathPara>
-                </a14:m>
-                <a:endParaRPr lang="en-US" dirty="0"/>
-              </a:p>
-            </p:txBody>
-          </p:sp>
-        </mc:Choice>
-        <mc:Fallback xmlns="">
-          <p:sp>
-            <p:nvSpPr>
-              <p:cNvPr id="6" name="Rectangle 5"/>
-              <p:cNvSpPr>
-                <a:spLocks noRot="1" noChangeAspect="1" noMove="1" noResize="1" noEditPoints="1" noAdjustHandles="1" noChangeArrowheads="1" noChangeShapeType="1" noTextEdit="1"/>
-              </p:cNvSpPr>
-              <p:nvPr/>
-            </p:nvSpPr>
-            <p:spPr>
-              <a:xfrm>
-                <a:off x="7892390" y="4776149"/>
-                <a:ext cx="527644" cy="369332"/>
-              </a:xfrm>
-              <a:prstGeom prst="rect">
-                <a:avLst/>
-              </a:prstGeom>
-              <a:blipFill rotWithShape="0">
-                <a:blip r:embed="rId5"/>
-                <a:stretch>
-                  <a:fillRect/>
-                </a:stretch>
-              </a:blipFill>
-            </p:spPr>
-            <p:txBody>
-              <a:bodyPr/>
-              <a:lstStyle/>
-              <a:p>
-                <a:r>
-                  <a:rPr lang="en-US">
-                    <a:noFill/>
-                  </a:rPr>
-                  <a:t> </a:t>
-                </a:r>
-              </a:p>
-            </p:txBody>
-          </p:sp>
-        </mc:Fallback>
-      </mc:AlternateContent>
+      <p:pic>
+        <p:nvPicPr>
+          <p:cNvPr id="2051" name="Picture 3"/>
+          <p:cNvPicPr>
+            <a:picLocks noChangeAspect="1" noChangeArrowheads="1"/>
+          </p:cNvPicPr>
+          <p:nvPr/>
+        </p:nvPicPr>
+        <p:blipFill>
+          <a:blip r:embed="rId3">
+            <a:extLst>
+              <a:ext uri="{28A0092B-C50C-407E-A947-70E740481C1C}">
+                <a14:useLocalDpi xmlns:a14="http://schemas.microsoft.com/office/drawing/2010/main" val="0"/>
+              </a:ext>
+            </a:extLst>
+          </a:blip>
+          <a:srcRect/>
+          <a:stretch>
+            <a:fillRect/>
+          </a:stretch>
+        </p:blipFill>
+        <p:spPr bwMode="auto">
+          <a:xfrm>
+            <a:off x="5104270" y="2178869"/>
+            <a:ext cx="3641783" cy="3368222"/>
+          </a:xfrm>
+          <a:prstGeom prst="rect">
+            <a:avLst/>
+          </a:prstGeom>
+          <a:noFill/>
+          <a:ln>
+            <a:noFill/>
+          </a:ln>
+          <a:extLst>
+            <a:ext uri="{909E8E84-426E-40DD-AFC4-6F175D3DCCD1}">
+              <a14:hiddenFill xmlns:a14="http://schemas.microsoft.com/office/drawing/2010/main">
+                <a:solidFill>
+                  <a:schemeClr val="accent1"/>
+                </a:solidFill>
+              </a14:hiddenFill>
+            </a:ext>
+            <a:ext uri="{91240B29-F687-4F45-9708-019B960494DF}">
+              <a14:hiddenLine xmlns:a14="http://schemas.microsoft.com/office/drawing/2010/main" w="9525">
+                <a:solidFill>
+                  <a:schemeClr val="tx1"/>
+                </a:solidFill>
+                <a:miter lim="800000"/>
+                <a:headEnd/>
+                <a:tailEnd/>
+              </a14:hiddenLine>
+            </a:ext>
+          </a:extLst>
+        </p:spPr>
+      </p:pic>
     </p:spTree>
     <p:extLst>
       <p:ext uri="{BB962C8B-B14F-4D97-AF65-F5344CB8AC3E}">
@@ -10131,8 +9092,8 @@
           </a:p>
         </p:txBody>
       </p:sp>
-      <mc:AlternateContent xmlns:mc="http://schemas.openxmlformats.org/markup-compatibility/2006" xmlns:a14="http://schemas.microsoft.com/office/drawing/2010/main">
-        <mc:Choice Requires="a14">
+      <mc:AlternateContent xmlns:mc="http://schemas.openxmlformats.org/markup-compatibility/2006">
+        <mc:Choice xmlns:a14="http://schemas.microsoft.com/office/drawing/2010/main" Requires="a14">
           <p:sp>
             <p:nvSpPr>
               <p:cNvPr id="100" name="TextShape 2"/>
@@ -10180,7 +9141,7 @@
                             <a:solidFill>
                               <a:srgbClr val="C00000"/>
                             </a:solidFill>
-                            <a:latin typeface="Cambria Math" panose="02040503050406030204" pitchFamily="18" charset="0"/>
+                            <a:latin typeface="Cambria Math"/>
                           </a:rPr>
                         </m:ctrlPr>
                       </m:dPr>
@@ -10200,7 +9161,7 @@
                                 <a:solidFill>
                                   <a:srgbClr val="C00000"/>
                                 </a:solidFill>
-                                <a:latin typeface="Cambria Math" panose="02040503050406030204" pitchFamily="18" charset="0"/>
+                                <a:latin typeface="Cambria Math"/>
                               </a:rPr>
                             </m:ctrlPr>
                           </m:mPr>
@@ -10213,24 +9174,21 @@
                                       <a:solidFill>
                                         <a:srgbClr val="C00000"/>
                                       </a:solidFill>
-                                      <a:latin typeface="Cambria Math" panose="02040503050406030204" pitchFamily="18" charset="0"/>
+                                      <a:latin typeface="Cambria Math"/>
                                       <a:ea typeface="Cambria Math"/>
                                     </a:rPr>
                                   </m:ctrlPr>
                                 </m:sSubPr>
                                 <m:e>
                                   <m:r>
-                                    <m:rPr>
-                                      <m:sty m:val="p"/>
-                                    </m:rPr>
-                                    <a:rPr lang="el-GR" sz="1600" i="1">
+                                    <a:rPr lang="pt-BR" sz="1600" b="0" i="1">
                                       <a:solidFill>
                                         <a:srgbClr val="C00000"/>
                                       </a:solidFill>
-                                      <a:latin typeface="Cambria Math" panose="02040503050406030204" pitchFamily="18" charset="0"/>
-                                      <a:ea typeface="Cambria Math" panose="02040503050406030204" pitchFamily="18" charset="0"/>
+                                      <a:latin typeface="Cambria Math"/>
+                                      <a:ea typeface="Cambria Math"/>
                                     </a:rPr>
-                                    <m:t>Φ</m:t>
+                                    <m:t>𝜙</m:t>
                                   </m:r>
                                 </m:e>
                                 <m:sub>
@@ -10266,24 +9224,21 @@
                                       <a:solidFill>
                                         <a:srgbClr val="C00000"/>
                                       </a:solidFill>
-                                      <a:latin typeface="Cambria Math" panose="02040503050406030204" pitchFamily="18" charset="0"/>
+                                      <a:latin typeface="Cambria Math"/>
                                       <a:ea typeface="Cambria Math"/>
                                     </a:rPr>
                                   </m:ctrlPr>
                                 </m:sSubPr>
                                 <m:e>
                                   <m:r>
-                                    <m:rPr>
-                                      <m:sty m:val="p"/>
-                                    </m:rPr>
-                                    <a:rPr lang="el-GR" sz="1600" i="1">
+                                    <a:rPr lang="pt-BR" sz="1600" b="0" i="1">
                                       <a:solidFill>
                                         <a:srgbClr val="C00000"/>
                                       </a:solidFill>
-                                      <a:latin typeface="Cambria Math" panose="02040503050406030204" pitchFamily="18" charset="0"/>
-                                      <a:ea typeface="Cambria Math" panose="02040503050406030204" pitchFamily="18" charset="0"/>
+                                      <a:latin typeface="Cambria Math"/>
+                                      <a:ea typeface="Cambria Math"/>
                                     </a:rPr>
-                                    <m:t>Φ</m:t>
+                                    <m:t>𝜙</m:t>
                                   </m:r>
                                 </m:e>
                                 <m:sub>
@@ -10355,24 +9310,21 @@
                                       <a:solidFill>
                                         <a:srgbClr val="C00000"/>
                                       </a:solidFill>
-                                      <a:latin typeface="Cambria Math" panose="02040503050406030204" pitchFamily="18" charset="0"/>
+                                      <a:latin typeface="Cambria Math"/>
                                       <a:ea typeface="Cambria Math"/>
                                     </a:rPr>
                                   </m:ctrlPr>
                                 </m:sSubPr>
                                 <m:e>
                                   <m:r>
-                                    <m:rPr>
-                                      <m:sty m:val="p"/>
-                                    </m:rPr>
-                                    <a:rPr lang="el-GR" sz="1600" i="1">
+                                    <a:rPr lang="pt-BR" sz="1600" b="0" i="1">
                                       <a:solidFill>
                                         <a:srgbClr val="C00000"/>
                                       </a:solidFill>
-                                      <a:latin typeface="Cambria Math" panose="02040503050406030204" pitchFamily="18" charset="0"/>
-                                      <a:ea typeface="Cambria Math" panose="02040503050406030204" pitchFamily="18" charset="0"/>
+                                      <a:latin typeface="Cambria Math"/>
+                                      <a:ea typeface="Cambria Math"/>
                                     </a:rPr>
-                                    <m:t>Φ</m:t>
+                                    <m:t>𝜙</m:t>
                                   </m:r>
                                 </m:e>
                                 <m:sub>
@@ -10418,24 +9370,21 @@
                                       <a:solidFill>
                                         <a:srgbClr val="C00000"/>
                                       </a:solidFill>
-                                      <a:latin typeface="Cambria Math" panose="02040503050406030204" pitchFamily="18" charset="0"/>
+                                      <a:latin typeface="Cambria Math"/>
                                       <a:ea typeface="Cambria Math"/>
                                     </a:rPr>
                                   </m:ctrlPr>
                                 </m:sSubPr>
                                 <m:e>
                                   <m:r>
-                                    <m:rPr>
-                                      <m:sty m:val="p"/>
-                                    </m:rPr>
-                                    <a:rPr lang="el-GR" sz="1600" i="1">
+                                    <a:rPr lang="pt-BR" sz="1600" b="0" i="1">
                                       <a:solidFill>
                                         <a:srgbClr val="C00000"/>
                                       </a:solidFill>
-                                      <a:latin typeface="Cambria Math" panose="02040503050406030204" pitchFamily="18" charset="0"/>
-                                      <a:ea typeface="Cambria Math" panose="02040503050406030204" pitchFamily="18" charset="0"/>
+                                      <a:latin typeface="Cambria Math"/>
+                                      <a:ea typeface="Cambria Math"/>
                                     </a:rPr>
-                                    <m:t>Φ</m:t>
+                                    <m:t>𝜙</m:t>
                                   </m:r>
                                 </m:e>
                                 <m:sub>
@@ -10462,10 +9411,7 @@
                         <m:endChr m:val="]"/>
                         <m:ctrlPr>
                           <a:rPr lang="pt-BR" sz="1600" i="1">
-                            <a:solidFill>
-                              <a:srgbClr val="C00000"/>
-                            </a:solidFill>
-                            <a:latin typeface="Cambria Math" panose="02040503050406030204" pitchFamily="18" charset="0"/>
+                            <a:latin typeface="Cambria Math"/>
                           </a:rPr>
                         </m:ctrlPr>
                       </m:dPr>
@@ -10482,10 +9428,7 @@
                             </m:mcs>
                             <m:ctrlPr>
                               <a:rPr lang="pt-BR" sz="1600" i="1">
-                                <a:solidFill>
-                                  <a:srgbClr val="C00000"/>
-                                </a:solidFill>
-                                <a:latin typeface="Cambria Math" panose="02040503050406030204" pitchFamily="18" charset="0"/>
+                                <a:latin typeface="Cambria Math"/>
                               </a:rPr>
                             </m:ctrlPr>
                           </m:mPr>
@@ -10495,10 +9438,7 @@
                                 <m:sSubPr>
                                   <m:ctrlPr>
                                     <a:rPr lang="pt-BR" sz="1600" i="1">
-                                      <a:solidFill>
-                                        <a:srgbClr val="C00000"/>
-                                      </a:solidFill>
-                                      <a:latin typeface="Cambria Math" panose="02040503050406030204" pitchFamily="18" charset="0"/>
+                                      <a:latin typeface="Cambria Math"/>
                                       <a:ea typeface="Cambria Math"/>
                                     </a:rPr>
                                   </m:ctrlPr>
@@ -10506,9 +9446,6 @@
                                 <m:e>
                                   <m:r>
                                     <a:rPr lang="pt-BR" sz="1600" i="1">
-                                      <a:solidFill>
-                                        <a:srgbClr val="C00000"/>
-                                      </a:solidFill>
                                       <a:latin typeface="Cambria Math"/>
                                       <a:ea typeface="Cambria Math"/>
                                     </a:rPr>
@@ -10518,9 +9455,6 @@
                                 <m:sub>
                                   <m:r>
                                     <a:rPr lang="pt-BR" sz="1600" i="1">
-                                      <a:solidFill>
-                                        <a:srgbClr val="C00000"/>
-                                      </a:solidFill>
                                       <a:latin typeface="Cambria Math"/>
                                       <a:ea typeface="Cambria Math"/>
                                     </a:rPr>
@@ -10528,9 +9462,6 @@
                                   </m:r>
                                   <m:r>
                                     <a:rPr lang="pt-BR" sz="1600" i="1">
-                                      <a:solidFill>
-                                        <a:srgbClr val="C00000"/>
-                                      </a:solidFill>
                                       <a:latin typeface="Cambria Math"/>
                                       <a:ea typeface="Cambria Math"/>
                                     </a:rPr>
@@ -10544,9 +9475,6 @@
                             <m:e>
                               <m:r>
                                 <a:rPr lang="pt-BR" sz="1600" i="1">
-                                  <a:solidFill>
-                                    <a:srgbClr val="C00000"/>
-                                  </a:solidFill>
                                   <a:latin typeface="Cambria Math"/>
                                 </a:rPr>
                                 <m:t>⋮</m:t>
@@ -10559,10 +9487,7 @@
                                 <m:sSubPr>
                                   <m:ctrlPr>
                                     <a:rPr lang="pt-BR" sz="1600" i="1">
-                                      <a:solidFill>
-                                        <a:srgbClr val="C00000"/>
-                                      </a:solidFill>
-                                      <a:latin typeface="Cambria Math" panose="02040503050406030204" pitchFamily="18" charset="0"/>
+                                      <a:latin typeface="Cambria Math"/>
                                       <a:ea typeface="Cambria Math"/>
                                     </a:rPr>
                                   </m:ctrlPr>
@@ -10570,9 +9495,6 @@
                                 <m:e>
                                   <m:r>
                                     <a:rPr lang="pt-BR" sz="1600" i="1">
-                                      <a:solidFill>
-                                        <a:srgbClr val="C00000"/>
-                                      </a:solidFill>
                                       <a:latin typeface="Cambria Math"/>
                                       <a:ea typeface="Cambria Math"/>
                                     </a:rPr>
@@ -10582,9 +9504,6 @@
                                 <m:sub>
                                   <m:r>
                                     <a:rPr lang="pt-BR" sz="1600" i="1">
-                                      <a:solidFill>
-                                        <a:srgbClr val="C00000"/>
-                                      </a:solidFill>
                                       <a:latin typeface="Cambria Math"/>
                                       <a:ea typeface="Cambria Math"/>
                                     </a:rPr>
@@ -10592,9 +9511,6 @@
                                   </m:r>
                                   <m:r>
                                     <a:rPr lang="pt-BR" sz="1600" b="0" i="1" smtClean="0">
-                                      <a:solidFill>
-                                        <a:srgbClr val="C00000"/>
-                                      </a:solidFill>
                                       <a:latin typeface="Cambria Math"/>
                                       <a:ea typeface="Cambria Math"/>
                                     </a:rPr>
@@ -10609,9 +9525,6 @@
                     </m:d>
                     <m:r>
                       <a:rPr lang="pt-BR" sz="1600" i="1">
-                        <a:solidFill>
-                          <a:srgbClr val="C00000"/>
-                        </a:solidFill>
                         <a:latin typeface="Cambria Math"/>
                       </a:rPr>
                       <m:t>=</m:t>
@@ -10622,10 +9535,7 @@
                         <m:endChr m:val="]"/>
                         <m:ctrlPr>
                           <a:rPr lang="pt-BR" sz="1600" i="1">
-                            <a:solidFill>
-                              <a:srgbClr val="C00000"/>
-                            </a:solidFill>
-                            <a:latin typeface="Cambria Math" panose="02040503050406030204" pitchFamily="18" charset="0"/>
+                            <a:latin typeface="Cambria Math"/>
                           </a:rPr>
                         </m:ctrlPr>
                       </m:dPr>
@@ -10642,10 +9552,7 @@
                             </m:mcs>
                             <m:ctrlPr>
                               <a:rPr lang="pt-BR" sz="1600" i="1">
-                                <a:solidFill>
-                                  <a:srgbClr val="C00000"/>
-                                </a:solidFill>
-                                <a:latin typeface="Cambria Math" panose="02040503050406030204" pitchFamily="18" charset="0"/>
+                                <a:latin typeface="Cambria Math"/>
                               </a:rPr>
                             </m:ctrlPr>
                           </m:mPr>
@@ -10655,10 +9562,7 @@
                                 <m:sSubPr>
                                   <m:ctrlPr>
                                     <a:rPr lang="pt-BR" sz="1600" i="1">
-                                      <a:solidFill>
-                                        <a:srgbClr val="C00000"/>
-                                      </a:solidFill>
-                                      <a:latin typeface="Cambria Math" panose="02040503050406030204" pitchFamily="18" charset="0"/>
+                                      <a:latin typeface="Cambria Math"/>
                                     </a:rPr>
                                   </m:ctrlPr>
                                 </m:sSubPr>
@@ -10668,9 +9572,6 @@
                                       <m:brk m:alnAt="7"/>
                                     </m:rPr>
                                     <a:rPr lang="pt-BR" sz="1600" i="1">
-                                      <a:solidFill>
-                                        <a:srgbClr val="C00000"/>
-                                      </a:solidFill>
                                       <a:latin typeface="Cambria Math"/>
                                     </a:rPr>
                                     <m:t>𝑥</m:t>
@@ -10682,18 +9583,12 @@
                                       <m:brk m:alnAt="7"/>
                                     </m:rPr>
                                     <a:rPr lang="pt-BR" sz="1600" i="1">
-                                      <a:solidFill>
-                                        <a:srgbClr val="C00000"/>
-                                      </a:solidFill>
                                       <a:latin typeface="Cambria Math"/>
                                     </a:rPr>
                                     <m:t>𝑘</m:t>
                                   </m:r>
                                   <m:r>
                                     <a:rPr lang="pt-BR" sz="1600" i="1">
-                                      <a:solidFill>
-                                        <a:srgbClr val="C00000"/>
-                                      </a:solidFill>
                                       <a:latin typeface="Cambria Math"/>
                                     </a:rPr>
                                     <m:t>1</m:t>
@@ -10706,9 +9601,6 @@
                             <m:e>
                               <m:r>
                                 <a:rPr lang="pt-BR" sz="1600" i="1">
-                                  <a:solidFill>
-                                    <a:srgbClr val="C00000"/>
-                                  </a:solidFill>
                                   <a:latin typeface="Cambria Math"/>
                                 </a:rPr>
                                 <m:t>⋮</m:t>
@@ -10721,10 +9613,7 @@
                                 <m:sSubPr>
                                   <m:ctrlPr>
                                     <a:rPr lang="pt-BR" sz="1600" i="1">
-                                      <a:solidFill>
-                                        <a:srgbClr val="C00000"/>
-                                      </a:solidFill>
-                                      <a:latin typeface="Cambria Math" panose="02040503050406030204" pitchFamily="18" charset="0"/>
+                                      <a:latin typeface="Cambria Math"/>
                                     </a:rPr>
                                   </m:ctrlPr>
                                 </m:sSubPr>
@@ -10734,9 +9623,6 @@
                                       <m:brk m:alnAt="7"/>
                                     </m:rPr>
                                     <a:rPr lang="pt-BR" sz="1600" i="1">
-                                      <a:solidFill>
-                                        <a:srgbClr val="C00000"/>
-                                      </a:solidFill>
                                       <a:latin typeface="Cambria Math"/>
                                     </a:rPr>
                                     <m:t>𝑥</m:t>
@@ -10748,18 +9634,12 @@
                                       <m:brk m:alnAt="7"/>
                                     </m:rPr>
                                     <a:rPr lang="pt-BR" sz="1600" i="1">
-                                      <a:solidFill>
-                                        <a:srgbClr val="C00000"/>
-                                      </a:solidFill>
                                       <a:latin typeface="Cambria Math"/>
                                     </a:rPr>
                                     <m:t>𝑘</m:t>
                                   </m:r>
                                   <m:r>
                                     <a:rPr lang="pt-BR" sz="1600" b="0" i="1" smtClean="0">
-                                      <a:solidFill>
-                                        <a:srgbClr val="C00000"/>
-                                      </a:solidFill>
                                       <a:latin typeface="Cambria Math"/>
                                     </a:rPr>
                                     <m:t>𝑛</m:t>
@@ -10863,7 +9743,7 @@
                       <m:dPr>
                         <m:ctrlPr>
                           <a:rPr lang="pt-BR" sz="1600" i="1">
-                            <a:latin typeface="Cambria Math" panose="02040503050406030204" pitchFamily="18" charset="0"/>
+                            <a:latin typeface="Cambria Math"/>
                             <a:ea typeface="Cambria Math"/>
                           </a:rPr>
                         </m:ctrlPr>
@@ -10873,7 +9753,7 @@
                           <m:sSubPr>
                             <m:ctrlPr>
                               <a:rPr lang="pt-BR" sz="1600" b="0" i="1" smtClean="0">
-                                <a:latin typeface="Cambria Math" panose="02040503050406030204" pitchFamily="18" charset="0"/>
+                                <a:latin typeface="Cambria Math"/>
                                 <a:ea typeface="Cambria Math"/>
                               </a:rPr>
                             </m:ctrlPr>
@@ -10908,7 +9788,7 @@
                           <m:sSubPr>
                             <m:ctrlPr>
                               <a:rPr lang="pt-BR" sz="1600" b="0" i="1" smtClean="0">
-                                <a:latin typeface="Cambria Math" panose="02040503050406030204" pitchFamily="18" charset="0"/>
+                                <a:latin typeface="Cambria Math"/>
                                 <a:ea typeface="Cambria Math"/>
                               </a:rPr>
                             </m:ctrlPr>
@@ -10960,7 +9840,7 @@
                       <m:sSubPr>
                         <m:ctrlPr>
                           <a:rPr lang="pt-BR" sz="1600" i="1">
-                            <a:latin typeface="Cambria Math" panose="02040503050406030204" pitchFamily="18" charset="0"/>
+                            <a:latin typeface="Cambria Math"/>
                             <a:ea typeface="Cambria Math"/>
                           </a:rPr>
                         </m:ctrlPr>
@@ -11087,7 +9967,7 @@
                       <m:dPr>
                         <m:ctrlPr>
                           <a:rPr lang="pt-BR" sz="1600" b="0" i="1" smtClean="0">
-                            <a:latin typeface="Cambria Math" panose="02040503050406030204" pitchFamily="18" charset="0"/>
+                            <a:latin typeface="Cambria Math"/>
                             <a:ea typeface="Cambria Math"/>
                           </a:rPr>
                         </m:ctrlPr>
@@ -11097,7 +9977,7 @@
                           <m:sSubPr>
                             <m:ctrlPr>
                               <a:rPr lang="pt-BR" sz="1600" b="0" i="1" smtClean="0">
-                                <a:latin typeface="Cambria Math" panose="02040503050406030204" pitchFamily="18" charset="0"/>
+                                <a:latin typeface="Cambria Math"/>
                                 <a:ea typeface="Cambria Math"/>
                               </a:rPr>
                             </m:ctrlPr>
@@ -11132,7 +10012,7 @@
                           <m:sSubPr>
                             <m:ctrlPr>
                               <a:rPr lang="pt-BR" sz="1600" b="0" i="1" smtClean="0">
-                                <a:latin typeface="Cambria Math" panose="02040503050406030204" pitchFamily="18" charset="0"/>
+                                <a:latin typeface="Cambria Math"/>
                                 <a:ea typeface="Cambria Math"/>
                               </a:rPr>
                             </m:ctrlPr>
@@ -11231,7 +10111,7 @@
             </p:txBody>
           </p:sp>
         </mc:Choice>
-        <mc:Fallback xmlns="">
+        <mc:Fallback>
           <p:sp>
             <p:nvSpPr>
               <p:cNvPr id="100" name="TextShape 2"/>
@@ -11248,10 +10128,10 @@
               <a:prstGeom prst="rect">
                 <a:avLst/>
               </a:prstGeom>
-              <a:blipFill rotWithShape="0">
+              <a:blipFill rotWithShape="1">
                 <a:blip r:embed="rId2"/>
                 <a:stretch>
-                  <a:fillRect l="-296"/>
+                  <a:fillRect l="-222"/>
                 </a:stretch>
               </a:blipFill>
               <a:ln>
@@ -11263,7 +10143,7 @@
               <a:lstStyle/>
               <a:p>
                 <a:r>
-                  <a:rPr lang="en-US">
+                  <a:rPr lang="pt-BR">
                     <a:noFill/>
                   </a:rPr>
                   <a:t> </a:t>
@@ -11327,212 +10207,6 @@
           </a:extLst>
         </p:spPr>
       </p:pic>
-      <mc:AlternateContent xmlns:mc="http://schemas.openxmlformats.org/markup-compatibility/2006" xmlns:a14="http://schemas.microsoft.com/office/drawing/2010/main">
-        <mc:Choice Requires="a14">
-          <p:sp>
-            <p:nvSpPr>
-              <p:cNvPr id="5" name="Rectangle 4"/>
-              <p:cNvSpPr/>
-              <p:nvPr/>
-            </p:nvSpPr>
-            <p:spPr>
-              <a:xfrm>
-                <a:off x="8156212" y="2178869"/>
-                <a:ext cx="589841" cy="369332"/>
-              </a:xfrm>
-              <a:prstGeom prst="rect">
-                <a:avLst/>
-              </a:prstGeom>
-            </p:spPr>
-            <p:txBody>
-              <a:bodyPr wrap="none">
-                <a:spAutoFit/>
-              </a:bodyPr>
-              <a:lstStyle/>
-              <a:p>
-                <a:pPr/>
-                <a14:m>
-                  <m:oMathPara xmlns:m="http://schemas.openxmlformats.org/officeDocument/2006/math">
-                    <m:oMathParaPr>
-                      <m:jc m:val="centerGroup"/>
-                    </m:oMathParaPr>
-                    <m:oMath xmlns:m="http://schemas.openxmlformats.org/officeDocument/2006/math">
-                      <m:sSup>
-                        <m:sSupPr>
-                          <m:ctrlPr>
-                            <a:rPr lang="pt-BR" i="1">
-                              <a:latin typeface="Cambria Math" panose="02040503050406030204" pitchFamily="18" charset="0"/>
-                            </a:rPr>
-                          </m:ctrlPr>
-                        </m:sSupPr>
-                        <m:e>
-                          <m:r>
-                            <a:rPr lang="pt-BR" i="1">
-                              <a:latin typeface="Cambria Math"/>
-                              <a:ea typeface="Cambria Math"/>
-                            </a:rPr>
-                            <m:t>ℝ</m:t>
-                          </m:r>
-                        </m:e>
-                        <m:sup>
-                          <m:r>
-                            <a:rPr lang="pt-BR" i="1">
-                              <a:latin typeface="Cambria Math"/>
-                            </a:rPr>
-                            <m:t>𝑚</m:t>
-                          </m:r>
-                        </m:sup>
-                      </m:sSup>
-                    </m:oMath>
-                  </m:oMathPara>
-                </a14:m>
-                <a:endParaRPr lang="en-US" dirty="0"/>
-              </a:p>
-            </p:txBody>
-          </p:sp>
-        </mc:Choice>
-        <mc:Fallback xmlns="">
-          <p:sp>
-            <p:nvSpPr>
-              <p:cNvPr id="5" name="Rectangle 4"/>
-              <p:cNvSpPr>
-                <a:spLocks noRot="1" noChangeAspect="1" noMove="1" noResize="1" noEditPoints="1" noAdjustHandles="1" noChangeArrowheads="1" noChangeShapeType="1" noTextEdit="1"/>
-              </p:cNvSpPr>
-              <p:nvPr/>
-            </p:nvSpPr>
-            <p:spPr>
-              <a:xfrm>
-                <a:off x="8156212" y="2178869"/>
-                <a:ext cx="589841" cy="369332"/>
-              </a:xfrm>
-              <a:prstGeom prst="rect">
-                <a:avLst/>
-              </a:prstGeom>
-              <a:blipFill rotWithShape="0">
-                <a:blip r:embed="rId4"/>
-                <a:stretch>
-                  <a:fillRect/>
-                </a:stretch>
-              </a:blipFill>
-            </p:spPr>
-            <p:txBody>
-              <a:bodyPr/>
-              <a:lstStyle/>
-              <a:p>
-                <a:r>
-                  <a:rPr lang="en-US">
-                    <a:noFill/>
-                  </a:rPr>
-                  <a:t> </a:t>
-                </a:r>
-              </a:p>
-            </p:txBody>
-          </p:sp>
-        </mc:Fallback>
-      </mc:AlternateContent>
-      <mc:AlternateContent xmlns:mc="http://schemas.openxmlformats.org/markup-compatibility/2006" xmlns:a14="http://schemas.microsoft.com/office/drawing/2010/main">
-        <mc:Choice Requires="a14">
-          <p:sp>
-            <p:nvSpPr>
-              <p:cNvPr id="6" name="Rectangle 5"/>
-              <p:cNvSpPr/>
-              <p:nvPr/>
-            </p:nvSpPr>
-            <p:spPr>
-              <a:xfrm>
-                <a:off x="7892390" y="4776149"/>
-                <a:ext cx="527644" cy="369332"/>
-              </a:xfrm>
-              <a:prstGeom prst="rect">
-                <a:avLst/>
-              </a:prstGeom>
-            </p:spPr>
-            <p:txBody>
-              <a:bodyPr wrap="none">
-                <a:spAutoFit/>
-              </a:bodyPr>
-              <a:lstStyle/>
-              <a:p>
-                <a:pPr/>
-                <a14:m>
-                  <m:oMathPara xmlns:m="http://schemas.openxmlformats.org/officeDocument/2006/math">
-                    <m:oMathParaPr>
-                      <m:jc m:val="centerGroup"/>
-                    </m:oMathParaPr>
-                    <m:oMath xmlns:m="http://schemas.openxmlformats.org/officeDocument/2006/math">
-                      <m:sSup>
-                        <m:sSupPr>
-                          <m:ctrlPr>
-                            <a:rPr lang="pt-BR" i="1">
-                              <a:latin typeface="Cambria Math" panose="02040503050406030204" pitchFamily="18" charset="0"/>
-                            </a:rPr>
-                          </m:ctrlPr>
-                        </m:sSupPr>
-                        <m:e>
-                          <m:r>
-                            <a:rPr lang="pt-BR" i="1">
-                              <a:latin typeface="Cambria Math"/>
-                              <a:ea typeface="Cambria Math"/>
-                            </a:rPr>
-                            <m:t>ℝ</m:t>
-                          </m:r>
-                        </m:e>
-                        <m:sup>
-                          <m:r>
-                            <a:rPr lang="pt-BR" i="1">
-                              <a:latin typeface="Cambria Math"/>
-                            </a:rPr>
-                            <m:t>2</m:t>
-                          </m:r>
-                        </m:sup>
-                      </m:sSup>
-                    </m:oMath>
-                  </m:oMathPara>
-                </a14:m>
-                <a:endParaRPr lang="en-US" dirty="0"/>
-              </a:p>
-            </p:txBody>
-          </p:sp>
-        </mc:Choice>
-        <mc:Fallback xmlns="">
-          <p:sp>
-            <p:nvSpPr>
-              <p:cNvPr id="6" name="Rectangle 5"/>
-              <p:cNvSpPr>
-                <a:spLocks noRot="1" noChangeAspect="1" noMove="1" noResize="1" noEditPoints="1" noAdjustHandles="1" noChangeArrowheads="1" noChangeShapeType="1" noTextEdit="1"/>
-              </p:cNvSpPr>
-              <p:nvPr/>
-            </p:nvSpPr>
-            <p:spPr>
-              <a:xfrm>
-                <a:off x="7892390" y="4776149"/>
-                <a:ext cx="527644" cy="369332"/>
-              </a:xfrm>
-              <a:prstGeom prst="rect">
-                <a:avLst/>
-              </a:prstGeom>
-              <a:blipFill rotWithShape="0">
-                <a:blip r:embed="rId5"/>
-                <a:stretch>
-                  <a:fillRect/>
-                </a:stretch>
-              </a:blipFill>
-            </p:spPr>
-            <p:txBody>
-              <a:bodyPr/>
-              <a:lstStyle/>
-              <a:p>
-                <a:r>
-                  <a:rPr lang="en-US">
-                    <a:noFill/>
-                  </a:rPr>
-                  <a:t> </a:t>
-                </a:r>
-              </a:p>
-            </p:txBody>
-          </p:sp>
-        </mc:Fallback>
-      </mc:AlternateContent>
     </p:spTree>
     <p:extLst>
       <p:ext uri="{BB962C8B-B14F-4D97-AF65-F5344CB8AC3E}">
@@ -11660,8 +10334,8 @@
           </a:p>
         </p:txBody>
       </p:sp>
-      <mc:AlternateContent xmlns:mc="http://schemas.openxmlformats.org/markup-compatibility/2006" xmlns:a14="http://schemas.microsoft.com/office/drawing/2010/main">
-        <mc:Choice Requires="a14">
+      <mc:AlternateContent xmlns:mc="http://schemas.openxmlformats.org/markup-compatibility/2006">
+        <mc:Choice xmlns:a14="http://schemas.microsoft.com/office/drawing/2010/main" Requires="a14">
           <p:sp>
             <p:nvSpPr>
               <p:cNvPr id="100" name="TextShape 2"/>
@@ -11713,7 +10387,7 @@
                       <m:sSupPr>
                         <m:ctrlPr>
                           <a:rPr lang="pt-BR" sz="1600" i="1">
-                            <a:latin typeface="Cambria Math" panose="02040503050406030204" pitchFamily="18" charset="0"/>
+                            <a:latin typeface="Cambria Math"/>
                             <a:ea typeface="Cambria Math"/>
                           </a:rPr>
                         </m:ctrlPr>
@@ -11780,7 +10454,7 @@
                       <m:sSupPr>
                         <m:ctrlPr>
                           <a:rPr lang="pt-BR" sz="1600" i="1">
-                            <a:latin typeface="Cambria Math" panose="02040503050406030204" pitchFamily="18" charset="0"/>
+                            <a:latin typeface="Cambria Math"/>
                             <a:ea typeface="Cambria Math"/>
                           </a:rPr>
                         </m:ctrlPr>
@@ -11840,7 +10514,7 @@
                       <m:dPr>
                         <m:ctrlPr>
                           <a:rPr lang="pt-BR" sz="1600" b="0" i="1" smtClean="0">
-                            <a:latin typeface="Cambria Math" panose="02040503050406030204" pitchFamily="18" charset="0"/>
+                            <a:latin typeface="Cambria Math"/>
                             <a:ea typeface="Cambria Math"/>
                           </a:rPr>
                         </m:ctrlPr>
@@ -11850,21 +10524,18 @@
                           <m:sSupPr>
                             <m:ctrlPr>
                               <a:rPr lang="pt-BR" sz="1600" b="0" i="1" smtClean="0">
-                                <a:latin typeface="Cambria Math" panose="02040503050406030204" pitchFamily="18" charset="0"/>
+                                <a:latin typeface="Cambria Math"/>
                                 <a:ea typeface="Cambria Math"/>
                               </a:rPr>
                             </m:ctrlPr>
                           </m:sSupPr>
                           <m:e>
                             <m:r>
-                              <m:rPr>
-                                <m:sty m:val="p"/>
-                              </m:rPr>
-                              <a:rPr lang="el-GR" sz="1600" i="1">
-                                <a:latin typeface="Cambria Math" panose="02040503050406030204" pitchFamily="18" charset="0"/>
-                                <a:ea typeface="Cambria Math" panose="02040503050406030204" pitchFamily="18" charset="0"/>
+                              <a:rPr lang="pt-BR" sz="1600" i="1">
+                                <a:latin typeface="Cambria Math"/>
+                                <a:ea typeface="Cambria Math"/>
                               </a:rPr>
-                              <m:t>Φ</m:t>
+                              <m:t>𝜙</m:t>
                             </m:r>
                           </m:e>
                           <m:sup>
@@ -11881,7 +10552,7 @@
                           <m:sSubPr>
                             <m:ctrlPr>
                               <a:rPr lang="pt-BR" sz="1600" i="1">
-                                <a:latin typeface="Cambria Math" panose="02040503050406030204" pitchFamily="18" charset="0"/>
+                                <a:latin typeface="Cambria Math"/>
                                 <a:ea typeface="Cambria Math"/>
                               </a:rPr>
                             </m:ctrlPr>
@@ -11916,21 +10587,18 @@
                           <m:sSupPr>
                             <m:ctrlPr>
                               <a:rPr lang="pt-BR" sz="1600" i="1">
-                                <a:latin typeface="Cambria Math" panose="02040503050406030204" pitchFamily="18" charset="0"/>
+                                <a:latin typeface="Cambria Math"/>
                                 <a:ea typeface="Cambria Math"/>
                               </a:rPr>
                             </m:ctrlPr>
                           </m:sSupPr>
                           <m:e>
                             <m:r>
-                              <m:rPr>
-                                <m:sty m:val="p"/>
-                              </m:rPr>
-                              <a:rPr lang="el-GR" sz="1600" i="1">
-                                <a:latin typeface="Cambria Math" panose="02040503050406030204" pitchFamily="18" charset="0"/>
-                                <a:ea typeface="Cambria Math" panose="02040503050406030204" pitchFamily="18" charset="0"/>
+                              <a:rPr lang="pt-BR" sz="1600" i="1">
+                                <a:latin typeface="Cambria Math"/>
+                                <a:ea typeface="Cambria Math"/>
                               </a:rPr>
-                              <m:t>Φ</m:t>
+                              <m:t>𝜙</m:t>
                             </m:r>
                           </m:e>
                           <m:sup>
@@ -11947,7 +10615,7 @@
                           <m:sSubPr>
                             <m:ctrlPr>
                               <a:rPr lang="pt-BR" sz="1600" i="1">
-                                <a:latin typeface="Cambria Math" panose="02040503050406030204" pitchFamily="18" charset="0"/>
+                                <a:latin typeface="Cambria Math"/>
                                 <a:ea typeface="Cambria Math"/>
                               </a:rPr>
                             </m:ctrlPr>
@@ -11982,21 +10650,18 @@
                           <m:sSupPr>
                             <m:ctrlPr>
                               <a:rPr lang="pt-BR" sz="1600" i="1">
-                                <a:latin typeface="Cambria Math" panose="02040503050406030204" pitchFamily="18" charset="0"/>
+                                <a:latin typeface="Cambria Math"/>
                                 <a:ea typeface="Cambria Math"/>
                               </a:rPr>
                             </m:ctrlPr>
                           </m:sSupPr>
                           <m:e>
                             <m:r>
-                              <m:rPr>
-                                <m:sty m:val="p"/>
-                              </m:rPr>
-                              <a:rPr lang="el-GR" sz="1600" i="1">
-                                <a:latin typeface="Cambria Math" panose="02040503050406030204" pitchFamily="18" charset="0"/>
-                                <a:ea typeface="Cambria Math" panose="02040503050406030204" pitchFamily="18" charset="0"/>
+                              <a:rPr lang="pt-BR" sz="1600" i="1">
+                                <a:latin typeface="Cambria Math"/>
+                                <a:ea typeface="Cambria Math"/>
                               </a:rPr>
-                              <m:t>Φ</m:t>
+                              <m:t>𝜙</m:t>
                             </m:r>
                           </m:e>
                           <m:sup>
@@ -12013,7 +10678,7 @@
                           <m:sSubPr>
                             <m:ctrlPr>
                               <a:rPr lang="pt-BR" sz="1600" i="1">
-                                <a:latin typeface="Cambria Math" panose="02040503050406030204" pitchFamily="18" charset="0"/>
+                                <a:latin typeface="Cambria Math"/>
                                 <a:ea typeface="Cambria Math"/>
                               </a:rPr>
                             </m:ctrlPr>
@@ -12054,21 +10719,18 @@
                       <m:sSupPr>
                         <m:ctrlPr>
                           <a:rPr lang="pt-BR" sz="1600" i="1">
-                            <a:latin typeface="Cambria Math" panose="02040503050406030204" pitchFamily="18" charset="0"/>
+                            <a:latin typeface="Cambria Math"/>
                             <a:ea typeface="Cambria Math"/>
                           </a:rPr>
                         </m:ctrlPr>
                       </m:sSupPr>
                       <m:e>
                         <m:r>
-                          <m:rPr>
-                            <m:sty m:val="p"/>
-                          </m:rPr>
-                          <a:rPr lang="el-GR" sz="1600" i="1">
-                            <a:latin typeface="Cambria Math" panose="02040503050406030204" pitchFamily="18" charset="0"/>
-                            <a:ea typeface="Cambria Math" panose="02040503050406030204" pitchFamily="18" charset="0"/>
+                          <a:rPr lang="pt-BR" sz="1600" i="1">
+                            <a:latin typeface="Cambria Math"/>
+                            <a:ea typeface="Cambria Math"/>
                           </a:rPr>
-                          <m:t>Φ</m:t>
+                          <m:t>𝜙</m:t>
                         </m:r>
                       </m:e>
                       <m:sup>
@@ -12087,7 +10749,7 @@
                         <m:endChr m:val="]"/>
                         <m:ctrlPr>
                           <a:rPr lang="pt-BR" sz="1600" b="0" i="1" smtClean="0">
-                            <a:latin typeface="Cambria Math" panose="02040503050406030204" pitchFamily="18" charset="0"/>
+                            <a:latin typeface="Cambria Math"/>
                             <a:ea typeface="Cambria Math"/>
                           </a:rPr>
                         </m:ctrlPr>
@@ -12124,7 +10786,7 @@
                       <m:sSubPr>
                         <m:ctrlPr>
                           <a:rPr lang="pt-BR" sz="1600" i="1">
-                            <a:latin typeface="Cambria Math" panose="02040503050406030204" pitchFamily="18" charset="0"/>
+                            <a:latin typeface="Cambria Math"/>
                             <a:ea typeface="Cambria Math"/>
                           </a:rPr>
                         </m:ctrlPr>
@@ -12154,7 +10816,7 @@
                         <m:endChr m:val="]"/>
                         <m:ctrlPr>
                           <a:rPr lang="pt-BR" sz="1600" b="0" i="1" smtClean="0">
-                            <a:latin typeface="Cambria Math" panose="02040503050406030204" pitchFamily="18" charset="0"/>
+                            <a:latin typeface="Cambria Math"/>
                             <a:ea typeface="Cambria Math"/>
                           </a:rPr>
                         </m:ctrlPr>
@@ -12198,21 +10860,18 @@
                       <m:sSupPr>
                         <m:ctrlPr>
                           <a:rPr lang="pt-BR" sz="1600" i="1">
-                            <a:latin typeface="Cambria Math" panose="02040503050406030204" pitchFamily="18" charset="0"/>
+                            <a:latin typeface="Cambria Math"/>
                             <a:ea typeface="Cambria Math"/>
                           </a:rPr>
                         </m:ctrlPr>
                       </m:sSupPr>
                       <m:e>
                         <m:r>
-                          <m:rPr>
-                            <m:sty m:val="p"/>
-                          </m:rPr>
-                          <a:rPr lang="el-GR" sz="1600" i="1">
-                            <a:latin typeface="Cambria Math" panose="02040503050406030204" pitchFamily="18" charset="0"/>
-                            <a:ea typeface="Cambria Math" panose="02040503050406030204" pitchFamily="18" charset="0"/>
+                          <a:rPr lang="pt-BR" sz="1600" i="1">
+                            <a:latin typeface="Cambria Math"/>
+                            <a:ea typeface="Cambria Math"/>
                           </a:rPr>
-                          <m:t>Φ</m:t>
+                          <m:t>𝜙</m:t>
                         </m:r>
                       </m:e>
                       <m:sup>
@@ -12236,7 +10895,7 @@
                       <m:dPr>
                         <m:ctrlPr>
                           <a:rPr lang="pt-BR" sz="1600" b="0" i="1" smtClean="0">
-                            <a:latin typeface="Cambria Math" panose="02040503050406030204" pitchFamily="18" charset="0"/>
+                            <a:latin typeface="Cambria Math"/>
                             <a:ea typeface="Cambria Math"/>
                           </a:rPr>
                         </m:ctrlPr>
@@ -12246,21 +10905,18 @@
                           <m:sSubPr>
                             <m:ctrlPr>
                               <a:rPr lang="pt-BR" sz="1600" b="0" i="1" smtClean="0">
-                                <a:latin typeface="Cambria Math" panose="02040503050406030204" pitchFamily="18" charset="0"/>
+                                <a:latin typeface="Cambria Math"/>
                                 <a:ea typeface="Cambria Math"/>
                               </a:rPr>
                             </m:ctrlPr>
                           </m:sSubPr>
                           <m:e>
                             <m:r>
-                              <m:rPr>
-                                <m:sty m:val="p"/>
-                              </m:rPr>
-                              <a:rPr lang="el-GR" sz="1600" i="1">
-                                <a:latin typeface="Cambria Math" panose="02040503050406030204" pitchFamily="18" charset="0"/>
-                                <a:ea typeface="Cambria Math" panose="02040503050406030204" pitchFamily="18" charset="0"/>
+                              <a:rPr lang="pt-BR" sz="1600" i="1">
+                                <a:latin typeface="Cambria Math"/>
+                                <a:ea typeface="Cambria Math"/>
                               </a:rPr>
-                              <m:t>Φ</m:t>
+                              <m:t>𝜙</m:t>
                             </m:r>
                           </m:e>
                           <m:sub>
@@ -12275,7 +10931,7 @@
                               <m:sSubPr>
                                 <m:ctrlPr>
                                   <a:rPr lang="pt-BR" sz="1600" b="0" i="1" smtClean="0">
-                                    <a:latin typeface="Cambria Math" panose="02040503050406030204" pitchFamily="18" charset="0"/>
+                                    <a:latin typeface="Cambria Math"/>
                                     <a:ea typeface="Cambria Math"/>
                                   </a:rPr>
                                 </m:ctrlPr>
@@ -12312,21 +10968,18 @@
                           <m:sSubPr>
                             <m:ctrlPr>
                               <a:rPr lang="pt-BR" sz="1600" i="1">
-                                <a:latin typeface="Cambria Math" panose="02040503050406030204" pitchFamily="18" charset="0"/>
+                                <a:latin typeface="Cambria Math"/>
                                 <a:ea typeface="Cambria Math"/>
                               </a:rPr>
                             </m:ctrlPr>
                           </m:sSubPr>
                           <m:e>
                             <m:r>
-                              <m:rPr>
-                                <m:sty m:val="p"/>
-                              </m:rPr>
-                              <a:rPr lang="el-GR" sz="1600" i="1">
-                                <a:latin typeface="Cambria Math" panose="02040503050406030204" pitchFamily="18" charset="0"/>
-                                <a:ea typeface="Cambria Math" panose="02040503050406030204" pitchFamily="18" charset="0"/>
+                              <a:rPr lang="pt-BR" sz="1600" i="1">
+                                <a:latin typeface="Cambria Math"/>
+                                <a:ea typeface="Cambria Math"/>
                               </a:rPr>
-                              <m:t>Φ</m:t>
+                              <m:t>𝜙</m:t>
                             </m:r>
                           </m:e>
                           <m:sub>
@@ -12341,7 +10994,7 @@
                               <m:sSubPr>
                                 <m:ctrlPr>
                                   <a:rPr lang="pt-BR" sz="1600" i="1">
-                                    <a:latin typeface="Cambria Math" panose="02040503050406030204" pitchFamily="18" charset="0"/>
+                                    <a:latin typeface="Cambria Math"/>
                                     <a:ea typeface="Cambria Math"/>
                                   </a:rPr>
                                 </m:ctrlPr>
@@ -12378,21 +11031,18 @@
                           <m:sSubPr>
                             <m:ctrlPr>
                               <a:rPr lang="pt-BR" sz="1600" i="1">
-                                <a:latin typeface="Cambria Math" panose="02040503050406030204" pitchFamily="18" charset="0"/>
+                                <a:latin typeface="Cambria Math"/>
                                 <a:ea typeface="Cambria Math"/>
                               </a:rPr>
                             </m:ctrlPr>
                           </m:sSubPr>
                           <m:e>
                             <m:r>
-                              <m:rPr>
-                                <m:sty m:val="p"/>
-                              </m:rPr>
-                              <a:rPr lang="el-GR" sz="1600" i="1">
-                                <a:latin typeface="Cambria Math" panose="02040503050406030204" pitchFamily="18" charset="0"/>
-                                <a:ea typeface="Cambria Math" panose="02040503050406030204" pitchFamily="18" charset="0"/>
+                              <a:rPr lang="pt-BR" sz="1600" i="1">
+                                <a:latin typeface="Cambria Math"/>
+                                <a:ea typeface="Cambria Math"/>
                               </a:rPr>
-                              <m:t>Φ</m:t>
+                              <m:t>𝜙</m:t>
                             </m:r>
                           </m:e>
                           <m:sub>
@@ -12407,7 +11057,7 @@
                               <m:sSubPr>
                                 <m:ctrlPr>
                                   <a:rPr lang="pt-BR" sz="1600" i="1">
-                                    <a:latin typeface="Cambria Math" panose="02040503050406030204" pitchFamily="18" charset="0"/>
+                                    <a:latin typeface="Cambria Math"/>
                                     <a:ea typeface="Cambria Math"/>
                                   </a:rPr>
                                 </m:ctrlPr>
@@ -12494,7 +11144,7 @@
             </p:txBody>
           </p:sp>
         </mc:Choice>
-        <mc:Fallback xmlns="">
+        <mc:Fallback>
           <p:sp>
             <p:nvSpPr>
               <p:cNvPr id="100" name="TextShape 2"/>
@@ -12511,10 +11161,10 @@
               <a:prstGeom prst="rect">
                 <a:avLst/>
               </a:prstGeom>
-              <a:blipFill rotWithShape="0">
+              <a:blipFill rotWithShape="1">
                 <a:blip r:embed="rId2"/>
                 <a:stretch>
-                  <a:fillRect l="-296" t="-404"/>
+                  <a:fillRect l="-222" t="-404"/>
                 </a:stretch>
               </a:blipFill>
               <a:ln>
@@ -12526,7 +11176,7 @@
               <a:lstStyle/>
               <a:p>
                 <a:r>
-                  <a:rPr lang="en-US">
+                  <a:rPr lang="pt-BR">
                     <a:noFill/>
                   </a:rPr>
                   <a:t> </a:t>
@@ -12590,212 +11240,6 @@
           </a:extLst>
         </p:spPr>
       </p:pic>
-      <mc:AlternateContent xmlns:mc="http://schemas.openxmlformats.org/markup-compatibility/2006" xmlns:a14="http://schemas.microsoft.com/office/drawing/2010/main">
-        <mc:Choice Requires="a14">
-          <p:sp>
-            <p:nvSpPr>
-              <p:cNvPr id="5" name="Rectangle 4"/>
-              <p:cNvSpPr/>
-              <p:nvPr/>
-            </p:nvSpPr>
-            <p:spPr>
-              <a:xfrm>
-                <a:off x="8156212" y="2178869"/>
-                <a:ext cx="589841" cy="369332"/>
-              </a:xfrm>
-              <a:prstGeom prst="rect">
-                <a:avLst/>
-              </a:prstGeom>
-            </p:spPr>
-            <p:txBody>
-              <a:bodyPr wrap="none">
-                <a:spAutoFit/>
-              </a:bodyPr>
-              <a:lstStyle/>
-              <a:p>
-                <a:pPr/>
-                <a14:m>
-                  <m:oMathPara xmlns:m="http://schemas.openxmlformats.org/officeDocument/2006/math">
-                    <m:oMathParaPr>
-                      <m:jc m:val="centerGroup"/>
-                    </m:oMathParaPr>
-                    <m:oMath xmlns:m="http://schemas.openxmlformats.org/officeDocument/2006/math">
-                      <m:sSup>
-                        <m:sSupPr>
-                          <m:ctrlPr>
-                            <a:rPr lang="pt-BR" i="1">
-                              <a:latin typeface="Cambria Math" panose="02040503050406030204" pitchFamily="18" charset="0"/>
-                            </a:rPr>
-                          </m:ctrlPr>
-                        </m:sSupPr>
-                        <m:e>
-                          <m:r>
-                            <a:rPr lang="pt-BR" i="1">
-                              <a:latin typeface="Cambria Math"/>
-                              <a:ea typeface="Cambria Math"/>
-                            </a:rPr>
-                            <m:t>ℝ</m:t>
-                          </m:r>
-                        </m:e>
-                        <m:sup>
-                          <m:r>
-                            <a:rPr lang="pt-BR" i="1">
-                              <a:latin typeface="Cambria Math"/>
-                            </a:rPr>
-                            <m:t>𝑚</m:t>
-                          </m:r>
-                        </m:sup>
-                      </m:sSup>
-                    </m:oMath>
-                  </m:oMathPara>
-                </a14:m>
-                <a:endParaRPr lang="en-US" dirty="0"/>
-              </a:p>
-            </p:txBody>
-          </p:sp>
-        </mc:Choice>
-        <mc:Fallback xmlns="">
-          <p:sp>
-            <p:nvSpPr>
-              <p:cNvPr id="5" name="Rectangle 4"/>
-              <p:cNvSpPr>
-                <a:spLocks noRot="1" noChangeAspect="1" noMove="1" noResize="1" noEditPoints="1" noAdjustHandles="1" noChangeArrowheads="1" noChangeShapeType="1" noTextEdit="1"/>
-              </p:cNvSpPr>
-              <p:nvPr/>
-            </p:nvSpPr>
-            <p:spPr>
-              <a:xfrm>
-                <a:off x="8156212" y="2178869"/>
-                <a:ext cx="589841" cy="369332"/>
-              </a:xfrm>
-              <a:prstGeom prst="rect">
-                <a:avLst/>
-              </a:prstGeom>
-              <a:blipFill rotWithShape="0">
-                <a:blip r:embed="rId4"/>
-                <a:stretch>
-                  <a:fillRect/>
-                </a:stretch>
-              </a:blipFill>
-            </p:spPr>
-            <p:txBody>
-              <a:bodyPr/>
-              <a:lstStyle/>
-              <a:p>
-                <a:r>
-                  <a:rPr lang="en-US">
-                    <a:noFill/>
-                  </a:rPr>
-                  <a:t> </a:t>
-                </a:r>
-              </a:p>
-            </p:txBody>
-          </p:sp>
-        </mc:Fallback>
-      </mc:AlternateContent>
-      <mc:AlternateContent xmlns:mc="http://schemas.openxmlformats.org/markup-compatibility/2006" xmlns:a14="http://schemas.microsoft.com/office/drawing/2010/main">
-        <mc:Choice Requires="a14">
-          <p:sp>
-            <p:nvSpPr>
-              <p:cNvPr id="6" name="Rectangle 5"/>
-              <p:cNvSpPr/>
-              <p:nvPr/>
-            </p:nvSpPr>
-            <p:spPr>
-              <a:xfrm>
-                <a:off x="7892390" y="4776149"/>
-                <a:ext cx="527644" cy="369332"/>
-              </a:xfrm>
-              <a:prstGeom prst="rect">
-                <a:avLst/>
-              </a:prstGeom>
-            </p:spPr>
-            <p:txBody>
-              <a:bodyPr wrap="none">
-                <a:spAutoFit/>
-              </a:bodyPr>
-              <a:lstStyle/>
-              <a:p>
-                <a:pPr/>
-                <a14:m>
-                  <m:oMathPara xmlns:m="http://schemas.openxmlformats.org/officeDocument/2006/math">
-                    <m:oMathParaPr>
-                      <m:jc m:val="centerGroup"/>
-                    </m:oMathParaPr>
-                    <m:oMath xmlns:m="http://schemas.openxmlformats.org/officeDocument/2006/math">
-                      <m:sSup>
-                        <m:sSupPr>
-                          <m:ctrlPr>
-                            <a:rPr lang="pt-BR" i="1">
-                              <a:latin typeface="Cambria Math" panose="02040503050406030204" pitchFamily="18" charset="0"/>
-                            </a:rPr>
-                          </m:ctrlPr>
-                        </m:sSupPr>
-                        <m:e>
-                          <m:r>
-                            <a:rPr lang="pt-BR" i="1">
-                              <a:latin typeface="Cambria Math"/>
-                              <a:ea typeface="Cambria Math"/>
-                            </a:rPr>
-                            <m:t>ℝ</m:t>
-                          </m:r>
-                        </m:e>
-                        <m:sup>
-                          <m:r>
-                            <a:rPr lang="pt-BR" i="1">
-                              <a:latin typeface="Cambria Math"/>
-                            </a:rPr>
-                            <m:t>2</m:t>
-                          </m:r>
-                        </m:sup>
-                      </m:sSup>
-                    </m:oMath>
-                  </m:oMathPara>
-                </a14:m>
-                <a:endParaRPr lang="en-US" dirty="0"/>
-              </a:p>
-            </p:txBody>
-          </p:sp>
-        </mc:Choice>
-        <mc:Fallback xmlns="">
-          <p:sp>
-            <p:nvSpPr>
-              <p:cNvPr id="6" name="Rectangle 5"/>
-              <p:cNvSpPr>
-                <a:spLocks noRot="1" noChangeAspect="1" noMove="1" noResize="1" noEditPoints="1" noAdjustHandles="1" noChangeArrowheads="1" noChangeShapeType="1" noTextEdit="1"/>
-              </p:cNvSpPr>
-              <p:nvPr/>
-            </p:nvSpPr>
-            <p:spPr>
-              <a:xfrm>
-                <a:off x="7892390" y="4776149"/>
-                <a:ext cx="527644" cy="369332"/>
-              </a:xfrm>
-              <a:prstGeom prst="rect">
-                <a:avLst/>
-              </a:prstGeom>
-              <a:blipFill rotWithShape="0">
-                <a:blip r:embed="rId5"/>
-                <a:stretch>
-                  <a:fillRect/>
-                </a:stretch>
-              </a:blipFill>
-            </p:spPr>
-            <p:txBody>
-              <a:bodyPr/>
-              <a:lstStyle/>
-              <a:p>
-                <a:r>
-                  <a:rPr lang="en-US">
-                    <a:noFill/>
-                  </a:rPr>
-                  <a:t> </a:t>
-                </a:r>
-              </a:p>
-            </p:txBody>
-          </p:sp>
-        </mc:Fallback>
-      </mc:AlternateContent>
     </p:spTree>
     <p:extLst>
       <p:ext uri="{BB962C8B-B14F-4D97-AF65-F5344CB8AC3E}">
@@ -13060,63 +11504,40 @@
           </a:extLst>
         </p:spPr>
       </p:pic>
-      <mc:AlternateContent xmlns:mc="http://schemas.openxmlformats.org/markup-compatibility/2006" xmlns:a14="http://schemas.microsoft.com/office/drawing/2010/main">
-        <mc:Choice Requires="a14">
+      <mc:AlternateContent xmlns:mc="http://schemas.openxmlformats.org/markup-compatibility/2006">
+        <mc:Choice xmlns:a14="http://schemas.microsoft.com/office/drawing/2010/main" Requires="a14">
           <p:sp>
             <p:nvSpPr>
-              <p:cNvPr id="3" name="Rectangle 2"/>
+              <p:cNvPr id="2" name="Rectangle 1"/>
               <p:cNvSpPr/>
               <p:nvPr/>
             </p:nvSpPr>
             <p:spPr>
               <a:xfrm>
-                <a:off x="6310564" y="5226990"/>
-                <a:ext cx="2375876" cy="898770"/>
+                <a:off x="6308601" y="5198763"/>
+                <a:ext cx="2564180" cy="624851"/>
               </a:xfrm>
               <a:prstGeom prst="rect">
                 <a:avLst/>
               </a:prstGeom>
             </p:spPr>
-            <p:style>
-              <a:lnRef idx="2">
-                <a:schemeClr val="dk1"/>
-              </a:lnRef>
-              <a:fillRef idx="1">
-                <a:schemeClr val="lt1"/>
-              </a:fillRef>
-              <a:effectRef idx="0">
-                <a:schemeClr val="dk1"/>
-              </a:effectRef>
-              <a:fontRef idx="minor">
-                <a:schemeClr val="dk1"/>
-              </a:fontRef>
-            </p:style>
             <p:txBody>
-              <a:bodyPr rtlCol="0" anchor="ctr"/>
+              <a:bodyPr wrap="square">
+                <a:spAutoFit/>
+              </a:bodyPr>
               <a:lstStyle/>
               <a:p>
-                <a:pPr algn="ctr"/>
-                <a:r>
-                  <a:rPr lang="pt-BR" sz="1400" dirty="0" smtClean="0">
-                    <a:latin typeface="Cambria Math"/>
-                    <a:ea typeface="Cambria Math"/>
-                  </a:rPr>
-                  <a:t>Resolução:</a:t>
-                </a:r>
-              </a:p>
-              <a:p>
-                <a:pPr algn="ctr"/>
                 <a14:m>
                   <m:oMath xmlns:m="http://schemas.openxmlformats.org/officeDocument/2006/math">
                     <m:r>
-                      <a:rPr lang="pt-BR" sz="1400" i="1" smtClean="0">
+                      <a:rPr lang="pt-BR" sz="1600" i="1" smtClean="0">
                         <a:latin typeface="Cambria Math"/>
                         <a:ea typeface="Cambria Math"/>
                       </a:rPr>
                       <m:t>𝑞</m:t>
                     </m:r>
                     <m:r>
-                      <a:rPr lang="pt-BR" sz="1400" i="1" smtClean="0">
+                      <a:rPr lang="pt-BR" sz="1600" i="1" smtClean="0">
                         <a:latin typeface="Cambria Math"/>
                         <a:ea typeface="Cambria Math"/>
                       </a:rPr>
@@ -13125,7 +11546,7 @@
                   </m:oMath>
                 </a14:m>
                 <a:r>
-                  <a:rPr lang="pt-BR" sz="1400" dirty="0"/>
+                  <a:rPr lang="pt-BR" sz="1600" dirty="0" smtClean="0"/>
                   <a:t> </a:t>
                 </a:r>
                 <a14:m>
@@ -13133,28 +11554,25 @@
                     <m:sSubSup>
                       <m:sSubSupPr>
                         <m:ctrlPr>
-                          <a:rPr lang="pt-BR" sz="1400" i="1">
-                            <a:latin typeface="Cambria Math" panose="02040503050406030204" pitchFamily="18" charset="0"/>
+                          <a:rPr lang="pt-BR" sz="1600" b="0" i="1" smtClean="0">
+                            <a:latin typeface="Cambria Math"/>
                             <a:ea typeface="Cambria Math"/>
                           </a:rPr>
                         </m:ctrlPr>
                       </m:sSubSupPr>
                       <m:e>
                         <m:r>
-                          <m:rPr>
-                            <m:sty m:val="p"/>
-                          </m:rPr>
-                          <a:rPr lang="el-GR" sz="1400" i="1">
-                            <a:latin typeface="Cambria Math" panose="02040503050406030204" pitchFamily="18" charset="0"/>
-                            <a:ea typeface="Cambria Math" panose="02040503050406030204" pitchFamily="18" charset="0"/>
+                          <a:rPr lang="pt-BR" sz="1600" i="1">
+                            <a:latin typeface="Cambria Math"/>
+                            <a:ea typeface="Cambria Math"/>
                           </a:rPr>
-                          <m:t>Φ</m:t>
+                          <m:t>𝜙</m:t>
                         </m:r>
                       </m:e>
                       <m:sub/>
                       <m:sup>
                         <m:r>
-                          <a:rPr lang="pt-BR" sz="1400" i="1">
+                          <a:rPr lang="pt-BR" sz="1600" i="1">
                             <a:latin typeface="Cambria Math"/>
                             <a:ea typeface="Cambria Math"/>
                           </a:rPr>
@@ -13163,7 +11581,7 @@
                       </m:sup>
                     </m:sSubSup>
                     <m:r>
-                      <a:rPr lang="pt-BR" sz="1400" i="1">
+                      <a:rPr lang="pt-BR" sz="1600" i="1">
                         <a:latin typeface="Cambria Math"/>
                         <a:ea typeface="Cambria Math"/>
                       </a:rPr>
@@ -13171,13 +11589,11 @@
                     </m:r>
                   </m:oMath>
                 </a14:m>
-                <a:endParaRPr lang="pt-BR" sz="1400" i="1" dirty="0" smtClean="0">
-                  <a:latin typeface="Cambria Math"/>
+                <a:endParaRPr lang="pt-BR" sz="1600" dirty="0" smtClean="0">
                   <a:ea typeface="Cambria Math"/>
                 </a:endParaRPr>
               </a:p>
               <a:p>
-                <a:pPr algn="ctr"/>
                 <a14:m>
                   <m:oMathPara xmlns:m="http://schemas.openxmlformats.org/officeDocument/2006/math">
                     <m:oMathParaPr>
@@ -13187,27 +11603,24 @@
                       <m:sSup>
                         <m:sSupPr>
                           <m:ctrlPr>
-                            <a:rPr lang="pt-BR" sz="1400" i="1">
-                              <a:latin typeface="Cambria Math" panose="02040503050406030204" pitchFamily="18" charset="0"/>
+                            <a:rPr lang="pt-BR" sz="1600" i="1">
+                              <a:latin typeface="Cambria Math"/>
                               <a:ea typeface="Cambria Math"/>
                             </a:rPr>
                           </m:ctrlPr>
                         </m:sSupPr>
                         <m:e>
                           <m:r>
-                            <m:rPr>
-                              <m:sty m:val="p"/>
-                            </m:rPr>
-                            <a:rPr lang="el-GR" sz="1400" i="1">
-                              <a:latin typeface="Cambria Math" panose="02040503050406030204" pitchFamily="18" charset="0"/>
-                              <a:ea typeface="Cambria Math" panose="02040503050406030204" pitchFamily="18" charset="0"/>
+                            <a:rPr lang="pt-BR" sz="1600" i="1">
+                              <a:latin typeface="Cambria Math"/>
+                              <a:ea typeface="Cambria Math"/>
                             </a:rPr>
-                            <m:t>Φ</m:t>
+                            <m:t>𝜙</m:t>
                           </m:r>
                         </m:e>
                         <m:sup>
                           <m:r>
-                            <a:rPr lang="pt-BR" sz="1400" i="1">
+                            <a:rPr lang="pt-BR" sz="1600" i="1">
                               <a:latin typeface="Cambria Math"/>
                               <a:ea typeface="Cambria Math"/>
                             </a:rPr>
@@ -13216,7 +11629,7 @@
                         </m:sup>
                       </m:sSup>
                       <m:r>
-                        <a:rPr lang="pt-BR" sz="1400" i="1">
+                        <a:rPr lang="pt-BR" sz="1600" i="1">
                           <a:latin typeface="Cambria Math"/>
                           <a:ea typeface="Cambria Math"/>
                         </a:rPr>
@@ -13225,8 +11638,8 @@
                       <m:d>
                         <m:dPr>
                           <m:ctrlPr>
-                            <a:rPr lang="pt-BR" sz="1400" i="1">
-                              <a:latin typeface="Cambria Math" panose="02040503050406030204" pitchFamily="18" charset="0"/>
+                            <a:rPr lang="pt-BR" sz="1600" i="1">
+                              <a:latin typeface="Cambria Math"/>
                               <a:ea typeface="Cambria Math"/>
                             </a:rPr>
                           </m:ctrlPr>
@@ -13235,27 +11648,24 @@
                           <m:sSub>
                             <m:sSubPr>
                               <m:ctrlPr>
-                                <a:rPr lang="pt-BR" sz="1400" i="1">
-                                  <a:latin typeface="Cambria Math" panose="02040503050406030204" pitchFamily="18" charset="0"/>
+                                <a:rPr lang="pt-BR" sz="1600" i="1">
+                                  <a:latin typeface="Cambria Math"/>
                                   <a:ea typeface="Cambria Math"/>
                                 </a:rPr>
                               </m:ctrlPr>
                             </m:sSubPr>
                             <m:e>
                               <m:r>
-                                <m:rPr>
-                                  <m:sty m:val="p"/>
-                                </m:rPr>
-                                <a:rPr lang="el-GR" sz="1400" i="1">
-                                  <a:latin typeface="Cambria Math" panose="02040503050406030204" pitchFamily="18" charset="0"/>
-                                  <a:ea typeface="Cambria Math" panose="02040503050406030204" pitchFamily="18" charset="0"/>
+                                <a:rPr lang="pt-BR" sz="1600" i="1">
+                                  <a:latin typeface="Cambria Math"/>
+                                  <a:ea typeface="Cambria Math"/>
                                 </a:rPr>
-                                <m:t>Φ</m:t>
+                                <m:t>𝜙</m:t>
                               </m:r>
                             </m:e>
                             <m:sub>
                               <m:r>
-                                <a:rPr lang="pt-BR" sz="1400" i="1">
+                                <a:rPr lang="pt-BR" sz="1600" i="1">
                                   <a:latin typeface="Cambria Math"/>
                                   <a:ea typeface="Cambria Math"/>
                                 </a:rPr>
@@ -13264,15 +11674,15 @@
                               <m:sSub>
                                 <m:sSubPr>
                                   <m:ctrlPr>
-                                    <a:rPr lang="pt-BR" sz="1400" i="1">
-                                      <a:latin typeface="Cambria Math" panose="02040503050406030204" pitchFamily="18" charset="0"/>
+                                    <a:rPr lang="pt-BR" sz="1600" i="1">
+                                      <a:latin typeface="Cambria Math"/>
                                       <a:ea typeface="Cambria Math"/>
                                     </a:rPr>
                                   </m:ctrlPr>
                                 </m:sSubPr>
                                 <m:e>
                                   <m:r>
-                                    <a:rPr lang="pt-BR" sz="1400" i="1">
+                                    <a:rPr lang="pt-BR" sz="1600" i="1">
                                       <a:latin typeface="Cambria Math"/>
                                       <a:ea typeface="Cambria Math"/>
                                     </a:rPr>
@@ -13281,7 +11691,7 @@
                                 </m:e>
                                 <m:sub>
                                   <m:r>
-                                    <a:rPr lang="pt-BR" sz="1400" i="1">
+                                    <a:rPr lang="pt-BR" sz="1600" i="1">
                                       <a:latin typeface="Cambria Math"/>
                                       <a:ea typeface="Cambria Math"/>
                                     </a:rPr>
@@ -13292,7 +11702,7 @@
                             </m:sub>
                           </m:sSub>
                           <m:r>
-                            <a:rPr lang="pt-BR" sz="1400" i="1">
+                            <a:rPr lang="pt-BR" sz="1600" i="1">
                               <a:latin typeface="Cambria Math"/>
                               <a:ea typeface="Cambria Math"/>
                             </a:rPr>
@@ -13301,27 +11711,24 @@
                           <m:sSub>
                             <m:sSubPr>
                               <m:ctrlPr>
-                                <a:rPr lang="pt-BR" sz="1400" i="1">
-                                  <a:latin typeface="Cambria Math" panose="02040503050406030204" pitchFamily="18" charset="0"/>
+                                <a:rPr lang="pt-BR" sz="1600" i="1">
+                                  <a:latin typeface="Cambria Math"/>
                                   <a:ea typeface="Cambria Math"/>
                                 </a:rPr>
                               </m:ctrlPr>
                             </m:sSubPr>
                             <m:e>
                               <m:r>
-                                <m:rPr>
-                                  <m:sty m:val="p"/>
-                                </m:rPr>
-                                <a:rPr lang="el-GR" sz="1400" i="1">
-                                  <a:latin typeface="Cambria Math" panose="02040503050406030204" pitchFamily="18" charset="0"/>
-                                  <a:ea typeface="Cambria Math" panose="02040503050406030204" pitchFamily="18" charset="0"/>
+                                <a:rPr lang="pt-BR" sz="1600" i="1">
+                                  <a:latin typeface="Cambria Math"/>
+                                  <a:ea typeface="Cambria Math"/>
                                 </a:rPr>
-                                <m:t>Φ</m:t>
+                                <m:t>𝜙</m:t>
                               </m:r>
                             </m:e>
                             <m:sub>
                               <m:r>
-                                <a:rPr lang="pt-BR" sz="1400" i="1">
+                                <a:rPr lang="pt-BR" sz="1600" i="1">
                                   <a:latin typeface="Cambria Math"/>
                                   <a:ea typeface="Cambria Math"/>
                                 </a:rPr>
@@ -13330,15 +11737,15 @@
                               <m:sSub>
                                 <m:sSubPr>
                                   <m:ctrlPr>
-                                    <a:rPr lang="pt-BR" sz="1400" i="1">
-                                      <a:latin typeface="Cambria Math" panose="02040503050406030204" pitchFamily="18" charset="0"/>
+                                    <a:rPr lang="pt-BR" sz="1600" i="1">
+                                      <a:latin typeface="Cambria Math"/>
                                       <a:ea typeface="Cambria Math"/>
                                     </a:rPr>
                                   </m:ctrlPr>
                                 </m:sSubPr>
                                 <m:e>
                                   <m:r>
-                                    <a:rPr lang="pt-BR" sz="1400" i="1">
+                                    <a:rPr lang="pt-BR" sz="1600" i="1">
                                       <a:latin typeface="Cambria Math"/>
                                       <a:ea typeface="Cambria Math"/>
                                     </a:rPr>
@@ -13347,7 +11754,7 @@
                                 </m:e>
                                 <m:sub>
                                   <m:r>
-                                    <a:rPr lang="pt-BR" sz="1400" i="1">
+                                    <a:rPr lang="pt-BR" sz="1600" i="1">
                                       <a:latin typeface="Cambria Math"/>
                                       <a:ea typeface="Cambria Math"/>
                                     </a:rPr>
@@ -13358,7 +11765,7 @@
                             </m:sub>
                           </m:sSub>
                           <m:r>
-                            <a:rPr lang="pt-BR" sz="1400" i="1">
+                            <a:rPr lang="pt-BR" sz="1600" i="1">
                               <a:latin typeface="Cambria Math"/>
                               <a:ea typeface="Cambria Math"/>
                             </a:rPr>
@@ -13367,27 +11774,24 @@
                           <m:sSub>
                             <m:sSubPr>
                               <m:ctrlPr>
-                                <a:rPr lang="pt-BR" sz="1400" i="1">
-                                  <a:latin typeface="Cambria Math" panose="02040503050406030204" pitchFamily="18" charset="0"/>
+                                <a:rPr lang="pt-BR" sz="1600" i="1">
+                                  <a:latin typeface="Cambria Math"/>
                                   <a:ea typeface="Cambria Math"/>
                                 </a:rPr>
                               </m:ctrlPr>
                             </m:sSubPr>
                             <m:e>
                               <m:r>
-                                <m:rPr>
-                                  <m:sty m:val="p"/>
-                                </m:rPr>
-                                <a:rPr lang="el-GR" sz="1400" i="1">
-                                  <a:latin typeface="Cambria Math" panose="02040503050406030204" pitchFamily="18" charset="0"/>
-                                  <a:ea typeface="Cambria Math" panose="02040503050406030204" pitchFamily="18" charset="0"/>
+                                <a:rPr lang="pt-BR" sz="1600" i="1">
+                                  <a:latin typeface="Cambria Math"/>
+                                  <a:ea typeface="Cambria Math"/>
                                 </a:rPr>
-                                <m:t>Φ</m:t>
+                                <m:t>𝜙</m:t>
                               </m:r>
                             </m:e>
                             <m:sub>
                               <m:r>
-                                <a:rPr lang="pt-BR" sz="1400" i="1">
+                                <a:rPr lang="pt-BR" sz="1600" i="1">
                                   <a:latin typeface="Cambria Math"/>
                                   <a:ea typeface="Cambria Math"/>
                                 </a:rPr>
@@ -13396,15 +11800,15 @@
                               <m:sSub>
                                 <m:sSubPr>
                                   <m:ctrlPr>
-                                    <a:rPr lang="pt-BR" sz="1400" i="1">
-                                      <a:latin typeface="Cambria Math" panose="02040503050406030204" pitchFamily="18" charset="0"/>
+                                    <a:rPr lang="pt-BR" sz="1600" i="1">
+                                      <a:latin typeface="Cambria Math"/>
                                       <a:ea typeface="Cambria Math"/>
                                     </a:rPr>
                                   </m:ctrlPr>
                                 </m:sSubPr>
                                 <m:e>
                                   <m:r>
-                                    <a:rPr lang="pt-BR" sz="1400" i="1">
+                                    <a:rPr lang="pt-BR" sz="1600" i="1">
                                       <a:latin typeface="Cambria Math"/>
                                       <a:ea typeface="Cambria Math"/>
                                     </a:rPr>
@@ -13413,7 +11817,7 @@
                                 </m:e>
                                 <m:sub>
                                   <m:r>
-                                    <a:rPr lang="pt-BR" sz="1400" i="1">
+                                    <a:rPr lang="pt-BR" sz="1600" i="1">
                                       <a:latin typeface="Cambria Math"/>
                                       <a:ea typeface="Cambria Math"/>
                                     </a:rPr>
@@ -13428,17 +11832,17 @@
                     </m:oMath>
                   </m:oMathPara>
                 </a14:m>
-                <a:endParaRPr lang="pt-BR" sz="1400" dirty="0">
+                <a:endParaRPr lang="pt-BR" sz="1600" dirty="0" smtClean="0">
                   <a:ea typeface="Cambria Math"/>
                 </a:endParaRPr>
               </a:p>
             </p:txBody>
           </p:sp>
         </mc:Choice>
-        <mc:Fallback xmlns="">
+        <mc:Fallback>
           <p:sp>
             <p:nvSpPr>
-              <p:cNvPr id="3" name="Rectangle 2"/>
+              <p:cNvPr id="2" name="Rectangle 1"/>
               <p:cNvSpPr>
                 <a:spLocks noRot="1" noChangeAspect="1" noMove="1" noResize="1" noEditPoints="1" noAdjustHandles="1" noChangeArrowheads="1" noChangeShapeType="1" noTextEdit="1"/>
               </p:cNvSpPr>
@@ -13446,16 +11850,16 @@
             </p:nvSpPr>
             <p:spPr>
               <a:xfrm>
-                <a:off x="6310564" y="5226990"/>
-                <a:ext cx="2375876" cy="898770"/>
+                <a:off x="6308601" y="5198763"/>
+                <a:ext cx="2564180" cy="624851"/>
               </a:xfrm>
               <a:prstGeom prst="rect">
                 <a:avLst/>
               </a:prstGeom>
-              <a:blipFill rotWithShape="0">
+              <a:blipFill rotWithShape="1">
                 <a:blip r:embed="rId3"/>
                 <a:stretch>
-                  <a:fillRect/>
+                  <a:fillRect b="-2941"/>
                 </a:stretch>
               </a:blipFill>
             </p:spPr>
@@ -13464,7 +11868,7 @@
               <a:lstStyle/>
               <a:p>
                 <a:r>
-                  <a:rPr lang="en-US">
+                  <a:rPr lang="pt-BR">
                     <a:noFill/>
                   </a:rPr>
                   <a:t> </a:t>
@@ -13795,8 +12199,8 @@
           </a:p>
         </p:txBody>
       </p:sp>
-      <mc:AlternateContent xmlns:mc="http://schemas.openxmlformats.org/markup-compatibility/2006" xmlns:a14="http://schemas.microsoft.com/office/drawing/2010/main">
-        <mc:Choice Requires="a14">
+      <mc:AlternateContent xmlns:mc="http://schemas.openxmlformats.org/markup-compatibility/2006">
+        <mc:Choice xmlns:a14="http://schemas.microsoft.com/office/drawing/2010/main" Requires="a14">
           <p:sp>
             <p:nvSpPr>
               <p:cNvPr id="100" name="TextShape 2"/>
@@ -13828,6 +12232,7 @@
                   <a:rPr lang="pt-BR" sz="1600" dirty="0" smtClean="0"/>
                   <a:t>Espaço de cor HSV</a:t>
                 </a:r>
+                <a:endParaRPr lang="pt-BR" sz="1600" dirty="0" smtClean="0"/>
               </a:p>
               <a:p>
                 <a:endParaRPr lang="pt-BR" sz="1600" dirty="0" smtClean="0"/>
@@ -13867,7 +12272,7 @@
                         <m:endChr m:val="‖"/>
                         <m:ctrlPr>
                           <a:rPr lang="pt-BR" sz="1600" b="0" i="1" smtClean="0">
-                            <a:latin typeface="Cambria Math" panose="02040503050406030204" pitchFamily="18" charset="0"/>
+                            <a:latin typeface="Cambria Math"/>
                           </a:rPr>
                         </m:ctrlPr>
                       </m:dPr>
@@ -13876,7 +12281,7 @@
                           <m:sSubPr>
                             <m:ctrlPr>
                               <a:rPr lang="pt-BR" sz="1600" b="0" i="1" smtClean="0">
-                                <a:latin typeface="Cambria Math" panose="02040503050406030204" pitchFamily="18" charset="0"/>
+                                <a:latin typeface="Cambria Math"/>
                               </a:rPr>
                             </m:ctrlPr>
                           </m:sSubPr>
@@ -13919,7 +12324,7 @@
                           <m:sSubPr>
                             <m:ctrlPr>
                               <a:rPr lang="pt-BR" sz="1600" i="1">
-                                <a:latin typeface="Cambria Math" panose="02040503050406030204" pitchFamily="18" charset="0"/>
+                                <a:latin typeface="Cambria Math"/>
                               </a:rPr>
                             </m:ctrlPr>
                           </m:sSubPr>
@@ -13983,7 +12388,7 @@
                         <m:endChr m:val="]"/>
                         <m:ctrlPr>
                           <a:rPr lang="pt-BR" sz="1600" b="0" i="1" smtClean="0">
-                            <a:latin typeface="Cambria Math" panose="02040503050406030204" pitchFamily="18" charset="0"/>
+                            <a:latin typeface="Cambria Math"/>
                           </a:rPr>
                         </m:ctrlPr>
                       </m:dPr>
@@ -14104,7 +12509,7 @@
                       <m:sSupPr>
                         <m:ctrlPr>
                           <a:rPr lang="pt-BR" sz="1600" i="1">
-                            <a:latin typeface="Cambria Math" panose="02040503050406030204" pitchFamily="18" charset="0"/>
+                            <a:latin typeface="Cambria Math"/>
                             <a:ea typeface="Cambria Math"/>
                           </a:rPr>
                         </m:ctrlPr>
@@ -14271,92 +12676,36 @@
                 </a:pPr>
                 <a14:m>
                   <m:oMath xmlns:m="http://schemas.openxmlformats.org/officeDocument/2006/math">
-                    <m:r>
-                      <a:rPr lang="pt-BR" sz="1400" i="1">
-                        <a:latin typeface="Cambria Math"/>
-                        <a:ea typeface="Cambria Math"/>
-                      </a:rPr>
-                      <m:t>𝜙</m:t>
-                    </m:r>
-                    <m:r>
-                      <a:rPr lang="pt-BR" sz="1400" i="1">
-                        <a:latin typeface="Cambria Math" panose="02040503050406030204" pitchFamily="18" charset="0"/>
-                        <a:ea typeface="Cambria Math"/>
-                      </a:rPr>
-                      <m:t>(</m:t>
-                    </m:r>
                     <m:sSub>
                       <m:sSubPr>
                         <m:ctrlPr>
-                          <a:rPr lang="pt-BR" sz="1400" i="1">
-                            <a:latin typeface="Cambria Math" panose="02040503050406030204" pitchFamily="18" charset="0"/>
+                          <a:rPr lang="pt-BR" sz="1600" i="1">
+                            <a:latin typeface="Cambria Math"/>
                             <a:ea typeface="Cambria Math"/>
                           </a:rPr>
                         </m:ctrlPr>
                       </m:sSubPr>
                       <m:e>
                         <m:r>
-                          <a:rPr lang="pt-BR" sz="1400" i="1">
-                            <a:latin typeface="Cambria Math" panose="02040503050406030204" pitchFamily="18" charset="0"/>
+                          <a:rPr lang="pt-BR" sz="1600" i="1">
+                            <a:latin typeface="Cambria Math"/>
                             <a:ea typeface="Cambria Math"/>
                           </a:rPr>
-                          <m:t>𝑦</m:t>
+                          <m:t>𝜙</m:t>
                         </m:r>
                       </m:e>
                       <m:sub>
                         <m:r>
-                          <a:rPr lang="pt-BR" sz="1400" i="1">
-                            <a:latin typeface="Cambria Math" panose="02040503050406030204" pitchFamily="18" charset="0"/>
+                          <a:rPr lang="pt-BR" sz="1600" i="1">
+                            <a:latin typeface="Cambria Math"/>
                             <a:ea typeface="Cambria Math"/>
                           </a:rPr>
-                          <m:t>𝑖</m:t>
+                          <m:t>𝑖𝑗</m:t>
                         </m:r>
                       </m:sub>
                     </m:sSub>
                     <m:r>
-                      <a:rPr lang="pt-BR" sz="1400" i="1">
-                        <a:latin typeface="Cambria Math" panose="02040503050406030204" pitchFamily="18" charset="0"/>
-                        <a:ea typeface="Cambria Math"/>
-                      </a:rPr>
-                      <m:t>,</m:t>
-                    </m:r>
-                    <m:sSub>
-                      <m:sSubPr>
-                        <m:ctrlPr>
-                          <a:rPr lang="pt-BR" sz="1400" i="1">
-                            <a:latin typeface="Cambria Math" panose="02040503050406030204" pitchFamily="18" charset="0"/>
-                            <a:ea typeface="Cambria Math"/>
-                          </a:rPr>
-                        </m:ctrlPr>
-                      </m:sSubPr>
-                      <m:e>
-                        <m:r>
-                          <a:rPr lang="pt-BR" sz="1400" i="1">
-                            <a:latin typeface="Cambria Math" panose="02040503050406030204" pitchFamily="18" charset="0"/>
-                            <a:ea typeface="Cambria Math"/>
-                          </a:rPr>
-                          <m:t>𝑦</m:t>
-                        </m:r>
-                      </m:e>
-                      <m:sub>
-                        <m:r>
-                          <a:rPr lang="pt-BR" sz="1400" i="1">
-                            <a:latin typeface="Cambria Math" panose="02040503050406030204" pitchFamily="18" charset="0"/>
-                            <a:ea typeface="Cambria Math"/>
-                          </a:rPr>
-                          <m:t>𝑗</m:t>
-                        </m:r>
-                      </m:sub>
-                    </m:sSub>
-                    <m:r>
-                      <a:rPr lang="pt-BR" sz="1400" i="1">
-                        <a:latin typeface="Cambria Math" panose="02040503050406030204" pitchFamily="18" charset="0"/>
-                        <a:ea typeface="Cambria Math"/>
-                      </a:rPr>
-                      <m:t>)</m:t>
-                    </m:r>
-                    <m:r>
-                      <a:rPr lang="pt-BR" sz="1400" i="1">
+                      <a:rPr lang="pt-BR" sz="1600" i="1">
                         <a:latin typeface="Cambria Math"/>
                         <a:ea typeface="Cambria Math"/>
                       </a:rPr>
@@ -14365,15 +12714,15 @@
                     <m:sSup>
                       <m:sSupPr>
                         <m:ctrlPr>
-                          <a:rPr lang="pt-BR" sz="1400" i="1">
-                            <a:latin typeface="Cambria Math" panose="02040503050406030204" pitchFamily="18" charset="0"/>
+                          <a:rPr lang="pt-BR" sz="1600" i="1">
+                            <a:latin typeface="Cambria Math"/>
                             <a:ea typeface="Cambria Math"/>
                           </a:rPr>
                         </m:ctrlPr>
                       </m:sSupPr>
                       <m:e>
                         <m:r>
-                          <a:rPr lang="pt-BR" sz="1400" i="1">
+                          <a:rPr lang="pt-BR" sz="1600" i="1">
                             <a:latin typeface="Cambria Math"/>
                             <a:ea typeface="Cambria Math"/>
                           </a:rPr>
@@ -14384,15 +12733,15 @@
                         <m:f>
                           <m:fPr>
                             <m:ctrlPr>
-                              <a:rPr lang="pt-BR" sz="1400" i="1">
-                                <a:latin typeface="Cambria Math" panose="02040503050406030204" pitchFamily="18" charset="0"/>
+                              <a:rPr lang="pt-BR" sz="1600" i="1">
+                                <a:latin typeface="Cambria Math"/>
                                 <a:ea typeface="Cambria Math"/>
                               </a:rPr>
                             </m:ctrlPr>
                           </m:fPr>
                           <m:num>
                             <m:r>
-                              <a:rPr lang="pt-BR" sz="1400" b="0" i="1" smtClean="0">
+                              <a:rPr lang="pt-BR" sz="1600" b="0" i="1" smtClean="0">
                                 <a:latin typeface="Cambria Math"/>
                                 <a:ea typeface="Cambria Math"/>
                               </a:rPr>
@@ -14403,8 +12752,8 @@
                                 <m:begChr m:val="‖"/>
                                 <m:endChr m:val="‖"/>
                                 <m:ctrlPr>
-                                  <a:rPr lang="pt-BR" sz="1400" i="1">
-                                    <a:latin typeface="Cambria Math" panose="02040503050406030204" pitchFamily="18" charset="0"/>
+                                  <a:rPr lang="pt-BR" sz="1600" i="1">
+                                    <a:latin typeface="Cambria Math"/>
                                     <a:ea typeface="Cambria Math"/>
                                   </a:rPr>
                                 </m:ctrlPr>
@@ -14413,15 +12762,15 @@
                                 <m:sSub>
                                   <m:sSubPr>
                                     <m:ctrlPr>
-                                      <a:rPr lang="pt-BR" sz="1400" i="1">
-                                        <a:latin typeface="Cambria Math" panose="02040503050406030204" pitchFamily="18" charset="0"/>
+                                      <a:rPr lang="pt-BR" sz="1600" i="1">
+                                        <a:latin typeface="Cambria Math"/>
                                         <a:ea typeface="Cambria Math"/>
                                       </a:rPr>
                                     </m:ctrlPr>
                                   </m:sSubPr>
                                   <m:e>
                                     <m:r>
-                                      <a:rPr lang="pt-BR" sz="1400" i="1">
+                                      <a:rPr lang="pt-BR" sz="1600" i="1">
                                         <a:latin typeface="Cambria Math"/>
                                         <a:ea typeface="Cambria Math"/>
                                       </a:rPr>
@@ -14430,7 +12779,7 @@
                                   </m:e>
                                   <m:sub>
                                     <m:r>
-                                      <a:rPr lang="pt-BR" sz="1400" i="1">
+                                      <a:rPr lang="pt-BR" sz="1600" i="1">
                                         <a:latin typeface="Cambria Math"/>
                                         <a:ea typeface="Cambria Math"/>
                                       </a:rPr>
@@ -14439,7 +12788,7 @@
                                   </m:sub>
                                 </m:sSub>
                                 <m:r>
-                                  <a:rPr lang="pt-BR" sz="1400" i="1">
+                                  <a:rPr lang="pt-BR" sz="1600" i="1">
                                     <a:latin typeface="Cambria Math"/>
                                     <a:ea typeface="Cambria Math"/>
                                   </a:rPr>
@@ -14448,15 +12797,15 @@
                                 <m:sSub>
                                   <m:sSubPr>
                                     <m:ctrlPr>
-                                      <a:rPr lang="pt-BR" sz="1400" i="1">
-                                        <a:latin typeface="Cambria Math" panose="02040503050406030204" pitchFamily="18" charset="0"/>
+                                      <a:rPr lang="pt-BR" sz="1600" i="1">
+                                        <a:latin typeface="Cambria Math"/>
                                         <a:ea typeface="Cambria Math"/>
                                       </a:rPr>
                                     </m:ctrlPr>
                                   </m:sSubPr>
                                   <m:e>
                                     <m:r>
-                                      <a:rPr lang="pt-BR" sz="1400" i="1">
+                                      <a:rPr lang="pt-BR" sz="1600" i="1">
                                         <a:latin typeface="Cambria Math"/>
                                         <a:ea typeface="Cambria Math"/>
                                       </a:rPr>
@@ -14465,7 +12814,7 @@
                                   </m:e>
                                   <m:sub>
                                     <m:r>
-                                      <a:rPr lang="pt-BR" sz="1400" i="1">
+                                      <a:rPr lang="pt-BR" sz="1600" i="1">
                                         <a:latin typeface="Cambria Math"/>
                                         <a:ea typeface="Cambria Math"/>
                                       </a:rPr>
@@ -14478,7 +12827,7 @@
                           </m:num>
                           <m:den>
                             <m:r>
-                              <a:rPr lang="pt-BR" sz="1400" i="1">
+                              <a:rPr lang="pt-BR" sz="1600" i="1">
                                 <a:latin typeface="Cambria Math"/>
                                 <a:ea typeface="Cambria Math"/>
                               </a:rPr>
@@ -14490,7 +12839,7 @@
                     </m:sSup>
                   </m:oMath>
                 </a14:m>
-                <a:endParaRPr lang="pt-BR" sz="1400" i="1" dirty="0">
+                <a:endParaRPr lang="pt-BR" sz="1600" i="1" dirty="0">
                   <a:latin typeface="Cambria Math"/>
                   <a:ea typeface="Cambria Math"/>
                 </a:endParaRPr>
@@ -14506,7 +12855,7 @@
                       <m:sSubPr>
                         <m:ctrlPr>
                           <a:rPr lang="pt-BR" sz="1600" b="0" i="1" smtClean="0">
-                            <a:latin typeface="Cambria Math" panose="02040503050406030204" pitchFamily="18" charset="0"/>
+                            <a:latin typeface="Cambria Math"/>
                             <a:ea typeface="Cambria Math"/>
                           </a:rPr>
                         </m:ctrlPr>
@@ -14541,7 +12890,7 @@
                       <m:dPr>
                         <m:ctrlPr>
                           <a:rPr lang="pt-BR" sz="1600" i="1">
-                            <a:latin typeface="Cambria Math" panose="02040503050406030204" pitchFamily="18" charset="0"/>
+                            <a:latin typeface="Cambria Math"/>
                             <a:ea typeface="Cambria Math"/>
                           </a:rPr>
                         </m:ctrlPr>
@@ -14551,7 +12900,7 @@
                           <m:sSubPr>
                             <m:ctrlPr>
                               <a:rPr lang="pt-BR" sz="1600" i="1">
-                                <a:latin typeface="Cambria Math" panose="02040503050406030204" pitchFamily="18" charset="0"/>
+                                <a:latin typeface="Cambria Math"/>
                                 <a:ea typeface="Cambria Math"/>
                               </a:rPr>
                             </m:ctrlPr>
@@ -14593,7 +12942,7 @@
                           <m:sSubPr>
                             <m:ctrlPr>
                               <a:rPr lang="pt-BR" sz="1600" i="1">
-                                <a:latin typeface="Cambria Math" panose="02040503050406030204" pitchFamily="18" charset="0"/>
+                                <a:latin typeface="Cambria Math"/>
                                 <a:ea typeface="Cambria Math"/>
                               </a:rPr>
                             </m:ctrlPr>
@@ -14651,7 +13000,7 @@
             </p:txBody>
           </p:sp>
         </mc:Choice>
-        <mc:Fallback xmlns="">
+        <mc:Fallback>
           <p:sp>
             <p:nvSpPr>
               <p:cNvPr id="100" name="TextShape 2"/>
@@ -14668,10 +13017,10 @@
               <a:prstGeom prst="rect">
                 <a:avLst/>
               </a:prstGeom>
-              <a:blipFill rotWithShape="0">
+              <a:blipFill rotWithShape="1">
                 <a:blip r:embed="rId3"/>
                 <a:stretch>
-                  <a:fillRect l="-296" t="-404"/>
+                  <a:fillRect l="-222" t="-404"/>
                 </a:stretch>
               </a:blipFill>
               <a:ln>
@@ -14683,7 +13032,7 @@
               <a:lstStyle/>
               <a:p>
                 <a:r>
-                  <a:rPr lang="en-US">
+                  <a:rPr lang="pt-BR">
                     <a:noFill/>
                   </a:rPr>
                   <a:t> </a:t>
@@ -14901,7 +13250,11 @@
             </a:pPr>
             <a:r>
               <a:rPr lang="pt-BR" sz="1600" dirty="0" smtClean="0"/>
-              <a:t>4 Imagens [489 x 321]</a:t>
+              <a:t>4 Imagens [</a:t>
+            </a:r>
+            <a:r>
+              <a:rPr lang="pt-BR" sz="1600" dirty="0" smtClean="0"/>
+              <a:t>489 x 321]</a:t>
             </a:r>
           </a:p>
           <a:p>
@@ -14913,6 +13266,7 @@
               <a:rPr lang="pt-BR" sz="1600" dirty="0" smtClean="0"/>
               <a:t>Espaço de cor: HSV</a:t>
             </a:r>
+            <a:endParaRPr lang="pt-BR" sz="1600" dirty="0" smtClean="0"/>
           </a:p>
           <a:p>
             <a:pPr marL="285750" indent="-285750">
@@ -20934,8 +19288,8 @@
           <a:chExt cx="0" cy="0"/>
         </a:xfrm>
       </p:grpSpPr>
-      <mc:AlternateContent xmlns:mc="http://schemas.openxmlformats.org/markup-compatibility/2006" xmlns:a14="http://schemas.microsoft.com/office/drawing/2010/main">
-        <mc:Choice Requires="a14">
+      <mc:AlternateContent xmlns:mc="http://schemas.openxmlformats.org/markup-compatibility/2006">
+        <mc:Choice xmlns:a14="http://schemas.microsoft.com/office/drawing/2010/main" Requires="a14">
           <p:sp>
             <p:nvSpPr>
               <p:cNvPr id="100" name="TextShape 2"/>
@@ -21022,7 +19376,7 @@
                         <m:endChr m:val="‖"/>
                         <m:ctrlPr>
                           <a:rPr lang="pt-BR" sz="1600" i="1">
-                            <a:latin typeface="Cambria Math" panose="02040503050406030204" pitchFamily="18" charset="0"/>
+                            <a:latin typeface="Cambria Math"/>
                           </a:rPr>
                         </m:ctrlPr>
                       </m:dPr>
@@ -21031,16 +19385,16 @@
                           <m:sSubPr>
                             <m:ctrlPr>
                               <a:rPr lang="pt-BR" sz="1600" i="1">
-                                <a:latin typeface="Cambria Math" panose="02040503050406030204" pitchFamily="18" charset="0"/>
+                                <a:latin typeface="Cambria Math"/>
                               </a:rPr>
                             </m:ctrlPr>
                           </m:sSubPr>
                           <m:e>
                             <m:r>
                               <a:rPr lang="pt-BR" sz="1600" b="0" i="1" smtClean="0">
-                                <a:latin typeface="Cambria Math" panose="02040503050406030204" pitchFamily="18" charset="0"/>
+                                <a:latin typeface="Cambria Math"/>
                               </a:rPr>
-                              <m:t>𝑘</m:t>
+                              <m:t>𝑥</m:t>
                             </m:r>
                           </m:e>
                           <m:sub>
@@ -21062,16 +19416,16 @@
                           <m:sSubPr>
                             <m:ctrlPr>
                               <a:rPr lang="pt-BR" sz="1600" i="1">
-                                <a:latin typeface="Cambria Math" panose="02040503050406030204" pitchFamily="18" charset="0"/>
+                                <a:latin typeface="Cambria Math"/>
                               </a:rPr>
                             </m:ctrlPr>
                           </m:sSubPr>
                           <m:e>
                             <m:r>
                               <a:rPr lang="pt-BR" sz="1600" b="0" i="1" smtClean="0">
-                                <a:latin typeface="Cambria Math" panose="02040503050406030204" pitchFamily="18" charset="0"/>
+                                <a:latin typeface="Cambria Math"/>
                               </a:rPr>
-                              <m:t>𝑘</m:t>
+                              <m:t>𝑥</m:t>
                             </m:r>
                           </m:e>
                           <m:sub>
@@ -21179,7 +19533,7 @@
                       <m:sSupPr>
                         <m:ctrlPr>
                           <a:rPr lang="pt-BR" sz="1600" i="1">
-                            <a:latin typeface="Cambria Math" panose="02040503050406030204" pitchFamily="18" charset="0"/>
+                            <a:latin typeface="Cambria Math"/>
                             <a:ea typeface="Cambria Math"/>
                           </a:rPr>
                         </m:ctrlPr>
@@ -21187,10 +19541,10 @@
                       <m:e>
                         <m:r>
                           <a:rPr lang="pt-BR" sz="1600" b="0" i="1" smtClean="0">
-                            <a:latin typeface="Cambria Math" panose="02040503050406030204" pitchFamily="18" charset="0"/>
+                            <a:latin typeface="Cambria Math"/>
                             <a:ea typeface="Cambria Math"/>
                           </a:rPr>
-                          <m:t>𝑘</m:t>
+                          <m:t>𝑥</m:t>
                         </m:r>
                         <m:r>
                           <a:rPr lang="pt-BR" sz="1600" i="1">
@@ -21346,25 +19700,11 @@
                 </a:pPr>
                 <a14:m>
                   <m:oMath xmlns:m="http://schemas.openxmlformats.org/officeDocument/2006/math">
-                    <m:r>
-                      <a:rPr lang="pt-BR" sz="1600" i="1">
-                        <a:latin typeface="Cambria Math"/>
-                        <a:ea typeface="Cambria Math"/>
-                      </a:rPr>
-                      <m:t>𝜙</m:t>
-                    </m:r>
-                    <m:r>
-                      <a:rPr lang="pt-BR" sz="1600" i="1">
-                        <a:latin typeface="Cambria Math" panose="02040503050406030204" pitchFamily="18" charset="0"/>
-                        <a:ea typeface="Cambria Math"/>
-                      </a:rPr>
-                      <m:t>(</m:t>
-                    </m:r>
                     <m:sSub>
                       <m:sSubPr>
                         <m:ctrlPr>
                           <a:rPr lang="pt-BR" sz="1600" i="1">
-                            <a:latin typeface="Cambria Math" panose="02040503050406030204" pitchFamily="18" charset="0"/>
+                            <a:latin typeface="Cambria Math"/>
                             <a:ea typeface="Cambria Math"/>
                           </a:rPr>
                         </m:ctrlPr>
@@ -21372,64 +19712,22 @@
                       <m:e>
                         <m:r>
                           <a:rPr lang="pt-BR" sz="1600" i="1">
-                            <a:latin typeface="Cambria Math" panose="02040503050406030204" pitchFamily="18" charset="0"/>
+                            <a:latin typeface="Cambria Math"/>
                             <a:ea typeface="Cambria Math"/>
                           </a:rPr>
-                          <m:t>𝑦</m:t>
+                          <m:t>𝜙</m:t>
                         </m:r>
                       </m:e>
                       <m:sub>
                         <m:r>
-                          <a:rPr lang="pt-BR" sz="1600" i="1">
-                            <a:latin typeface="Cambria Math" panose="02040503050406030204" pitchFamily="18" charset="0"/>
+                          <a:rPr lang="pt-BR" sz="1600" b="0" i="1" smtClean="0">
+                            <a:latin typeface="Cambria Math"/>
                             <a:ea typeface="Cambria Math"/>
                           </a:rPr>
-                          <m:t>𝑖</m:t>
+                          <m:t>𝑖𝑗</m:t>
                         </m:r>
                       </m:sub>
                     </m:sSub>
-                    <m:r>
-                      <a:rPr lang="pt-BR" sz="1600" i="1">
-                        <a:latin typeface="Cambria Math" panose="02040503050406030204" pitchFamily="18" charset="0"/>
-                        <a:ea typeface="Cambria Math"/>
-                      </a:rPr>
-                      <m:t>,</m:t>
-                    </m:r>
-                    <m:sSub>
-                      <m:sSubPr>
-                        <m:ctrlPr>
-                          <a:rPr lang="pt-BR" sz="1600" i="1">
-                            <a:latin typeface="Cambria Math" panose="02040503050406030204" pitchFamily="18" charset="0"/>
-                            <a:ea typeface="Cambria Math"/>
-                          </a:rPr>
-                        </m:ctrlPr>
-                      </m:sSubPr>
-                      <m:e>
-                        <m:r>
-                          <a:rPr lang="pt-BR" sz="1600" i="1">
-                            <a:latin typeface="Cambria Math" panose="02040503050406030204" pitchFamily="18" charset="0"/>
-                            <a:ea typeface="Cambria Math"/>
-                          </a:rPr>
-                          <m:t>𝑦</m:t>
-                        </m:r>
-                      </m:e>
-                      <m:sub>
-                        <m:r>
-                          <a:rPr lang="pt-BR" sz="1600" i="1">
-                            <a:latin typeface="Cambria Math" panose="02040503050406030204" pitchFamily="18" charset="0"/>
-                            <a:ea typeface="Cambria Math"/>
-                          </a:rPr>
-                          <m:t>𝑗</m:t>
-                        </m:r>
-                      </m:sub>
-                    </m:sSub>
-                    <m:r>
-                      <a:rPr lang="pt-BR" sz="1600" i="1">
-                        <a:latin typeface="Cambria Math" panose="02040503050406030204" pitchFamily="18" charset="0"/>
-                        <a:ea typeface="Cambria Math"/>
-                      </a:rPr>
-                      <m:t>)</m:t>
-                    </m:r>
                     <m:r>
                       <a:rPr lang="pt-BR" sz="1600" b="0" i="1" smtClean="0">
                         <a:latin typeface="Cambria Math"/>
@@ -21441,7 +19739,7 @@
                       <m:sSupPr>
                         <m:ctrlPr>
                           <a:rPr lang="pt-BR" sz="1600" b="0" i="1" smtClean="0">
-                            <a:latin typeface="Cambria Math" panose="02040503050406030204" pitchFamily="18" charset="0"/>
+                            <a:latin typeface="Cambria Math"/>
                             <a:ea typeface="Cambria Math"/>
                           </a:rPr>
                         </m:ctrlPr>
@@ -21460,7 +19758,7 @@
                           <m:fPr>
                             <m:ctrlPr>
                               <a:rPr lang="pt-BR" sz="1600" b="0" i="1" smtClean="0">
-                                <a:latin typeface="Cambria Math" panose="02040503050406030204" pitchFamily="18" charset="0"/>
+                                <a:latin typeface="Cambria Math"/>
                                 <a:ea typeface="Cambria Math"/>
                               </a:rPr>
                             </m:ctrlPr>
@@ -21479,7 +19777,7 @@
                                 <m:endChr m:val="‖"/>
                                 <m:ctrlPr>
                                   <a:rPr lang="pt-BR" sz="1600" b="0" i="1" smtClean="0">
-                                    <a:latin typeface="Cambria Math" panose="02040503050406030204" pitchFamily="18" charset="0"/>
+                                    <a:latin typeface="Cambria Math"/>
                                     <a:ea typeface="Cambria Math"/>
                                   </a:rPr>
                                 </m:ctrlPr>
@@ -21489,7 +19787,7 @@
                                   <m:sSubPr>
                                     <m:ctrlPr>
                                       <a:rPr lang="pt-BR" sz="1600" b="0" i="1" smtClean="0">
-                                        <a:latin typeface="Cambria Math" panose="02040503050406030204" pitchFamily="18" charset="0"/>
+                                        <a:latin typeface="Cambria Math"/>
                                         <a:ea typeface="Cambria Math"/>
                                       </a:rPr>
                                     </m:ctrlPr>
@@ -21524,7 +19822,7 @@
                                   <m:sSubPr>
                                     <m:ctrlPr>
                                       <a:rPr lang="pt-BR" sz="1600" b="0" i="1" smtClean="0">
-                                        <a:latin typeface="Cambria Math" panose="02040503050406030204" pitchFamily="18" charset="0"/>
+                                        <a:latin typeface="Cambria Math"/>
                                         <a:ea typeface="Cambria Math"/>
                                       </a:rPr>
                                     </m:ctrlPr>
@@ -21595,7 +19893,7 @@
                       <m:dPr>
                         <m:ctrlPr>
                           <a:rPr lang="pt-BR" sz="1600" i="1">
-                            <a:latin typeface="Cambria Math" panose="02040503050406030204" pitchFamily="18" charset="0"/>
+                            <a:latin typeface="Cambria Math"/>
                             <a:ea typeface="Cambria Math"/>
                           </a:rPr>
                         </m:ctrlPr>
@@ -21605,7 +19903,7 @@
                           <m:sSubPr>
                             <m:ctrlPr>
                               <a:rPr lang="pt-BR" sz="1600" i="1">
-                                <a:latin typeface="Cambria Math" panose="02040503050406030204" pitchFamily="18" charset="0"/>
+                                <a:latin typeface="Cambria Math"/>
                                 <a:ea typeface="Cambria Math"/>
                               </a:rPr>
                             </m:ctrlPr>
@@ -21640,7 +19938,7 @@
                           <m:sSubPr>
                             <m:ctrlPr>
                               <a:rPr lang="pt-BR" sz="1600" i="1">
-                                <a:latin typeface="Cambria Math" panose="02040503050406030204" pitchFamily="18" charset="0"/>
+                                <a:latin typeface="Cambria Math"/>
                                 <a:ea typeface="Cambria Math"/>
                               </a:rPr>
                             </m:ctrlPr>
@@ -21694,7 +19992,7 @@
             </p:txBody>
           </p:sp>
         </mc:Choice>
-        <mc:Fallback xmlns="">
+        <mc:Fallback>
           <p:sp>
             <p:nvSpPr>
               <p:cNvPr id="100" name="TextShape 2"/>
@@ -21711,10 +20009,10 @@
               <a:prstGeom prst="rect">
                 <a:avLst/>
               </a:prstGeom>
-              <a:blipFill rotWithShape="0">
+              <a:blipFill rotWithShape="1">
                 <a:blip r:embed="rId2"/>
                 <a:stretch>
-                  <a:fillRect l="-296" t="-404"/>
+                  <a:fillRect l="-222" t="-404"/>
                 </a:stretch>
               </a:blipFill>
               <a:ln>
@@ -21726,7 +20024,7 @@
               <a:lstStyle/>
               <a:p>
                 <a:r>
-                  <a:rPr lang="en-US">
+                  <a:rPr lang="pt-BR">
                     <a:noFill/>
                   </a:rPr>
                   <a:t> </a:t>
@@ -26276,25 +24574,17 @@
       </p:sp>
       <p:sp>
         <p:nvSpPr>
-          <p:cNvPr id="4" name="TextShape 2"/>
-          <p:cNvSpPr txBox="1"/>
-          <p:nvPr/>
+          <p:cNvPr id="3" name="Subtitle 2"/>
+          <p:cNvSpPr>
+            <a:spLocks noGrp="1"/>
+          </p:cNvSpPr>
+          <p:nvPr>
+            <p:ph type="subTitle"/>
+          </p:nvPr>
         </p:nvSpPr>
-        <p:spPr>
-          <a:xfrm>
-            <a:off x="457200" y="1600200"/>
-            <a:ext cx="8229240" cy="4525560"/>
-          </a:xfrm>
-          <a:prstGeom prst="rect">
-            <a:avLst/>
-          </a:prstGeom>
-          <a:noFill/>
-          <a:ln>
-            <a:noFill/>
-          </a:ln>
-        </p:spPr>
+        <p:spPr/>
         <p:txBody>
-          <a:bodyPr/>
+          <a:bodyPr anchor="t"/>
           <a:lstStyle/>
           <a:p>
             <a:pPr marL="342900" indent="-342900">
@@ -26302,35 +24592,50 @@
               <a:buAutoNum type="arabicPeriod"/>
             </a:pPr>
             <a:r>
-              <a:rPr lang="pt-BR" sz="1400" dirty="0">
-                <a:latin typeface="Calibri" panose="020F0502020204030204" pitchFamily="34" charset="0"/>
-              </a:rPr>
-              <a:t>Elisa Amorim, Emilio Vital Brazil, Jesús Mena-Chalco, Luiz Velho, Luis Gustavo Nonato, Faramarz Samavati, and Mario Costa Sousa. 2015. Facing the high-dimensions</a:t>
+              <a:rPr lang="pt-BR" sz="1400" dirty="0" smtClean="0"/>
+              <a:t>Elisa </a:t>
             </a:r>
             <a:r>
-              <a:rPr lang="en-US" sz="1400" dirty="0">
-                <a:latin typeface="Calibri" panose="020F0502020204030204" pitchFamily="34" charset="0"/>
-              </a:rPr>
-              <a:t>: Inverse projection with radial basis functions</a:t>
+              <a:rPr lang="pt-BR" sz="1400" dirty="0"/>
+              <a:t>Amorim, Emilio Vital Brazil, Jesús Mena-Chalco, Luiz Velho, Luis Gustavo Nonato, Faramarz Samavati, and Mario Costa Sousa. 2015. Facing the </a:t>
             </a:r>
             <a:r>
-              <a:rPr lang="pt-BR" sz="1400" dirty="0">
-                <a:latin typeface="Calibri" panose="020F0502020204030204" pitchFamily="34" charset="0"/>
-              </a:rPr>
-              <a:t>. </a:t>
+              <a:rPr lang="pt-BR" sz="1400" dirty="0" smtClean="0"/>
+              <a:t>high-dimensions</a:t>
             </a:r>
             <a:r>
-              <a:rPr lang="pt-BR" sz="1400" i="1" dirty="0">
-                <a:latin typeface="Calibri" panose="020F0502020204030204" pitchFamily="34" charset="0"/>
-              </a:rPr>
+              <a:rPr lang="en-US" sz="1400" dirty="0" smtClean="0"/>
+              <a:t>: </a:t>
+            </a:r>
+            <a:r>
+              <a:rPr lang="en-US" sz="1400" dirty="0"/>
+              <a:t>Inverse projection with radial basis functions</a:t>
+            </a:r>
+            <a:r>
+              <a:rPr lang="pt-BR" sz="1400" dirty="0" smtClean="0"/>
+              <a:t>.</a:t>
+            </a:r>
+            <a:r>
+              <a:rPr lang="pt-BR" sz="1400" dirty="0"/>
+              <a:t> </a:t>
+            </a:r>
+            <a:r>
+              <a:rPr lang="pt-BR" sz="1400" i="1" dirty="0"/>
               <a:t>Comput. Graph.</a:t>
             </a:r>
             <a:r>
-              <a:rPr lang="pt-BR" sz="1400" dirty="0">
-                <a:latin typeface="Calibri" panose="020F0502020204030204" pitchFamily="34" charset="0"/>
-              </a:rPr>
-              <a:t> 48, C (May 2015), 35-47. DOI=http://dx.doi.org/10.1016/j.cag.2015.02.009</a:t>
+              <a:rPr lang="pt-BR" sz="1400" dirty="0"/>
+              <a:t> 48, C (May 2015), 35-47. </a:t>
             </a:r>
+            <a:r>
+              <a:rPr lang="pt-BR" sz="1400" dirty="0" smtClean="0"/>
+              <a:t>DOI=http</a:t>
+            </a:r>
+            <a:r>
+              <a:rPr lang="pt-BR" sz="1400" dirty="0"/>
+              <a:t>://dx.doi.org/10.1016/j.cag.2015.02.009</a:t>
+            </a:r>
+            <a:endParaRPr lang="pt-BR" sz="1400" dirty="0"/>
           </a:p>
         </p:txBody>
       </p:sp>
@@ -27579,7 +25884,7 @@
   <a:extraClrSchemeLst/>
   <a:extLst>
     <a:ext uri="{05A4C25C-085E-4340-85A3-A5531E510DB2}">
-      <thm15:themeFamily xmlns:thm15="http://schemas.microsoft.com/office/thememl/2012/main" name="Office Theme" id="{62F939B6-93AF-4DB8-9C6B-D6C7DFDC589F}" vid="{4A3C46E8-61CC-4603-A589-7422A47A8E4A}"/>
+      <thm15:themeFamily xmlns="" xmlns:thm15="http://schemas.microsoft.com/office/thememl/2012/main" name="Office Theme" id="{62F939B6-93AF-4DB8-9C6B-D6C7DFDC589F}" vid="{4A3C46E8-61CC-4603-A589-7422A47A8E4A}"/>
     </a:ext>
   </a:extLst>
 </a:theme>

--- a/pres.pptx [Repaired].pptx
+++ b/pres.pptx [Repaired].pptx
@@ -13190,8 +13190,8 @@
           </a:p>
         </p:txBody>
       </p:sp>
-      <mc:AlternateContent xmlns:mc="http://schemas.openxmlformats.org/markup-compatibility/2006">
-        <mc:Choice xmlns:a14="http://schemas.microsoft.com/office/drawing/2010/main" Requires="a14">
+      <mc:AlternateContent xmlns:mc="http://schemas.openxmlformats.org/markup-compatibility/2006" xmlns:a14="http://schemas.microsoft.com/office/drawing/2010/main">
+        <mc:Choice Requires="a14">
           <p:sp>
             <p:nvSpPr>
               <p:cNvPr id="100" name="TextShape 2"/>
@@ -13973,14 +13973,7 @@
                                 <a:latin typeface="Cambria Math"/>
                                 <a:ea typeface="Cambria Math"/>
                               </a:rPr>
-                              <m:t>,(1,1</m:t>
-                            </m:r>
-                            <m:r>
-                              <a:rPr lang="pt-BR" sz="1600" b="0" i="1" smtClean="0">
-                                <a:latin typeface="Cambria Math" panose="02040503050406030204" pitchFamily="18" charset="0"/>
-                                <a:ea typeface="Cambria Math"/>
-                              </a:rPr>
-                              <m:t>)</m:t>
+                              <m:t>,(1,1)</m:t>
                             </m:r>
                           </m:sub>
                         </m:sSub>
@@ -14074,7 +14067,7 @@
             </p:txBody>
           </p:sp>
         </mc:Choice>
-        <mc:Fallback>
+        <mc:Fallback xmlns="">
           <p:sp>
             <p:nvSpPr>
               <p:cNvPr id="100" name="TextShape 2"/>
